--- a/1-javascript/1-javascript.pptx
+++ b/1-javascript/1-javascript.pptx
@@ -3766,1250 +3766,7 @@
           <a:bodyPr/>
           <a:lstStyle/>
           <a:p>
-            <a:r>
-              <a:rPr lang="en-US" altLang="ko-KR" b="0" dirty="0">
-                <a:solidFill>
-                  <a:srgbClr val="569CD6"/>
-                </a:solidFill>
-                <a:effectLst/>
-                <a:latin typeface="Consolas" panose="020B0609020204030204" pitchFamily="49" charset="0"/>
-              </a:rPr>
-              <a:t>const</a:t>
-            </a:r>
-            <a:r>
-              <a:rPr lang="en-US" altLang="ko-KR" b="0" dirty="0">
-                <a:solidFill>
-                  <a:srgbClr val="D4D4D4"/>
-                </a:solidFill>
-                <a:effectLst/>
-                <a:latin typeface="Consolas" panose="020B0609020204030204" pitchFamily="49" charset="0"/>
-              </a:rPr>
-              <a:t> </a:t>
-            </a:r>
-            <a:r>
-              <a:rPr lang="en-US" altLang="ko-KR" b="0" dirty="0" err="1">
-                <a:solidFill>
-                  <a:srgbClr val="DCDCAA"/>
-                </a:solidFill>
-                <a:effectLst/>
-                <a:latin typeface="Consolas" panose="020B0609020204030204" pitchFamily="49" charset="0"/>
-              </a:rPr>
-              <a:t>promiseExam</a:t>
-            </a:r>
-            <a:r>
-              <a:rPr lang="en-US" altLang="ko-KR" b="0" dirty="0">
-                <a:solidFill>
-                  <a:srgbClr val="D4D4D4"/>
-                </a:solidFill>
-                <a:effectLst/>
-                <a:latin typeface="Consolas" panose="020B0609020204030204" pitchFamily="49" charset="0"/>
-              </a:rPr>
-              <a:t> = (</a:t>
-            </a:r>
-            <a:r>
-              <a:rPr lang="en-US" altLang="ko-KR" b="0" dirty="0">
-                <a:solidFill>
-                  <a:srgbClr val="9CDCFE"/>
-                </a:solidFill>
-                <a:effectLst/>
-                <a:latin typeface="Consolas" panose="020B0609020204030204" pitchFamily="49" charset="0"/>
-              </a:rPr>
-              <a:t>timeout</a:t>
-            </a:r>
-            <a:r>
-              <a:rPr lang="en-US" altLang="ko-KR" b="0" dirty="0">
-                <a:solidFill>
-                  <a:srgbClr val="D4D4D4"/>
-                </a:solidFill>
-                <a:effectLst/>
-                <a:latin typeface="Consolas" panose="020B0609020204030204" pitchFamily="49" charset="0"/>
-              </a:rPr>
-              <a:t>) </a:t>
-            </a:r>
-            <a:r>
-              <a:rPr lang="en-US" altLang="ko-KR" b="0" dirty="0">
-                <a:solidFill>
-                  <a:srgbClr val="569CD6"/>
-                </a:solidFill>
-                <a:effectLst/>
-                <a:latin typeface="Consolas" panose="020B0609020204030204" pitchFamily="49" charset="0"/>
-              </a:rPr>
-              <a:t>=&gt;</a:t>
-            </a:r>
-            <a:r>
-              <a:rPr lang="en-US" altLang="ko-KR" b="0" dirty="0">
-                <a:solidFill>
-                  <a:srgbClr val="D4D4D4"/>
-                </a:solidFill>
-                <a:effectLst/>
-                <a:latin typeface="Consolas" panose="020B0609020204030204" pitchFamily="49" charset="0"/>
-              </a:rPr>
-              <a:t> {</a:t>
-            </a:r>
-          </a:p>
-          <a:p>
-            <a:r>
-              <a:rPr lang="en-US" altLang="ko-KR" b="0" dirty="0">
-                <a:solidFill>
-                  <a:srgbClr val="D4D4D4"/>
-                </a:solidFill>
-                <a:effectLst/>
-                <a:latin typeface="Consolas" panose="020B0609020204030204" pitchFamily="49" charset="0"/>
-              </a:rPr>
-              <a:t>  </a:t>
-            </a:r>
-            <a:r>
-              <a:rPr lang="en-US" altLang="ko-KR" b="0" dirty="0">
-                <a:solidFill>
-                  <a:srgbClr val="C586C0"/>
-                </a:solidFill>
-                <a:effectLst/>
-                <a:latin typeface="Consolas" panose="020B0609020204030204" pitchFamily="49" charset="0"/>
-              </a:rPr>
-              <a:t>return</a:t>
-            </a:r>
-            <a:r>
-              <a:rPr lang="en-US" altLang="ko-KR" b="0" dirty="0">
-                <a:solidFill>
-                  <a:srgbClr val="D4D4D4"/>
-                </a:solidFill>
-                <a:effectLst/>
-                <a:latin typeface="Consolas" panose="020B0609020204030204" pitchFamily="49" charset="0"/>
-              </a:rPr>
-              <a:t> </a:t>
-            </a:r>
-            <a:r>
-              <a:rPr lang="en-US" altLang="ko-KR" b="0" dirty="0">
-                <a:solidFill>
-                  <a:srgbClr val="569CD6"/>
-                </a:solidFill>
-                <a:effectLst/>
-                <a:latin typeface="Consolas" panose="020B0609020204030204" pitchFamily="49" charset="0"/>
-              </a:rPr>
-              <a:t>new</a:t>
-            </a:r>
-            <a:r>
-              <a:rPr lang="en-US" altLang="ko-KR" b="0" dirty="0">
-                <a:solidFill>
-                  <a:srgbClr val="D4D4D4"/>
-                </a:solidFill>
-                <a:effectLst/>
-                <a:latin typeface="Consolas" panose="020B0609020204030204" pitchFamily="49" charset="0"/>
-              </a:rPr>
-              <a:t> </a:t>
-            </a:r>
-            <a:r>
-              <a:rPr lang="en-US" altLang="ko-KR" b="0" dirty="0">
-                <a:solidFill>
-                  <a:srgbClr val="4EC9B0"/>
-                </a:solidFill>
-                <a:effectLst/>
-                <a:latin typeface="Consolas" panose="020B0609020204030204" pitchFamily="49" charset="0"/>
-              </a:rPr>
-              <a:t>Promise</a:t>
-            </a:r>
-            <a:r>
-              <a:rPr lang="en-US" altLang="ko-KR" b="0" dirty="0">
-                <a:solidFill>
-                  <a:srgbClr val="D4D4D4"/>
-                </a:solidFill>
-                <a:effectLst/>
-                <a:latin typeface="Consolas" panose="020B0609020204030204" pitchFamily="49" charset="0"/>
-              </a:rPr>
-              <a:t>((</a:t>
-            </a:r>
-            <a:r>
-              <a:rPr lang="en-US" altLang="ko-KR" b="0" dirty="0">
-                <a:solidFill>
-                  <a:srgbClr val="DCDCAA"/>
-                </a:solidFill>
-                <a:effectLst/>
-                <a:latin typeface="Consolas" panose="020B0609020204030204" pitchFamily="49" charset="0"/>
-              </a:rPr>
-              <a:t>resolve</a:t>
-            </a:r>
-            <a:r>
-              <a:rPr lang="en-US" altLang="ko-KR" b="0" dirty="0">
-                <a:solidFill>
-                  <a:srgbClr val="D4D4D4"/>
-                </a:solidFill>
-                <a:effectLst/>
-                <a:latin typeface="Consolas" panose="020B0609020204030204" pitchFamily="49" charset="0"/>
-              </a:rPr>
-              <a:t>, </a:t>
-            </a:r>
-            <a:r>
-              <a:rPr lang="en-US" altLang="ko-KR" b="0" dirty="0">
-                <a:solidFill>
-                  <a:srgbClr val="DCDCAA"/>
-                </a:solidFill>
-                <a:effectLst/>
-                <a:latin typeface="Consolas" panose="020B0609020204030204" pitchFamily="49" charset="0"/>
-              </a:rPr>
-              <a:t>reject</a:t>
-            </a:r>
-            <a:r>
-              <a:rPr lang="en-US" altLang="ko-KR" b="0" dirty="0">
-                <a:solidFill>
-                  <a:srgbClr val="D4D4D4"/>
-                </a:solidFill>
-                <a:effectLst/>
-                <a:latin typeface="Consolas" panose="020B0609020204030204" pitchFamily="49" charset="0"/>
-              </a:rPr>
-              <a:t>) </a:t>
-            </a:r>
-            <a:r>
-              <a:rPr lang="en-US" altLang="ko-KR" b="0" dirty="0">
-                <a:solidFill>
-                  <a:srgbClr val="569CD6"/>
-                </a:solidFill>
-                <a:effectLst/>
-                <a:latin typeface="Consolas" panose="020B0609020204030204" pitchFamily="49" charset="0"/>
-              </a:rPr>
-              <a:t>=&gt;</a:t>
-            </a:r>
-            <a:r>
-              <a:rPr lang="en-US" altLang="ko-KR" b="0" dirty="0">
-                <a:solidFill>
-                  <a:srgbClr val="D4D4D4"/>
-                </a:solidFill>
-                <a:effectLst/>
-                <a:latin typeface="Consolas" panose="020B0609020204030204" pitchFamily="49" charset="0"/>
-              </a:rPr>
-              <a:t> {</a:t>
-            </a:r>
-          </a:p>
-          <a:p>
-            <a:r>
-              <a:rPr lang="en-US" altLang="ko-KR" b="0" dirty="0">
-                <a:solidFill>
-                  <a:srgbClr val="D4D4D4"/>
-                </a:solidFill>
-                <a:effectLst/>
-                <a:latin typeface="Consolas" panose="020B0609020204030204" pitchFamily="49" charset="0"/>
-              </a:rPr>
-              <a:t>    </a:t>
-            </a:r>
-            <a:r>
-              <a:rPr lang="en-US" altLang="ko-KR" b="0" dirty="0">
-                <a:solidFill>
-                  <a:srgbClr val="C586C0"/>
-                </a:solidFill>
-                <a:effectLst/>
-                <a:latin typeface="Consolas" panose="020B0609020204030204" pitchFamily="49" charset="0"/>
-              </a:rPr>
-              <a:t>if</a:t>
-            </a:r>
-            <a:r>
-              <a:rPr lang="en-US" altLang="ko-KR" b="0" dirty="0">
-                <a:solidFill>
-                  <a:srgbClr val="D4D4D4"/>
-                </a:solidFill>
-                <a:effectLst/>
-                <a:latin typeface="Consolas" panose="020B0609020204030204" pitchFamily="49" charset="0"/>
-              </a:rPr>
-              <a:t> (</a:t>
-            </a:r>
-            <a:r>
-              <a:rPr lang="en-US" altLang="ko-KR" b="0" dirty="0">
-                <a:solidFill>
-                  <a:srgbClr val="9CDCFE"/>
-                </a:solidFill>
-                <a:effectLst/>
-                <a:latin typeface="Consolas" panose="020B0609020204030204" pitchFamily="49" charset="0"/>
-              </a:rPr>
-              <a:t>timeout</a:t>
-            </a:r>
-            <a:r>
-              <a:rPr lang="en-US" altLang="ko-KR" b="0" dirty="0">
-                <a:solidFill>
-                  <a:srgbClr val="D4D4D4"/>
-                </a:solidFill>
-                <a:effectLst/>
-                <a:latin typeface="Consolas" panose="020B0609020204030204" pitchFamily="49" charset="0"/>
-              </a:rPr>
-              <a:t> &gt; </a:t>
-            </a:r>
-            <a:r>
-              <a:rPr lang="en-US" altLang="ko-KR" b="0" dirty="0">
-                <a:solidFill>
-                  <a:srgbClr val="B5CEA8"/>
-                </a:solidFill>
-                <a:effectLst/>
-                <a:latin typeface="Consolas" panose="020B0609020204030204" pitchFamily="49" charset="0"/>
-              </a:rPr>
-              <a:t>5000</a:t>
-            </a:r>
-            <a:r>
-              <a:rPr lang="en-US" altLang="ko-KR" b="0" dirty="0">
-                <a:solidFill>
-                  <a:srgbClr val="D4D4D4"/>
-                </a:solidFill>
-                <a:effectLst/>
-                <a:latin typeface="Consolas" panose="020B0609020204030204" pitchFamily="49" charset="0"/>
-              </a:rPr>
-              <a:t>) </a:t>
-            </a:r>
-            <a:r>
-              <a:rPr lang="en-US" altLang="ko-KR" b="0" dirty="0">
-                <a:solidFill>
-                  <a:srgbClr val="DCDCAA"/>
-                </a:solidFill>
-                <a:effectLst/>
-                <a:latin typeface="Consolas" panose="020B0609020204030204" pitchFamily="49" charset="0"/>
-              </a:rPr>
-              <a:t>reject</a:t>
-            </a:r>
-            <a:r>
-              <a:rPr lang="en-US" altLang="ko-KR" b="0" dirty="0">
-                <a:solidFill>
-                  <a:srgbClr val="D4D4D4"/>
-                </a:solidFill>
-                <a:effectLst/>
-                <a:latin typeface="Consolas" panose="020B0609020204030204" pitchFamily="49" charset="0"/>
-              </a:rPr>
-              <a:t>(</a:t>
-            </a:r>
-            <a:r>
-              <a:rPr lang="en-US" altLang="ko-KR" b="0" dirty="0">
-                <a:solidFill>
-                  <a:srgbClr val="CE9178"/>
-                </a:solidFill>
-                <a:effectLst/>
-                <a:latin typeface="Consolas" panose="020B0609020204030204" pitchFamily="49" charset="0"/>
-              </a:rPr>
-              <a:t>"timeout is too long"</a:t>
-            </a:r>
-            <a:r>
-              <a:rPr lang="en-US" altLang="ko-KR" b="0" dirty="0">
-                <a:solidFill>
-                  <a:srgbClr val="D4D4D4"/>
-                </a:solidFill>
-                <a:effectLst/>
-                <a:latin typeface="Consolas" panose="020B0609020204030204" pitchFamily="49" charset="0"/>
-              </a:rPr>
-              <a:t>);</a:t>
-            </a:r>
-          </a:p>
-          <a:p>
-            <a:r>
-              <a:rPr lang="en-US" altLang="ko-KR" b="0" dirty="0">
-                <a:solidFill>
-                  <a:srgbClr val="D4D4D4"/>
-                </a:solidFill>
-                <a:effectLst/>
-                <a:latin typeface="Consolas" panose="020B0609020204030204" pitchFamily="49" charset="0"/>
-              </a:rPr>
-              <a:t>    </a:t>
-            </a:r>
-            <a:r>
-              <a:rPr lang="en-US" altLang="ko-KR" b="0" dirty="0" err="1">
-                <a:solidFill>
-                  <a:srgbClr val="DCDCAA"/>
-                </a:solidFill>
-                <a:effectLst/>
-                <a:latin typeface="Consolas" panose="020B0609020204030204" pitchFamily="49" charset="0"/>
-              </a:rPr>
-              <a:t>setTimeout</a:t>
-            </a:r>
-            <a:r>
-              <a:rPr lang="en-US" altLang="ko-KR" b="0" dirty="0">
-                <a:solidFill>
-                  <a:srgbClr val="D4D4D4"/>
-                </a:solidFill>
-                <a:effectLst/>
-                <a:latin typeface="Consolas" panose="020B0609020204030204" pitchFamily="49" charset="0"/>
-              </a:rPr>
-              <a:t>(() </a:t>
-            </a:r>
-            <a:r>
-              <a:rPr lang="en-US" altLang="ko-KR" b="0" dirty="0">
-                <a:solidFill>
-                  <a:srgbClr val="569CD6"/>
-                </a:solidFill>
-                <a:effectLst/>
-                <a:latin typeface="Consolas" panose="020B0609020204030204" pitchFamily="49" charset="0"/>
-              </a:rPr>
-              <a:t>=&gt;</a:t>
-            </a:r>
-            <a:r>
-              <a:rPr lang="en-US" altLang="ko-KR" b="0" dirty="0">
-                <a:solidFill>
-                  <a:srgbClr val="D4D4D4"/>
-                </a:solidFill>
-                <a:effectLst/>
-                <a:latin typeface="Consolas" panose="020B0609020204030204" pitchFamily="49" charset="0"/>
-              </a:rPr>
-              <a:t> {</a:t>
-            </a:r>
-          </a:p>
-          <a:p>
-            <a:r>
-              <a:rPr lang="en-US" altLang="ko-KR" b="0" dirty="0">
-                <a:solidFill>
-                  <a:srgbClr val="D4D4D4"/>
-                </a:solidFill>
-                <a:effectLst/>
-                <a:latin typeface="Consolas" panose="020B0609020204030204" pitchFamily="49" charset="0"/>
-              </a:rPr>
-              <a:t>      </a:t>
-            </a:r>
-            <a:r>
-              <a:rPr lang="en-US" altLang="ko-KR" b="0" dirty="0">
-                <a:solidFill>
-                  <a:srgbClr val="DCDCAA"/>
-                </a:solidFill>
-                <a:effectLst/>
-                <a:latin typeface="Consolas" panose="020B0609020204030204" pitchFamily="49" charset="0"/>
-              </a:rPr>
-              <a:t>resolve</a:t>
-            </a:r>
-            <a:r>
-              <a:rPr lang="en-US" altLang="ko-KR" b="0" dirty="0">
-                <a:solidFill>
-                  <a:srgbClr val="D4D4D4"/>
-                </a:solidFill>
-                <a:effectLst/>
-                <a:latin typeface="Consolas" panose="020B0609020204030204" pitchFamily="49" charset="0"/>
-              </a:rPr>
-              <a:t>(</a:t>
-            </a:r>
-            <a:r>
-              <a:rPr lang="en-US" altLang="ko-KR" b="0" dirty="0">
-                <a:solidFill>
-                  <a:srgbClr val="CE9178"/>
-                </a:solidFill>
-                <a:effectLst/>
-                <a:latin typeface="Consolas" panose="020B0609020204030204" pitchFamily="49" charset="0"/>
-              </a:rPr>
-              <a:t>"timeout end"</a:t>
-            </a:r>
-            <a:r>
-              <a:rPr lang="en-US" altLang="ko-KR" b="0" dirty="0">
-                <a:solidFill>
-                  <a:srgbClr val="D4D4D4"/>
-                </a:solidFill>
-                <a:effectLst/>
-                <a:latin typeface="Consolas" panose="020B0609020204030204" pitchFamily="49" charset="0"/>
-              </a:rPr>
-              <a:t>);</a:t>
-            </a:r>
-          </a:p>
-          <a:p>
-            <a:r>
-              <a:rPr lang="en-US" altLang="ko-KR" b="0" dirty="0">
-                <a:solidFill>
-                  <a:srgbClr val="D4D4D4"/>
-                </a:solidFill>
-                <a:effectLst/>
-                <a:latin typeface="Consolas" panose="020B0609020204030204" pitchFamily="49" charset="0"/>
-              </a:rPr>
-              <a:t>    }, </a:t>
-            </a:r>
-            <a:r>
-              <a:rPr lang="en-US" altLang="ko-KR" b="0" dirty="0">
-                <a:solidFill>
-                  <a:srgbClr val="9CDCFE"/>
-                </a:solidFill>
-                <a:effectLst/>
-                <a:latin typeface="Consolas" panose="020B0609020204030204" pitchFamily="49" charset="0"/>
-              </a:rPr>
-              <a:t>timeout</a:t>
-            </a:r>
-            <a:r>
-              <a:rPr lang="en-US" altLang="ko-KR" b="0" dirty="0">
-                <a:solidFill>
-                  <a:srgbClr val="D4D4D4"/>
-                </a:solidFill>
-                <a:effectLst/>
-                <a:latin typeface="Consolas" panose="020B0609020204030204" pitchFamily="49" charset="0"/>
-              </a:rPr>
-              <a:t>);</a:t>
-            </a:r>
-          </a:p>
-          <a:p>
-            <a:r>
-              <a:rPr lang="en-US" altLang="ko-KR" b="0" dirty="0">
-                <a:solidFill>
-                  <a:srgbClr val="D4D4D4"/>
-                </a:solidFill>
-                <a:effectLst/>
-                <a:latin typeface="Consolas" panose="020B0609020204030204" pitchFamily="49" charset="0"/>
-              </a:rPr>
-              <a:t>  });</a:t>
-            </a:r>
-          </a:p>
-          <a:p>
-            <a:r>
-              <a:rPr lang="en-US" altLang="ko-KR" b="0" dirty="0">
-                <a:solidFill>
-                  <a:srgbClr val="D4D4D4"/>
-                </a:solidFill>
-                <a:effectLst/>
-                <a:latin typeface="Consolas" panose="020B0609020204030204" pitchFamily="49" charset="0"/>
-              </a:rPr>
-              <a:t>};</a:t>
-            </a:r>
-          </a:p>
-          <a:p>
-            <a:br>
-              <a:rPr lang="en-US" altLang="ko-KR" b="0" dirty="0">
-                <a:solidFill>
-                  <a:srgbClr val="D4D4D4"/>
-                </a:solidFill>
-                <a:effectLst/>
-                <a:latin typeface="Consolas" panose="020B0609020204030204" pitchFamily="49" charset="0"/>
-              </a:rPr>
-            </a:br>
-            <a:r>
-              <a:rPr lang="en-US" altLang="ko-KR" b="0" dirty="0">
-                <a:solidFill>
-                  <a:srgbClr val="569CD6"/>
-                </a:solidFill>
-                <a:effectLst/>
-                <a:latin typeface="Consolas" panose="020B0609020204030204" pitchFamily="49" charset="0"/>
-              </a:rPr>
-              <a:t>async</a:t>
-            </a:r>
-            <a:r>
-              <a:rPr lang="en-US" altLang="ko-KR" b="0" dirty="0">
-                <a:solidFill>
-                  <a:srgbClr val="D4D4D4"/>
-                </a:solidFill>
-                <a:effectLst/>
-                <a:latin typeface="Consolas" panose="020B0609020204030204" pitchFamily="49" charset="0"/>
-              </a:rPr>
-              <a:t> </a:t>
-            </a:r>
-            <a:r>
-              <a:rPr lang="en-US" altLang="ko-KR" b="0" dirty="0">
-                <a:solidFill>
-                  <a:srgbClr val="569CD6"/>
-                </a:solidFill>
-                <a:effectLst/>
-                <a:latin typeface="Consolas" panose="020B0609020204030204" pitchFamily="49" charset="0"/>
-              </a:rPr>
-              <a:t>function</a:t>
-            </a:r>
-            <a:r>
-              <a:rPr lang="en-US" altLang="ko-KR" b="0" dirty="0">
-                <a:solidFill>
-                  <a:srgbClr val="D4D4D4"/>
-                </a:solidFill>
-                <a:effectLst/>
-                <a:latin typeface="Consolas" panose="020B0609020204030204" pitchFamily="49" charset="0"/>
-              </a:rPr>
-              <a:t> </a:t>
-            </a:r>
-            <a:r>
-              <a:rPr lang="en-US" altLang="ko-KR" b="0" dirty="0" err="1">
-                <a:solidFill>
-                  <a:srgbClr val="DCDCAA"/>
-                </a:solidFill>
-                <a:effectLst/>
-                <a:latin typeface="Consolas" panose="020B0609020204030204" pitchFamily="49" charset="0"/>
-              </a:rPr>
-              <a:t>asyncTest</a:t>
-            </a:r>
-            <a:r>
-              <a:rPr lang="en-US" altLang="ko-KR" b="0" dirty="0">
-                <a:solidFill>
-                  <a:srgbClr val="D4D4D4"/>
-                </a:solidFill>
-                <a:effectLst/>
-                <a:latin typeface="Consolas" panose="020B0609020204030204" pitchFamily="49" charset="0"/>
-              </a:rPr>
-              <a:t>() {</a:t>
-            </a:r>
-          </a:p>
-          <a:p>
-            <a:r>
-              <a:rPr lang="en-US" altLang="ko-KR" b="0" dirty="0">
-                <a:solidFill>
-                  <a:srgbClr val="D4D4D4"/>
-                </a:solidFill>
-                <a:effectLst/>
-                <a:latin typeface="Consolas" panose="020B0609020204030204" pitchFamily="49" charset="0"/>
-              </a:rPr>
-              <a:t>  </a:t>
-            </a:r>
-            <a:r>
-              <a:rPr lang="en-US" altLang="ko-KR" b="0" dirty="0">
-                <a:solidFill>
-                  <a:srgbClr val="C586C0"/>
-                </a:solidFill>
-                <a:effectLst/>
-                <a:latin typeface="Consolas" panose="020B0609020204030204" pitchFamily="49" charset="0"/>
-              </a:rPr>
-              <a:t>try</a:t>
-            </a:r>
-            <a:r>
-              <a:rPr lang="en-US" altLang="ko-KR" b="0" dirty="0">
-                <a:solidFill>
-                  <a:srgbClr val="D4D4D4"/>
-                </a:solidFill>
-                <a:effectLst/>
-                <a:latin typeface="Consolas" panose="020B0609020204030204" pitchFamily="49" charset="0"/>
-              </a:rPr>
-              <a:t> {</a:t>
-            </a:r>
-          </a:p>
-          <a:p>
-            <a:r>
-              <a:rPr lang="en-US" altLang="ko-KR" b="0" dirty="0">
-                <a:solidFill>
-                  <a:srgbClr val="D4D4D4"/>
-                </a:solidFill>
-                <a:effectLst/>
-                <a:latin typeface="Consolas" panose="020B0609020204030204" pitchFamily="49" charset="0"/>
-              </a:rPr>
-              <a:t>    </a:t>
-            </a:r>
-            <a:r>
-              <a:rPr lang="en-US" altLang="ko-KR" b="0" dirty="0">
-                <a:solidFill>
-                  <a:srgbClr val="569CD6"/>
-                </a:solidFill>
-                <a:effectLst/>
-                <a:latin typeface="Consolas" panose="020B0609020204030204" pitchFamily="49" charset="0"/>
-              </a:rPr>
-              <a:t>let</a:t>
-            </a:r>
-            <a:r>
-              <a:rPr lang="en-US" altLang="ko-KR" b="0" dirty="0">
-                <a:solidFill>
-                  <a:srgbClr val="D4D4D4"/>
-                </a:solidFill>
-                <a:effectLst/>
-                <a:latin typeface="Consolas" panose="020B0609020204030204" pitchFamily="49" charset="0"/>
-              </a:rPr>
-              <a:t> </a:t>
-            </a:r>
-            <a:r>
-              <a:rPr lang="en-US" altLang="ko-KR" b="0" dirty="0">
-                <a:solidFill>
-                  <a:srgbClr val="9CDCFE"/>
-                </a:solidFill>
-                <a:effectLst/>
-                <a:latin typeface="Consolas" panose="020B0609020204030204" pitchFamily="49" charset="0"/>
-              </a:rPr>
-              <a:t>result</a:t>
-            </a:r>
-            <a:r>
-              <a:rPr lang="en-US" altLang="ko-KR" b="0" dirty="0">
-                <a:solidFill>
-                  <a:srgbClr val="D4D4D4"/>
-                </a:solidFill>
-                <a:effectLst/>
-                <a:latin typeface="Consolas" panose="020B0609020204030204" pitchFamily="49" charset="0"/>
-              </a:rPr>
-              <a:t> = </a:t>
-            </a:r>
-            <a:r>
-              <a:rPr lang="en-US" altLang="ko-KR" b="0" dirty="0">
-                <a:solidFill>
-                  <a:srgbClr val="C586C0"/>
-                </a:solidFill>
-                <a:effectLst/>
-                <a:latin typeface="Consolas" panose="020B0609020204030204" pitchFamily="49" charset="0"/>
-              </a:rPr>
-              <a:t>await</a:t>
-            </a:r>
-            <a:r>
-              <a:rPr lang="en-US" altLang="ko-KR" b="0" dirty="0">
-                <a:solidFill>
-                  <a:srgbClr val="D4D4D4"/>
-                </a:solidFill>
-                <a:effectLst/>
-                <a:latin typeface="Consolas" panose="020B0609020204030204" pitchFamily="49" charset="0"/>
-              </a:rPr>
-              <a:t> </a:t>
-            </a:r>
-            <a:r>
-              <a:rPr lang="en-US" altLang="ko-KR" b="0" dirty="0" err="1">
-                <a:solidFill>
-                  <a:srgbClr val="DCDCAA"/>
-                </a:solidFill>
-                <a:effectLst/>
-                <a:latin typeface="Consolas" panose="020B0609020204030204" pitchFamily="49" charset="0"/>
-              </a:rPr>
-              <a:t>promiseExam</a:t>
-            </a:r>
-            <a:r>
-              <a:rPr lang="en-US" altLang="ko-KR" b="0" dirty="0">
-                <a:solidFill>
-                  <a:srgbClr val="D4D4D4"/>
-                </a:solidFill>
-                <a:effectLst/>
-                <a:latin typeface="Consolas" panose="020B0609020204030204" pitchFamily="49" charset="0"/>
-              </a:rPr>
-              <a:t>(</a:t>
-            </a:r>
-            <a:r>
-              <a:rPr lang="en-US" altLang="ko-KR" b="0" dirty="0">
-                <a:solidFill>
-                  <a:srgbClr val="B5CEA8"/>
-                </a:solidFill>
-                <a:effectLst/>
-                <a:latin typeface="Consolas" panose="020B0609020204030204" pitchFamily="49" charset="0"/>
-              </a:rPr>
-              <a:t>1000</a:t>
-            </a:r>
-            <a:r>
-              <a:rPr lang="en-US" altLang="ko-KR" b="0" dirty="0">
-                <a:solidFill>
-                  <a:srgbClr val="D4D4D4"/>
-                </a:solidFill>
-                <a:effectLst/>
-                <a:latin typeface="Consolas" panose="020B0609020204030204" pitchFamily="49" charset="0"/>
-              </a:rPr>
-              <a:t>);</a:t>
-            </a:r>
-          </a:p>
-          <a:p>
-            <a:r>
-              <a:rPr lang="en-US" altLang="ko-KR" b="0" dirty="0">
-                <a:solidFill>
-                  <a:srgbClr val="D4D4D4"/>
-                </a:solidFill>
-                <a:effectLst/>
-                <a:latin typeface="Consolas" panose="020B0609020204030204" pitchFamily="49" charset="0"/>
-              </a:rPr>
-              <a:t>    </a:t>
-            </a:r>
-            <a:r>
-              <a:rPr lang="en-US" altLang="ko-KR" b="0" dirty="0">
-                <a:solidFill>
-                  <a:srgbClr val="9CDCFE"/>
-                </a:solidFill>
-                <a:effectLst/>
-                <a:latin typeface="Consolas" panose="020B0609020204030204" pitchFamily="49" charset="0"/>
-              </a:rPr>
-              <a:t>console</a:t>
-            </a:r>
-            <a:r>
-              <a:rPr lang="en-US" altLang="ko-KR" b="0" dirty="0">
-                <a:solidFill>
-                  <a:srgbClr val="D4D4D4"/>
-                </a:solidFill>
-                <a:effectLst/>
-                <a:latin typeface="Consolas" panose="020B0609020204030204" pitchFamily="49" charset="0"/>
-              </a:rPr>
-              <a:t>.</a:t>
-            </a:r>
-            <a:r>
-              <a:rPr lang="en-US" altLang="ko-KR" b="0" dirty="0">
-                <a:solidFill>
-                  <a:srgbClr val="DCDCAA"/>
-                </a:solidFill>
-                <a:effectLst/>
-                <a:latin typeface="Consolas" panose="020B0609020204030204" pitchFamily="49" charset="0"/>
-              </a:rPr>
-              <a:t>log</a:t>
-            </a:r>
-            <a:r>
-              <a:rPr lang="en-US" altLang="ko-KR" b="0" dirty="0">
-                <a:solidFill>
-                  <a:srgbClr val="D4D4D4"/>
-                </a:solidFill>
-                <a:effectLst/>
-                <a:latin typeface="Consolas" panose="020B0609020204030204" pitchFamily="49" charset="0"/>
-              </a:rPr>
-              <a:t>(</a:t>
-            </a:r>
-            <a:r>
-              <a:rPr lang="en-US" altLang="ko-KR" b="0" dirty="0">
-                <a:solidFill>
-                  <a:srgbClr val="B5CEA8"/>
-                </a:solidFill>
-                <a:effectLst/>
-                <a:latin typeface="Consolas" panose="020B0609020204030204" pitchFamily="49" charset="0"/>
-              </a:rPr>
-              <a:t>1</a:t>
-            </a:r>
-            <a:r>
-              <a:rPr lang="en-US" altLang="ko-KR" b="0" dirty="0">
-                <a:solidFill>
-                  <a:srgbClr val="D4D4D4"/>
-                </a:solidFill>
-                <a:effectLst/>
-                <a:latin typeface="Consolas" panose="020B0609020204030204" pitchFamily="49" charset="0"/>
-              </a:rPr>
-              <a:t>, </a:t>
-            </a:r>
-            <a:r>
-              <a:rPr lang="en-US" altLang="ko-KR" b="0" dirty="0">
-                <a:solidFill>
-                  <a:srgbClr val="9CDCFE"/>
-                </a:solidFill>
-                <a:effectLst/>
-                <a:latin typeface="Consolas" panose="020B0609020204030204" pitchFamily="49" charset="0"/>
-              </a:rPr>
-              <a:t>result</a:t>
-            </a:r>
-            <a:r>
-              <a:rPr lang="en-US" altLang="ko-KR" b="0" dirty="0">
-                <a:solidFill>
-                  <a:srgbClr val="D4D4D4"/>
-                </a:solidFill>
-                <a:effectLst/>
-                <a:latin typeface="Consolas" panose="020B0609020204030204" pitchFamily="49" charset="0"/>
-              </a:rPr>
-              <a:t>);</a:t>
-            </a:r>
-          </a:p>
-          <a:p>
-            <a:r>
-              <a:rPr lang="en-US" altLang="ko-KR" b="0" dirty="0">
-                <a:solidFill>
-                  <a:srgbClr val="D4D4D4"/>
-                </a:solidFill>
-                <a:effectLst/>
-                <a:latin typeface="Consolas" panose="020B0609020204030204" pitchFamily="49" charset="0"/>
-              </a:rPr>
-              <a:t>    </a:t>
-            </a:r>
-            <a:r>
-              <a:rPr lang="en-US" altLang="ko-KR" b="0" dirty="0">
-                <a:solidFill>
-                  <a:srgbClr val="9CDCFE"/>
-                </a:solidFill>
-                <a:effectLst/>
-                <a:latin typeface="Consolas" panose="020B0609020204030204" pitchFamily="49" charset="0"/>
-              </a:rPr>
-              <a:t>result</a:t>
-            </a:r>
-            <a:r>
-              <a:rPr lang="en-US" altLang="ko-KR" b="0" dirty="0">
-                <a:solidFill>
-                  <a:srgbClr val="D4D4D4"/>
-                </a:solidFill>
-                <a:effectLst/>
-                <a:latin typeface="Consolas" panose="020B0609020204030204" pitchFamily="49" charset="0"/>
-              </a:rPr>
-              <a:t> = </a:t>
-            </a:r>
-            <a:r>
-              <a:rPr lang="en-US" altLang="ko-KR" b="0" dirty="0">
-                <a:solidFill>
-                  <a:srgbClr val="C586C0"/>
-                </a:solidFill>
-                <a:effectLst/>
-                <a:latin typeface="Consolas" panose="020B0609020204030204" pitchFamily="49" charset="0"/>
-              </a:rPr>
-              <a:t>await</a:t>
-            </a:r>
-            <a:r>
-              <a:rPr lang="en-US" altLang="ko-KR" b="0" dirty="0">
-                <a:solidFill>
-                  <a:srgbClr val="D4D4D4"/>
-                </a:solidFill>
-                <a:effectLst/>
-                <a:latin typeface="Consolas" panose="020B0609020204030204" pitchFamily="49" charset="0"/>
-              </a:rPr>
-              <a:t> </a:t>
-            </a:r>
-            <a:r>
-              <a:rPr lang="en-US" altLang="ko-KR" b="0" dirty="0" err="1">
-                <a:solidFill>
-                  <a:srgbClr val="DCDCAA"/>
-                </a:solidFill>
-                <a:effectLst/>
-                <a:latin typeface="Consolas" panose="020B0609020204030204" pitchFamily="49" charset="0"/>
-              </a:rPr>
-              <a:t>promiseExam</a:t>
-            </a:r>
-            <a:r>
-              <a:rPr lang="en-US" altLang="ko-KR" b="0" dirty="0">
-                <a:solidFill>
-                  <a:srgbClr val="D4D4D4"/>
-                </a:solidFill>
-                <a:effectLst/>
-                <a:latin typeface="Consolas" panose="020B0609020204030204" pitchFamily="49" charset="0"/>
-              </a:rPr>
-              <a:t>(</a:t>
-            </a:r>
-            <a:r>
-              <a:rPr lang="en-US" altLang="ko-KR" b="0" dirty="0">
-                <a:solidFill>
-                  <a:srgbClr val="B5CEA8"/>
-                </a:solidFill>
-                <a:effectLst/>
-                <a:latin typeface="Consolas" panose="020B0609020204030204" pitchFamily="49" charset="0"/>
-              </a:rPr>
-              <a:t>500</a:t>
-            </a:r>
-            <a:r>
-              <a:rPr lang="en-US" altLang="ko-KR" b="0" dirty="0">
-                <a:solidFill>
-                  <a:srgbClr val="D4D4D4"/>
-                </a:solidFill>
-                <a:effectLst/>
-                <a:latin typeface="Consolas" panose="020B0609020204030204" pitchFamily="49" charset="0"/>
-              </a:rPr>
-              <a:t>);</a:t>
-            </a:r>
-          </a:p>
-          <a:p>
-            <a:r>
-              <a:rPr lang="en-US" altLang="ko-KR" b="0" dirty="0">
-                <a:solidFill>
-                  <a:srgbClr val="D4D4D4"/>
-                </a:solidFill>
-                <a:effectLst/>
-                <a:latin typeface="Consolas" panose="020B0609020204030204" pitchFamily="49" charset="0"/>
-              </a:rPr>
-              <a:t>    </a:t>
-            </a:r>
-            <a:r>
-              <a:rPr lang="en-US" altLang="ko-KR" b="0" dirty="0">
-                <a:solidFill>
-                  <a:srgbClr val="9CDCFE"/>
-                </a:solidFill>
-                <a:effectLst/>
-                <a:latin typeface="Consolas" panose="020B0609020204030204" pitchFamily="49" charset="0"/>
-              </a:rPr>
-              <a:t>console</a:t>
-            </a:r>
-            <a:r>
-              <a:rPr lang="en-US" altLang="ko-KR" b="0" dirty="0">
-                <a:solidFill>
-                  <a:srgbClr val="D4D4D4"/>
-                </a:solidFill>
-                <a:effectLst/>
-                <a:latin typeface="Consolas" panose="020B0609020204030204" pitchFamily="49" charset="0"/>
-              </a:rPr>
-              <a:t>.</a:t>
-            </a:r>
-            <a:r>
-              <a:rPr lang="en-US" altLang="ko-KR" b="0" dirty="0">
-                <a:solidFill>
-                  <a:srgbClr val="DCDCAA"/>
-                </a:solidFill>
-                <a:effectLst/>
-                <a:latin typeface="Consolas" panose="020B0609020204030204" pitchFamily="49" charset="0"/>
-              </a:rPr>
-              <a:t>log</a:t>
-            </a:r>
-            <a:r>
-              <a:rPr lang="en-US" altLang="ko-KR" b="0" dirty="0">
-                <a:solidFill>
-                  <a:srgbClr val="D4D4D4"/>
-                </a:solidFill>
-                <a:effectLst/>
-                <a:latin typeface="Consolas" panose="020B0609020204030204" pitchFamily="49" charset="0"/>
-              </a:rPr>
-              <a:t>(</a:t>
-            </a:r>
-            <a:r>
-              <a:rPr lang="en-US" altLang="ko-KR" b="0" dirty="0">
-                <a:solidFill>
-                  <a:srgbClr val="B5CEA8"/>
-                </a:solidFill>
-                <a:effectLst/>
-                <a:latin typeface="Consolas" panose="020B0609020204030204" pitchFamily="49" charset="0"/>
-              </a:rPr>
-              <a:t>2</a:t>
-            </a:r>
-            <a:r>
-              <a:rPr lang="en-US" altLang="ko-KR" b="0" dirty="0">
-                <a:solidFill>
-                  <a:srgbClr val="D4D4D4"/>
-                </a:solidFill>
-                <a:effectLst/>
-                <a:latin typeface="Consolas" panose="020B0609020204030204" pitchFamily="49" charset="0"/>
-              </a:rPr>
-              <a:t>, </a:t>
-            </a:r>
-            <a:r>
-              <a:rPr lang="en-US" altLang="ko-KR" b="0" dirty="0">
-                <a:solidFill>
-                  <a:srgbClr val="9CDCFE"/>
-                </a:solidFill>
-                <a:effectLst/>
-                <a:latin typeface="Consolas" panose="020B0609020204030204" pitchFamily="49" charset="0"/>
-              </a:rPr>
-              <a:t>result</a:t>
-            </a:r>
-            <a:r>
-              <a:rPr lang="en-US" altLang="ko-KR" b="0" dirty="0">
-                <a:solidFill>
-                  <a:srgbClr val="D4D4D4"/>
-                </a:solidFill>
-                <a:effectLst/>
-                <a:latin typeface="Consolas" panose="020B0609020204030204" pitchFamily="49" charset="0"/>
-              </a:rPr>
-              <a:t>);</a:t>
-            </a:r>
-          </a:p>
-          <a:p>
-            <a:r>
-              <a:rPr lang="en-US" altLang="ko-KR" b="0" dirty="0">
-                <a:solidFill>
-                  <a:srgbClr val="D4D4D4"/>
-                </a:solidFill>
-                <a:effectLst/>
-                <a:latin typeface="Consolas" panose="020B0609020204030204" pitchFamily="49" charset="0"/>
-              </a:rPr>
-              <a:t>    </a:t>
-            </a:r>
-            <a:r>
-              <a:rPr lang="en-US" altLang="ko-KR" b="0" dirty="0">
-                <a:solidFill>
-                  <a:srgbClr val="9CDCFE"/>
-                </a:solidFill>
-                <a:effectLst/>
-                <a:latin typeface="Consolas" panose="020B0609020204030204" pitchFamily="49" charset="0"/>
-              </a:rPr>
-              <a:t>console</a:t>
-            </a:r>
-            <a:r>
-              <a:rPr lang="en-US" altLang="ko-KR" b="0" dirty="0">
-                <a:solidFill>
-                  <a:srgbClr val="D4D4D4"/>
-                </a:solidFill>
-                <a:effectLst/>
-                <a:latin typeface="Consolas" panose="020B0609020204030204" pitchFamily="49" charset="0"/>
-              </a:rPr>
-              <a:t>.</a:t>
-            </a:r>
-            <a:r>
-              <a:rPr lang="en-US" altLang="ko-KR" b="0" dirty="0">
-                <a:solidFill>
-                  <a:srgbClr val="DCDCAA"/>
-                </a:solidFill>
-                <a:effectLst/>
-                <a:latin typeface="Consolas" panose="020B0609020204030204" pitchFamily="49" charset="0"/>
-              </a:rPr>
-              <a:t>log</a:t>
-            </a:r>
-            <a:r>
-              <a:rPr lang="en-US" altLang="ko-KR" b="0" dirty="0">
-                <a:solidFill>
-                  <a:srgbClr val="D4D4D4"/>
-                </a:solidFill>
-                <a:effectLst/>
-                <a:latin typeface="Consolas" panose="020B0609020204030204" pitchFamily="49" charset="0"/>
-              </a:rPr>
-              <a:t>(</a:t>
-            </a:r>
-            <a:r>
-              <a:rPr lang="en-US" altLang="ko-KR" b="0" dirty="0">
-                <a:solidFill>
-                  <a:srgbClr val="B5CEA8"/>
-                </a:solidFill>
-                <a:effectLst/>
-                <a:latin typeface="Consolas" panose="020B0609020204030204" pitchFamily="49" charset="0"/>
-              </a:rPr>
-              <a:t>3</a:t>
-            </a:r>
-            <a:r>
-              <a:rPr lang="en-US" altLang="ko-KR" b="0" dirty="0">
-                <a:solidFill>
-                  <a:srgbClr val="D4D4D4"/>
-                </a:solidFill>
-                <a:effectLst/>
-                <a:latin typeface="Consolas" panose="020B0609020204030204" pitchFamily="49" charset="0"/>
-              </a:rPr>
-              <a:t>);</a:t>
-            </a:r>
-          </a:p>
-          <a:p>
-            <a:r>
-              <a:rPr lang="en-US" altLang="ko-KR" b="0" dirty="0">
-                <a:solidFill>
-                  <a:srgbClr val="D4D4D4"/>
-                </a:solidFill>
-                <a:effectLst/>
-                <a:latin typeface="Consolas" panose="020B0609020204030204" pitchFamily="49" charset="0"/>
-              </a:rPr>
-              <a:t>  } </a:t>
-            </a:r>
-            <a:r>
-              <a:rPr lang="en-US" altLang="ko-KR" b="0" dirty="0">
-                <a:solidFill>
-                  <a:srgbClr val="C586C0"/>
-                </a:solidFill>
-                <a:effectLst/>
-                <a:latin typeface="Consolas" panose="020B0609020204030204" pitchFamily="49" charset="0"/>
-              </a:rPr>
-              <a:t>catch</a:t>
-            </a:r>
-            <a:r>
-              <a:rPr lang="en-US" altLang="ko-KR" b="0" dirty="0">
-                <a:solidFill>
-                  <a:srgbClr val="D4D4D4"/>
-                </a:solidFill>
-                <a:effectLst/>
-                <a:latin typeface="Consolas" panose="020B0609020204030204" pitchFamily="49" charset="0"/>
-              </a:rPr>
-              <a:t> (</a:t>
-            </a:r>
-            <a:r>
-              <a:rPr lang="en-US" altLang="ko-KR" b="0" dirty="0">
-                <a:solidFill>
-                  <a:srgbClr val="9CDCFE"/>
-                </a:solidFill>
-                <a:effectLst/>
-                <a:latin typeface="Consolas" panose="020B0609020204030204" pitchFamily="49" charset="0"/>
-              </a:rPr>
-              <a:t>error</a:t>
-            </a:r>
-            <a:r>
-              <a:rPr lang="en-US" altLang="ko-KR" b="0" dirty="0">
-                <a:solidFill>
-                  <a:srgbClr val="D4D4D4"/>
-                </a:solidFill>
-                <a:effectLst/>
-                <a:latin typeface="Consolas" panose="020B0609020204030204" pitchFamily="49" charset="0"/>
-              </a:rPr>
-              <a:t>) {</a:t>
-            </a:r>
-          </a:p>
-          <a:p>
-            <a:r>
-              <a:rPr lang="en-US" altLang="ko-KR" b="0" dirty="0">
-                <a:solidFill>
-                  <a:srgbClr val="D4D4D4"/>
-                </a:solidFill>
-                <a:effectLst/>
-                <a:latin typeface="Consolas" panose="020B0609020204030204" pitchFamily="49" charset="0"/>
-              </a:rPr>
-              <a:t>    </a:t>
-            </a:r>
-            <a:r>
-              <a:rPr lang="en-US" altLang="ko-KR" b="0" dirty="0">
-                <a:solidFill>
-                  <a:srgbClr val="9CDCFE"/>
-                </a:solidFill>
-                <a:effectLst/>
-                <a:latin typeface="Consolas" panose="020B0609020204030204" pitchFamily="49" charset="0"/>
-              </a:rPr>
-              <a:t>console</a:t>
-            </a:r>
-            <a:r>
-              <a:rPr lang="en-US" altLang="ko-KR" b="0" dirty="0">
-                <a:solidFill>
-                  <a:srgbClr val="D4D4D4"/>
-                </a:solidFill>
-                <a:effectLst/>
-                <a:latin typeface="Consolas" panose="020B0609020204030204" pitchFamily="49" charset="0"/>
-              </a:rPr>
-              <a:t>.</a:t>
-            </a:r>
-            <a:r>
-              <a:rPr lang="en-US" altLang="ko-KR" b="0" dirty="0">
-                <a:solidFill>
-                  <a:srgbClr val="DCDCAA"/>
-                </a:solidFill>
-                <a:effectLst/>
-                <a:latin typeface="Consolas" panose="020B0609020204030204" pitchFamily="49" charset="0"/>
-              </a:rPr>
-              <a:t>log</a:t>
-            </a:r>
-            <a:r>
-              <a:rPr lang="en-US" altLang="ko-KR" b="0" dirty="0">
-                <a:solidFill>
-                  <a:srgbClr val="D4D4D4"/>
-                </a:solidFill>
-                <a:effectLst/>
-                <a:latin typeface="Consolas" panose="020B0609020204030204" pitchFamily="49" charset="0"/>
-              </a:rPr>
-              <a:t>(</a:t>
-            </a:r>
-            <a:r>
-              <a:rPr lang="en-US" altLang="ko-KR" b="0" dirty="0">
-                <a:solidFill>
-                  <a:srgbClr val="9CDCFE"/>
-                </a:solidFill>
-                <a:effectLst/>
-                <a:latin typeface="Consolas" panose="020B0609020204030204" pitchFamily="49" charset="0"/>
-              </a:rPr>
-              <a:t>error</a:t>
-            </a:r>
-            <a:r>
-              <a:rPr lang="en-US" altLang="ko-KR" b="0" dirty="0">
-                <a:solidFill>
-                  <a:srgbClr val="D4D4D4"/>
-                </a:solidFill>
-                <a:effectLst/>
-                <a:latin typeface="Consolas" panose="020B0609020204030204" pitchFamily="49" charset="0"/>
-              </a:rPr>
-              <a:t>);</a:t>
-            </a:r>
-          </a:p>
-          <a:p>
-            <a:r>
-              <a:rPr lang="en-US" altLang="ko-KR" b="0" dirty="0">
-                <a:solidFill>
-                  <a:srgbClr val="D4D4D4"/>
-                </a:solidFill>
-                <a:effectLst/>
-                <a:latin typeface="Consolas" panose="020B0609020204030204" pitchFamily="49" charset="0"/>
-              </a:rPr>
-              <a:t>  }</a:t>
-            </a:r>
-          </a:p>
-          <a:p>
-            <a:r>
-              <a:rPr lang="en-US" altLang="ko-KR" b="0" dirty="0">
-                <a:solidFill>
-                  <a:srgbClr val="D4D4D4"/>
-                </a:solidFill>
-                <a:effectLst/>
-                <a:latin typeface="Consolas" panose="020B0609020204030204" pitchFamily="49" charset="0"/>
-              </a:rPr>
-              <a:t>}</a:t>
-            </a:r>
-          </a:p>
-          <a:p>
-            <a:br>
-              <a:rPr lang="en-US" altLang="ko-KR" b="0" dirty="0">
-                <a:solidFill>
-                  <a:srgbClr val="D4D4D4"/>
-                </a:solidFill>
-                <a:effectLst/>
-                <a:latin typeface="Consolas" panose="020B0609020204030204" pitchFamily="49" charset="0"/>
-              </a:rPr>
-            </a:br>
-            <a:r>
-              <a:rPr lang="en-US" altLang="ko-KR" b="0" dirty="0" err="1">
-                <a:solidFill>
-                  <a:srgbClr val="DCDCAA"/>
-                </a:solidFill>
-                <a:effectLst/>
-                <a:latin typeface="Consolas" panose="020B0609020204030204" pitchFamily="49" charset="0"/>
-              </a:rPr>
-              <a:t>asyncTest</a:t>
-            </a:r>
-            <a:r>
-              <a:rPr lang="en-US" altLang="ko-KR" b="0" dirty="0">
-                <a:solidFill>
-                  <a:srgbClr val="D4D4D4"/>
-                </a:solidFill>
-                <a:effectLst/>
-                <a:latin typeface="Consolas" panose="020B0609020204030204" pitchFamily="49" charset="0"/>
-              </a:rPr>
-              <a:t>();</a:t>
-            </a:r>
-          </a:p>
-          <a:p>
-            <a:br>
-              <a:rPr lang="en-US" altLang="ko-KR" b="0" dirty="0">
-                <a:solidFill>
-                  <a:srgbClr val="D4D4D4"/>
-                </a:solidFill>
-                <a:effectLst/>
-                <a:latin typeface="Consolas" panose="020B0609020204030204" pitchFamily="49" charset="0"/>
-              </a:rPr>
-            </a:br>
-            <a:endParaRPr lang="en-US" altLang="ko-KR" b="0" dirty="0">
-              <a:solidFill>
-                <a:srgbClr val="D4D4D4"/>
-              </a:solidFill>
-              <a:effectLst/>
-              <a:latin typeface="Consolas" panose="020B0609020204030204" pitchFamily="49" charset="0"/>
-            </a:endParaRPr>
+            <a:endParaRPr lang="ko-KR" altLang="en-US" dirty="0"/>
           </a:p>
         </p:txBody>
       </p:sp>
@@ -5030,7 +3787,7 @@
           <a:p>
             <a:fld id="{12E9ADDB-0586-426C-BFD8-3BE534C7F28E}" type="slidenum">
               <a:rPr lang="ko-KR" altLang="en-US" smtClean="0"/>
-              <a:t>44</a:t>
+              <a:t>43</a:t>
             </a:fld>
             <a:endParaRPr lang="ko-KR" altLang="en-US"/>
           </a:p>
@@ -5039,7 +3796,7 @@
     </p:spTree>
     <p:extLst>
       <p:ext uri="{BB962C8B-B14F-4D97-AF65-F5344CB8AC3E}">
-        <p14:creationId xmlns:p14="http://schemas.microsoft.com/office/powerpoint/2010/main" val="2058215142"/>
+        <p14:creationId xmlns:p14="http://schemas.microsoft.com/office/powerpoint/2010/main" val="2787180024"/>
       </p:ext>
     </p:extLst>
   </p:cSld>
@@ -5174,6 +3931,1333 @@
     <p:extLst>
       <p:ext uri="{BB962C8B-B14F-4D97-AF65-F5344CB8AC3E}">
         <p14:creationId xmlns:p14="http://schemas.microsoft.com/office/powerpoint/2010/main" val="3170788730"/>
+      </p:ext>
+    </p:extLst>
+  </p:cSld>
+  <p:clrMapOvr>
+    <a:masterClrMapping/>
+  </p:clrMapOvr>
+</p:notes>
+</file>
+
+<file path=ppt/notesSlides/notesSlide30.xml><?xml version="1.0" encoding="utf-8"?>
+<p:notes xmlns:a="http://schemas.openxmlformats.org/drawingml/2006/main" xmlns:r="http://schemas.openxmlformats.org/officeDocument/2006/relationships" xmlns:p="http://schemas.openxmlformats.org/presentationml/2006/main">
+  <p:cSld>
+    <p:spTree>
+      <p:nvGrpSpPr>
+        <p:cNvPr id="1" name=""/>
+        <p:cNvGrpSpPr/>
+        <p:nvPr/>
+      </p:nvGrpSpPr>
+      <p:grpSpPr>
+        <a:xfrm>
+          <a:off x="0" y="0"/>
+          <a:ext cx="0" cy="0"/>
+          <a:chOff x="0" y="0"/>
+          <a:chExt cx="0" cy="0"/>
+        </a:xfrm>
+      </p:grpSpPr>
+      <p:sp>
+        <p:nvSpPr>
+          <p:cNvPr id="2" name="슬라이드 이미지 개체 틀 1"/>
+          <p:cNvSpPr>
+            <a:spLocks noGrp="1" noRot="1" noChangeAspect="1"/>
+          </p:cNvSpPr>
+          <p:nvPr>
+            <p:ph type="sldImg"/>
+          </p:nvPr>
+        </p:nvSpPr>
+        <p:spPr/>
+      </p:sp>
+      <p:sp>
+        <p:nvSpPr>
+          <p:cNvPr id="3" name="슬라이드 노트 개체 틀 2"/>
+          <p:cNvSpPr>
+            <a:spLocks noGrp="1"/>
+          </p:cNvSpPr>
+          <p:nvPr>
+            <p:ph type="body" idx="1"/>
+          </p:nvPr>
+        </p:nvSpPr>
+        <p:spPr/>
+        <p:txBody>
+          <a:bodyPr/>
+          <a:lstStyle/>
+          <a:p>
+            <a:r>
+              <a:rPr lang="en-US" altLang="ko-KR" b="0" dirty="0">
+                <a:solidFill>
+                  <a:srgbClr val="569CD6"/>
+                </a:solidFill>
+                <a:effectLst/>
+                <a:latin typeface="Consolas" panose="020B0609020204030204" pitchFamily="49" charset="0"/>
+              </a:rPr>
+              <a:t>const</a:t>
+            </a:r>
+            <a:r>
+              <a:rPr lang="en-US" altLang="ko-KR" b="0" dirty="0">
+                <a:solidFill>
+                  <a:srgbClr val="D4D4D4"/>
+                </a:solidFill>
+                <a:effectLst/>
+                <a:latin typeface="Consolas" panose="020B0609020204030204" pitchFamily="49" charset="0"/>
+              </a:rPr>
+              <a:t> </a:t>
+            </a:r>
+            <a:r>
+              <a:rPr lang="en-US" altLang="ko-KR" b="0" dirty="0" err="1">
+                <a:solidFill>
+                  <a:srgbClr val="DCDCAA"/>
+                </a:solidFill>
+                <a:effectLst/>
+                <a:latin typeface="Consolas" panose="020B0609020204030204" pitchFamily="49" charset="0"/>
+              </a:rPr>
+              <a:t>promiseExam</a:t>
+            </a:r>
+            <a:r>
+              <a:rPr lang="en-US" altLang="ko-KR" b="0" dirty="0">
+                <a:solidFill>
+                  <a:srgbClr val="D4D4D4"/>
+                </a:solidFill>
+                <a:effectLst/>
+                <a:latin typeface="Consolas" panose="020B0609020204030204" pitchFamily="49" charset="0"/>
+              </a:rPr>
+              <a:t> = (</a:t>
+            </a:r>
+            <a:r>
+              <a:rPr lang="en-US" altLang="ko-KR" b="0" dirty="0">
+                <a:solidFill>
+                  <a:srgbClr val="9CDCFE"/>
+                </a:solidFill>
+                <a:effectLst/>
+                <a:latin typeface="Consolas" panose="020B0609020204030204" pitchFamily="49" charset="0"/>
+              </a:rPr>
+              <a:t>timeout</a:t>
+            </a:r>
+            <a:r>
+              <a:rPr lang="en-US" altLang="ko-KR" b="0" dirty="0">
+                <a:solidFill>
+                  <a:srgbClr val="D4D4D4"/>
+                </a:solidFill>
+                <a:effectLst/>
+                <a:latin typeface="Consolas" panose="020B0609020204030204" pitchFamily="49" charset="0"/>
+              </a:rPr>
+              <a:t>) </a:t>
+            </a:r>
+            <a:r>
+              <a:rPr lang="en-US" altLang="ko-KR" b="0" dirty="0">
+                <a:solidFill>
+                  <a:srgbClr val="569CD6"/>
+                </a:solidFill>
+                <a:effectLst/>
+                <a:latin typeface="Consolas" panose="020B0609020204030204" pitchFamily="49" charset="0"/>
+              </a:rPr>
+              <a:t>=&gt;</a:t>
+            </a:r>
+            <a:r>
+              <a:rPr lang="en-US" altLang="ko-KR" b="0" dirty="0">
+                <a:solidFill>
+                  <a:srgbClr val="D4D4D4"/>
+                </a:solidFill>
+                <a:effectLst/>
+                <a:latin typeface="Consolas" panose="020B0609020204030204" pitchFamily="49" charset="0"/>
+              </a:rPr>
+              <a:t> {</a:t>
+            </a:r>
+          </a:p>
+          <a:p>
+            <a:r>
+              <a:rPr lang="en-US" altLang="ko-KR" b="0" dirty="0">
+                <a:solidFill>
+                  <a:srgbClr val="D4D4D4"/>
+                </a:solidFill>
+                <a:effectLst/>
+                <a:latin typeface="Consolas" panose="020B0609020204030204" pitchFamily="49" charset="0"/>
+              </a:rPr>
+              <a:t>  </a:t>
+            </a:r>
+            <a:r>
+              <a:rPr lang="en-US" altLang="ko-KR" b="0" dirty="0">
+                <a:solidFill>
+                  <a:srgbClr val="C586C0"/>
+                </a:solidFill>
+                <a:effectLst/>
+                <a:latin typeface="Consolas" panose="020B0609020204030204" pitchFamily="49" charset="0"/>
+              </a:rPr>
+              <a:t>return</a:t>
+            </a:r>
+            <a:r>
+              <a:rPr lang="en-US" altLang="ko-KR" b="0" dirty="0">
+                <a:solidFill>
+                  <a:srgbClr val="D4D4D4"/>
+                </a:solidFill>
+                <a:effectLst/>
+                <a:latin typeface="Consolas" panose="020B0609020204030204" pitchFamily="49" charset="0"/>
+              </a:rPr>
+              <a:t> </a:t>
+            </a:r>
+            <a:r>
+              <a:rPr lang="en-US" altLang="ko-KR" b="0" dirty="0">
+                <a:solidFill>
+                  <a:srgbClr val="569CD6"/>
+                </a:solidFill>
+                <a:effectLst/>
+                <a:latin typeface="Consolas" panose="020B0609020204030204" pitchFamily="49" charset="0"/>
+              </a:rPr>
+              <a:t>new</a:t>
+            </a:r>
+            <a:r>
+              <a:rPr lang="en-US" altLang="ko-KR" b="0" dirty="0">
+                <a:solidFill>
+                  <a:srgbClr val="D4D4D4"/>
+                </a:solidFill>
+                <a:effectLst/>
+                <a:latin typeface="Consolas" panose="020B0609020204030204" pitchFamily="49" charset="0"/>
+              </a:rPr>
+              <a:t> </a:t>
+            </a:r>
+            <a:r>
+              <a:rPr lang="en-US" altLang="ko-KR" b="0" dirty="0">
+                <a:solidFill>
+                  <a:srgbClr val="4EC9B0"/>
+                </a:solidFill>
+                <a:effectLst/>
+                <a:latin typeface="Consolas" panose="020B0609020204030204" pitchFamily="49" charset="0"/>
+              </a:rPr>
+              <a:t>Promise</a:t>
+            </a:r>
+            <a:r>
+              <a:rPr lang="en-US" altLang="ko-KR" b="0" dirty="0">
+                <a:solidFill>
+                  <a:srgbClr val="D4D4D4"/>
+                </a:solidFill>
+                <a:effectLst/>
+                <a:latin typeface="Consolas" panose="020B0609020204030204" pitchFamily="49" charset="0"/>
+              </a:rPr>
+              <a:t>((</a:t>
+            </a:r>
+            <a:r>
+              <a:rPr lang="en-US" altLang="ko-KR" b="0" dirty="0">
+                <a:solidFill>
+                  <a:srgbClr val="DCDCAA"/>
+                </a:solidFill>
+                <a:effectLst/>
+                <a:latin typeface="Consolas" panose="020B0609020204030204" pitchFamily="49" charset="0"/>
+              </a:rPr>
+              <a:t>resolve</a:t>
+            </a:r>
+            <a:r>
+              <a:rPr lang="en-US" altLang="ko-KR" b="0" dirty="0">
+                <a:solidFill>
+                  <a:srgbClr val="D4D4D4"/>
+                </a:solidFill>
+                <a:effectLst/>
+                <a:latin typeface="Consolas" panose="020B0609020204030204" pitchFamily="49" charset="0"/>
+              </a:rPr>
+              <a:t>, </a:t>
+            </a:r>
+            <a:r>
+              <a:rPr lang="en-US" altLang="ko-KR" b="0" dirty="0">
+                <a:solidFill>
+                  <a:srgbClr val="DCDCAA"/>
+                </a:solidFill>
+                <a:effectLst/>
+                <a:latin typeface="Consolas" panose="020B0609020204030204" pitchFamily="49" charset="0"/>
+              </a:rPr>
+              <a:t>reject</a:t>
+            </a:r>
+            <a:r>
+              <a:rPr lang="en-US" altLang="ko-KR" b="0" dirty="0">
+                <a:solidFill>
+                  <a:srgbClr val="D4D4D4"/>
+                </a:solidFill>
+                <a:effectLst/>
+                <a:latin typeface="Consolas" panose="020B0609020204030204" pitchFamily="49" charset="0"/>
+              </a:rPr>
+              <a:t>) </a:t>
+            </a:r>
+            <a:r>
+              <a:rPr lang="en-US" altLang="ko-KR" b="0" dirty="0">
+                <a:solidFill>
+                  <a:srgbClr val="569CD6"/>
+                </a:solidFill>
+                <a:effectLst/>
+                <a:latin typeface="Consolas" panose="020B0609020204030204" pitchFamily="49" charset="0"/>
+              </a:rPr>
+              <a:t>=&gt;</a:t>
+            </a:r>
+            <a:r>
+              <a:rPr lang="en-US" altLang="ko-KR" b="0" dirty="0">
+                <a:solidFill>
+                  <a:srgbClr val="D4D4D4"/>
+                </a:solidFill>
+                <a:effectLst/>
+                <a:latin typeface="Consolas" panose="020B0609020204030204" pitchFamily="49" charset="0"/>
+              </a:rPr>
+              <a:t> {</a:t>
+            </a:r>
+          </a:p>
+          <a:p>
+            <a:r>
+              <a:rPr lang="en-US" altLang="ko-KR" b="0" dirty="0">
+                <a:solidFill>
+                  <a:srgbClr val="D4D4D4"/>
+                </a:solidFill>
+                <a:effectLst/>
+                <a:latin typeface="Consolas" panose="020B0609020204030204" pitchFamily="49" charset="0"/>
+              </a:rPr>
+              <a:t>    </a:t>
+            </a:r>
+            <a:r>
+              <a:rPr lang="en-US" altLang="ko-KR" b="0" dirty="0">
+                <a:solidFill>
+                  <a:srgbClr val="C586C0"/>
+                </a:solidFill>
+                <a:effectLst/>
+                <a:latin typeface="Consolas" panose="020B0609020204030204" pitchFamily="49" charset="0"/>
+              </a:rPr>
+              <a:t>if</a:t>
+            </a:r>
+            <a:r>
+              <a:rPr lang="en-US" altLang="ko-KR" b="0" dirty="0">
+                <a:solidFill>
+                  <a:srgbClr val="D4D4D4"/>
+                </a:solidFill>
+                <a:effectLst/>
+                <a:latin typeface="Consolas" panose="020B0609020204030204" pitchFamily="49" charset="0"/>
+              </a:rPr>
+              <a:t> (</a:t>
+            </a:r>
+            <a:r>
+              <a:rPr lang="en-US" altLang="ko-KR" b="0" dirty="0">
+                <a:solidFill>
+                  <a:srgbClr val="9CDCFE"/>
+                </a:solidFill>
+                <a:effectLst/>
+                <a:latin typeface="Consolas" panose="020B0609020204030204" pitchFamily="49" charset="0"/>
+              </a:rPr>
+              <a:t>timeout</a:t>
+            </a:r>
+            <a:r>
+              <a:rPr lang="en-US" altLang="ko-KR" b="0" dirty="0">
+                <a:solidFill>
+                  <a:srgbClr val="D4D4D4"/>
+                </a:solidFill>
+                <a:effectLst/>
+                <a:latin typeface="Consolas" panose="020B0609020204030204" pitchFamily="49" charset="0"/>
+              </a:rPr>
+              <a:t> &gt; </a:t>
+            </a:r>
+            <a:r>
+              <a:rPr lang="en-US" altLang="ko-KR" b="0" dirty="0">
+                <a:solidFill>
+                  <a:srgbClr val="B5CEA8"/>
+                </a:solidFill>
+                <a:effectLst/>
+                <a:latin typeface="Consolas" panose="020B0609020204030204" pitchFamily="49" charset="0"/>
+              </a:rPr>
+              <a:t>5000</a:t>
+            </a:r>
+            <a:r>
+              <a:rPr lang="en-US" altLang="ko-KR" b="0" dirty="0">
+                <a:solidFill>
+                  <a:srgbClr val="D4D4D4"/>
+                </a:solidFill>
+                <a:effectLst/>
+                <a:latin typeface="Consolas" panose="020B0609020204030204" pitchFamily="49" charset="0"/>
+              </a:rPr>
+              <a:t>) </a:t>
+            </a:r>
+            <a:r>
+              <a:rPr lang="en-US" altLang="ko-KR" b="0" dirty="0">
+                <a:solidFill>
+                  <a:srgbClr val="DCDCAA"/>
+                </a:solidFill>
+                <a:effectLst/>
+                <a:latin typeface="Consolas" panose="020B0609020204030204" pitchFamily="49" charset="0"/>
+              </a:rPr>
+              <a:t>reject</a:t>
+            </a:r>
+            <a:r>
+              <a:rPr lang="en-US" altLang="ko-KR" b="0" dirty="0">
+                <a:solidFill>
+                  <a:srgbClr val="D4D4D4"/>
+                </a:solidFill>
+                <a:effectLst/>
+                <a:latin typeface="Consolas" panose="020B0609020204030204" pitchFamily="49" charset="0"/>
+              </a:rPr>
+              <a:t>(</a:t>
+            </a:r>
+            <a:r>
+              <a:rPr lang="en-US" altLang="ko-KR" b="0" dirty="0">
+                <a:solidFill>
+                  <a:srgbClr val="CE9178"/>
+                </a:solidFill>
+                <a:effectLst/>
+                <a:latin typeface="Consolas" panose="020B0609020204030204" pitchFamily="49" charset="0"/>
+              </a:rPr>
+              <a:t>"timeout is too long"</a:t>
+            </a:r>
+            <a:r>
+              <a:rPr lang="en-US" altLang="ko-KR" b="0" dirty="0">
+                <a:solidFill>
+                  <a:srgbClr val="D4D4D4"/>
+                </a:solidFill>
+                <a:effectLst/>
+                <a:latin typeface="Consolas" panose="020B0609020204030204" pitchFamily="49" charset="0"/>
+              </a:rPr>
+              <a:t>);</a:t>
+            </a:r>
+          </a:p>
+          <a:p>
+            <a:r>
+              <a:rPr lang="en-US" altLang="ko-KR" b="0" dirty="0">
+                <a:solidFill>
+                  <a:srgbClr val="D4D4D4"/>
+                </a:solidFill>
+                <a:effectLst/>
+                <a:latin typeface="Consolas" panose="020B0609020204030204" pitchFamily="49" charset="0"/>
+              </a:rPr>
+              <a:t>    </a:t>
+            </a:r>
+            <a:r>
+              <a:rPr lang="en-US" altLang="ko-KR" b="0" dirty="0" err="1">
+                <a:solidFill>
+                  <a:srgbClr val="DCDCAA"/>
+                </a:solidFill>
+                <a:effectLst/>
+                <a:latin typeface="Consolas" panose="020B0609020204030204" pitchFamily="49" charset="0"/>
+              </a:rPr>
+              <a:t>setTimeout</a:t>
+            </a:r>
+            <a:r>
+              <a:rPr lang="en-US" altLang="ko-KR" b="0" dirty="0">
+                <a:solidFill>
+                  <a:srgbClr val="D4D4D4"/>
+                </a:solidFill>
+                <a:effectLst/>
+                <a:latin typeface="Consolas" panose="020B0609020204030204" pitchFamily="49" charset="0"/>
+              </a:rPr>
+              <a:t>(() </a:t>
+            </a:r>
+            <a:r>
+              <a:rPr lang="en-US" altLang="ko-KR" b="0" dirty="0">
+                <a:solidFill>
+                  <a:srgbClr val="569CD6"/>
+                </a:solidFill>
+                <a:effectLst/>
+                <a:latin typeface="Consolas" panose="020B0609020204030204" pitchFamily="49" charset="0"/>
+              </a:rPr>
+              <a:t>=&gt;</a:t>
+            </a:r>
+            <a:r>
+              <a:rPr lang="en-US" altLang="ko-KR" b="0" dirty="0">
+                <a:solidFill>
+                  <a:srgbClr val="D4D4D4"/>
+                </a:solidFill>
+                <a:effectLst/>
+                <a:latin typeface="Consolas" panose="020B0609020204030204" pitchFamily="49" charset="0"/>
+              </a:rPr>
+              <a:t> {</a:t>
+            </a:r>
+          </a:p>
+          <a:p>
+            <a:r>
+              <a:rPr lang="en-US" altLang="ko-KR" b="0" dirty="0">
+                <a:solidFill>
+                  <a:srgbClr val="D4D4D4"/>
+                </a:solidFill>
+                <a:effectLst/>
+                <a:latin typeface="Consolas" panose="020B0609020204030204" pitchFamily="49" charset="0"/>
+              </a:rPr>
+              <a:t>      </a:t>
+            </a:r>
+            <a:r>
+              <a:rPr lang="en-US" altLang="ko-KR" b="0" dirty="0">
+                <a:solidFill>
+                  <a:srgbClr val="DCDCAA"/>
+                </a:solidFill>
+                <a:effectLst/>
+                <a:latin typeface="Consolas" panose="020B0609020204030204" pitchFamily="49" charset="0"/>
+              </a:rPr>
+              <a:t>resolve</a:t>
+            </a:r>
+            <a:r>
+              <a:rPr lang="en-US" altLang="ko-KR" b="0" dirty="0">
+                <a:solidFill>
+                  <a:srgbClr val="D4D4D4"/>
+                </a:solidFill>
+                <a:effectLst/>
+                <a:latin typeface="Consolas" panose="020B0609020204030204" pitchFamily="49" charset="0"/>
+              </a:rPr>
+              <a:t>(</a:t>
+            </a:r>
+            <a:r>
+              <a:rPr lang="en-US" altLang="ko-KR" b="0" dirty="0">
+                <a:solidFill>
+                  <a:srgbClr val="CE9178"/>
+                </a:solidFill>
+                <a:effectLst/>
+                <a:latin typeface="Consolas" panose="020B0609020204030204" pitchFamily="49" charset="0"/>
+              </a:rPr>
+              <a:t>"timeout end"</a:t>
+            </a:r>
+            <a:r>
+              <a:rPr lang="en-US" altLang="ko-KR" b="0" dirty="0">
+                <a:solidFill>
+                  <a:srgbClr val="D4D4D4"/>
+                </a:solidFill>
+                <a:effectLst/>
+                <a:latin typeface="Consolas" panose="020B0609020204030204" pitchFamily="49" charset="0"/>
+              </a:rPr>
+              <a:t>);</a:t>
+            </a:r>
+          </a:p>
+          <a:p>
+            <a:r>
+              <a:rPr lang="en-US" altLang="ko-KR" b="0" dirty="0">
+                <a:solidFill>
+                  <a:srgbClr val="D4D4D4"/>
+                </a:solidFill>
+                <a:effectLst/>
+                <a:latin typeface="Consolas" panose="020B0609020204030204" pitchFamily="49" charset="0"/>
+              </a:rPr>
+              <a:t>    }, </a:t>
+            </a:r>
+            <a:r>
+              <a:rPr lang="en-US" altLang="ko-KR" b="0" dirty="0">
+                <a:solidFill>
+                  <a:srgbClr val="9CDCFE"/>
+                </a:solidFill>
+                <a:effectLst/>
+                <a:latin typeface="Consolas" panose="020B0609020204030204" pitchFamily="49" charset="0"/>
+              </a:rPr>
+              <a:t>timeout</a:t>
+            </a:r>
+            <a:r>
+              <a:rPr lang="en-US" altLang="ko-KR" b="0" dirty="0">
+                <a:solidFill>
+                  <a:srgbClr val="D4D4D4"/>
+                </a:solidFill>
+                <a:effectLst/>
+                <a:latin typeface="Consolas" panose="020B0609020204030204" pitchFamily="49" charset="0"/>
+              </a:rPr>
+              <a:t>);</a:t>
+            </a:r>
+          </a:p>
+          <a:p>
+            <a:r>
+              <a:rPr lang="en-US" altLang="ko-KR" b="0" dirty="0">
+                <a:solidFill>
+                  <a:srgbClr val="D4D4D4"/>
+                </a:solidFill>
+                <a:effectLst/>
+                <a:latin typeface="Consolas" panose="020B0609020204030204" pitchFamily="49" charset="0"/>
+              </a:rPr>
+              <a:t>  });</a:t>
+            </a:r>
+          </a:p>
+          <a:p>
+            <a:r>
+              <a:rPr lang="en-US" altLang="ko-KR" b="0" dirty="0">
+                <a:solidFill>
+                  <a:srgbClr val="D4D4D4"/>
+                </a:solidFill>
+                <a:effectLst/>
+                <a:latin typeface="Consolas" panose="020B0609020204030204" pitchFamily="49" charset="0"/>
+              </a:rPr>
+              <a:t>};</a:t>
+            </a:r>
+          </a:p>
+          <a:p>
+            <a:br>
+              <a:rPr lang="en-US" altLang="ko-KR" b="0" dirty="0">
+                <a:solidFill>
+                  <a:srgbClr val="D4D4D4"/>
+                </a:solidFill>
+                <a:effectLst/>
+                <a:latin typeface="Consolas" panose="020B0609020204030204" pitchFamily="49" charset="0"/>
+              </a:rPr>
+            </a:br>
+            <a:r>
+              <a:rPr lang="en-US" altLang="ko-KR" b="0" dirty="0">
+                <a:solidFill>
+                  <a:srgbClr val="569CD6"/>
+                </a:solidFill>
+                <a:effectLst/>
+                <a:latin typeface="Consolas" panose="020B0609020204030204" pitchFamily="49" charset="0"/>
+              </a:rPr>
+              <a:t>async</a:t>
+            </a:r>
+            <a:r>
+              <a:rPr lang="en-US" altLang="ko-KR" b="0" dirty="0">
+                <a:solidFill>
+                  <a:srgbClr val="D4D4D4"/>
+                </a:solidFill>
+                <a:effectLst/>
+                <a:latin typeface="Consolas" panose="020B0609020204030204" pitchFamily="49" charset="0"/>
+              </a:rPr>
+              <a:t> </a:t>
+            </a:r>
+            <a:r>
+              <a:rPr lang="en-US" altLang="ko-KR" b="0" dirty="0">
+                <a:solidFill>
+                  <a:srgbClr val="569CD6"/>
+                </a:solidFill>
+                <a:effectLst/>
+                <a:latin typeface="Consolas" panose="020B0609020204030204" pitchFamily="49" charset="0"/>
+              </a:rPr>
+              <a:t>function</a:t>
+            </a:r>
+            <a:r>
+              <a:rPr lang="en-US" altLang="ko-KR" b="0" dirty="0">
+                <a:solidFill>
+                  <a:srgbClr val="D4D4D4"/>
+                </a:solidFill>
+                <a:effectLst/>
+                <a:latin typeface="Consolas" panose="020B0609020204030204" pitchFamily="49" charset="0"/>
+              </a:rPr>
+              <a:t> </a:t>
+            </a:r>
+            <a:r>
+              <a:rPr lang="en-US" altLang="ko-KR" b="0" dirty="0" err="1">
+                <a:solidFill>
+                  <a:srgbClr val="DCDCAA"/>
+                </a:solidFill>
+                <a:effectLst/>
+                <a:latin typeface="Consolas" panose="020B0609020204030204" pitchFamily="49" charset="0"/>
+              </a:rPr>
+              <a:t>asyncTest</a:t>
+            </a:r>
+            <a:r>
+              <a:rPr lang="en-US" altLang="ko-KR" b="0" dirty="0">
+                <a:solidFill>
+                  <a:srgbClr val="D4D4D4"/>
+                </a:solidFill>
+                <a:effectLst/>
+                <a:latin typeface="Consolas" panose="020B0609020204030204" pitchFamily="49" charset="0"/>
+              </a:rPr>
+              <a:t>() {</a:t>
+            </a:r>
+          </a:p>
+          <a:p>
+            <a:r>
+              <a:rPr lang="en-US" altLang="ko-KR" b="0" dirty="0">
+                <a:solidFill>
+                  <a:srgbClr val="D4D4D4"/>
+                </a:solidFill>
+                <a:effectLst/>
+                <a:latin typeface="Consolas" panose="020B0609020204030204" pitchFamily="49" charset="0"/>
+              </a:rPr>
+              <a:t>  </a:t>
+            </a:r>
+            <a:r>
+              <a:rPr lang="en-US" altLang="ko-KR" b="0" dirty="0">
+                <a:solidFill>
+                  <a:srgbClr val="C586C0"/>
+                </a:solidFill>
+                <a:effectLst/>
+                <a:latin typeface="Consolas" panose="020B0609020204030204" pitchFamily="49" charset="0"/>
+              </a:rPr>
+              <a:t>try</a:t>
+            </a:r>
+            <a:r>
+              <a:rPr lang="en-US" altLang="ko-KR" b="0" dirty="0">
+                <a:solidFill>
+                  <a:srgbClr val="D4D4D4"/>
+                </a:solidFill>
+                <a:effectLst/>
+                <a:latin typeface="Consolas" panose="020B0609020204030204" pitchFamily="49" charset="0"/>
+              </a:rPr>
+              <a:t> {</a:t>
+            </a:r>
+          </a:p>
+          <a:p>
+            <a:r>
+              <a:rPr lang="en-US" altLang="ko-KR" b="0" dirty="0">
+                <a:solidFill>
+                  <a:srgbClr val="D4D4D4"/>
+                </a:solidFill>
+                <a:effectLst/>
+                <a:latin typeface="Consolas" panose="020B0609020204030204" pitchFamily="49" charset="0"/>
+              </a:rPr>
+              <a:t>    </a:t>
+            </a:r>
+            <a:r>
+              <a:rPr lang="en-US" altLang="ko-KR" b="0" dirty="0">
+                <a:solidFill>
+                  <a:srgbClr val="569CD6"/>
+                </a:solidFill>
+                <a:effectLst/>
+                <a:latin typeface="Consolas" panose="020B0609020204030204" pitchFamily="49" charset="0"/>
+              </a:rPr>
+              <a:t>let</a:t>
+            </a:r>
+            <a:r>
+              <a:rPr lang="en-US" altLang="ko-KR" b="0" dirty="0">
+                <a:solidFill>
+                  <a:srgbClr val="D4D4D4"/>
+                </a:solidFill>
+                <a:effectLst/>
+                <a:latin typeface="Consolas" panose="020B0609020204030204" pitchFamily="49" charset="0"/>
+              </a:rPr>
+              <a:t> </a:t>
+            </a:r>
+            <a:r>
+              <a:rPr lang="en-US" altLang="ko-KR" b="0" dirty="0">
+                <a:solidFill>
+                  <a:srgbClr val="9CDCFE"/>
+                </a:solidFill>
+                <a:effectLst/>
+                <a:latin typeface="Consolas" panose="020B0609020204030204" pitchFamily="49" charset="0"/>
+              </a:rPr>
+              <a:t>result</a:t>
+            </a:r>
+            <a:r>
+              <a:rPr lang="en-US" altLang="ko-KR" b="0" dirty="0">
+                <a:solidFill>
+                  <a:srgbClr val="D4D4D4"/>
+                </a:solidFill>
+                <a:effectLst/>
+                <a:latin typeface="Consolas" panose="020B0609020204030204" pitchFamily="49" charset="0"/>
+              </a:rPr>
+              <a:t> = </a:t>
+            </a:r>
+            <a:r>
+              <a:rPr lang="en-US" altLang="ko-KR" b="0" dirty="0">
+                <a:solidFill>
+                  <a:srgbClr val="C586C0"/>
+                </a:solidFill>
+                <a:effectLst/>
+                <a:latin typeface="Consolas" panose="020B0609020204030204" pitchFamily="49" charset="0"/>
+              </a:rPr>
+              <a:t>await</a:t>
+            </a:r>
+            <a:r>
+              <a:rPr lang="en-US" altLang="ko-KR" b="0" dirty="0">
+                <a:solidFill>
+                  <a:srgbClr val="D4D4D4"/>
+                </a:solidFill>
+                <a:effectLst/>
+                <a:latin typeface="Consolas" panose="020B0609020204030204" pitchFamily="49" charset="0"/>
+              </a:rPr>
+              <a:t> </a:t>
+            </a:r>
+            <a:r>
+              <a:rPr lang="en-US" altLang="ko-KR" b="0" dirty="0" err="1">
+                <a:solidFill>
+                  <a:srgbClr val="DCDCAA"/>
+                </a:solidFill>
+                <a:effectLst/>
+                <a:latin typeface="Consolas" panose="020B0609020204030204" pitchFamily="49" charset="0"/>
+              </a:rPr>
+              <a:t>promiseExam</a:t>
+            </a:r>
+            <a:r>
+              <a:rPr lang="en-US" altLang="ko-KR" b="0" dirty="0">
+                <a:solidFill>
+                  <a:srgbClr val="D4D4D4"/>
+                </a:solidFill>
+                <a:effectLst/>
+                <a:latin typeface="Consolas" panose="020B0609020204030204" pitchFamily="49" charset="0"/>
+              </a:rPr>
+              <a:t>(</a:t>
+            </a:r>
+            <a:r>
+              <a:rPr lang="en-US" altLang="ko-KR" b="0" dirty="0">
+                <a:solidFill>
+                  <a:srgbClr val="B5CEA8"/>
+                </a:solidFill>
+                <a:effectLst/>
+                <a:latin typeface="Consolas" panose="020B0609020204030204" pitchFamily="49" charset="0"/>
+              </a:rPr>
+              <a:t>1000</a:t>
+            </a:r>
+            <a:r>
+              <a:rPr lang="en-US" altLang="ko-KR" b="0" dirty="0">
+                <a:solidFill>
+                  <a:srgbClr val="D4D4D4"/>
+                </a:solidFill>
+                <a:effectLst/>
+                <a:latin typeface="Consolas" panose="020B0609020204030204" pitchFamily="49" charset="0"/>
+              </a:rPr>
+              <a:t>);</a:t>
+            </a:r>
+          </a:p>
+          <a:p>
+            <a:r>
+              <a:rPr lang="en-US" altLang="ko-KR" b="0" dirty="0">
+                <a:solidFill>
+                  <a:srgbClr val="D4D4D4"/>
+                </a:solidFill>
+                <a:effectLst/>
+                <a:latin typeface="Consolas" panose="020B0609020204030204" pitchFamily="49" charset="0"/>
+              </a:rPr>
+              <a:t>    </a:t>
+            </a:r>
+            <a:r>
+              <a:rPr lang="en-US" altLang="ko-KR" b="0" dirty="0">
+                <a:solidFill>
+                  <a:srgbClr val="9CDCFE"/>
+                </a:solidFill>
+                <a:effectLst/>
+                <a:latin typeface="Consolas" panose="020B0609020204030204" pitchFamily="49" charset="0"/>
+              </a:rPr>
+              <a:t>console</a:t>
+            </a:r>
+            <a:r>
+              <a:rPr lang="en-US" altLang="ko-KR" b="0" dirty="0">
+                <a:solidFill>
+                  <a:srgbClr val="D4D4D4"/>
+                </a:solidFill>
+                <a:effectLst/>
+                <a:latin typeface="Consolas" panose="020B0609020204030204" pitchFamily="49" charset="0"/>
+              </a:rPr>
+              <a:t>.</a:t>
+            </a:r>
+            <a:r>
+              <a:rPr lang="en-US" altLang="ko-KR" b="0" dirty="0">
+                <a:solidFill>
+                  <a:srgbClr val="DCDCAA"/>
+                </a:solidFill>
+                <a:effectLst/>
+                <a:latin typeface="Consolas" panose="020B0609020204030204" pitchFamily="49" charset="0"/>
+              </a:rPr>
+              <a:t>log</a:t>
+            </a:r>
+            <a:r>
+              <a:rPr lang="en-US" altLang="ko-KR" b="0" dirty="0">
+                <a:solidFill>
+                  <a:srgbClr val="D4D4D4"/>
+                </a:solidFill>
+                <a:effectLst/>
+                <a:latin typeface="Consolas" panose="020B0609020204030204" pitchFamily="49" charset="0"/>
+              </a:rPr>
+              <a:t>(</a:t>
+            </a:r>
+            <a:r>
+              <a:rPr lang="en-US" altLang="ko-KR" b="0" dirty="0">
+                <a:solidFill>
+                  <a:srgbClr val="B5CEA8"/>
+                </a:solidFill>
+                <a:effectLst/>
+                <a:latin typeface="Consolas" panose="020B0609020204030204" pitchFamily="49" charset="0"/>
+              </a:rPr>
+              <a:t>1</a:t>
+            </a:r>
+            <a:r>
+              <a:rPr lang="en-US" altLang="ko-KR" b="0" dirty="0">
+                <a:solidFill>
+                  <a:srgbClr val="D4D4D4"/>
+                </a:solidFill>
+                <a:effectLst/>
+                <a:latin typeface="Consolas" panose="020B0609020204030204" pitchFamily="49" charset="0"/>
+              </a:rPr>
+              <a:t>, </a:t>
+            </a:r>
+            <a:r>
+              <a:rPr lang="en-US" altLang="ko-KR" b="0" dirty="0">
+                <a:solidFill>
+                  <a:srgbClr val="9CDCFE"/>
+                </a:solidFill>
+                <a:effectLst/>
+                <a:latin typeface="Consolas" panose="020B0609020204030204" pitchFamily="49" charset="0"/>
+              </a:rPr>
+              <a:t>result</a:t>
+            </a:r>
+            <a:r>
+              <a:rPr lang="en-US" altLang="ko-KR" b="0" dirty="0">
+                <a:solidFill>
+                  <a:srgbClr val="D4D4D4"/>
+                </a:solidFill>
+                <a:effectLst/>
+                <a:latin typeface="Consolas" panose="020B0609020204030204" pitchFamily="49" charset="0"/>
+              </a:rPr>
+              <a:t>);</a:t>
+            </a:r>
+          </a:p>
+          <a:p>
+            <a:r>
+              <a:rPr lang="en-US" altLang="ko-KR" b="0" dirty="0">
+                <a:solidFill>
+                  <a:srgbClr val="D4D4D4"/>
+                </a:solidFill>
+                <a:effectLst/>
+                <a:latin typeface="Consolas" panose="020B0609020204030204" pitchFamily="49" charset="0"/>
+              </a:rPr>
+              <a:t>    </a:t>
+            </a:r>
+            <a:r>
+              <a:rPr lang="en-US" altLang="ko-KR" b="0" dirty="0">
+                <a:solidFill>
+                  <a:srgbClr val="9CDCFE"/>
+                </a:solidFill>
+                <a:effectLst/>
+                <a:latin typeface="Consolas" panose="020B0609020204030204" pitchFamily="49" charset="0"/>
+              </a:rPr>
+              <a:t>result</a:t>
+            </a:r>
+            <a:r>
+              <a:rPr lang="en-US" altLang="ko-KR" b="0" dirty="0">
+                <a:solidFill>
+                  <a:srgbClr val="D4D4D4"/>
+                </a:solidFill>
+                <a:effectLst/>
+                <a:latin typeface="Consolas" panose="020B0609020204030204" pitchFamily="49" charset="0"/>
+              </a:rPr>
+              <a:t> = </a:t>
+            </a:r>
+            <a:r>
+              <a:rPr lang="en-US" altLang="ko-KR" b="0" dirty="0">
+                <a:solidFill>
+                  <a:srgbClr val="C586C0"/>
+                </a:solidFill>
+                <a:effectLst/>
+                <a:latin typeface="Consolas" panose="020B0609020204030204" pitchFamily="49" charset="0"/>
+              </a:rPr>
+              <a:t>await</a:t>
+            </a:r>
+            <a:r>
+              <a:rPr lang="en-US" altLang="ko-KR" b="0" dirty="0">
+                <a:solidFill>
+                  <a:srgbClr val="D4D4D4"/>
+                </a:solidFill>
+                <a:effectLst/>
+                <a:latin typeface="Consolas" panose="020B0609020204030204" pitchFamily="49" charset="0"/>
+              </a:rPr>
+              <a:t> </a:t>
+            </a:r>
+            <a:r>
+              <a:rPr lang="en-US" altLang="ko-KR" b="0" dirty="0" err="1">
+                <a:solidFill>
+                  <a:srgbClr val="DCDCAA"/>
+                </a:solidFill>
+                <a:effectLst/>
+                <a:latin typeface="Consolas" panose="020B0609020204030204" pitchFamily="49" charset="0"/>
+              </a:rPr>
+              <a:t>promiseExam</a:t>
+            </a:r>
+            <a:r>
+              <a:rPr lang="en-US" altLang="ko-KR" b="0" dirty="0">
+                <a:solidFill>
+                  <a:srgbClr val="D4D4D4"/>
+                </a:solidFill>
+                <a:effectLst/>
+                <a:latin typeface="Consolas" panose="020B0609020204030204" pitchFamily="49" charset="0"/>
+              </a:rPr>
+              <a:t>(</a:t>
+            </a:r>
+            <a:r>
+              <a:rPr lang="en-US" altLang="ko-KR" b="0" dirty="0">
+                <a:solidFill>
+                  <a:srgbClr val="B5CEA8"/>
+                </a:solidFill>
+                <a:effectLst/>
+                <a:latin typeface="Consolas" panose="020B0609020204030204" pitchFamily="49" charset="0"/>
+              </a:rPr>
+              <a:t>500</a:t>
+            </a:r>
+            <a:r>
+              <a:rPr lang="en-US" altLang="ko-KR" b="0" dirty="0">
+                <a:solidFill>
+                  <a:srgbClr val="D4D4D4"/>
+                </a:solidFill>
+                <a:effectLst/>
+                <a:latin typeface="Consolas" panose="020B0609020204030204" pitchFamily="49" charset="0"/>
+              </a:rPr>
+              <a:t>);</a:t>
+            </a:r>
+          </a:p>
+          <a:p>
+            <a:r>
+              <a:rPr lang="en-US" altLang="ko-KR" b="0" dirty="0">
+                <a:solidFill>
+                  <a:srgbClr val="D4D4D4"/>
+                </a:solidFill>
+                <a:effectLst/>
+                <a:latin typeface="Consolas" panose="020B0609020204030204" pitchFamily="49" charset="0"/>
+              </a:rPr>
+              <a:t>    </a:t>
+            </a:r>
+            <a:r>
+              <a:rPr lang="en-US" altLang="ko-KR" b="0" dirty="0">
+                <a:solidFill>
+                  <a:srgbClr val="9CDCFE"/>
+                </a:solidFill>
+                <a:effectLst/>
+                <a:latin typeface="Consolas" panose="020B0609020204030204" pitchFamily="49" charset="0"/>
+              </a:rPr>
+              <a:t>console</a:t>
+            </a:r>
+            <a:r>
+              <a:rPr lang="en-US" altLang="ko-KR" b="0" dirty="0">
+                <a:solidFill>
+                  <a:srgbClr val="D4D4D4"/>
+                </a:solidFill>
+                <a:effectLst/>
+                <a:latin typeface="Consolas" panose="020B0609020204030204" pitchFamily="49" charset="0"/>
+              </a:rPr>
+              <a:t>.</a:t>
+            </a:r>
+            <a:r>
+              <a:rPr lang="en-US" altLang="ko-KR" b="0" dirty="0">
+                <a:solidFill>
+                  <a:srgbClr val="DCDCAA"/>
+                </a:solidFill>
+                <a:effectLst/>
+                <a:latin typeface="Consolas" panose="020B0609020204030204" pitchFamily="49" charset="0"/>
+              </a:rPr>
+              <a:t>log</a:t>
+            </a:r>
+            <a:r>
+              <a:rPr lang="en-US" altLang="ko-KR" b="0" dirty="0">
+                <a:solidFill>
+                  <a:srgbClr val="D4D4D4"/>
+                </a:solidFill>
+                <a:effectLst/>
+                <a:latin typeface="Consolas" panose="020B0609020204030204" pitchFamily="49" charset="0"/>
+              </a:rPr>
+              <a:t>(</a:t>
+            </a:r>
+            <a:r>
+              <a:rPr lang="en-US" altLang="ko-KR" b="0" dirty="0">
+                <a:solidFill>
+                  <a:srgbClr val="B5CEA8"/>
+                </a:solidFill>
+                <a:effectLst/>
+                <a:latin typeface="Consolas" panose="020B0609020204030204" pitchFamily="49" charset="0"/>
+              </a:rPr>
+              <a:t>2</a:t>
+            </a:r>
+            <a:r>
+              <a:rPr lang="en-US" altLang="ko-KR" b="0" dirty="0">
+                <a:solidFill>
+                  <a:srgbClr val="D4D4D4"/>
+                </a:solidFill>
+                <a:effectLst/>
+                <a:latin typeface="Consolas" panose="020B0609020204030204" pitchFamily="49" charset="0"/>
+              </a:rPr>
+              <a:t>, </a:t>
+            </a:r>
+            <a:r>
+              <a:rPr lang="en-US" altLang="ko-KR" b="0" dirty="0">
+                <a:solidFill>
+                  <a:srgbClr val="9CDCFE"/>
+                </a:solidFill>
+                <a:effectLst/>
+                <a:latin typeface="Consolas" panose="020B0609020204030204" pitchFamily="49" charset="0"/>
+              </a:rPr>
+              <a:t>result</a:t>
+            </a:r>
+            <a:r>
+              <a:rPr lang="en-US" altLang="ko-KR" b="0" dirty="0">
+                <a:solidFill>
+                  <a:srgbClr val="D4D4D4"/>
+                </a:solidFill>
+                <a:effectLst/>
+                <a:latin typeface="Consolas" panose="020B0609020204030204" pitchFamily="49" charset="0"/>
+              </a:rPr>
+              <a:t>);</a:t>
+            </a:r>
+          </a:p>
+          <a:p>
+            <a:r>
+              <a:rPr lang="en-US" altLang="ko-KR" b="0" dirty="0">
+                <a:solidFill>
+                  <a:srgbClr val="D4D4D4"/>
+                </a:solidFill>
+                <a:effectLst/>
+                <a:latin typeface="Consolas" panose="020B0609020204030204" pitchFamily="49" charset="0"/>
+              </a:rPr>
+              <a:t>    </a:t>
+            </a:r>
+            <a:r>
+              <a:rPr lang="en-US" altLang="ko-KR" b="0" dirty="0">
+                <a:solidFill>
+                  <a:srgbClr val="9CDCFE"/>
+                </a:solidFill>
+                <a:effectLst/>
+                <a:latin typeface="Consolas" panose="020B0609020204030204" pitchFamily="49" charset="0"/>
+              </a:rPr>
+              <a:t>console</a:t>
+            </a:r>
+            <a:r>
+              <a:rPr lang="en-US" altLang="ko-KR" b="0" dirty="0">
+                <a:solidFill>
+                  <a:srgbClr val="D4D4D4"/>
+                </a:solidFill>
+                <a:effectLst/>
+                <a:latin typeface="Consolas" panose="020B0609020204030204" pitchFamily="49" charset="0"/>
+              </a:rPr>
+              <a:t>.</a:t>
+            </a:r>
+            <a:r>
+              <a:rPr lang="en-US" altLang="ko-KR" b="0" dirty="0">
+                <a:solidFill>
+                  <a:srgbClr val="DCDCAA"/>
+                </a:solidFill>
+                <a:effectLst/>
+                <a:latin typeface="Consolas" panose="020B0609020204030204" pitchFamily="49" charset="0"/>
+              </a:rPr>
+              <a:t>log</a:t>
+            </a:r>
+            <a:r>
+              <a:rPr lang="en-US" altLang="ko-KR" b="0" dirty="0">
+                <a:solidFill>
+                  <a:srgbClr val="D4D4D4"/>
+                </a:solidFill>
+                <a:effectLst/>
+                <a:latin typeface="Consolas" panose="020B0609020204030204" pitchFamily="49" charset="0"/>
+              </a:rPr>
+              <a:t>(</a:t>
+            </a:r>
+            <a:r>
+              <a:rPr lang="en-US" altLang="ko-KR" b="0" dirty="0">
+                <a:solidFill>
+                  <a:srgbClr val="B5CEA8"/>
+                </a:solidFill>
+                <a:effectLst/>
+                <a:latin typeface="Consolas" panose="020B0609020204030204" pitchFamily="49" charset="0"/>
+              </a:rPr>
+              <a:t>3</a:t>
+            </a:r>
+            <a:r>
+              <a:rPr lang="en-US" altLang="ko-KR" b="0" dirty="0">
+                <a:solidFill>
+                  <a:srgbClr val="D4D4D4"/>
+                </a:solidFill>
+                <a:effectLst/>
+                <a:latin typeface="Consolas" panose="020B0609020204030204" pitchFamily="49" charset="0"/>
+              </a:rPr>
+              <a:t>);</a:t>
+            </a:r>
+          </a:p>
+          <a:p>
+            <a:r>
+              <a:rPr lang="en-US" altLang="ko-KR" b="0" dirty="0">
+                <a:solidFill>
+                  <a:srgbClr val="D4D4D4"/>
+                </a:solidFill>
+                <a:effectLst/>
+                <a:latin typeface="Consolas" panose="020B0609020204030204" pitchFamily="49" charset="0"/>
+              </a:rPr>
+              <a:t>  } </a:t>
+            </a:r>
+            <a:r>
+              <a:rPr lang="en-US" altLang="ko-KR" b="0" dirty="0">
+                <a:solidFill>
+                  <a:srgbClr val="C586C0"/>
+                </a:solidFill>
+                <a:effectLst/>
+                <a:latin typeface="Consolas" panose="020B0609020204030204" pitchFamily="49" charset="0"/>
+              </a:rPr>
+              <a:t>catch</a:t>
+            </a:r>
+            <a:r>
+              <a:rPr lang="en-US" altLang="ko-KR" b="0" dirty="0">
+                <a:solidFill>
+                  <a:srgbClr val="D4D4D4"/>
+                </a:solidFill>
+                <a:effectLst/>
+                <a:latin typeface="Consolas" panose="020B0609020204030204" pitchFamily="49" charset="0"/>
+              </a:rPr>
+              <a:t> (</a:t>
+            </a:r>
+            <a:r>
+              <a:rPr lang="en-US" altLang="ko-KR" b="0" dirty="0">
+                <a:solidFill>
+                  <a:srgbClr val="9CDCFE"/>
+                </a:solidFill>
+                <a:effectLst/>
+                <a:latin typeface="Consolas" panose="020B0609020204030204" pitchFamily="49" charset="0"/>
+              </a:rPr>
+              <a:t>error</a:t>
+            </a:r>
+            <a:r>
+              <a:rPr lang="en-US" altLang="ko-KR" b="0" dirty="0">
+                <a:solidFill>
+                  <a:srgbClr val="D4D4D4"/>
+                </a:solidFill>
+                <a:effectLst/>
+                <a:latin typeface="Consolas" panose="020B0609020204030204" pitchFamily="49" charset="0"/>
+              </a:rPr>
+              <a:t>) {</a:t>
+            </a:r>
+          </a:p>
+          <a:p>
+            <a:r>
+              <a:rPr lang="en-US" altLang="ko-KR" b="0" dirty="0">
+                <a:solidFill>
+                  <a:srgbClr val="D4D4D4"/>
+                </a:solidFill>
+                <a:effectLst/>
+                <a:latin typeface="Consolas" panose="020B0609020204030204" pitchFamily="49" charset="0"/>
+              </a:rPr>
+              <a:t>    </a:t>
+            </a:r>
+            <a:r>
+              <a:rPr lang="en-US" altLang="ko-KR" b="0" dirty="0">
+                <a:solidFill>
+                  <a:srgbClr val="9CDCFE"/>
+                </a:solidFill>
+                <a:effectLst/>
+                <a:latin typeface="Consolas" panose="020B0609020204030204" pitchFamily="49" charset="0"/>
+              </a:rPr>
+              <a:t>console</a:t>
+            </a:r>
+            <a:r>
+              <a:rPr lang="en-US" altLang="ko-KR" b="0" dirty="0">
+                <a:solidFill>
+                  <a:srgbClr val="D4D4D4"/>
+                </a:solidFill>
+                <a:effectLst/>
+                <a:latin typeface="Consolas" panose="020B0609020204030204" pitchFamily="49" charset="0"/>
+              </a:rPr>
+              <a:t>.</a:t>
+            </a:r>
+            <a:r>
+              <a:rPr lang="en-US" altLang="ko-KR" b="0" dirty="0">
+                <a:solidFill>
+                  <a:srgbClr val="DCDCAA"/>
+                </a:solidFill>
+                <a:effectLst/>
+                <a:latin typeface="Consolas" panose="020B0609020204030204" pitchFamily="49" charset="0"/>
+              </a:rPr>
+              <a:t>log</a:t>
+            </a:r>
+            <a:r>
+              <a:rPr lang="en-US" altLang="ko-KR" b="0" dirty="0">
+                <a:solidFill>
+                  <a:srgbClr val="D4D4D4"/>
+                </a:solidFill>
+                <a:effectLst/>
+                <a:latin typeface="Consolas" panose="020B0609020204030204" pitchFamily="49" charset="0"/>
+              </a:rPr>
+              <a:t>(</a:t>
+            </a:r>
+            <a:r>
+              <a:rPr lang="en-US" altLang="ko-KR" b="0" dirty="0">
+                <a:solidFill>
+                  <a:srgbClr val="9CDCFE"/>
+                </a:solidFill>
+                <a:effectLst/>
+                <a:latin typeface="Consolas" panose="020B0609020204030204" pitchFamily="49" charset="0"/>
+              </a:rPr>
+              <a:t>error</a:t>
+            </a:r>
+            <a:r>
+              <a:rPr lang="en-US" altLang="ko-KR" b="0" dirty="0">
+                <a:solidFill>
+                  <a:srgbClr val="D4D4D4"/>
+                </a:solidFill>
+                <a:effectLst/>
+                <a:latin typeface="Consolas" panose="020B0609020204030204" pitchFamily="49" charset="0"/>
+              </a:rPr>
+              <a:t>);</a:t>
+            </a:r>
+          </a:p>
+          <a:p>
+            <a:r>
+              <a:rPr lang="en-US" altLang="ko-KR" b="0" dirty="0">
+                <a:solidFill>
+                  <a:srgbClr val="D4D4D4"/>
+                </a:solidFill>
+                <a:effectLst/>
+                <a:latin typeface="Consolas" panose="020B0609020204030204" pitchFamily="49" charset="0"/>
+              </a:rPr>
+              <a:t>  }</a:t>
+            </a:r>
+          </a:p>
+          <a:p>
+            <a:r>
+              <a:rPr lang="en-US" altLang="ko-KR" b="0" dirty="0">
+                <a:solidFill>
+                  <a:srgbClr val="D4D4D4"/>
+                </a:solidFill>
+                <a:effectLst/>
+                <a:latin typeface="Consolas" panose="020B0609020204030204" pitchFamily="49" charset="0"/>
+              </a:rPr>
+              <a:t>}</a:t>
+            </a:r>
+          </a:p>
+          <a:p>
+            <a:br>
+              <a:rPr lang="en-US" altLang="ko-KR" b="0" dirty="0">
+                <a:solidFill>
+                  <a:srgbClr val="D4D4D4"/>
+                </a:solidFill>
+                <a:effectLst/>
+                <a:latin typeface="Consolas" panose="020B0609020204030204" pitchFamily="49" charset="0"/>
+              </a:rPr>
+            </a:br>
+            <a:r>
+              <a:rPr lang="en-US" altLang="ko-KR" b="0" dirty="0" err="1">
+                <a:solidFill>
+                  <a:srgbClr val="DCDCAA"/>
+                </a:solidFill>
+                <a:effectLst/>
+                <a:latin typeface="Consolas" panose="020B0609020204030204" pitchFamily="49" charset="0"/>
+              </a:rPr>
+              <a:t>asyncTest</a:t>
+            </a:r>
+            <a:r>
+              <a:rPr lang="en-US" altLang="ko-KR" b="0" dirty="0">
+                <a:solidFill>
+                  <a:srgbClr val="D4D4D4"/>
+                </a:solidFill>
+                <a:effectLst/>
+                <a:latin typeface="Consolas" panose="020B0609020204030204" pitchFamily="49" charset="0"/>
+              </a:rPr>
+              <a:t>();</a:t>
+            </a:r>
+          </a:p>
+          <a:p>
+            <a:br>
+              <a:rPr lang="en-US" altLang="ko-KR" b="0" dirty="0">
+                <a:solidFill>
+                  <a:srgbClr val="D4D4D4"/>
+                </a:solidFill>
+                <a:effectLst/>
+                <a:latin typeface="Consolas" panose="020B0609020204030204" pitchFamily="49" charset="0"/>
+              </a:rPr>
+            </a:br>
+            <a:endParaRPr lang="en-US" altLang="ko-KR" b="0" dirty="0">
+              <a:solidFill>
+                <a:srgbClr val="D4D4D4"/>
+              </a:solidFill>
+              <a:effectLst/>
+              <a:latin typeface="Consolas" panose="020B0609020204030204" pitchFamily="49" charset="0"/>
+            </a:endParaRPr>
+          </a:p>
+        </p:txBody>
+      </p:sp>
+      <p:sp>
+        <p:nvSpPr>
+          <p:cNvPr id="4" name="슬라이드 번호 개체 틀 3"/>
+          <p:cNvSpPr>
+            <a:spLocks noGrp="1"/>
+          </p:cNvSpPr>
+          <p:nvPr>
+            <p:ph type="sldNum" sz="quarter" idx="5"/>
+          </p:nvPr>
+        </p:nvSpPr>
+        <p:spPr/>
+        <p:txBody>
+          <a:bodyPr/>
+          <a:lstStyle/>
+          <a:p>
+            <a:fld id="{12E9ADDB-0586-426C-BFD8-3BE534C7F28E}" type="slidenum">
+              <a:rPr lang="ko-KR" altLang="en-US" smtClean="0"/>
+              <a:t>44</a:t>
+            </a:fld>
+            <a:endParaRPr lang="ko-KR" altLang="en-US"/>
+          </a:p>
+        </p:txBody>
+      </p:sp>
+    </p:spTree>
+    <p:extLst>
+      <p:ext uri="{BB962C8B-B14F-4D97-AF65-F5344CB8AC3E}">
+        <p14:creationId xmlns:p14="http://schemas.microsoft.com/office/powerpoint/2010/main" val="2058215142"/>
       </p:ext>
     </p:extLst>
   </p:cSld>
@@ -9404,7 +9488,7 @@
           <a:p>
             <a:pPr lvl="1"/>
             <a:r>
-              <a:rPr lang="en-US" altLang="ko-KR" dirty="0">
+              <a:rPr lang="en-US" altLang="ko-KR" b="1" dirty="0">
                 <a:solidFill>
                   <a:srgbClr val="1B1B1B"/>
                 </a:solidFill>
@@ -9413,7 +9497,7 @@
               <a:t>L</a:t>
             </a:r>
             <a:r>
-              <a:rPr lang="en-US" altLang="ko-KR" b="0" dirty="0">
+              <a:rPr lang="en-US" altLang="ko-KR" b="1" dirty="0">
                 <a:solidFill>
                   <a:srgbClr val="1B1B1B"/>
                 </a:solidFill>
@@ -10406,10 +10490,10 @@
       </p:grpSpPr>
       <p:pic>
         <p:nvPicPr>
-          <p:cNvPr id="26" name="그림 25">
-            <a:extLst>
-              <a:ext uri="{FF2B5EF4-FFF2-40B4-BE49-F238E27FC236}">
-                <a16:creationId xmlns:a16="http://schemas.microsoft.com/office/drawing/2014/main" id="{5110E111-B9D2-4B7C-9695-95F2A3FD5F86}"/>
+          <p:cNvPr id="8" name="그림 7">
+            <a:extLst>
+              <a:ext uri="{FF2B5EF4-FFF2-40B4-BE49-F238E27FC236}">
+                <a16:creationId xmlns:a16="http://schemas.microsoft.com/office/drawing/2014/main" id="{E03FB88D-C62B-41A8-8590-021AC429F783}"/>
               </a:ext>
             </a:extLst>
           </p:cNvPr>
@@ -10426,8 +10510,8 @@
         </p:blipFill>
         <p:spPr>
           <a:xfrm>
-            <a:off x="5267846" y="1690688"/>
-            <a:ext cx="6182588" cy="4201111"/>
+            <a:off x="5859282" y="2362968"/>
+            <a:ext cx="5449397" cy="2619741"/>
           </a:xfrm>
           <a:prstGeom prst="rect">
             <a:avLst/>
@@ -10509,8 +10593,8 @@
         </p:nvCxnSpPr>
         <p:spPr>
           <a:xfrm flipV="1">
-            <a:off x="2186940" y="2156460"/>
-            <a:ext cx="3863340" cy="716280"/>
+            <a:off x="2186940" y="2715794"/>
+            <a:ext cx="4406952" cy="156946"/>
           </a:xfrm>
           <a:prstGeom prst="straightConnector1">
             <a:avLst/>
@@ -10551,7 +10635,7 @@
         <p:spPr>
           <a:xfrm>
             <a:off x="3371901" y="3090620"/>
-            <a:ext cx="2785059" cy="808110"/>
+            <a:ext cx="3316899" cy="1243780"/>
           </a:xfrm>
           <a:prstGeom prst="straightConnector1">
             <a:avLst/>
@@ -10575,47 +10659,6 @@
           </a:fontRef>
         </p:style>
       </p:cxnSp>
-      <p:cxnSp>
-        <p:nvCxnSpPr>
-          <p:cNvPr id="20" name="직선 화살표 연결선 19">
-            <a:extLst>
-              <a:ext uri="{FF2B5EF4-FFF2-40B4-BE49-F238E27FC236}">
-                <a16:creationId xmlns:a16="http://schemas.microsoft.com/office/drawing/2014/main" id="{065DEFF7-387A-4F33-9002-1A0C08B0CCD2}"/>
-              </a:ext>
-            </a:extLst>
-          </p:cNvPr>
-          <p:cNvCxnSpPr>
-            <a:cxnSpLocks/>
-          </p:cNvCxnSpPr>
-          <p:nvPr/>
-        </p:nvCxnSpPr>
-        <p:spPr>
-          <a:xfrm flipV="1">
-            <a:off x="2624988" y="2396340"/>
-            <a:ext cx="3425292" cy="970150"/>
-          </a:xfrm>
-          <a:prstGeom prst="straightConnector1">
-            <a:avLst/>
-          </a:prstGeom>
-          <a:ln w="28575">
-            <a:tailEnd type="triangle"/>
-          </a:ln>
-        </p:spPr>
-        <p:style>
-          <a:lnRef idx="1">
-            <a:schemeClr val="accent2"/>
-          </a:lnRef>
-          <a:fillRef idx="0">
-            <a:schemeClr val="accent2"/>
-          </a:fillRef>
-          <a:effectRef idx="0">
-            <a:schemeClr val="accent2"/>
-          </a:effectRef>
-          <a:fontRef idx="minor">
-            <a:schemeClr val="tx1"/>
-          </a:fontRef>
-        </p:style>
-      </p:cxnSp>
       <p:sp>
         <p:nvSpPr>
           <p:cNvPr id="22" name="직사각형 21">
@@ -10630,7 +10673,7 @@
         </p:nvSpPr>
         <p:spPr>
           <a:xfrm>
-            <a:off x="6050280" y="1930568"/>
+            <a:off x="6593892" y="2560320"/>
             <a:ext cx="2865120" cy="312420"/>
           </a:xfrm>
           <a:prstGeom prst="rect">
@@ -10697,6 +10740,47 @@
           </a:p>
         </p:txBody>
       </p:sp>
+      <p:cxnSp>
+        <p:nvCxnSpPr>
+          <p:cNvPr id="20" name="직선 화살표 연결선 19">
+            <a:extLst>
+              <a:ext uri="{FF2B5EF4-FFF2-40B4-BE49-F238E27FC236}">
+                <a16:creationId xmlns:a16="http://schemas.microsoft.com/office/drawing/2014/main" id="{065DEFF7-387A-4F33-9002-1A0C08B0CCD2}"/>
+              </a:ext>
+            </a:extLst>
+          </p:cNvPr>
+          <p:cNvCxnSpPr>
+            <a:cxnSpLocks/>
+          </p:cNvCxnSpPr>
+          <p:nvPr/>
+        </p:nvCxnSpPr>
+        <p:spPr>
+          <a:xfrm flipV="1">
+            <a:off x="3700800" y="2966400"/>
+            <a:ext cx="2893092" cy="578620"/>
+          </a:xfrm>
+          <a:prstGeom prst="straightConnector1">
+            <a:avLst/>
+          </a:prstGeom>
+          <a:ln w="28575">
+            <a:tailEnd type="triangle"/>
+          </a:ln>
+        </p:spPr>
+        <p:style>
+          <a:lnRef idx="1">
+            <a:schemeClr val="accent2"/>
+          </a:lnRef>
+          <a:fillRef idx="0">
+            <a:schemeClr val="accent2"/>
+          </a:fillRef>
+          <a:effectRef idx="0">
+            <a:schemeClr val="accent2"/>
+          </a:effectRef>
+          <a:fontRef idx="minor">
+            <a:schemeClr val="tx1"/>
+          </a:fontRef>
+        </p:style>
+      </p:cxnSp>
     </p:spTree>
     <p:extLst>
       <p:ext uri="{BB962C8B-B14F-4D97-AF65-F5344CB8AC3E}">
@@ -15395,7 +15479,7 @@
     <mc:Choice Requires="p14">
       <p:transition/>
     </mc:Choice>
-    <mc:Fallback xmlns:dsp="http://schemas.microsoft.com/office/drawing/2008/diagram" xmlns:dgm="http://schemas.openxmlformats.org/drawingml/2006/diagram" xmlns:c="http://schemas.openxmlformats.org/drawingml/2006/chart" xmlns="">
+    <mc:Fallback xmlns="" xmlns:c="http://schemas.openxmlformats.org/drawingml/2006/chart" xmlns:dgm="http://schemas.openxmlformats.org/drawingml/2006/diagram" xmlns:dsp="http://schemas.microsoft.com/office/drawing/2008/diagram">
       <p:transition/>
     </mc:Fallback>
   </mc:AlternateContent>
@@ -15863,7 +15947,7 @@
     <mc:Choice Requires="p14">
       <p:transition/>
     </mc:Choice>
-    <mc:Fallback xmlns:dsp="http://schemas.microsoft.com/office/drawing/2008/diagram" xmlns:dgm="http://schemas.openxmlformats.org/drawingml/2006/diagram" xmlns:c="http://schemas.openxmlformats.org/drawingml/2006/chart" xmlns="">
+    <mc:Fallback xmlns="" xmlns:c="http://schemas.openxmlformats.org/drawingml/2006/chart" xmlns:dgm="http://schemas.openxmlformats.org/drawingml/2006/diagram" xmlns:dsp="http://schemas.microsoft.com/office/drawing/2008/diagram">
       <p:transition/>
     </mc:Fallback>
   </mc:AlternateContent>
@@ -16006,12 +16090,8 @@
               <a:defRPr/>
             </a:pPr>
             <a:r>
-              <a:rPr lang="ko-KR" altLang="en-US" sz="2300" dirty="0"/>
-              <a:t> </a:t>
-            </a:r>
-            <a:r>
               <a:rPr lang="en-US" altLang="ko-KR" sz="2300" dirty="0"/>
-              <a:t>.then((data)=&gt;{</a:t>
+              <a:t>  .then((data)=&gt;{</a:t>
             </a:r>
             <a:r>
               <a:rPr lang="ko-KR" altLang="en-US" sz="2300" dirty="0" err="1"/>
@@ -16029,7 +16109,7 @@
             </a:pPr>
             <a:r>
               <a:rPr lang="ko-KR" altLang="en-US" sz="2300" dirty="0"/>
-              <a:t> </a:t>
+              <a:t>  </a:t>
             </a:r>
             <a:r>
               <a:rPr lang="en-US" altLang="ko-KR" sz="2300" dirty="0"/>
@@ -16303,7 +16383,7 @@
     <mc:Choice Requires="p14">
       <p:transition/>
     </mc:Choice>
-    <mc:Fallback xmlns:dsp="http://schemas.microsoft.com/office/drawing/2008/diagram" xmlns:dgm="http://schemas.openxmlformats.org/drawingml/2006/diagram" xmlns:c="http://schemas.openxmlformats.org/drawingml/2006/chart" xmlns="">
+    <mc:Fallback xmlns="" xmlns:c="http://schemas.openxmlformats.org/drawingml/2006/chart" xmlns:dgm="http://schemas.openxmlformats.org/drawingml/2006/diagram" xmlns:dsp="http://schemas.microsoft.com/office/drawing/2008/diagram">
       <p:transition/>
     </mc:Fallback>
   </mc:AlternateContent>
@@ -16546,8 +16626,12 @@
               <a:defRPr/>
             </a:pPr>
             <a:r>
+              <a:rPr lang="en-US" altLang="ko-KR" sz="2500" u="sng" dirty="0"/>
+              <a:t>async</a:t>
+            </a:r>
+            <a:r>
               <a:rPr lang="en-US" altLang="ko-KR" sz="2500" dirty="0"/>
-              <a:t>async function() {</a:t>
+              <a:t> function() {</a:t>
             </a:r>
           </a:p>
           <a:p>
@@ -16557,7 +16641,7 @@
             </a:pPr>
             <a:r>
               <a:rPr lang="en-US" altLang="ko-KR" sz="2500" dirty="0"/>
-              <a:t>	try{</a:t>
+              <a:t>  try{</a:t>
             </a:r>
           </a:p>
           <a:p>
@@ -16567,7 +16651,15 @@
             </a:pPr>
             <a:r>
               <a:rPr lang="en-US" altLang="ko-KR" sz="2500" dirty="0"/>
-              <a:t>		let result = await </a:t>
+              <a:t>    let result = </a:t>
+            </a:r>
+            <a:r>
+              <a:rPr lang="en-US" altLang="ko-KR" sz="2500" u="sng" dirty="0"/>
+              <a:t>await</a:t>
+            </a:r>
+            <a:r>
+              <a:rPr lang="en-US" altLang="ko-KR" sz="2500" dirty="0"/>
+              <a:t> </a:t>
             </a:r>
             <a:r>
               <a:rPr lang="en-US" altLang="ko-KR" sz="2800" dirty="0" err="1"/>
@@ -16585,7 +16677,7 @@
             </a:pPr>
             <a:r>
               <a:rPr lang="en-US" altLang="ko-KR" sz="2500" dirty="0"/>
-              <a:t>	} catch(error){</a:t>
+              <a:t>  } catch(error){</a:t>
             </a:r>
           </a:p>
           <a:p>
@@ -16595,7 +16687,7 @@
             </a:pPr>
             <a:r>
               <a:rPr lang="en-US" altLang="ko-KR" sz="2500" dirty="0"/>
-              <a:t>		console.log(error)</a:t>
+              <a:t>    console.log(error)</a:t>
             </a:r>
           </a:p>
           <a:p>
@@ -16605,7 +16697,7 @@
             </a:pPr>
             <a:r>
               <a:rPr lang="en-US" altLang="ko-KR" sz="2500" dirty="0"/>
-              <a:t>	}</a:t>
+              <a:t>  }</a:t>
             </a:r>
           </a:p>
           <a:p>
@@ -16772,9 +16864,9 @@
           <p:nvPr/>
         </p:nvCxnSpPr>
         <p:spPr>
-          <a:xfrm>
-            <a:off x="2759170" y="2954178"/>
-            <a:ext cx="600479" cy="1884950"/>
+          <a:xfrm flipH="1">
+            <a:off x="2030400" y="2954178"/>
+            <a:ext cx="728770" cy="1862622"/>
           </a:xfrm>
           <a:prstGeom prst="straightConnector1">
             <a:avLst/>
@@ -16810,9 +16902,9 @@
           <p:nvPr/>
         </p:nvCxnSpPr>
         <p:spPr>
-          <a:xfrm>
-            <a:off x="2570437" y="3485710"/>
-            <a:ext cx="357698" cy="1743836"/>
+          <a:xfrm flipH="1">
+            <a:off x="2462400" y="3531128"/>
+            <a:ext cx="391138" cy="1688872"/>
           </a:xfrm>
           <a:prstGeom prst="straightConnector1">
             <a:avLst/>

--- a/1-javascript/1-javascript.pptx
+++ b/1-javascript/1-javascript.pptx
@@ -4271,6 +4271,26 @@
             <a:r>
               <a:rPr lang="en-US" altLang="ko-KR" b="0" dirty="0">
                 <a:solidFill>
+                  <a:srgbClr val="C586C0"/>
+                </a:solidFill>
+                <a:effectLst/>
+                <a:latin typeface="Consolas" panose="020B0609020204030204" pitchFamily="49" charset="0"/>
+              </a:rPr>
+              <a:t>return</a:t>
+            </a:r>
+            <a:r>
+              <a:rPr lang="en-US" altLang="ko-KR" b="0" dirty="0">
+                <a:solidFill>
+                  <a:srgbClr val="D4D4D4"/>
+                </a:solidFill>
+                <a:effectLst/>
+                <a:latin typeface="Consolas" panose="020B0609020204030204" pitchFamily="49" charset="0"/>
+              </a:rPr>
+              <a:t> </a:t>
+            </a:r>
+            <a:r>
+              <a:rPr lang="en-US" altLang="ko-KR" b="0" dirty="0">
+                <a:solidFill>
                   <a:srgbClr val="DCDCAA"/>
                 </a:solidFill>
                 <a:effectLst/>
@@ -4948,6 +4968,98 @@
                 <a:latin typeface="Consolas" panose="020B0609020204030204" pitchFamily="49" charset="0"/>
               </a:rPr>
               <a:t>result</a:t>
+            </a:r>
+            <a:r>
+              <a:rPr lang="en-US" altLang="ko-KR" b="0" dirty="0">
+                <a:solidFill>
+                  <a:srgbClr val="D4D4D4"/>
+                </a:solidFill>
+                <a:effectLst/>
+                <a:latin typeface="Consolas" panose="020B0609020204030204" pitchFamily="49" charset="0"/>
+              </a:rPr>
+              <a:t>);</a:t>
+            </a:r>
+          </a:p>
+          <a:p>
+            <a:r>
+              <a:rPr lang="en-US" altLang="ko-KR" b="0" dirty="0">
+                <a:solidFill>
+                  <a:srgbClr val="D4D4D4"/>
+                </a:solidFill>
+                <a:effectLst/>
+                <a:latin typeface="Consolas" panose="020B0609020204030204" pitchFamily="49" charset="0"/>
+              </a:rPr>
+              <a:t>    </a:t>
+            </a:r>
+            <a:r>
+              <a:rPr lang="en-US" altLang="ko-KR" b="0" dirty="0">
+                <a:solidFill>
+                  <a:srgbClr val="9CDCFE"/>
+                </a:solidFill>
+                <a:effectLst/>
+                <a:latin typeface="Consolas" panose="020B0609020204030204" pitchFamily="49" charset="0"/>
+              </a:rPr>
+              <a:t>result</a:t>
+            </a:r>
+            <a:r>
+              <a:rPr lang="en-US" altLang="ko-KR" b="0" dirty="0">
+                <a:solidFill>
+                  <a:srgbClr val="D4D4D4"/>
+                </a:solidFill>
+                <a:effectLst/>
+                <a:latin typeface="Consolas" panose="020B0609020204030204" pitchFamily="49" charset="0"/>
+              </a:rPr>
+              <a:t> = </a:t>
+            </a:r>
+            <a:r>
+              <a:rPr lang="en-US" altLang="ko-KR" b="0" dirty="0">
+                <a:solidFill>
+                  <a:srgbClr val="C586C0"/>
+                </a:solidFill>
+                <a:effectLst/>
+                <a:latin typeface="Consolas" panose="020B0609020204030204" pitchFamily="49" charset="0"/>
+              </a:rPr>
+              <a:t>await</a:t>
+            </a:r>
+            <a:r>
+              <a:rPr lang="en-US" altLang="ko-KR" b="0" dirty="0">
+                <a:solidFill>
+                  <a:srgbClr val="D4D4D4"/>
+                </a:solidFill>
+                <a:effectLst/>
+                <a:latin typeface="Consolas" panose="020B0609020204030204" pitchFamily="49" charset="0"/>
+              </a:rPr>
+              <a:t> </a:t>
+            </a:r>
+            <a:r>
+              <a:rPr lang="en-US" altLang="ko-KR" b="0" dirty="0" err="1">
+                <a:solidFill>
+                  <a:srgbClr val="DCDCAA"/>
+                </a:solidFill>
+                <a:effectLst/>
+                <a:latin typeface="Consolas" panose="020B0609020204030204" pitchFamily="49" charset="0"/>
+              </a:rPr>
+              <a:t>promiseExam</a:t>
+            </a:r>
+            <a:r>
+              <a:rPr lang="en-US" altLang="ko-KR" b="0" dirty="0">
+                <a:solidFill>
+                  <a:srgbClr val="D4D4D4"/>
+                </a:solidFill>
+                <a:effectLst/>
+                <a:latin typeface="Consolas" panose="020B0609020204030204" pitchFamily="49" charset="0"/>
+              </a:rPr>
+              <a:t>(</a:t>
+            </a:r>
+            <a:r>
+              <a:rPr lang="en-US" altLang="ko-KR" b="0" dirty="0">
+                <a:solidFill>
+                  <a:srgbClr val="B5CEA8"/>
+                </a:solidFill>
+                <a:effectLst/>
+                <a:latin typeface="Consolas" panose="020B0609020204030204" pitchFamily="49" charset="0"/>
+              </a:rPr>
+              <a:t>50000</a:t>
             </a:r>
             <a:r>
               <a:rPr lang="en-US" altLang="ko-KR" b="0" dirty="0">
@@ -15479,7 +15591,7 @@
     <mc:Choice Requires="p14">
       <p:transition/>
     </mc:Choice>
-    <mc:Fallback xmlns="" xmlns:c="http://schemas.openxmlformats.org/drawingml/2006/chart" xmlns:dgm="http://schemas.openxmlformats.org/drawingml/2006/diagram" xmlns:dsp="http://schemas.microsoft.com/office/drawing/2008/diagram">
+    <mc:Fallback xmlns:dsp="http://schemas.microsoft.com/office/drawing/2008/diagram" xmlns:dgm="http://schemas.openxmlformats.org/drawingml/2006/diagram" xmlns:c="http://schemas.openxmlformats.org/drawingml/2006/chart" xmlns="">
       <p:transition/>
     </mc:Fallback>
   </mc:AlternateContent>
@@ -15947,7 +16059,7 @@
     <mc:Choice Requires="p14">
       <p:transition/>
     </mc:Choice>
-    <mc:Fallback xmlns="" xmlns:c="http://schemas.openxmlformats.org/drawingml/2006/chart" xmlns:dgm="http://schemas.openxmlformats.org/drawingml/2006/diagram" xmlns:dsp="http://schemas.microsoft.com/office/drawing/2008/diagram">
+    <mc:Fallback xmlns:dsp="http://schemas.microsoft.com/office/drawing/2008/diagram" xmlns:dgm="http://schemas.openxmlformats.org/drawingml/2006/diagram" xmlns:c="http://schemas.openxmlformats.org/drawingml/2006/chart" xmlns="">
       <p:transition/>
     </mc:Fallback>
   </mc:AlternateContent>
@@ -16383,7 +16495,7 @@
     <mc:Choice Requires="p14">
       <p:transition/>
     </mc:Choice>
-    <mc:Fallback xmlns="" xmlns:c="http://schemas.openxmlformats.org/drawingml/2006/chart" xmlns:dgm="http://schemas.openxmlformats.org/drawingml/2006/diagram" xmlns:dsp="http://schemas.microsoft.com/office/drawing/2008/diagram">
+    <mc:Fallback xmlns:dsp="http://schemas.microsoft.com/office/drawing/2008/diagram" xmlns:dgm="http://schemas.openxmlformats.org/drawingml/2006/diagram" xmlns:c="http://schemas.openxmlformats.org/drawingml/2006/chart" xmlns="">
       <p:transition/>
     </mc:Fallback>
   </mc:AlternateContent>
@@ -17021,12 +17133,41 @@
           </a:p>
         </p:txBody>
       </p:sp>
+      <p:sp>
+        <p:nvSpPr>
+          <p:cNvPr id="5" name="슬라이드 번호 개체 틀 4">
+            <a:extLst>
+              <a:ext uri="{FF2B5EF4-FFF2-40B4-BE49-F238E27FC236}">
+                <a16:creationId xmlns:a16="http://schemas.microsoft.com/office/drawing/2014/main" id="{98E48CC1-858F-4A1E-BF26-39784BC5D83D}"/>
+              </a:ext>
+            </a:extLst>
+          </p:cNvPr>
+          <p:cNvSpPr>
+            <a:spLocks noGrp="1"/>
+          </p:cNvSpPr>
+          <p:nvPr>
+            <p:ph type="sldNum" sz="quarter" idx="12"/>
+          </p:nvPr>
+        </p:nvSpPr>
+        <p:spPr/>
+        <p:txBody>
+          <a:bodyPr/>
+          <a:lstStyle/>
+          <a:p>
+            <a:fld id="{218E8BD7-F182-4B37-9978-F83F0E1A36DD}" type="slidenum">
+              <a:rPr lang="ko-KR" altLang="en-US" smtClean="0"/>
+              <a:t>44</a:t>
+            </a:fld>
+            <a:endParaRPr lang="ko-KR" altLang="en-US"/>
+          </a:p>
+        </p:txBody>
+      </p:sp>
       <p:pic>
         <p:nvPicPr>
-          <p:cNvPr id="4" name="그림 3">
-            <a:extLst>
-              <a:ext uri="{FF2B5EF4-FFF2-40B4-BE49-F238E27FC236}">
-                <a16:creationId xmlns:a16="http://schemas.microsoft.com/office/drawing/2014/main" id="{799F9139-FB62-4782-A215-FB4B155F36D1}"/>
+          <p:cNvPr id="8" name="그림 7">
+            <a:extLst>
+              <a:ext uri="{FF2B5EF4-FFF2-40B4-BE49-F238E27FC236}">
+                <a16:creationId xmlns:a16="http://schemas.microsoft.com/office/drawing/2014/main" id="{BC8DB6DB-76BD-4C08-B3D9-C25A02F1839F}"/>
               </a:ext>
             </a:extLst>
           </p:cNvPr>
@@ -17043,43 +17184,14 @@
         </p:blipFill>
         <p:spPr>
           <a:xfrm>
-            <a:off x="3269389" y="1690688"/>
-            <a:ext cx="5653222" cy="4959980"/>
+            <a:off x="3229532" y="1820370"/>
+            <a:ext cx="5732935" cy="4812158"/>
           </a:xfrm>
           <a:prstGeom prst="rect">
             <a:avLst/>
           </a:prstGeom>
         </p:spPr>
       </p:pic>
-      <p:sp>
-        <p:nvSpPr>
-          <p:cNvPr id="5" name="슬라이드 번호 개체 틀 4">
-            <a:extLst>
-              <a:ext uri="{FF2B5EF4-FFF2-40B4-BE49-F238E27FC236}">
-                <a16:creationId xmlns:a16="http://schemas.microsoft.com/office/drawing/2014/main" id="{98E48CC1-858F-4A1E-BF26-39784BC5D83D}"/>
-              </a:ext>
-            </a:extLst>
-          </p:cNvPr>
-          <p:cNvSpPr>
-            <a:spLocks noGrp="1"/>
-          </p:cNvSpPr>
-          <p:nvPr>
-            <p:ph type="sldNum" sz="quarter" idx="12"/>
-          </p:nvPr>
-        </p:nvSpPr>
-        <p:spPr/>
-        <p:txBody>
-          <a:bodyPr/>
-          <a:lstStyle/>
-          <a:p>
-            <a:fld id="{218E8BD7-F182-4B37-9978-F83F0E1A36DD}" type="slidenum">
-              <a:rPr lang="ko-KR" altLang="en-US" smtClean="0"/>
-              <a:t>44</a:t>
-            </a:fld>
-            <a:endParaRPr lang="ko-KR" altLang="en-US"/>
-          </a:p>
-        </p:txBody>
-      </p:sp>
     </p:spTree>
     <p:extLst>
       <p:ext uri="{BB962C8B-B14F-4D97-AF65-F5344CB8AC3E}">

--- a/1-javascript/1-javascript.pptx
+++ b/1-javascript/1-javascript.pptx
@@ -5,7 +5,7 @@
     <p:sldMasterId id="2147483648" r:id="rId1"/>
   </p:sldMasterIdLst>
   <p:notesMasterIdLst>
-    <p:notesMasterId r:id="rId46"/>
+    <p:notesMasterId r:id="rId47"/>
   </p:notesMasterIdLst>
   <p:sldIdLst>
     <p:sldId id="256" r:id="rId2"/>
@@ -13,45 +13,46 @@
     <p:sldId id="257" r:id="rId4"/>
     <p:sldId id="259" r:id="rId5"/>
     <p:sldId id="262" r:id="rId6"/>
-    <p:sldId id="260" r:id="rId7"/>
-    <p:sldId id="261" r:id="rId8"/>
-    <p:sldId id="264" r:id="rId9"/>
-    <p:sldId id="265" r:id="rId10"/>
-    <p:sldId id="266" r:id="rId11"/>
-    <p:sldId id="267" r:id="rId12"/>
-    <p:sldId id="258" r:id="rId13"/>
-    <p:sldId id="268" r:id="rId14"/>
-    <p:sldId id="270" r:id="rId15"/>
-    <p:sldId id="269" r:id="rId16"/>
-    <p:sldId id="271" r:id="rId17"/>
-    <p:sldId id="273" r:id="rId18"/>
-    <p:sldId id="274" r:id="rId19"/>
-    <p:sldId id="276" r:id="rId20"/>
-    <p:sldId id="278" r:id="rId21"/>
-    <p:sldId id="277" r:id="rId22"/>
-    <p:sldId id="279" r:id="rId23"/>
-    <p:sldId id="280" r:id="rId24"/>
-    <p:sldId id="281" r:id="rId25"/>
-    <p:sldId id="283" r:id="rId26"/>
-    <p:sldId id="282" r:id="rId27"/>
-    <p:sldId id="275" r:id="rId28"/>
-    <p:sldId id="284" r:id="rId29"/>
-    <p:sldId id="285" r:id="rId30"/>
-    <p:sldId id="286" r:id="rId31"/>
-    <p:sldId id="289" r:id="rId32"/>
-    <p:sldId id="287" r:id="rId33"/>
-    <p:sldId id="288" r:id="rId34"/>
-    <p:sldId id="290" r:id="rId35"/>
-    <p:sldId id="291" r:id="rId36"/>
-    <p:sldId id="292" r:id="rId37"/>
-    <p:sldId id="293" r:id="rId38"/>
-    <p:sldId id="300" r:id="rId39"/>
-    <p:sldId id="294" r:id="rId40"/>
-    <p:sldId id="295" r:id="rId41"/>
-    <p:sldId id="296" r:id="rId42"/>
-    <p:sldId id="297" r:id="rId43"/>
-    <p:sldId id="299" r:id="rId44"/>
-    <p:sldId id="298" r:id="rId45"/>
+    <p:sldId id="301" r:id="rId7"/>
+    <p:sldId id="260" r:id="rId8"/>
+    <p:sldId id="261" r:id="rId9"/>
+    <p:sldId id="264" r:id="rId10"/>
+    <p:sldId id="265" r:id="rId11"/>
+    <p:sldId id="266" r:id="rId12"/>
+    <p:sldId id="267" r:id="rId13"/>
+    <p:sldId id="258" r:id="rId14"/>
+    <p:sldId id="268" r:id="rId15"/>
+    <p:sldId id="270" r:id="rId16"/>
+    <p:sldId id="269" r:id="rId17"/>
+    <p:sldId id="271" r:id="rId18"/>
+    <p:sldId id="273" r:id="rId19"/>
+    <p:sldId id="274" r:id="rId20"/>
+    <p:sldId id="276" r:id="rId21"/>
+    <p:sldId id="278" r:id="rId22"/>
+    <p:sldId id="277" r:id="rId23"/>
+    <p:sldId id="279" r:id="rId24"/>
+    <p:sldId id="280" r:id="rId25"/>
+    <p:sldId id="281" r:id="rId26"/>
+    <p:sldId id="283" r:id="rId27"/>
+    <p:sldId id="282" r:id="rId28"/>
+    <p:sldId id="275" r:id="rId29"/>
+    <p:sldId id="284" r:id="rId30"/>
+    <p:sldId id="285" r:id="rId31"/>
+    <p:sldId id="286" r:id="rId32"/>
+    <p:sldId id="289" r:id="rId33"/>
+    <p:sldId id="287" r:id="rId34"/>
+    <p:sldId id="288" r:id="rId35"/>
+    <p:sldId id="290" r:id="rId36"/>
+    <p:sldId id="291" r:id="rId37"/>
+    <p:sldId id="292" r:id="rId38"/>
+    <p:sldId id="293" r:id="rId39"/>
+    <p:sldId id="300" r:id="rId40"/>
+    <p:sldId id="294" r:id="rId41"/>
+    <p:sldId id="295" r:id="rId42"/>
+    <p:sldId id="296" r:id="rId43"/>
+    <p:sldId id="297" r:id="rId44"/>
+    <p:sldId id="299" r:id="rId45"/>
+    <p:sldId id="298" r:id="rId46"/>
   </p:sldIdLst>
   <p:sldSz cx="12192000" cy="6858000"/>
   <p:notesSz cx="6858000" cy="9144000"/>
@@ -647,6 +648,10 @@
           <a:bodyPr/>
           <a:lstStyle/>
           <a:p>
+            <a:r>
+              <a:rPr lang="en-US" altLang="ko-KR" dirty="0"/>
+              <a:t>ES4</a:t>
+            </a:r>
             <a:endParaRPr lang="ko-KR" altLang="en-US" dirty="0"/>
           </a:p>
         </p:txBody>
@@ -677,7 +682,7 @@
     </p:spTree>
     <p:extLst>
       <p:ext uri="{BB962C8B-B14F-4D97-AF65-F5344CB8AC3E}">
-        <p14:creationId xmlns:p14="http://schemas.microsoft.com/office/powerpoint/2010/main" val="1045541874"/>
+        <p14:creationId xmlns:p14="http://schemas.microsoft.com/office/powerpoint/2010/main" val="4091081008"/>
       </p:ext>
     </p:extLst>
   </p:cSld>
@@ -731,10 +736,6 @@
           <a:bodyPr/>
           <a:lstStyle/>
           <a:p>
-            <a:r>
-              <a:rPr lang="en-US" altLang="ko-KR" dirty="0"/>
-              <a:t>ES6</a:t>
-            </a:r>
             <a:endParaRPr lang="ko-KR" altLang="en-US" dirty="0"/>
           </a:p>
         </p:txBody>
@@ -765,7 +766,7 @@
     </p:spTree>
     <p:extLst>
       <p:ext uri="{BB962C8B-B14F-4D97-AF65-F5344CB8AC3E}">
-        <p14:creationId xmlns:p14="http://schemas.microsoft.com/office/powerpoint/2010/main" val="2681540790"/>
+        <p14:creationId xmlns:p14="http://schemas.microsoft.com/office/powerpoint/2010/main" val="1045541874"/>
       </p:ext>
     </p:extLst>
   </p:cSld>
@@ -820,17 +821,10 @@
           <a:lstStyle/>
           <a:p>
             <a:r>
-              <a:rPr lang="ko-KR" altLang="en-US" dirty="0"/>
-              <a:t>모두 </a:t>
-            </a:r>
-            <a:r>
               <a:rPr lang="en-US" altLang="ko-KR" dirty="0"/>
               <a:t>ES6</a:t>
             </a:r>
-            <a:r>
-              <a:rPr lang="ko-KR" altLang="en-US" dirty="0"/>
-              <a:t>의 기능</a:t>
-            </a:r>
+            <a:endParaRPr lang="ko-KR" altLang="en-US" dirty="0"/>
           </a:p>
         </p:txBody>
       </p:sp>
@@ -860,7 +854,7 @@
     </p:spTree>
     <p:extLst>
       <p:ext uri="{BB962C8B-B14F-4D97-AF65-F5344CB8AC3E}">
-        <p14:creationId xmlns:p14="http://schemas.microsoft.com/office/powerpoint/2010/main" val="3270711082"/>
+        <p14:creationId xmlns:p14="http://schemas.microsoft.com/office/powerpoint/2010/main" val="2681540790"/>
       </p:ext>
     </p:extLst>
   </p:cSld>
@@ -916,15 +910,15 @@
           <a:p>
             <a:r>
               <a:rPr lang="ko-KR" altLang="en-US" dirty="0"/>
-              <a:t>원래 </a:t>
+              <a:t>모두 </a:t>
             </a:r>
             <a:r>
               <a:rPr lang="en-US" altLang="ko-KR" dirty="0"/>
-              <a:t>“” </a:t>
+              <a:t>ES6</a:t>
             </a:r>
             <a:r>
               <a:rPr lang="ko-KR" altLang="en-US" dirty="0"/>
-              <a:t>가 맞음</a:t>
+              <a:t>의 기능</a:t>
             </a:r>
           </a:p>
         </p:txBody>
@@ -955,7 +949,7 @@
     </p:spTree>
     <p:extLst>
       <p:ext uri="{BB962C8B-B14F-4D97-AF65-F5344CB8AC3E}">
-        <p14:creationId xmlns:p14="http://schemas.microsoft.com/office/powerpoint/2010/main" val="1335835457"/>
+        <p14:creationId xmlns:p14="http://schemas.microsoft.com/office/powerpoint/2010/main" val="3270711082"/>
       </p:ext>
     </p:extLst>
   </p:cSld>
@@ -1010,23 +1004,8 @@
           <a:lstStyle/>
           <a:p>
             <a:r>
-              <a:rPr lang="en-US" altLang="ko-KR" dirty="0" err="1"/>
-              <a:t>Stirngift</a:t>
-            </a:r>
-            <a:r>
               <a:rPr lang="ko-KR" altLang="en-US" dirty="0"/>
-              <a:t>는 함수 ㄴ</a:t>
-            </a:r>
-            <a:endParaRPr lang="en-US" altLang="ko-KR" dirty="0"/>
-          </a:p>
-          <a:p>
-            <a:r>
-              <a:rPr lang="en-US" altLang="ko-KR" dirty="0"/>
-              <a:t>Parse</a:t>
-            </a:r>
-            <a:r>
-              <a:rPr lang="ko-KR" altLang="en-US" dirty="0"/>
-              <a:t>시 </a:t>
+              <a:t>원래 </a:t>
             </a:r>
             <a:r>
               <a:rPr lang="en-US" altLang="ko-KR" dirty="0"/>
@@ -1034,7 +1013,7 @@
             </a:r>
             <a:r>
               <a:rPr lang="ko-KR" altLang="en-US" dirty="0"/>
-              <a:t>필수</a:t>
+              <a:t>가 맞음</a:t>
             </a:r>
           </a:p>
         </p:txBody>
@@ -1065,7 +1044,7 @@
     </p:spTree>
     <p:extLst>
       <p:ext uri="{BB962C8B-B14F-4D97-AF65-F5344CB8AC3E}">
-        <p14:creationId xmlns:p14="http://schemas.microsoft.com/office/powerpoint/2010/main" val="1791009406"/>
+        <p14:creationId xmlns:p14="http://schemas.microsoft.com/office/powerpoint/2010/main" val="1335835457"/>
       </p:ext>
     </p:extLst>
   </p:cSld>
@@ -1119,7 +1098,33 @@
           <a:bodyPr/>
           <a:lstStyle/>
           <a:p>
-            <a:endParaRPr lang="ko-KR" altLang="en-US" dirty="0"/>
+            <a:r>
+              <a:rPr lang="en-US" altLang="ko-KR" dirty="0" err="1"/>
+              <a:t>Stirngift</a:t>
+            </a:r>
+            <a:r>
+              <a:rPr lang="ko-KR" altLang="en-US" dirty="0"/>
+              <a:t>는 함수 ㄴ</a:t>
+            </a:r>
+            <a:endParaRPr lang="en-US" altLang="ko-KR" dirty="0"/>
+          </a:p>
+          <a:p>
+            <a:r>
+              <a:rPr lang="en-US" altLang="ko-KR" dirty="0"/>
+              <a:t>Parse</a:t>
+            </a:r>
+            <a:r>
+              <a:rPr lang="ko-KR" altLang="en-US" dirty="0"/>
+              <a:t>시 </a:t>
+            </a:r>
+            <a:r>
+              <a:rPr lang="en-US" altLang="ko-KR" dirty="0"/>
+              <a:t>“” </a:t>
+            </a:r>
+            <a:r>
+              <a:rPr lang="ko-KR" altLang="en-US" dirty="0"/>
+              <a:t>필수</a:t>
+            </a:r>
           </a:p>
         </p:txBody>
       </p:sp>
@@ -1149,7 +1154,7 @@
     </p:spTree>
     <p:extLst>
       <p:ext uri="{BB962C8B-B14F-4D97-AF65-F5344CB8AC3E}">
-        <p14:creationId xmlns:p14="http://schemas.microsoft.com/office/powerpoint/2010/main" val="403647078"/>
+        <p14:creationId xmlns:p14="http://schemas.microsoft.com/office/powerpoint/2010/main" val="1791009406"/>
       </p:ext>
     </p:extLst>
   </p:cSld>
@@ -1203,10 +1208,7 @@
           <a:bodyPr/>
           <a:lstStyle/>
           <a:p>
-            <a:r>
-              <a:rPr lang="ko-KR" altLang="en-US" dirty="0"/>
-              <a:t>가독성 높임</a:t>
-            </a:r>
+            <a:endParaRPr lang="ko-KR" altLang="en-US" dirty="0"/>
           </a:p>
         </p:txBody>
       </p:sp>
@@ -1236,7 +1238,7 @@
     </p:spTree>
     <p:extLst>
       <p:ext uri="{BB962C8B-B14F-4D97-AF65-F5344CB8AC3E}">
-        <p14:creationId xmlns:p14="http://schemas.microsoft.com/office/powerpoint/2010/main" val="2394884255"/>
+        <p14:creationId xmlns:p14="http://schemas.microsoft.com/office/powerpoint/2010/main" val="403647078"/>
       </p:ext>
     </p:extLst>
   </p:cSld>
@@ -1290,7 +1292,10 @@
           <a:bodyPr/>
           <a:lstStyle/>
           <a:p>
-            <a:endParaRPr lang="ko-KR" altLang="en-US" dirty="0"/>
+            <a:r>
+              <a:rPr lang="ko-KR" altLang="en-US" dirty="0"/>
+              <a:t>가독성 높임</a:t>
+            </a:r>
           </a:p>
         </p:txBody>
       </p:sp>
@@ -1320,7 +1325,7 @@
     </p:spTree>
     <p:extLst>
       <p:ext uri="{BB962C8B-B14F-4D97-AF65-F5344CB8AC3E}">
-        <p14:creationId xmlns:p14="http://schemas.microsoft.com/office/powerpoint/2010/main" val="937529518"/>
+        <p14:creationId xmlns:p14="http://schemas.microsoft.com/office/powerpoint/2010/main" val="2394884255"/>
       </p:ext>
     </p:extLst>
   </p:cSld>
@@ -1374,10 +1379,7 @@
           <a:bodyPr/>
           <a:lstStyle/>
           <a:p>
-            <a:r>
-              <a:rPr lang="ko-KR" altLang="en-US" dirty="0"/>
-              <a:t>고차함수</a:t>
-            </a:r>
+            <a:endParaRPr lang="ko-KR" altLang="en-US" dirty="0"/>
           </a:p>
         </p:txBody>
       </p:sp>
@@ -1407,7 +1409,7 @@
     </p:spTree>
     <p:extLst>
       <p:ext uri="{BB962C8B-B14F-4D97-AF65-F5344CB8AC3E}">
-        <p14:creationId xmlns:p14="http://schemas.microsoft.com/office/powerpoint/2010/main" val="1830301155"/>
+        <p14:creationId xmlns:p14="http://schemas.microsoft.com/office/powerpoint/2010/main" val="937529518"/>
       </p:ext>
     </p:extLst>
   </p:cSld>
@@ -1494,7 +1496,7 @@
     </p:spTree>
     <p:extLst>
       <p:ext uri="{BB962C8B-B14F-4D97-AF65-F5344CB8AC3E}">
-        <p14:creationId xmlns:p14="http://schemas.microsoft.com/office/powerpoint/2010/main" val="2330936661"/>
+        <p14:creationId xmlns:p14="http://schemas.microsoft.com/office/powerpoint/2010/main" val="1830301155"/>
       </p:ext>
     </p:extLst>
   </p:cSld>
@@ -1679,7 +1681,7 @@
     </p:spTree>
     <p:extLst>
       <p:ext uri="{BB962C8B-B14F-4D97-AF65-F5344CB8AC3E}">
-        <p14:creationId xmlns:p14="http://schemas.microsoft.com/office/powerpoint/2010/main" val="1677288237"/>
+        <p14:creationId xmlns:p14="http://schemas.microsoft.com/office/powerpoint/2010/main" val="2330936661"/>
       </p:ext>
     </p:extLst>
   </p:cSld>
@@ -1766,7 +1768,7 @@
     </p:spTree>
     <p:extLst>
       <p:ext uri="{BB962C8B-B14F-4D97-AF65-F5344CB8AC3E}">
-        <p14:creationId xmlns:p14="http://schemas.microsoft.com/office/powerpoint/2010/main" val="1104769657"/>
+        <p14:creationId xmlns:p14="http://schemas.microsoft.com/office/powerpoint/2010/main" val="1677288237"/>
       </p:ext>
     </p:extLst>
   </p:cSld>
@@ -1853,7 +1855,7 @@
     </p:spTree>
     <p:extLst>
       <p:ext uri="{BB962C8B-B14F-4D97-AF65-F5344CB8AC3E}">
-        <p14:creationId xmlns:p14="http://schemas.microsoft.com/office/powerpoint/2010/main" val="2964600881"/>
+        <p14:creationId xmlns:p14="http://schemas.microsoft.com/office/powerpoint/2010/main" val="1104769657"/>
       </p:ext>
     </p:extLst>
   </p:cSld>
@@ -1940,7 +1942,7 @@
     </p:spTree>
     <p:extLst>
       <p:ext uri="{BB962C8B-B14F-4D97-AF65-F5344CB8AC3E}">
-        <p14:creationId xmlns:p14="http://schemas.microsoft.com/office/powerpoint/2010/main" val="1620816129"/>
+        <p14:creationId xmlns:p14="http://schemas.microsoft.com/office/powerpoint/2010/main" val="2964600881"/>
       </p:ext>
     </p:extLst>
   </p:cSld>
@@ -2027,7 +2029,7 @@
     </p:spTree>
     <p:extLst>
       <p:ext uri="{BB962C8B-B14F-4D97-AF65-F5344CB8AC3E}">
-        <p14:creationId xmlns:p14="http://schemas.microsoft.com/office/powerpoint/2010/main" val="2293446714"/>
+        <p14:creationId xmlns:p14="http://schemas.microsoft.com/office/powerpoint/2010/main" val="1620816129"/>
       </p:ext>
     </p:extLst>
   </p:cSld>
@@ -2114,7 +2116,7 @@
     </p:spTree>
     <p:extLst>
       <p:ext uri="{BB962C8B-B14F-4D97-AF65-F5344CB8AC3E}">
-        <p14:creationId xmlns:p14="http://schemas.microsoft.com/office/powerpoint/2010/main" val="249620894"/>
+        <p14:creationId xmlns:p14="http://schemas.microsoft.com/office/powerpoint/2010/main" val="2293446714"/>
       </p:ext>
     </p:extLst>
   </p:cSld>
@@ -2201,7 +2203,7 @@
     </p:spTree>
     <p:extLst>
       <p:ext uri="{BB962C8B-B14F-4D97-AF65-F5344CB8AC3E}">
-        <p14:creationId xmlns:p14="http://schemas.microsoft.com/office/powerpoint/2010/main" val="3270456811"/>
+        <p14:creationId xmlns:p14="http://schemas.microsoft.com/office/powerpoint/2010/main" val="249620894"/>
       </p:ext>
     </p:extLst>
   </p:cSld>
@@ -2255,7 +2257,10 @@
           <a:bodyPr/>
           <a:lstStyle/>
           <a:p>
-            <a:endParaRPr lang="ko-KR" altLang="en-US" dirty="0"/>
+            <a:r>
+              <a:rPr lang="ko-KR" altLang="en-US" dirty="0"/>
+              <a:t>고차함수</a:t>
+            </a:r>
           </a:p>
         </p:txBody>
       </p:sp>
@@ -2276,7 +2281,7 @@
           <a:p>
             <a:fld id="{12E9ADDB-0586-426C-BFD8-3BE534C7F28E}" type="slidenum">
               <a:rPr lang="ko-KR" altLang="en-US" smtClean="0"/>
-              <a:t>41</a:t>
+              <a:t>39</a:t>
             </a:fld>
             <a:endParaRPr lang="ko-KR" altLang="en-US"/>
           </a:p>
@@ -2285,7 +2290,7 @@
     </p:spTree>
     <p:extLst>
       <p:ext uri="{BB962C8B-B14F-4D97-AF65-F5344CB8AC3E}">
-        <p14:creationId xmlns:p14="http://schemas.microsoft.com/office/powerpoint/2010/main" val="3730751105"/>
+        <p14:creationId xmlns:p14="http://schemas.microsoft.com/office/powerpoint/2010/main" val="3270456811"/>
       </p:ext>
     </p:extLst>
   </p:cSld>
@@ -2339,1349 +2344,6 @@
           <a:bodyPr/>
           <a:lstStyle/>
           <a:p>
-            <a:r>
-              <a:rPr lang="en-US" altLang="ko-KR" b="0" dirty="0">
-                <a:solidFill>
-                  <a:srgbClr val="569CD6"/>
-                </a:solidFill>
-                <a:effectLst/>
-                <a:latin typeface="Consolas" panose="020B0609020204030204" pitchFamily="49" charset="0"/>
-              </a:rPr>
-              <a:t>const</a:t>
-            </a:r>
-            <a:r>
-              <a:rPr lang="en-US" altLang="ko-KR" b="0" dirty="0">
-                <a:solidFill>
-                  <a:srgbClr val="D4D4D4"/>
-                </a:solidFill>
-                <a:effectLst/>
-                <a:latin typeface="Consolas" panose="020B0609020204030204" pitchFamily="49" charset="0"/>
-              </a:rPr>
-              <a:t> </a:t>
-            </a:r>
-            <a:r>
-              <a:rPr lang="en-US" altLang="ko-KR" b="0" dirty="0" err="1">
-                <a:solidFill>
-                  <a:srgbClr val="DCDCAA"/>
-                </a:solidFill>
-                <a:effectLst/>
-                <a:latin typeface="Consolas" panose="020B0609020204030204" pitchFamily="49" charset="0"/>
-              </a:rPr>
-              <a:t>promiseExam</a:t>
-            </a:r>
-            <a:r>
-              <a:rPr lang="en-US" altLang="ko-KR" b="0" dirty="0">
-                <a:solidFill>
-                  <a:srgbClr val="D4D4D4"/>
-                </a:solidFill>
-                <a:effectLst/>
-                <a:latin typeface="Consolas" panose="020B0609020204030204" pitchFamily="49" charset="0"/>
-              </a:rPr>
-              <a:t> = (</a:t>
-            </a:r>
-            <a:r>
-              <a:rPr lang="en-US" altLang="ko-KR" b="0" dirty="0">
-                <a:solidFill>
-                  <a:srgbClr val="9CDCFE"/>
-                </a:solidFill>
-                <a:effectLst/>
-                <a:latin typeface="Consolas" panose="020B0609020204030204" pitchFamily="49" charset="0"/>
-              </a:rPr>
-              <a:t>timeout</a:t>
-            </a:r>
-            <a:r>
-              <a:rPr lang="en-US" altLang="ko-KR" b="0" dirty="0">
-                <a:solidFill>
-                  <a:srgbClr val="D4D4D4"/>
-                </a:solidFill>
-                <a:effectLst/>
-                <a:latin typeface="Consolas" panose="020B0609020204030204" pitchFamily="49" charset="0"/>
-              </a:rPr>
-              <a:t>) </a:t>
-            </a:r>
-            <a:r>
-              <a:rPr lang="en-US" altLang="ko-KR" b="0" dirty="0">
-                <a:solidFill>
-                  <a:srgbClr val="569CD6"/>
-                </a:solidFill>
-                <a:effectLst/>
-                <a:latin typeface="Consolas" panose="020B0609020204030204" pitchFamily="49" charset="0"/>
-              </a:rPr>
-              <a:t>=&gt;</a:t>
-            </a:r>
-            <a:r>
-              <a:rPr lang="en-US" altLang="ko-KR" b="0" dirty="0">
-                <a:solidFill>
-                  <a:srgbClr val="D4D4D4"/>
-                </a:solidFill>
-                <a:effectLst/>
-                <a:latin typeface="Consolas" panose="020B0609020204030204" pitchFamily="49" charset="0"/>
-              </a:rPr>
-              <a:t> {</a:t>
-            </a:r>
-          </a:p>
-          <a:p>
-            <a:r>
-              <a:rPr lang="en-US" altLang="ko-KR" b="0" dirty="0">
-                <a:solidFill>
-                  <a:srgbClr val="D4D4D4"/>
-                </a:solidFill>
-                <a:effectLst/>
-                <a:latin typeface="Consolas" panose="020B0609020204030204" pitchFamily="49" charset="0"/>
-              </a:rPr>
-              <a:t>  </a:t>
-            </a:r>
-            <a:r>
-              <a:rPr lang="en-US" altLang="ko-KR" b="0" dirty="0">
-                <a:solidFill>
-                  <a:srgbClr val="C586C0"/>
-                </a:solidFill>
-                <a:effectLst/>
-                <a:latin typeface="Consolas" panose="020B0609020204030204" pitchFamily="49" charset="0"/>
-              </a:rPr>
-              <a:t>return</a:t>
-            </a:r>
-            <a:r>
-              <a:rPr lang="en-US" altLang="ko-KR" b="0" dirty="0">
-                <a:solidFill>
-                  <a:srgbClr val="D4D4D4"/>
-                </a:solidFill>
-                <a:effectLst/>
-                <a:latin typeface="Consolas" panose="020B0609020204030204" pitchFamily="49" charset="0"/>
-              </a:rPr>
-              <a:t> </a:t>
-            </a:r>
-            <a:r>
-              <a:rPr lang="en-US" altLang="ko-KR" b="0" dirty="0">
-                <a:solidFill>
-                  <a:srgbClr val="569CD6"/>
-                </a:solidFill>
-                <a:effectLst/>
-                <a:latin typeface="Consolas" panose="020B0609020204030204" pitchFamily="49" charset="0"/>
-              </a:rPr>
-              <a:t>new</a:t>
-            </a:r>
-            <a:r>
-              <a:rPr lang="en-US" altLang="ko-KR" b="0" dirty="0">
-                <a:solidFill>
-                  <a:srgbClr val="D4D4D4"/>
-                </a:solidFill>
-                <a:effectLst/>
-                <a:latin typeface="Consolas" panose="020B0609020204030204" pitchFamily="49" charset="0"/>
-              </a:rPr>
-              <a:t> </a:t>
-            </a:r>
-            <a:r>
-              <a:rPr lang="en-US" altLang="ko-KR" b="0" dirty="0">
-                <a:solidFill>
-                  <a:srgbClr val="4EC9B0"/>
-                </a:solidFill>
-                <a:effectLst/>
-                <a:latin typeface="Consolas" panose="020B0609020204030204" pitchFamily="49" charset="0"/>
-              </a:rPr>
-              <a:t>Promise</a:t>
-            </a:r>
-            <a:r>
-              <a:rPr lang="en-US" altLang="ko-KR" b="0" dirty="0">
-                <a:solidFill>
-                  <a:srgbClr val="D4D4D4"/>
-                </a:solidFill>
-                <a:effectLst/>
-                <a:latin typeface="Consolas" panose="020B0609020204030204" pitchFamily="49" charset="0"/>
-              </a:rPr>
-              <a:t>((</a:t>
-            </a:r>
-            <a:r>
-              <a:rPr lang="en-US" altLang="ko-KR" b="0" dirty="0">
-                <a:solidFill>
-                  <a:srgbClr val="DCDCAA"/>
-                </a:solidFill>
-                <a:effectLst/>
-                <a:latin typeface="Consolas" panose="020B0609020204030204" pitchFamily="49" charset="0"/>
-              </a:rPr>
-              <a:t>resolve</a:t>
-            </a:r>
-            <a:r>
-              <a:rPr lang="en-US" altLang="ko-KR" b="0" dirty="0">
-                <a:solidFill>
-                  <a:srgbClr val="D4D4D4"/>
-                </a:solidFill>
-                <a:effectLst/>
-                <a:latin typeface="Consolas" panose="020B0609020204030204" pitchFamily="49" charset="0"/>
-              </a:rPr>
-              <a:t>, </a:t>
-            </a:r>
-            <a:r>
-              <a:rPr lang="en-US" altLang="ko-KR" b="0" dirty="0">
-                <a:solidFill>
-                  <a:srgbClr val="DCDCAA"/>
-                </a:solidFill>
-                <a:effectLst/>
-                <a:latin typeface="Consolas" panose="020B0609020204030204" pitchFamily="49" charset="0"/>
-              </a:rPr>
-              <a:t>reject</a:t>
-            </a:r>
-            <a:r>
-              <a:rPr lang="en-US" altLang="ko-KR" b="0" dirty="0">
-                <a:solidFill>
-                  <a:srgbClr val="D4D4D4"/>
-                </a:solidFill>
-                <a:effectLst/>
-                <a:latin typeface="Consolas" panose="020B0609020204030204" pitchFamily="49" charset="0"/>
-              </a:rPr>
-              <a:t>) </a:t>
-            </a:r>
-            <a:r>
-              <a:rPr lang="en-US" altLang="ko-KR" b="0" dirty="0">
-                <a:solidFill>
-                  <a:srgbClr val="569CD6"/>
-                </a:solidFill>
-                <a:effectLst/>
-                <a:latin typeface="Consolas" panose="020B0609020204030204" pitchFamily="49" charset="0"/>
-              </a:rPr>
-              <a:t>=&gt;</a:t>
-            </a:r>
-            <a:r>
-              <a:rPr lang="en-US" altLang="ko-KR" b="0" dirty="0">
-                <a:solidFill>
-                  <a:srgbClr val="D4D4D4"/>
-                </a:solidFill>
-                <a:effectLst/>
-                <a:latin typeface="Consolas" panose="020B0609020204030204" pitchFamily="49" charset="0"/>
-              </a:rPr>
-              <a:t> {</a:t>
-            </a:r>
-          </a:p>
-          <a:p>
-            <a:r>
-              <a:rPr lang="en-US" altLang="ko-KR" b="0" dirty="0">
-                <a:solidFill>
-                  <a:srgbClr val="D4D4D4"/>
-                </a:solidFill>
-                <a:effectLst/>
-                <a:latin typeface="Consolas" panose="020B0609020204030204" pitchFamily="49" charset="0"/>
-              </a:rPr>
-              <a:t>    </a:t>
-            </a:r>
-            <a:r>
-              <a:rPr lang="en-US" altLang="ko-KR" b="0" dirty="0">
-                <a:solidFill>
-                  <a:srgbClr val="C586C0"/>
-                </a:solidFill>
-                <a:effectLst/>
-                <a:latin typeface="Consolas" panose="020B0609020204030204" pitchFamily="49" charset="0"/>
-              </a:rPr>
-              <a:t>if</a:t>
-            </a:r>
-            <a:r>
-              <a:rPr lang="en-US" altLang="ko-KR" b="0" dirty="0">
-                <a:solidFill>
-                  <a:srgbClr val="D4D4D4"/>
-                </a:solidFill>
-                <a:effectLst/>
-                <a:latin typeface="Consolas" panose="020B0609020204030204" pitchFamily="49" charset="0"/>
-              </a:rPr>
-              <a:t> (</a:t>
-            </a:r>
-            <a:r>
-              <a:rPr lang="en-US" altLang="ko-KR" b="0" dirty="0">
-                <a:solidFill>
-                  <a:srgbClr val="9CDCFE"/>
-                </a:solidFill>
-                <a:effectLst/>
-                <a:latin typeface="Consolas" panose="020B0609020204030204" pitchFamily="49" charset="0"/>
-              </a:rPr>
-              <a:t>timeout</a:t>
-            </a:r>
-            <a:r>
-              <a:rPr lang="en-US" altLang="ko-KR" b="0" dirty="0">
-                <a:solidFill>
-                  <a:srgbClr val="D4D4D4"/>
-                </a:solidFill>
-                <a:effectLst/>
-                <a:latin typeface="Consolas" panose="020B0609020204030204" pitchFamily="49" charset="0"/>
-              </a:rPr>
-              <a:t> &gt; </a:t>
-            </a:r>
-            <a:r>
-              <a:rPr lang="en-US" altLang="ko-KR" b="0" dirty="0">
-                <a:solidFill>
-                  <a:srgbClr val="B5CEA8"/>
-                </a:solidFill>
-                <a:effectLst/>
-                <a:latin typeface="Consolas" panose="020B0609020204030204" pitchFamily="49" charset="0"/>
-              </a:rPr>
-              <a:t>5000</a:t>
-            </a:r>
-            <a:r>
-              <a:rPr lang="en-US" altLang="ko-KR" b="0" dirty="0">
-                <a:solidFill>
-                  <a:srgbClr val="D4D4D4"/>
-                </a:solidFill>
-                <a:effectLst/>
-                <a:latin typeface="Consolas" panose="020B0609020204030204" pitchFamily="49" charset="0"/>
-              </a:rPr>
-              <a:t>) </a:t>
-            </a:r>
-            <a:r>
-              <a:rPr lang="en-US" altLang="ko-KR" b="0" dirty="0">
-                <a:solidFill>
-                  <a:srgbClr val="DCDCAA"/>
-                </a:solidFill>
-                <a:effectLst/>
-                <a:latin typeface="Consolas" panose="020B0609020204030204" pitchFamily="49" charset="0"/>
-              </a:rPr>
-              <a:t>reject</a:t>
-            </a:r>
-            <a:r>
-              <a:rPr lang="en-US" altLang="ko-KR" b="0" dirty="0">
-                <a:solidFill>
-                  <a:srgbClr val="D4D4D4"/>
-                </a:solidFill>
-                <a:effectLst/>
-                <a:latin typeface="Consolas" panose="020B0609020204030204" pitchFamily="49" charset="0"/>
-              </a:rPr>
-              <a:t>(</a:t>
-            </a:r>
-            <a:r>
-              <a:rPr lang="en-US" altLang="ko-KR" b="0" dirty="0">
-                <a:solidFill>
-                  <a:srgbClr val="CE9178"/>
-                </a:solidFill>
-                <a:effectLst/>
-                <a:latin typeface="Consolas" panose="020B0609020204030204" pitchFamily="49" charset="0"/>
-              </a:rPr>
-              <a:t>"timeout is too long"</a:t>
-            </a:r>
-            <a:r>
-              <a:rPr lang="en-US" altLang="ko-KR" b="0" dirty="0">
-                <a:solidFill>
-                  <a:srgbClr val="D4D4D4"/>
-                </a:solidFill>
-                <a:effectLst/>
-                <a:latin typeface="Consolas" panose="020B0609020204030204" pitchFamily="49" charset="0"/>
-              </a:rPr>
-              <a:t>);</a:t>
-            </a:r>
-          </a:p>
-          <a:p>
-            <a:r>
-              <a:rPr lang="en-US" altLang="ko-KR" b="0" dirty="0">
-                <a:solidFill>
-                  <a:srgbClr val="D4D4D4"/>
-                </a:solidFill>
-                <a:effectLst/>
-                <a:latin typeface="Consolas" panose="020B0609020204030204" pitchFamily="49" charset="0"/>
-              </a:rPr>
-              <a:t>    </a:t>
-            </a:r>
-            <a:r>
-              <a:rPr lang="en-US" altLang="ko-KR" b="0" dirty="0" err="1">
-                <a:solidFill>
-                  <a:srgbClr val="DCDCAA"/>
-                </a:solidFill>
-                <a:effectLst/>
-                <a:latin typeface="Consolas" panose="020B0609020204030204" pitchFamily="49" charset="0"/>
-              </a:rPr>
-              <a:t>setTimeout</a:t>
-            </a:r>
-            <a:r>
-              <a:rPr lang="en-US" altLang="ko-KR" b="0" dirty="0">
-                <a:solidFill>
-                  <a:srgbClr val="D4D4D4"/>
-                </a:solidFill>
-                <a:effectLst/>
-                <a:latin typeface="Consolas" panose="020B0609020204030204" pitchFamily="49" charset="0"/>
-              </a:rPr>
-              <a:t>(() </a:t>
-            </a:r>
-            <a:r>
-              <a:rPr lang="en-US" altLang="ko-KR" b="0" dirty="0">
-                <a:solidFill>
-                  <a:srgbClr val="569CD6"/>
-                </a:solidFill>
-                <a:effectLst/>
-                <a:latin typeface="Consolas" panose="020B0609020204030204" pitchFamily="49" charset="0"/>
-              </a:rPr>
-              <a:t>=&gt;</a:t>
-            </a:r>
-            <a:r>
-              <a:rPr lang="en-US" altLang="ko-KR" b="0" dirty="0">
-                <a:solidFill>
-                  <a:srgbClr val="D4D4D4"/>
-                </a:solidFill>
-                <a:effectLst/>
-                <a:latin typeface="Consolas" panose="020B0609020204030204" pitchFamily="49" charset="0"/>
-              </a:rPr>
-              <a:t> {</a:t>
-            </a:r>
-          </a:p>
-          <a:p>
-            <a:r>
-              <a:rPr lang="en-US" altLang="ko-KR" b="0" dirty="0">
-                <a:solidFill>
-                  <a:srgbClr val="D4D4D4"/>
-                </a:solidFill>
-                <a:effectLst/>
-                <a:latin typeface="Consolas" panose="020B0609020204030204" pitchFamily="49" charset="0"/>
-              </a:rPr>
-              <a:t>      </a:t>
-            </a:r>
-            <a:r>
-              <a:rPr lang="en-US" altLang="ko-KR" b="0" dirty="0">
-                <a:solidFill>
-                  <a:srgbClr val="DCDCAA"/>
-                </a:solidFill>
-                <a:effectLst/>
-                <a:latin typeface="Consolas" panose="020B0609020204030204" pitchFamily="49" charset="0"/>
-              </a:rPr>
-              <a:t>resolve</a:t>
-            </a:r>
-            <a:r>
-              <a:rPr lang="en-US" altLang="ko-KR" b="0" dirty="0">
-                <a:solidFill>
-                  <a:srgbClr val="D4D4D4"/>
-                </a:solidFill>
-                <a:effectLst/>
-                <a:latin typeface="Consolas" panose="020B0609020204030204" pitchFamily="49" charset="0"/>
-              </a:rPr>
-              <a:t>(</a:t>
-            </a:r>
-            <a:r>
-              <a:rPr lang="en-US" altLang="ko-KR" b="0" dirty="0">
-                <a:solidFill>
-                  <a:srgbClr val="CE9178"/>
-                </a:solidFill>
-                <a:effectLst/>
-                <a:latin typeface="Consolas" panose="020B0609020204030204" pitchFamily="49" charset="0"/>
-              </a:rPr>
-              <a:t>"timeout end"</a:t>
-            </a:r>
-            <a:r>
-              <a:rPr lang="en-US" altLang="ko-KR" b="0" dirty="0">
-                <a:solidFill>
-                  <a:srgbClr val="D4D4D4"/>
-                </a:solidFill>
-                <a:effectLst/>
-                <a:latin typeface="Consolas" panose="020B0609020204030204" pitchFamily="49" charset="0"/>
-              </a:rPr>
-              <a:t>);</a:t>
-            </a:r>
-          </a:p>
-          <a:p>
-            <a:r>
-              <a:rPr lang="en-US" altLang="ko-KR" b="0" dirty="0">
-                <a:solidFill>
-                  <a:srgbClr val="D4D4D4"/>
-                </a:solidFill>
-                <a:effectLst/>
-                <a:latin typeface="Consolas" panose="020B0609020204030204" pitchFamily="49" charset="0"/>
-              </a:rPr>
-              <a:t>    }, </a:t>
-            </a:r>
-            <a:r>
-              <a:rPr lang="en-US" altLang="ko-KR" b="0" dirty="0">
-                <a:solidFill>
-                  <a:srgbClr val="9CDCFE"/>
-                </a:solidFill>
-                <a:effectLst/>
-                <a:latin typeface="Consolas" panose="020B0609020204030204" pitchFamily="49" charset="0"/>
-              </a:rPr>
-              <a:t>timeout</a:t>
-            </a:r>
-            <a:r>
-              <a:rPr lang="en-US" altLang="ko-KR" b="0" dirty="0">
-                <a:solidFill>
-                  <a:srgbClr val="D4D4D4"/>
-                </a:solidFill>
-                <a:effectLst/>
-                <a:latin typeface="Consolas" panose="020B0609020204030204" pitchFamily="49" charset="0"/>
-              </a:rPr>
-              <a:t>);</a:t>
-            </a:r>
-          </a:p>
-          <a:p>
-            <a:r>
-              <a:rPr lang="en-US" altLang="ko-KR" b="0" dirty="0">
-                <a:solidFill>
-                  <a:srgbClr val="D4D4D4"/>
-                </a:solidFill>
-                <a:effectLst/>
-                <a:latin typeface="Consolas" panose="020B0609020204030204" pitchFamily="49" charset="0"/>
-              </a:rPr>
-              <a:t>  });</a:t>
-            </a:r>
-          </a:p>
-          <a:p>
-            <a:r>
-              <a:rPr lang="en-US" altLang="ko-KR" b="0" dirty="0">
-                <a:solidFill>
-                  <a:srgbClr val="D4D4D4"/>
-                </a:solidFill>
-                <a:effectLst/>
-                <a:latin typeface="Consolas" panose="020B0609020204030204" pitchFamily="49" charset="0"/>
-              </a:rPr>
-              <a:t>};</a:t>
-            </a:r>
-          </a:p>
-          <a:p>
-            <a:br>
-              <a:rPr lang="en-US" altLang="ko-KR" b="0" dirty="0">
-                <a:solidFill>
-                  <a:srgbClr val="D4D4D4"/>
-                </a:solidFill>
-                <a:effectLst/>
-                <a:latin typeface="Consolas" panose="020B0609020204030204" pitchFamily="49" charset="0"/>
-              </a:rPr>
-            </a:br>
-            <a:r>
-              <a:rPr lang="en-US" altLang="ko-KR" b="0" dirty="0" err="1">
-                <a:solidFill>
-                  <a:srgbClr val="DCDCAA"/>
-                </a:solidFill>
-                <a:effectLst/>
-                <a:latin typeface="Consolas" panose="020B0609020204030204" pitchFamily="49" charset="0"/>
-              </a:rPr>
-              <a:t>promiseExam</a:t>
-            </a:r>
-            <a:r>
-              <a:rPr lang="en-US" altLang="ko-KR" b="0" dirty="0">
-                <a:solidFill>
-                  <a:srgbClr val="D4D4D4"/>
-                </a:solidFill>
-                <a:effectLst/>
-                <a:latin typeface="Consolas" panose="020B0609020204030204" pitchFamily="49" charset="0"/>
-              </a:rPr>
-              <a:t>(</a:t>
-            </a:r>
-            <a:r>
-              <a:rPr lang="en-US" altLang="ko-KR" b="0" dirty="0">
-                <a:solidFill>
-                  <a:srgbClr val="B5CEA8"/>
-                </a:solidFill>
-                <a:effectLst/>
-                <a:latin typeface="Consolas" panose="020B0609020204030204" pitchFamily="49" charset="0"/>
-              </a:rPr>
-              <a:t>1000</a:t>
-            </a:r>
-            <a:r>
-              <a:rPr lang="en-US" altLang="ko-KR" b="0" dirty="0">
-                <a:solidFill>
-                  <a:srgbClr val="D4D4D4"/>
-                </a:solidFill>
-                <a:effectLst/>
-                <a:latin typeface="Consolas" panose="020B0609020204030204" pitchFamily="49" charset="0"/>
-              </a:rPr>
-              <a:t>)</a:t>
-            </a:r>
-          </a:p>
-          <a:p>
-            <a:r>
-              <a:rPr lang="en-US" altLang="ko-KR" b="0" dirty="0">
-                <a:solidFill>
-                  <a:srgbClr val="D4D4D4"/>
-                </a:solidFill>
-                <a:effectLst/>
-                <a:latin typeface="Consolas" panose="020B0609020204030204" pitchFamily="49" charset="0"/>
-              </a:rPr>
-              <a:t>  .</a:t>
-            </a:r>
-            <a:r>
-              <a:rPr lang="en-US" altLang="ko-KR" b="0" dirty="0">
-                <a:solidFill>
-                  <a:srgbClr val="DCDCAA"/>
-                </a:solidFill>
-                <a:effectLst/>
-                <a:latin typeface="Consolas" panose="020B0609020204030204" pitchFamily="49" charset="0"/>
-              </a:rPr>
-              <a:t>then</a:t>
-            </a:r>
-            <a:r>
-              <a:rPr lang="en-US" altLang="ko-KR" b="0" dirty="0">
-                <a:solidFill>
-                  <a:srgbClr val="D4D4D4"/>
-                </a:solidFill>
-                <a:effectLst/>
-                <a:latin typeface="Consolas" panose="020B0609020204030204" pitchFamily="49" charset="0"/>
-              </a:rPr>
-              <a:t>((</a:t>
-            </a:r>
-            <a:r>
-              <a:rPr lang="en-US" altLang="ko-KR" b="0" dirty="0">
-                <a:solidFill>
-                  <a:srgbClr val="9CDCFE"/>
-                </a:solidFill>
-                <a:effectLst/>
-                <a:latin typeface="Consolas" panose="020B0609020204030204" pitchFamily="49" charset="0"/>
-              </a:rPr>
-              <a:t>result</a:t>
-            </a:r>
-            <a:r>
-              <a:rPr lang="en-US" altLang="ko-KR" b="0" dirty="0">
-                <a:solidFill>
-                  <a:srgbClr val="D4D4D4"/>
-                </a:solidFill>
-                <a:effectLst/>
-                <a:latin typeface="Consolas" panose="020B0609020204030204" pitchFamily="49" charset="0"/>
-              </a:rPr>
-              <a:t>) </a:t>
-            </a:r>
-            <a:r>
-              <a:rPr lang="en-US" altLang="ko-KR" b="0" dirty="0">
-                <a:solidFill>
-                  <a:srgbClr val="569CD6"/>
-                </a:solidFill>
-                <a:effectLst/>
-                <a:latin typeface="Consolas" panose="020B0609020204030204" pitchFamily="49" charset="0"/>
-              </a:rPr>
-              <a:t>=&gt;</a:t>
-            </a:r>
-            <a:r>
-              <a:rPr lang="en-US" altLang="ko-KR" b="0" dirty="0">
-                <a:solidFill>
-                  <a:srgbClr val="D4D4D4"/>
-                </a:solidFill>
-                <a:effectLst/>
-                <a:latin typeface="Consolas" panose="020B0609020204030204" pitchFamily="49" charset="0"/>
-              </a:rPr>
-              <a:t> {</a:t>
-            </a:r>
-          </a:p>
-          <a:p>
-            <a:r>
-              <a:rPr lang="en-US" altLang="ko-KR" b="0" dirty="0">
-                <a:solidFill>
-                  <a:srgbClr val="D4D4D4"/>
-                </a:solidFill>
-                <a:effectLst/>
-                <a:latin typeface="Consolas" panose="020B0609020204030204" pitchFamily="49" charset="0"/>
-              </a:rPr>
-              <a:t>    </a:t>
-            </a:r>
-            <a:r>
-              <a:rPr lang="en-US" altLang="ko-KR" b="0" dirty="0">
-                <a:solidFill>
-                  <a:srgbClr val="9CDCFE"/>
-                </a:solidFill>
-                <a:effectLst/>
-                <a:latin typeface="Consolas" panose="020B0609020204030204" pitchFamily="49" charset="0"/>
-              </a:rPr>
-              <a:t>console</a:t>
-            </a:r>
-            <a:r>
-              <a:rPr lang="en-US" altLang="ko-KR" b="0" dirty="0">
-                <a:solidFill>
-                  <a:srgbClr val="D4D4D4"/>
-                </a:solidFill>
-                <a:effectLst/>
-                <a:latin typeface="Consolas" panose="020B0609020204030204" pitchFamily="49" charset="0"/>
-              </a:rPr>
-              <a:t>.</a:t>
-            </a:r>
-            <a:r>
-              <a:rPr lang="en-US" altLang="ko-KR" b="0" dirty="0">
-                <a:solidFill>
-                  <a:srgbClr val="DCDCAA"/>
-                </a:solidFill>
-                <a:effectLst/>
-                <a:latin typeface="Consolas" panose="020B0609020204030204" pitchFamily="49" charset="0"/>
-              </a:rPr>
-              <a:t>log</a:t>
-            </a:r>
-            <a:r>
-              <a:rPr lang="en-US" altLang="ko-KR" b="0" dirty="0">
-                <a:solidFill>
-                  <a:srgbClr val="D4D4D4"/>
-                </a:solidFill>
-                <a:effectLst/>
-                <a:latin typeface="Consolas" panose="020B0609020204030204" pitchFamily="49" charset="0"/>
-              </a:rPr>
-              <a:t>(</a:t>
-            </a:r>
-            <a:r>
-              <a:rPr lang="en-US" altLang="ko-KR" b="0" dirty="0">
-                <a:solidFill>
-                  <a:srgbClr val="B5CEA8"/>
-                </a:solidFill>
-                <a:effectLst/>
-                <a:latin typeface="Consolas" panose="020B0609020204030204" pitchFamily="49" charset="0"/>
-              </a:rPr>
-              <a:t>1</a:t>
-            </a:r>
-            <a:r>
-              <a:rPr lang="en-US" altLang="ko-KR" b="0" dirty="0">
-                <a:solidFill>
-                  <a:srgbClr val="D4D4D4"/>
-                </a:solidFill>
-                <a:effectLst/>
-                <a:latin typeface="Consolas" panose="020B0609020204030204" pitchFamily="49" charset="0"/>
-              </a:rPr>
-              <a:t>, </a:t>
-            </a:r>
-            <a:r>
-              <a:rPr lang="en-US" altLang="ko-KR" b="0" dirty="0">
-                <a:solidFill>
-                  <a:srgbClr val="9CDCFE"/>
-                </a:solidFill>
-                <a:effectLst/>
-                <a:latin typeface="Consolas" panose="020B0609020204030204" pitchFamily="49" charset="0"/>
-              </a:rPr>
-              <a:t>result</a:t>
-            </a:r>
-            <a:r>
-              <a:rPr lang="en-US" altLang="ko-KR" b="0" dirty="0">
-                <a:solidFill>
-                  <a:srgbClr val="D4D4D4"/>
-                </a:solidFill>
-                <a:effectLst/>
-                <a:latin typeface="Consolas" panose="020B0609020204030204" pitchFamily="49" charset="0"/>
-              </a:rPr>
-              <a:t>);</a:t>
-            </a:r>
-          </a:p>
-          <a:p>
-            <a:r>
-              <a:rPr lang="en-US" altLang="ko-KR" b="0" dirty="0">
-                <a:solidFill>
-                  <a:srgbClr val="D4D4D4"/>
-                </a:solidFill>
-                <a:effectLst/>
-                <a:latin typeface="Consolas" panose="020B0609020204030204" pitchFamily="49" charset="0"/>
-              </a:rPr>
-              <a:t>    </a:t>
-            </a:r>
-            <a:r>
-              <a:rPr lang="en-US" altLang="ko-KR" b="0" dirty="0" err="1">
-                <a:solidFill>
-                  <a:srgbClr val="DCDCAA"/>
-                </a:solidFill>
-                <a:effectLst/>
-                <a:latin typeface="Consolas" panose="020B0609020204030204" pitchFamily="49" charset="0"/>
-              </a:rPr>
-              <a:t>promiseExam</a:t>
-            </a:r>
-            <a:r>
-              <a:rPr lang="en-US" altLang="ko-KR" b="0" dirty="0">
-                <a:solidFill>
-                  <a:srgbClr val="D4D4D4"/>
-                </a:solidFill>
-                <a:effectLst/>
-                <a:latin typeface="Consolas" panose="020B0609020204030204" pitchFamily="49" charset="0"/>
-              </a:rPr>
-              <a:t>(</a:t>
-            </a:r>
-            <a:r>
-              <a:rPr lang="en-US" altLang="ko-KR" b="0" dirty="0">
-                <a:solidFill>
-                  <a:srgbClr val="B5CEA8"/>
-                </a:solidFill>
-                <a:effectLst/>
-                <a:latin typeface="Consolas" panose="020B0609020204030204" pitchFamily="49" charset="0"/>
-              </a:rPr>
-              <a:t>500</a:t>
-            </a:r>
-            <a:r>
-              <a:rPr lang="en-US" altLang="ko-KR" b="0" dirty="0">
-                <a:solidFill>
-                  <a:srgbClr val="D4D4D4"/>
-                </a:solidFill>
-                <a:effectLst/>
-                <a:latin typeface="Consolas" panose="020B0609020204030204" pitchFamily="49" charset="0"/>
-              </a:rPr>
-              <a:t>)</a:t>
-            </a:r>
-          </a:p>
-          <a:p>
-            <a:r>
-              <a:rPr lang="en-US" altLang="ko-KR" b="0" dirty="0">
-                <a:solidFill>
-                  <a:srgbClr val="D4D4D4"/>
-                </a:solidFill>
-                <a:effectLst/>
-                <a:latin typeface="Consolas" panose="020B0609020204030204" pitchFamily="49" charset="0"/>
-              </a:rPr>
-              <a:t>      .</a:t>
-            </a:r>
-            <a:r>
-              <a:rPr lang="en-US" altLang="ko-KR" b="0" dirty="0">
-                <a:solidFill>
-                  <a:srgbClr val="DCDCAA"/>
-                </a:solidFill>
-                <a:effectLst/>
-                <a:latin typeface="Consolas" panose="020B0609020204030204" pitchFamily="49" charset="0"/>
-              </a:rPr>
-              <a:t>then</a:t>
-            </a:r>
-            <a:r>
-              <a:rPr lang="en-US" altLang="ko-KR" b="0" dirty="0">
-                <a:solidFill>
-                  <a:srgbClr val="D4D4D4"/>
-                </a:solidFill>
-                <a:effectLst/>
-                <a:latin typeface="Consolas" panose="020B0609020204030204" pitchFamily="49" charset="0"/>
-              </a:rPr>
-              <a:t>((</a:t>
-            </a:r>
-            <a:r>
-              <a:rPr lang="en-US" altLang="ko-KR" b="0" dirty="0">
-                <a:solidFill>
-                  <a:srgbClr val="9CDCFE"/>
-                </a:solidFill>
-                <a:effectLst/>
-                <a:latin typeface="Consolas" panose="020B0609020204030204" pitchFamily="49" charset="0"/>
-              </a:rPr>
-              <a:t>result</a:t>
-            </a:r>
-            <a:r>
-              <a:rPr lang="en-US" altLang="ko-KR" b="0" dirty="0">
-                <a:solidFill>
-                  <a:srgbClr val="D4D4D4"/>
-                </a:solidFill>
-                <a:effectLst/>
-                <a:latin typeface="Consolas" panose="020B0609020204030204" pitchFamily="49" charset="0"/>
-              </a:rPr>
-              <a:t>) </a:t>
-            </a:r>
-            <a:r>
-              <a:rPr lang="en-US" altLang="ko-KR" b="0" dirty="0">
-                <a:solidFill>
-                  <a:srgbClr val="569CD6"/>
-                </a:solidFill>
-                <a:effectLst/>
-                <a:latin typeface="Consolas" panose="020B0609020204030204" pitchFamily="49" charset="0"/>
-              </a:rPr>
-              <a:t>=&gt;</a:t>
-            </a:r>
-            <a:r>
-              <a:rPr lang="en-US" altLang="ko-KR" b="0" dirty="0">
-                <a:solidFill>
-                  <a:srgbClr val="D4D4D4"/>
-                </a:solidFill>
-                <a:effectLst/>
-                <a:latin typeface="Consolas" panose="020B0609020204030204" pitchFamily="49" charset="0"/>
-              </a:rPr>
-              <a:t> {</a:t>
-            </a:r>
-          </a:p>
-          <a:p>
-            <a:r>
-              <a:rPr lang="en-US" altLang="ko-KR" b="0" dirty="0">
-                <a:solidFill>
-                  <a:srgbClr val="D4D4D4"/>
-                </a:solidFill>
-                <a:effectLst/>
-                <a:latin typeface="Consolas" panose="020B0609020204030204" pitchFamily="49" charset="0"/>
-              </a:rPr>
-              <a:t>        </a:t>
-            </a:r>
-            <a:r>
-              <a:rPr lang="en-US" altLang="ko-KR" b="0" dirty="0">
-                <a:solidFill>
-                  <a:srgbClr val="9CDCFE"/>
-                </a:solidFill>
-                <a:effectLst/>
-                <a:latin typeface="Consolas" panose="020B0609020204030204" pitchFamily="49" charset="0"/>
-              </a:rPr>
-              <a:t>console</a:t>
-            </a:r>
-            <a:r>
-              <a:rPr lang="en-US" altLang="ko-KR" b="0" dirty="0">
-                <a:solidFill>
-                  <a:srgbClr val="D4D4D4"/>
-                </a:solidFill>
-                <a:effectLst/>
-                <a:latin typeface="Consolas" panose="020B0609020204030204" pitchFamily="49" charset="0"/>
-              </a:rPr>
-              <a:t>.</a:t>
-            </a:r>
-            <a:r>
-              <a:rPr lang="en-US" altLang="ko-KR" b="0" dirty="0">
-                <a:solidFill>
-                  <a:srgbClr val="DCDCAA"/>
-                </a:solidFill>
-                <a:effectLst/>
-                <a:latin typeface="Consolas" panose="020B0609020204030204" pitchFamily="49" charset="0"/>
-              </a:rPr>
-              <a:t>log</a:t>
-            </a:r>
-            <a:r>
-              <a:rPr lang="en-US" altLang="ko-KR" b="0" dirty="0">
-                <a:solidFill>
-                  <a:srgbClr val="D4D4D4"/>
-                </a:solidFill>
-                <a:effectLst/>
-                <a:latin typeface="Consolas" panose="020B0609020204030204" pitchFamily="49" charset="0"/>
-              </a:rPr>
-              <a:t>(</a:t>
-            </a:r>
-            <a:r>
-              <a:rPr lang="en-US" altLang="ko-KR" b="0" dirty="0">
-                <a:solidFill>
-                  <a:srgbClr val="B5CEA8"/>
-                </a:solidFill>
-                <a:effectLst/>
-                <a:latin typeface="Consolas" panose="020B0609020204030204" pitchFamily="49" charset="0"/>
-              </a:rPr>
-              <a:t>2</a:t>
-            </a:r>
-            <a:r>
-              <a:rPr lang="en-US" altLang="ko-KR" b="0" dirty="0">
-                <a:solidFill>
-                  <a:srgbClr val="D4D4D4"/>
-                </a:solidFill>
-                <a:effectLst/>
-                <a:latin typeface="Consolas" panose="020B0609020204030204" pitchFamily="49" charset="0"/>
-              </a:rPr>
-              <a:t>, </a:t>
-            </a:r>
-            <a:r>
-              <a:rPr lang="en-US" altLang="ko-KR" b="0" dirty="0">
-                <a:solidFill>
-                  <a:srgbClr val="9CDCFE"/>
-                </a:solidFill>
-                <a:effectLst/>
-                <a:latin typeface="Consolas" panose="020B0609020204030204" pitchFamily="49" charset="0"/>
-              </a:rPr>
-              <a:t>result</a:t>
-            </a:r>
-            <a:r>
-              <a:rPr lang="en-US" altLang="ko-KR" b="0" dirty="0">
-                <a:solidFill>
-                  <a:srgbClr val="D4D4D4"/>
-                </a:solidFill>
-                <a:effectLst/>
-                <a:latin typeface="Consolas" panose="020B0609020204030204" pitchFamily="49" charset="0"/>
-              </a:rPr>
-              <a:t>);</a:t>
-            </a:r>
-          </a:p>
-          <a:p>
-            <a:r>
-              <a:rPr lang="en-US" altLang="ko-KR" b="0" dirty="0">
-                <a:solidFill>
-                  <a:srgbClr val="D4D4D4"/>
-                </a:solidFill>
-                <a:effectLst/>
-                <a:latin typeface="Consolas" panose="020B0609020204030204" pitchFamily="49" charset="0"/>
-              </a:rPr>
-              <a:t>        </a:t>
-            </a:r>
-            <a:r>
-              <a:rPr lang="en-US" altLang="ko-KR" b="0" dirty="0">
-                <a:solidFill>
-                  <a:srgbClr val="9CDCFE"/>
-                </a:solidFill>
-                <a:effectLst/>
-                <a:latin typeface="Consolas" panose="020B0609020204030204" pitchFamily="49" charset="0"/>
-              </a:rPr>
-              <a:t>console</a:t>
-            </a:r>
-            <a:r>
-              <a:rPr lang="en-US" altLang="ko-KR" b="0" dirty="0">
-                <a:solidFill>
-                  <a:srgbClr val="D4D4D4"/>
-                </a:solidFill>
-                <a:effectLst/>
-                <a:latin typeface="Consolas" panose="020B0609020204030204" pitchFamily="49" charset="0"/>
-              </a:rPr>
-              <a:t>.</a:t>
-            </a:r>
-            <a:r>
-              <a:rPr lang="en-US" altLang="ko-KR" b="0" dirty="0">
-                <a:solidFill>
-                  <a:srgbClr val="DCDCAA"/>
-                </a:solidFill>
-                <a:effectLst/>
-                <a:latin typeface="Consolas" panose="020B0609020204030204" pitchFamily="49" charset="0"/>
-              </a:rPr>
-              <a:t>log</a:t>
-            </a:r>
-            <a:r>
-              <a:rPr lang="en-US" altLang="ko-KR" b="0" dirty="0">
-                <a:solidFill>
-                  <a:srgbClr val="D4D4D4"/>
-                </a:solidFill>
-                <a:effectLst/>
-                <a:latin typeface="Consolas" panose="020B0609020204030204" pitchFamily="49" charset="0"/>
-              </a:rPr>
-              <a:t>(</a:t>
-            </a:r>
-            <a:r>
-              <a:rPr lang="en-US" altLang="ko-KR" b="0" dirty="0">
-                <a:solidFill>
-                  <a:srgbClr val="B5CEA8"/>
-                </a:solidFill>
-                <a:effectLst/>
-                <a:latin typeface="Consolas" panose="020B0609020204030204" pitchFamily="49" charset="0"/>
-              </a:rPr>
-              <a:t>3</a:t>
-            </a:r>
-            <a:r>
-              <a:rPr lang="en-US" altLang="ko-KR" b="0" dirty="0">
-                <a:solidFill>
-                  <a:srgbClr val="D4D4D4"/>
-                </a:solidFill>
-                <a:effectLst/>
-                <a:latin typeface="Consolas" panose="020B0609020204030204" pitchFamily="49" charset="0"/>
-              </a:rPr>
-              <a:t>);</a:t>
-            </a:r>
-          </a:p>
-          <a:p>
-            <a:r>
-              <a:rPr lang="en-US" altLang="ko-KR" b="0" dirty="0">
-                <a:solidFill>
-                  <a:srgbClr val="D4D4D4"/>
-                </a:solidFill>
-                <a:effectLst/>
-                <a:latin typeface="Consolas" panose="020B0609020204030204" pitchFamily="49" charset="0"/>
-              </a:rPr>
-              <a:t>      })</a:t>
-            </a:r>
-          </a:p>
-          <a:p>
-            <a:r>
-              <a:rPr lang="en-US" altLang="ko-KR" b="0" dirty="0">
-                <a:solidFill>
-                  <a:srgbClr val="D4D4D4"/>
-                </a:solidFill>
-                <a:effectLst/>
-                <a:latin typeface="Consolas" panose="020B0609020204030204" pitchFamily="49" charset="0"/>
-              </a:rPr>
-              <a:t>      .</a:t>
-            </a:r>
-            <a:r>
-              <a:rPr lang="en-US" altLang="ko-KR" b="0" dirty="0">
-                <a:solidFill>
-                  <a:srgbClr val="DCDCAA"/>
-                </a:solidFill>
-                <a:effectLst/>
-                <a:latin typeface="Consolas" panose="020B0609020204030204" pitchFamily="49" charset="0"/>
-              </a:rPr>
-              <a:t>catch</a:t>
-            </a:r>
-            <a:r>
-              <a:rPr lang="en-US" altLang="ko-KR" b="0" dirty="0">
-                <a:solidFill>
-                  <a:srgbClr val="D4D4D4"/>
-                </a:solidFill>
-                <a:effectLst/>
-                <a:latin typeface="Consolas" panose="020B0609020204030204" pitchFamily="49" charset="0"/>
-              </a:rPr>
-              <a:t>((</a:t>
-            </a:r>
-            <a:r>
-              <a:rPr lang="en-US" altLang="ko-KR" b="0" dirty="0">
-                <a:solidFill>
-                  <a:srgbClr val="9CDCFE"/>
-                </a:solidFill>
-                <a:effectLst/>
-                <a:latin typeface="Consolas" panose="020B0609020204030204" pitchFamily="49" charset="0"/>
-              </a:rPr>
-              <a:t>err</a:t>
-            </a:r>
-            <a:r>
-              <a:rPr lang="en-US" altLang="ko-KR" b="0" dirty="0">
-                <a:solidFill>
-                  <a:srgbClr val="D4D4D4"/>
-                </a:solidFill>
-                <a:effectLst/>
-                <a:latin typeface="Consolas" panose="020B0609020204030204" pitchFamily="49" charset="0"/>
-              </a:rPr>
-              <a:t>) </a:t>
-            </a:r>
-            <a:r>
-              <a:rPr lang="en-US" altLang="ko-KR" b="0" dirty="0">
-                <a:solidFill>
-                  <a:srgbClr val="569CD6"/>
-                </a:solidFill>
-                <a:effectLst/>
-                <a:latin typeface="Consolas" panose="020B0609020204030204" pitchFamily="49" charset="0"/>
-              </a:rPr>
-              <a:t>=&gt;</a:t>
-            </a:r>
-            <a:r>
-              <a:rPr lang="en-US" altLang="ko-KR" b="0" dirty="0">
-                <a:solidFill>
-                  <a:srgbClr val="D4D4D4"/>
-                </a:solidFill>
-                <a:effectLst/>
-                <a:latin typeface="Consolas" panose="020B0609020204030204" pitchFamily="49" charset="0"/>
-              </a:rPr>
-              <a:t> {</a:t>
-            </a:r>
-          </a:p>
-          <a:p>
-            <a:r>
-              <a:rPr lang="en-US" altLang="ko-KR" b="0" dirty="0">
-                <a:solidFill>
-                  <a:srgbClr val="D4D4D4"/>
-                </a:solidFill>
-                <a:effectLst/>
-                <a:latin typeface="Consolas" panose="020B0609020204030204" pitchFamily="49" charset="0"/>
-              </a:rPr>
-              <a:t>        </a:t>
-            </a:r>
-            <a:r>
-              <a:rPr lang="en-US" altLang="ko-KR" b="0" dirty="0">
-                <a:solidFill>
-                  <a:srgbClr val="9CDCFE"/>
-                </a:solidFill>
-                <a:effectLst/>
-                <a:latin typeface="Consolas" panose="020B0609020204030204" pitchFamily="49" charset="0"/>
-              </a:rPr>
-              <a:t>console</a:t>
-            </a:r>
-            <a:r>
-              <a:rPr lang="en-US" altLang="ko-KR" b="0" dirty="0">
-                <a:solidFill>
-                  <a:srgbClr val="D4D4D4"/>
-                </a:solidFill>
-                <a:effectLst/>
-                <a:latin typeface="Consolas" panose="020B0609020204030204" pitchFamily="49" charset="0"/>
-              </a:rPr>
-              <a:t>.</a:t>
-            </a:r>
-            <a:r>
-              <a:rPr lang="en-US" altLang="ko-KR" b="0" dirty="0">
-                <a:solidFill>
-                  <a:srgbClr val="DCDCAA"/>
-                </a:solidFill>
-                <a:effectLst/>
-                <a:latin typeface="Consolas" panose="020B0609020204030204" pitchFamily="49" charset="0"/>
-              </a:rPr>
-              <a:t>log</a:t>
-            </a:r>
-            <a:r>
-              <a:rPr lang="en-US" altLang="ko-KR" b="0" dirty="0">
-                <a:solidFill>
-                  <a:srgbClr val="D4D4D4"/>
-                </a:solidFill>
-                <a:effectLst/>
-                <a:latin typeface="Consolas" panose="020B0609020204030204" pitchFamily="49" charset="0"/>
-              </a:rPr>
-              <a:t>(</a:t>
-            </a:r>
-            <a:r>
-              <a:rPr lang="en-US" altLang="ko-KR" b="0" dirty="0">
-                <a:solidFill>
-                  <a:srgbClr val="9CDCFE"/>
-                </a:solidFill>
-                <a:effectLst/>
-                <a:latin typeface="Consolas" panose="020B0609020204030204" pitchFamily="49" charset="0"/>
-              </a:rPr>
-              <a:t>err</a:t>
-            </a:r>
-            <a:r>
-              <a:rPr lang="en-US" altLang="ko-KR" b="0" dirty="0">
-                <a:solidFill>
-                  <a:srgbClr val="D4D4D4"/>
-                </a:solidFill>
-                <a:effectLst/>
-                <a:latin typeface="Consolas" panose="020B0609020204030204" pitchFamily="49" charset="0"/>
-              </a:rPr>
-              <a:t>);</a:t>
-            </a:r>
-          </a:p>
-          <a:p>
-            <a:r>
-              <a:rPr lang="en-US" altLang="ko-KR" b="0" dirty="0">
-                <a:solidFill>
-                  <a:srgbClr val="D4D4D4"/>
-                </a:solidFill>
-                <a:effectLst/>
-                <a:latin typeface="Consolas" panose="020B0609020204030204" pitchFamily="49" charset="0"/>
-              </a:rPr>
-              <a:t>      });</a:t>
-            </a:r>
-          </a:p>
-          <a:p>
-            <a:r>
-              <a:rPr lang="en-US" altLang="ko-KR" b="0" dirty="0">
-                <a:solidFill>
-                  <a:srgbClr val="D4D4D4"/>
-                </a:solidFill>
-                <a:effectLst/>
-                <a:latin typeface="Consolas" panose="020B0609020204030204" pitchFamily="49" charset="0"/>
-              </a:rPr>
-              <a:t>  })</a:t>
-            </a:r>
-          </a:p>
-          <a:p>
-            <a:r>
-              <a:rPr lang="en-US" altLang="ko-KR" b="0" dirty="0">
-                <a:solidFill>
-                  <a:srgbClr val="D4D4D4"/>
-                </a:solidFill>
-                <a:effectLst/>
-                <a:latin typeface="Consolas" panose="020B0609020204030204" pitchFamily="49" charset="0"/>
-              </a:rPr>
-              <a:t>  .</a:t>
-            </a:r>
-            <a:r>
-              <a:rPr lang="en-US" altLang="ko-KR" b="0" dirty="0">
-                <a:solidFill>
-                  <a:srgbClr val="DCDCAA"/>
-                </a:solidFill>
-                <a:effectLst/>
-                <a:latin typeface="Consolas" panose="020B0609020204030204" pitchFamily="49" charset="0"/>
-              </a:rPr>
-              <a:t>catch</a:t>
-            </a:r>
-            <a:r>
-              <a:rPr lang="en-US" altLang="ko-KR" b="0" dirty="0">
-                <a:solidFill>
-                  <a:srgbClr val="D4D4D4"/>
-                </a:solidFill>
-                <a:effectLst/>
-                <a:latin typeface="Consolas" panose="020B0609020204030204" pitchFamily="49" charset="0"/>
-              </a:rPr>
-              <a:t>((</a:t>
-            </a:r>
-            <a:r>
-              <a:rPr lang="en-US" altLang="ko-KR" b="0" dirty="0">
-                <a:solidFill>
-                  <a:srgbClr val="9CDCFE"/>
-                </a:solidFill>
-                <a:effectLst/>
-                <a:latin typeface="Consolas" panose="020B0609020204030204" pitchFamily="49" charset="0"/>
-              </a:rPr>
-              <a:t>err</a:t>
-            </a:r>
-            <a:r>
-              <a:rPr lang="en-US" altLang="ko-KR" b="0" dirty="0">
-                <a:solidFill>
-                  <a:srgbClr val="D4D4D4"/>
-                </a:solidFill>
-                <a:effectLst/>
-                <a:latin typeface="Consolas" panose="020B0609020204030204" pitchFamily="49" charset="0"/>
-              </a:rPr>
-              <a:t>) </a:t>
-            </a:r>
-            <a:r>
-              <a:rPr lang="en-US" altLang="ko-KR" b="0" dirty="0">
-                <a:solidFill>
-                  <a:srgbClr val="569CD6"/>
-                </a:solidFill>
-                <a:effectLst/>
-                <a:latin typeface="Consolas" panose="020B0609020204030204" pitchFamily="49" charset="0"/>
-              </a:rPr>
-              <a:t>=&gt;</a:t>
-            </a:r>
-            <a:r>
-              <a:rPr lang="en-US" altLang="ko-KR" b="0" dirty="0">
-                <a:solidFill>
-                  <a:srgbClr val="D4D4D4"/>
-                </a:solidFill>
-                <a:effectLst/>
-                <a:latin typeface="Consolas" panose="020B0609020204030204" pitchFamily="49" charset="0"/>
-              </a:rPr>
-              <a:t> {</a:t>
-            </a:r>
-          </a:p>
-          <a:p>
-            <a:r>
-              <a:rPr lang="en-US" altLang="ko-KR" b="0" dirty="0">
-                <a:solidFill>
-                  <a:srgbClr val="D4D4D4"/>
-                </a:solidFill>
-                <a:effectLst/>
-                <a:latin typeface="Consolas" panose="020B0609020204030204" pitchFamily="49" charset="0"/>
-              </a:rPr>
-              <a:t>    </a:t>
-            </a:r>
-            <a:r>
-              <a:rPr lang="en-US" altLang="ko-KR" b="0" dirty="0">
-                <a:solidFill>
-                  <a:srgbClr val="9CDCFE"/>
-                </a:solidFill>
-                <a:effectLst/>
-                <a:latin typeface="Consolas" panose="020B0609020204030204" pitchFamily="49" charset="0"/>
-              </a:rPr>
-              <a:t>console</a:t>
-            </a:r>
-            <a:r>
-              <a:rPr lang="en-US" altLang="ko-KR" b="0" dirty="0">
-                <a:solidFill>
-                  <a:srgbClr val="D4D4D4"/>
-                </a:solidFill>
-                <a:effectLst/>
-                <a:latin typeface="Consolas" panose="020B0609020204030204" pitchFamily="49" charset="0"/>
-              </a:rPr>
-              <a:t>.</a:t>
-            </a:r>
-            <a:r>
-              <a:rPr lang="en-US" altLang="ko-KR" b="0" dirty="0">
-                <a:solidFill>
-                  <a:srgbClr val="DCDCAA"/>
-                </a:solidFill>
-                <a:effectLst/>
-                <a:latin typeface="Consolas" panose="020B0609020204030204" pitchFamily="49" charset="0"/>
-              </a:rPr>
-              <a:t>log</a:t>
-            </a:r>
-            <a:r>
-              <a:rPr lang="en-US" altLang="ko-KR" b="0" dirty="0">
-                <a:solidFill>
-                  <a:srgbClr val="D4D4D4"/>
-                </a:solidFill>
-                <a:effectLst/>
-                <a:latin typeface="Consolas" panose="020B0609020204030204" pitchFamily="49" charset="0"/>
-              </a:rPr>
-              <a:t>(</a:t>
-            </a:r>
-            <a:r>
-              <a:rPr lang="en-US" altLang="ko-KR" b="0" dirty="0">
-                <a:solidFill>
-                  <a:srgbClr val="9CDCFE"/>
-                </a:solidFill>
-                <a:effectLst/>
-                <a:latin typeface="Consolas" panose="020B0609020204030204" pitchFamily="49" charset="0"/>
-              </a:rPr>
-              <a:t>err</a:t>
-            </a:r>
-            <a:r>
-              <a:rPr lang="en-US" altLang="ko-KR" b="0" dirty="0">
-                <a:solidFill>
-                  <a:srgbClr val="D4D4D4"/>
-                </a:solidFill>
-                <a:effectLst/>
-                <a:latin typeface="Consolas" panose="020B0609020204030204" pitchFamily="49" charset="0"/>
-              </a:rPr>
-              <a:t>);</a:t>
-            </a:r>
-          </a:p>
-          <a:p>
-            <a:r>
-              <a:rPr lang="en-US" altLang="ko-KR" b="0" dirty="0">
-                <a:solidFill>
-                  <a:srgbClr val="D4D4D4"/>
-                </a:solidFill>
-                <a:effectLst/>
-                <a:latin typeface="Consolas" panose="020B0609020204030204" pitchFamily="49" charset="0"/>
-              </a:rPr>
-              <a:t>  });</a:t>
-            </a:r>
-          </a:p>
-          <a:p>
-            <a:br>
-              <a:rPr lang="en-US" altLang="ko-KR" b="0" dirty="0">
-                <a:solidFill>
-                  <a:srgbClr val="D4D4D4"/>
-                </a:solidFill>
-                <a:effectLst/>
-                <a:latin typeface="Consolas" panose="020B0609020204030204" pitchFamily="49" charset="0"/>
-              </a:rPr>
-            </a:br>
-            <a:endParaRPr lang="en-US" altLang="ko-KR" b="0" dirty="0">
-              <a:solidFill>
-                <a:srgbClr val="D4D4D4"/>
-              </a:solidFill>
-              <a:effectLst/>
-              <a:latin typeface="Consolas" panose="020B0609020204030204" pitchFamily="49" charset="0"/>
-            </a:endParaRPr>
-          </a:p>
-          <a:p>
             <a:endParaRPr lang="ko-KR" altLang="en-US" dirty="0"/>
           </a:p>
         </p:txBody>
@@ -3712,7 +2374,7 @@
     </p:spTree>
     <p:extLst>
       <p:ext uri="{BB962C8B-B14F-4D97-AF65-F5344CB8AC3E}">
-        <p14:creationId xmlns:p14="http://schemas.microsoft.com/office/powerpoint/2010/main" val="59767617"/>
+        <p14:creationId xmlns:p14="http://schemas.microsoft.com/office/powerpoint/2010/main" val="3730751105"/>
       </p:ext>
     </p:extLst>
   </p:cSld>
@@ -3766,6 +2428,1349 @@
           <a:bodyPr/>
           <a:lstStyle/>
           <a:p>
+            <a:r>
+              <a:rPr lang="en-US" altLang="ko-KR" b="0" dirty="0">
+                <a:solidFill>
+                  <a:srgbClr val="569CD6"/>
+                </a:solidFill>
+                <a:effectLst/>
+                <a:latin typeface="Consolas" panose="020B0609020204030204" pitchFamily="49" charset="0"/>
+              </a:rPr>
+              <a:t>const</a:t>
+            </a:r>
+            <a:r>
+              <a:rPr lang="en-US" altLang="ko-KR" b="0" dirty="0">
+                <a:solidFill>
+                  <a:srgbClr val="D4D4D4"/>
+                </a:solidFill>
+                <a:effectLst/>
+                <a:latin typeface="Consolas" panose="020B0609020204030204" pitchFamily="49" charset="0"/>
+              </a:rPr>
+              <a:t> </a:t>
+            </a:r>
+            <a:r>
+              <a:rPr lang="en-US" altLang="ko-KR" b="0" dirty="0" err="1">
+                <a:solidFill>
+                  <a:srgbClr val="DCDCAA"/>
+                </a:solidFill>
+                <a:effectLst/>
+                <a:latin typeface="Consolas" panose="020B0609020204030204" pitchFamily="49" charset="0"/>
+              </a:rPr>
+              <a:t>promiseExam</a:t>
+            </a:r>
+            <a:r>
+              <a:rPr lang="en-US" altLang="ko-KR" b="0" dirty="0">
+                <a:solidFill>
+                  <a:srgbClr val="D4D4D4"/>
+                </a:solidFill>
+                <a:effectLst/>
+                <a:latin typeface="Consolas" panose="020B0609020204030204" pitchFamily="49" charset="0"/>
+              </a:rPr>
+              <a:t> = (</a:t>
+            </a:r>
+            <a:r>
+              <a:rPr lang="en-US" altLang="ko-KR" b="0" dirty="0">
+                <a:solidFill>
+                  <a:srgbClr val="9CDCFE"/>
+                </a:solidFill>
+                <a:effectLst/>
+                <a:latin typeface="Consolas" panose="020B0609020204030204" pitchFamily="49" charset="0"/>
+              </a:rPr>
+              <a:t>timeout</a:t>
+            </a:r>
+            <a:r>
+              <a:rPr lang="en-US" altLang="ko-KR" b="0" dirty="0">
+                <a:solidFill>
+                  <a:srgbClr val="D4D4D4"/>
+                </a:solidFill>
+                <a:effectLst/>
+                <a:latin typeface="Consolas" panose="020B0609020204030204" pitchFamily="49" charset="0"/>
+              </a:rPr>
+              <a:t>) </a:t>
+            </a:r>
+            <a:r>
+              <a:rPr lang="en-US" altLang="ko-KR" b="0" dirty="0">
+                <a:solidFill>
+                  <a:srgbClr val="569CD6"/>
+                </a:solidFill>
+                <a:effectLst/>
+                <a:latin typeface="Consolas" panose="020B0609020204030204" pitchFamily="49" charset="0"/>
+              </a:rPr>
+              <a:t>=&gt;</a:t>
+            </a:r>
+            <a:r>
+              <a:rPr lang="en-US" altLang="ko-KR" b="0" dirty="0">
+                <a:solidFill>
+                  <a:srgbClr val="D4D4D4"/>
+                </a:solidFill>
+                <a:effectLst/>
+                <a:latin typeface="Consolas" panose="020B0609020204030204" pitchFamily="49" charset="0"/>
+              </a:rPr>
+              <a:t> {</a:t>
+            </a:r>
+          </a:p>
+          <a:p>
+            <a:r>
+              <a:rPr lang="en-US" altLang="ko-KR" b="0" dirty="0">
+                <a:solidFill>
+                  <a:srgbClr val="D4D4D4"/>
+                </a:solidFill>
+                <a:effectLst/>
+                <a:latin typeface="Consolas" panose="020B0609020204030204" pitchFamily="49" charset="0"/>
+              </a:rPr>
+              <a:t>  </a:t>
+            </a:r>
+            <a:r>
+              <a:rPr lang="en-US" altLang="ko-KR" b="0" dirty="0">
+                <a:solidFill>
+                  <a:srgbClr val="C586C0"/>
+                </a:solidFill>
+                <a:effectLst/>
+                <a:latin typeface="Consolas" panose="020B0609020204030204" pitchFamily="49" charset="0"/>
+              </a:rPr>
+              <a:t>return</a:t>
+            </a:r>
+            <a:r>
+              <a:rPr lang="en-US" altLang="ko-KR" b="0" dirty="0">
+                <a:solidFill>
+                  <a:srgbClr val="D4D4D4"/>
+                </a:solidFill>
+                <a:effectLst/>
+                <a:latin typeface="Consolas" panose="020B0609020204030204" pitchFamily="49" charset="0"/>
+              </a:rPr>
+              <a:t> </a:t>
+            </a:r>
+            <a:r>
+              <a:rPr lang="en-US" altLang="ko-KR" b="0" dirty="0">
+                <a:solidFill>
+                  <a:srgbClr val="569CD6"/>
+                </a:solidFill>
+                <a:effectLst/>
+                <a:latin typeface="Consolas" panose="020B0609020204030204" pitchFamily="49" charset="0"/>
+              </a:rPr>
+              <a:t>new</a:t>
+            </a:r>
+            <a:r>
+              <a:rPr lang="en-US" altLang="ko-KR" b="0" dirty="0">
+                <a:solidFill>
+                  <a:srgbClr val="D4D4D4"/>
+                </a:solidFill>
+                <a:effectLst/>
+                <a:latin typeface="Consolas" panose="020B0609020204030204" pitchFamily="49" charset="0"/>
+              </a:rPr>
+              <a:t> </a:t>
+            </a:r>
+            <a:r>
+              <a:rPr lang="en-US" altLang="ko-KR" b="0" dirty="0">
+                <a:solidFill>
+                  <a:srgbClr val="4EC9B0"/>
+                </a:solidFill>
+                <a:effectLst/>
+                <a:latin typeface="Consolas" panose="020B0609020204030204" pitchFamily="49" charset="0"/>
+              </a:rPr>
+              <a:t>Promise</a:t>
+            </a:r>
+            <a:r>
+              <a:rPr lang="en-US" altLang="ko-KR" b="0" dirty="0">
+                <a:solidFill>
+                  <a:srgbClr val="D4D4D4"/>
+                </a:solidFill>
+                <a:effectLst/>
+                <a:latin typeface="Consolas" panose="020B0609020204030204" pitchFamily="49" charset="0"/>
+              </a:rPr>
+              <a:t>((</a:t>
+            </a:r>
+            <a:r>
+              <a:rPr lang="en-US" altLang="ko-KR" b="0" dirty="0">
+                <a:solidFill>
+                  <a:srgbClr val="DCDCAA"/>
+                </a:solidFill>
+                <a:effectLst/>
+                <a:latin typeface="Consolas" panose="020B0609020204030204" pitchFamily="49" charset="0"/>
+              </a:rPr>
+              <a:t>resolve</a:t>
+            </a:r>
+            <a:r>
+              <a:rPr lang="en-US" altLang="ko-KR" b="0" dirty="0">
+                <a:solidFill>
+                  <a:srgbClr val="D4D4D4"/>
+                </a:solidFill>
+                <a:effectLst/>
+                <a:latin typeface="Consolas" panose="020B0609020204030204" pitchFamily="49" charset="0"/>
+              </a:rPr>
+              <a:t>, </a:t>
+            </a:r>
+            <a:r>
+              <a:rPr lang="en-US" altLang="ko-KR" b="0" dirty="0">
+                <a:solidFill>
+                  <a:srgbClr val="DCDCAA"/>
+                </a:solidFill>
+                <a:effectLst/>
+                <a:latin typeface="Consolas" panose="020B0609020204030204" pitchFamily="49" charset="0"/>
+              </a:rPr>
+              <a:t>reject</a:t>
+            </a:r>
+            <a:r>
+              <a:rPr lang="en-US" altLang="ko-KR" b="0" dirty="0">
+                <a:solidFill>
+                  <a:srgbClr val="D4D4D4"/>
+                </a:solidFill>
+                <a:effectLst/>
+                <a:latin typeface="Consolas" panose="020B0609020204030204" pitchFamily="49" charset="0"/>
+              </a:rPr>
+              <a:t>) </a:t>
+            </a:r>
+            <a:r>
+              <a:rPr lang="en-US" altLang="ko-KR" b="0" dirty="0">
+                <a:solidFill>
+                  <a:srgbClr val="569CD6"/>
+                </a:solidFill>
+                <a:effectLst/>
+                <a:latin typeface="Consolas" panose="020B0609020204030204" pitchFamily="49" charset="0"/>
+              </a:rPr>
+              <a:t>=&gt;</a:t>
+            </a:r>
+            <a:r>
+              <a:rPr lang="en-US" altLang="ko-KR" b="0" dirty="0">
+                <a:solidFill>
+                  <a:srgbClr val="D4D4D4"/>
+                </a:solidFill>
+                <a:effectLst/>
+                <a:latin typeface="Consolas" panose="020B0609020204030204" pitchFamily="49" charset="0"/>
+              </a:rPr>
+              <a:t> {</a:t>
+            </a:r>
+          </a:p>
+          <a:p>
+            <a:r>
+              <a:rPr lang="en-US" altLang="ko-KR" b="0" dirty="0">
+                <a:solidFill>
+                  <a:srgbClr val="D4D4D4"/>
+                </a:solidFill>
+                <a:effectLst/>
+                <a:latin typeface="Consolas" panose="020B0609020204030204" pitchFamily="49" charset="0"/>
+              </a:rPr>
+              <a:t>    </a:t>
+            </a:r>
+            <a:r>
+              <a:rPr lang="en-US" altLang="ko-KR" b="0" dirty="0">
+                <a:solidFill>
+                  <a:srgbClr val="C586C0"/>
+                </a:solidFill>
+                <a:effectLst/>
+                <a:latin typeface="Consolas" panose="020B0609020204030204" pitchFamily="49" charset="0"/>
+              </a:rPr>
+              <a:t>if</a:t>
+            </a:r>
+            <a:r>
+              <a:rPr lang="en-US" altLang="ko-KR" b="0" dirty="0">
+                <a:solidFill>
+                  <a:srgbClr val="D4D4D4"/>
+                </a:solidFill>
+                <a:effectLst/>
+                <a:latin typeface="Consolas" panose="020B0609020204030204" pitchFamily="49" charset="0"/>
+              </a:rPr>
+              <a:t> (</a:t>
+            </a:r>
+            <a:r>
+              <a:rPr lang="en-US" altLang="ko-KR" b="0" dirty="0">
+                <a:solidFill>
+                  <a:srgbClr val="9CDCFE"/>
+                </a:solidFill>
+                <a:effectLst/>
+                <a:latin typeface="Consolas" panose="020B0609020204030204" pitchFamily="49" charset="0"/>
+              </a:rPr>
+              <a:t>timeout</a:t>
+            </a:r>
+            <a:r>
+              <a:rPr lang="en-US" altLang="ko-KR" b="0" dirty="0">
+                <a:solidFill>
+                  <a:srgbClr val="D4D4D4"/>
+                </a:solidFill>
+                <a:effectLst/>
+                <a:latin typeface="Consolas" panose="020B0609020204030204" pitchFamily="49" charset="0"/>
+              </a:rPr>
+              <a:t> &gt; </a:t>
+            </a:r>
+            <a:r>
+              <a:rPr lang="en-US" altLang="ko-KR" b="0" dirty="0">
+                <a:solidFill>
+                  <a:srgbClr val="B5CEA8"/>
+                </a:solidFill>
+                <a:effectLst/>
+                <a:latin typeface="Consolas" panose="020B0609020204030204" pitchFamily="49" charset="0"/>
+              </a:rPr>
+              <a:t>5000</a:t>
+            </a:r>
+            <a:r>
+              <a:rPr lang="en-US" altLang="ko-KR" b="0" dirty="0">
+                <a:solidFill>
+                  <a:srgbClr val="D4D4D4"/>
+                </a:solidFill>
+                <a:effectLst/>
+                <a:latin typeface="Consolas" panose="020B0609020204030204" pitchFamily="49" charset="0"/>
+              </a:rPr>
+              <a:t>) </a:t>
+            </a:r>
+            <a:r>
+              <a:rPr lang="en-US" altLang="ko-KR" b="0" dirty="0">
+                <a:solidFill>
+                  <a:srgbClr val="DCDCAA"/>
+                </a:solidFill>
+                <a:effectLst/>
+                <a:latin typeface="Consolas" panose="020B0609020204030204" pitchFamily="49" charset="0"/>
+              </a:rPr>
+              <a:t>reject</a:t>
+            </a:r>
+            <a:r>
+              <a:rPr lang="en-US" altLang="ko-KR" b="0" dirty="0">
+                <a:solidFill>
+                  <a:srgbClr val="D4D4D4"/>
+                </a:solidFill>
+                <a:effectLst/>
+                <a:latin typeface="Consolas" panose="020B0609020204030204" pitchFamily="49" charset="0"/>
+              </a:rPr>
+              <a:t>(</a:t>
+            </a:r>
+            <a:r>
+              <a:rPr lang="en-US" altLang="ko-KR" b="0" dirty="0">
+                <a:solidFill>
+                  <a:srgbClr val="CE9178"/>
+                </a:solidFill>
+                <a:effectLst/>
+                <a:latin typeface="Consolas" panose="020B0609020204030204" pitchFamily="49" charset="0"/>
+              </a:rPr>
+              <a:t>"timeout is too long"</a:t>
+            </a:r>
+            <a:r>
+              <a:rPr lang="en-US" altLang="ko-KR" b="0" dirty="0">
+                <a:solidFill>
+                  <a:srgbClr val="D4D4D4"/>
+                </a:solidFill>
+                <a:effectLst/>
+                <a:latin typeface="Consolas" panose="020B0609020204030204" pitchFamily="49" charset="0"/>
+              </a:rPr>
+              <a:t>);</a:t>
+            </a:r>
+          </a:p>
+          <a:p>
+            <a:r>
+              <a:rPr lang="en-US" altLang="ko-KR" b="0" dirty="0">
+                <a:solidFill>
+                  <a:srgbClr val="D4D4D4"/>
+                </a:solidFill>
+                <a:effectLst/>
+                <a:latin typeface="Consolas" panose="020B0609020204030204" pitchFamily="49" charset="0"/>
+              </a:rPr>
+              <a:t>    </a:t>
+            </a:r>
+            <a:r>
+              <a:rPr lang="en-US" altLang="ko-KR" b="0" dirty="0" err="1">
+                <a:solidFill>
+                  <a:srgbClr val="DCDCAA"/>
+                </a:solidFill>
+                <a:effectLst/>
+                <a:latin typeface="Consolas" panose="020B0609020204030204" pitchFamily="49" charset="0"/>
+              </a:rPr>
+              <a:t>setTimeout</a:t>
+            </a:r>
+            <a:r>
+              <a:rPr lang="en-US" altLang="ko-KR" b="0" dirty="0">
+                <a:solidFill>
+                  <a:srgbClr val="D4D4D4"/>
+                </a:solidFill>
+                <a:effectLst/>
+                <a:latin typeface="Consolas" panose="020B0609020204030204" pitchFamily="49" charset="0"/>
+              </a:rPr>
+              <a:t>(() </a:t>
+            </a:r>
+            <a:r>
+              <a:rPr lang="en-US" altLang="ko-KR" b="0" dirty="0">
+                <a:solidFill>
+                  <a:srgbClr val="569CD6"/>
+                </a:solidFill>
+                <a:effectLst/>
+                <a:latin typeface="Consolas" panose="020B0609020204030204" pitchFamily="49" charset="0"/>
+              </a:rPr>
+              <a:t>=&gt;</a:t>
+            </a:r>
+            <a:r>
+              <a:rPr lang="en-US" altLang="ko-KR" b="0" dirty="0">
+                <a:solidFill>
+                  <a:srgbClr val="D4D4D4"/>
+                </a:solidFill>
+                <a:effectLst/>
+                <a:latin typeface="Consolas" panose="020B0609020204030204" pitchFamily="49" charset="0"/>
+              </a:rPr>
+              <a:t> {</a:t>
+            </a:r>
+          </a:p>
+          <a:p>
+            <a:r>
+              <a:rPr lang="en-US" altLang="ko-KR" b="0" dirty="0">
+                <a:solidFill>
+                  <a:srgbClr val="D4D4D4"/>
+                </a:solidFill>
+                <a:effectLst/>
+                <a:latin typeface="Consolas" panose="020B0609020204030204" pitchFamily="49" charset="0"/>
+              </a:rPr>
+              <a:t>      </a:t>
+            </a:r>
+            <a:r>
+              <a:rPr lang="en-US" altLang="ko-KR" b="0" dirty="0">
+                <a:solidFill>
+                  <a:srgbClr val="DCDCAA"/>
+                </a:solidFill>
+                <a:effectLst/>
+                <a:latin typeface="Consolas" panose="020B0609020204030204" pitchFamily="49" charset="0"/>
+              </a:rPr>
+              <a:t>resolve</a:t>
+            </a:r>
+            <a:r>
+              <a:rPr lang="en-US" altLang="ko-KR" b="0" dirty="0">
+                <a:solidFill>
+                  <a:srgbClr val="D4D4D4"/>
+                </a:solidFill>
+                <a:effectLst/>
+                <a:latin typeface="Consolas" panose="020B0609020204030204" pitchFamily="49" charset="0"/>
+              </a:rPr>
+              <a:t>(</a:t>
+            </a:r>
+            <a:r>
+              <a:rPr lang="en-US" altLang="ko-KR" b="0" dirty="0">
+                <a:solidFill>
+                  <a:srgbClr val="CE9178"/>
+                </a:solidFill>
+                <a:effectLst/>
+                <a:latin typeface="Consolas" panose="020B0609020204030204" pitchFamily="49" charset="0"/>
+              </a:rPr>
+              <a:t>"timeout end"</a:t>
+            </a:r>
+            <a:r>
+              <a:rPr lang="en-US" altLang="ko-KR" b="0" dirty="0">
+                <a:solidFill>
+                  <a:srgbClr val="D4D4D4"/>
+                </a:solidFill>
+                <a:effectLst/>
+                <a:latin typeface="Consolas" panose="020B0609020204030204" pitchFamily="49" charset="0"/>
+              </a:rPr>
+              <a:t>);</a:t>
+            </a:r>
+          </a:p>
+          <a:p>
+            <a:r>
+              <a:rPr lang="en-US" altLang="ko-KR" b="0" dirty="0">
+                <a:solidFill>
+                  <a:srgbClr val="D4D4D4"/>
+                </a:solidFill>
+                <a:effectLst/>
+                <a:latin typeface="Consolas" panose="020B0609020204030204" pitchFamily="49" charset="0"/>
+              </a:rPr>
+              <a:t>    }, </a:t>
+            </a:r>
+            <a:r>
+              <a:rPr lang="en-US" altLang="ko-KR" b="0" dirty="0">
+                <a:solidFill>
+                  <a:srgbClr val="9CDCFE"/>
+                </a:solidFill>
+                <a:effectLst/>
+                <a:latin typeface="Consolas" panose="020B0609020204030204" pitchFamily="49" charset="0"/>
+              </a:rPr>
+              <a:t>timeout</a:t>
+            </a:r>
+            <a:r>
+              <a:rPr lang="en-US" altLang="ko-KR" b="0" dirty="0">
+                <a:solidFill>
+                  <a:srgbClr val="D4D4D4"/>
+                </a:solidFill>
+                <a:effectLst/>
+                <a:latin typeface="Consolas" panose="020B0609020204030204" pitchFamily="49" charset="0"/>
+              </a:rPr>
+              <a:t>);</a:t>
+            </a:r>
+          </a:p>
+          <a:p>
+            <a:r>
+              <a:rPr lang="en-US" altLang="ko-KR" b="0" dirty="0">
+                <a:solidFill>
+                  <a:srgbClr val="D4D4D4"/>
+                </a:solidFill>
+                <a:effectLst/>
+                <a:latin typeface="Consolas" panose="020B0609020204030204" pitchFamily="49" charset="0"/>
+              </a:rPr>
+              <a:t>  });</a:t>
+            </a:r>
+          </a:p>
+          <a:p>
+            <a:r>
+              <a:rPr lang="en-US" altLang="ko-KR" b="0" dirty="0">
+                <a:solidFill>
+                  <a:srgbClr val="D4D4D4"/>
+                </a:solidFill>
+                <a:effectLst/>
+                <a:latin typeface="Consolas" panose="020B0609020204030204" pitchFamily="49" charset="0"/>
+              </a:rPr>
+              <a:t>};</a:t>
+            </a:r>
+          </a:p>
+          <a:p>
+            <a:br>
+              <a:rPr lang="en-US" altLang="ko-KR" b="0" dirty="0">
+                <a:solidFill>
+                  <a:srgbClr val="D4D4D4"/>
+                </a:solidFill>
+                <a:effectLst/>
+                <a:latin typeface="Consolas" panose="020B0609020204030204" pitchFamily="49" charset="0"/>
+              </a:rPr>
+            </a:br>
+            <a:r>
+              <a:rPr lang="en-US" altLang="ko-KR" b="0" dirty="0" err="1">
+                <a:solidFill>
+                  <a:srgbClr val="DCDCAA"/>
+                </a:solidFill>
+                <a:effectLst/>
+                <a:latin typeface="Consolas" panose="020B0609020204030204" pitchFamily="49" charset="0"/>
+              </a:rPr>
+              <a:t>promiseExam</a:t>
+            </a:r>
+            <a:r>
+              <a:rPr lang="en-US" altLang="ko-KR" b="0" dirty="0">
+                <a:solidFill>
+                  <a:srgbClr val="D4D4D4"/>
+                </a:solidFill>
+                <a:effectLst/>
+                <a:latin typeface="Consolas" panose="020B0609020204030204" pitchFamily="49" charset="0"/>
+              </a:rPr>
+              <a:t>(</a:t>
+            </a:r>
+            <a:r>
+              <a:rPr lang="en-US" altLang="ko-KR" b="0" dirty="0">
+                <a:solidFill>
+                  <a:srgbClr val="B5CEA8"/>
+                </a:solidFill>
+                <a:effectLst/>
+                <a:latin typeface="Consolas" panose="020B0609020204030204" pitchFamily="49" charset="0"/>
+              </a:rPr>
+              <a:t>1000</a:t>
+            </a:r>
+            <a:r>
+              <a:rPr lang="en-US" altLang="ko-KR" b="0" dirty="0">
+                <a:solidFill>
+                  <a:srgbClr val="D4D4D4"/>
+                </a:solidFill>
+                <a:effectLst/>
+                <a:latin typeface="Consolas" panose="020B0609020204030204" pitchFamily="49" charset="0"/>
+              </a:rPr>
+              <a:t>)</a:t>
+            </a:r>
+          </a:p>
+          <a:p>
+            <a:r>
+              <a:rPr lang="en-US" altLang="ko-KR" b="0" dirty="0">
+                <a:solidFill>
+                  <a:srgbClr val="D4D4D4"/>
+                </a:solidFill>
+                <a:effectLst/>
+                <a:latin typeface="Consolas" panose="020B0609020204030204" pitchFamily="49" charset="0"/>
+              </a:rPr>
+              <a:t>  .</a:t>
+            </a:r>
+            <a:r>
+              <a:rPr lang="en-US" altLang="ko-KR" b="0" dirty="0">
+                <a:solidFill>
+                  <a:srgbClr val="DCDCAA"/>
+                </a:solidFill>
+                <a:effectLst/>
+                <a:latin typeface="Consolas" panose="020B0609020204030204" pitchFamily="49" charset="0"/>
+              </a:rPr>
+              <a:t>then</a:t>
+            </a:r>
+            <a:r>
+              <a:rPr lang="en-US" altLang="ko-KR" b="0" dirty="0">
+                <a:solidFill>
+                  <a:srgbClr val="D4D4D4"/>
+                </a:solidFill>
+                <a:effectLst/>
+                <a:latin typeface="Consolas" panose="020B0609020204030204" pitchFamily="49" charset="0"/>
+              </a:rPr>
+              <a:t>((</a:t>
+            </a:r>
+            <a:r>
+              <a:rPr lang="en-US" altLang="ko-KR" b="0" dirty="0">
+                <a:solidFill>
+                  <a:srgbClr val="9CDCFE"/>
+                </a:solidFill>
+                <a:effectLst/>
+                <a:latin typeface="Consolas" panose="020B0609020204030204" pitchFamily="49" charset="0"/>
+              </a:rPr>
+              <a:t>result</a:t>
+            </a:r>
+            <a:r>
+              <a:rPr lang="en-US" altLang="ko-KR" b="0" dirty="0">
+                <a:solidFill>
+                  <a:srgbClr val="D4D4D4"/>
+                </a:solidFill>
+                <a:effectLst/>
+                <a:latin typeface="Consolas" panose="020B0609020204030204" pitchFamily="49" charset="0"/>
+              </a:rPr>
+              <a:t>) </a:t>
+            </a:r>
+            <a:r>
+              <a:rPr lang="en-US" altLang="ko-KR" b="0" dirty="0">
+                <a:solidFill>
+                  <a:srgbClr val="569CD6"/>
+                </a:solidFill>
+                <a:effectLst/>
+                <a:latin typeface="Consolas" panose="020B0609020204030204" pitchFamily="49" charset="0"/>
+              </a:rPr>
+              <a:t>=&gt;</a:t>
+            </a:r>
+            <a:r>
+              <a:rPr lang="en-US" altLang="ko-KR" b="0" dirty="0">
+                <a:solidFill>
+                  <a:srgbClr val="D4D4D4"/>
+                </a:solidFill>
+                <a:effectLst/>
+                <a:latin typeface="Consolas" panose="020B0609020204030204" pitchFamily="49" charset="0"/>
+              </a:rPr>
+              <a:t> {</a:t>
+            </a:r>
+          </a:p>
+          <a:p>
+            <a:r>
+              <a:rPr lang="en-US" altLang="ko-KR" b="0" dirty="0">
+                <a:solidFill>
+                  <a:srgbClr val="D4D4D4"/>
+                </a:solidFill>
+                <a:effectLst/>
+                <a:latin typeface="Consolas" panose="020B0609020204030204" pitchFamily="49" charset="0"/>
+              </a:rPr>
+              <a:t>    </a:t>
+            </a:r>
+            <a:r>
+              <a:rPr lang="en-US" altLang="ko-KR" b="0" dirty="0">
+                <a:solidFill>
+                  <a:srgbClr val="9CDCFE"/>
+                </a:solidFill>
+                <a:effectLst/>
+                <a:latin typeface="Consolas" panose="020B0609020204030204" pitchFamily="49" charset="0"/>
+              </a:rPr>
+              <a:t>console</a:t>
+            </a:r>
+            <a:r>
+              <a:rPr lang="en-US" altLang="ko-KR" b="0" dirty="0">
+                <a:solidFill>
+                  <a:srgbClr val="D4D4D4"/>
+                </a:solidFill>
+                <a:effectLst/>
+                <a:latin typeface="Consolas" panose="020B0609020204030204" pitchFamily="49" charset="0"/>
+              </a:rPr>
+              <a:t>.</a:t>
+            </a:r>
+            <a:r>
+              <a:rPr lang="en-US" altLang="ko-KR" b="0" dirty="0">
+                <a:solidFill>
+                  <a:srgbClr val="DCDCAA"/>
+                </a:solidFill>
+                <a:effectLst/>
+                <a:latin typeface="Consolas" panose="020B0609020204030204" pitchFamily="49" charset="0"/>
+              </a:rPr>
+              <a:t>log</a:t>
+            </a:r>
+            <a:r>
+              <a:rPr lang="en-US" altLang="ko-KR" b="0" dirty="0">
+                <a:solidFill>
+                  <a:srgbClr val="D4D4D4"/>
+                </a:solidFill>
+                <a:effectLst/>
+                <a:latin typeface="Consolas" panose="020B0609020204030204" pitchFamily="49" charset="0"/>
+              </a:rPr>
+              <a:t>(</a:t>
+            </a:r>
+            <a:r>
+              <a:rPr lang="en-US" altLang="ko-KR" b="0" dirty="0">
+                <a:solidFill>
+                  <a:srgbClr val="B5CEA8"/>
+                </a:solidFill>
+                <a:effectLst/>
+                <a:latin typeface="Consolas" panose="020B0609020204030204" pitchFamily="49" charset="0"/>
+              </a:rPr>
+              <a:t>1</a:t>
+            </a:r>
+            <a:r>
+              <a:rPr lang="en-US" altLang="ko-KR" b="0" dirty="0">
+                <a:solidFill>
+                  <a:srgbClr val="D4D4D4"/>
+                </a:solidFill>
+                <a:effectLst/>
+                <a:latin typeface="Consolas" panose="020B0609020204030204" pitchFamily="49" charset="0"/>
+              </a:rPr>
+              <a:t>, </a:t>
+            </a:r>
+            <a:r>
+              <a:rPr lang="en-US" altLang="ko-KR" b="0" dirty="0">
+                <a:solidFill>
+                  <a:srgbClr val="9CDCFE"/>
+                </a:solidFill>
+                <a:effectLst/>
+                <a:latin typeface="Consolas" panose="020B0609020204030204" pitchFamily="49" charset="0"/>
+              </a:rPr>
+              <a:t>result</a:t>
+            </a:r>
+            <a:r>
+              <a:rPr lang="en-US" altLang="ko-KR" b="0" dirty="0">
+                <a:solidFill>
+                  <a:srgbClr val="D4D4D4"/>
+                </a:solidFill>
+                <a:effectLst/>
+                <a:latin typeface="Consolas" panose="020B0609020204030204" pitchFamily="49" charset="0"/>
+              </a:rPr>
+              <a:t>);</a:t>
+            </a:r>
+          </a:p>
+          <a:p>
+            <a:r>
+              <a:rPr lang="en-US" altLang="ko-KR" b="0" dirty="0">
+                <a:solidFill>
+                  <a:srgbClr val="D4D4D4"/>
+                </a:solidFill>
+                <a:effectLst/>
+                <a:latin typeface="Consolas" panose="020B0609020204030204" pitchFamily="49" charset="0"/>
+              </a:rPr>
+              <a:t>    </a:t>
+            </a:r>
+            <a:r>
+              <a:rPr lang="en-US" altLang="ko-KR" b="0" dirty="0" err="1">
+                <a:solidFill>
+                  <a:srgbClr val="DCDCAA"/>
+                </a:solidFill>
+                <a:effectLst/>
+                <a:latin typeface="Consolas" panose="020B0609020204030204" pitchFamily="49" charset="0"/>
+              </a:rPr>
+              <a:t>promiseExam</a:t>
+            </a:r>
+            <a:r>
+              <a:rPr lang="en-US" altLang="ko-KR" b="0" dirty="0">
+                <a:solidFill>
+                  <a:srgbClr val="D4D4D4"/>
+                </a:solidFill>
+                <a:effectLst/>
+                <a:latin typeface="Consolas" panose="020B0609020204030204" pitchFamily="49" charset="0"/>
+              </a:rPr>
+              <a:t>(</a:t>
+            </a:r>
+            <a:r>
+              <a:rPr lang="en-US" altLang="ko-KR" b="0" dirty="0">
+                <a:solidFill>
+                  <a:srgbClr val="B5CEA8"/>
+                </a:solidFill>
+                <a:effectLst/>
+                <a:latin typeface="Consolas" panose="020B0609020204030204" pitchFamily="49" charset="0"/>
+              </a:rPr>
+              <a:t>500</a:t>
+            </a:r>
+            <a:r>
+              <a:rPr lang="en-US" altLang="ko-KR" b="0" dirty="0">
+                <a:solidFill>
+                  <a:srgbClr val="D4D4D4"/>
+                </a:solidFill>
+                <a:effectLst/>
+                <a:latin typeface="Consolas" panose="020B0609020204030204" pitchFamily="49" charset="0"/>
+              </a:rPr>
+              <a:t>)</a:t>
+            </a:r>
+          </a:p>
+          <a:p>
+            <a:r>
+              <a:rPr lang="en-US" altLang="ko-KR" b="0" dirty="0">
+                <a:solidFill>
+                  <a:srgbClr val="D4D4D4"/>
+                </a:solidFill>
+                <a:effectLst/>
+                <a:latin typeface="Consolas" panose="020B0609020204030204" pitchFamily="49" charset="0"/>
+              </a:rPr>
+              <a:t>      .</a:t>
+            </a:r>
+            <a:r>
+              <a:rPr lang="en-US" altLang="ko-KR" b="0" dirty="0">
+                <a:solidFill>
+                  <a:srgbClr val="DCDCAA"/>
+                </a:solidFill>
+                <a:effectLst/>
+                <a:latin typeface="Consolas" panose="020B0609020204030204" pitchFamily="49" charset="0"/>
+              </a:rPr>
+              <a:t>then</a:t>
+            </a:r>
+            <a:r>
+              <a:rPr lang="en-US" altLang="ko-KR" b="0" dirty="0">
+                <a:solidFill>
+                  <a:srgbClr val="D4D4D4"/>
+                </a:solidFill>
+                <a:effectLst/>
+                <a:latin typeface="Consolas" panose="020B0609020204030204" pitchFamily="49" charset="0"/>
+              </a:rPr>
+              <a:t>((</a:t>
+            </a:r>
+            <a:r>
+              <a:rPr lang="en-US" altLang="ko-KR" b="0" dirty="0">
+                <a:solidFill>
+                  <a:srgbClr val="9CDCFE"/>
+                </a:solidFill>
+                <a:effectLst/>
+                <a:latin typeface="Consolas" panose="020B0609020204030204" pitchFamily="49" charset="0"/>
+              </a:rPr>
+              <a:t>result</a:t>
+            </a:r>
+            <a:r>
+              <a:rPr lang="en-US" altLang="ko-KR" b="0" dirty="0">
+                <a:solidFill>
+                  <a:srgbClr val="D4D4D4"/>
+                </a:solidFill>
+                <a:effectLst/>
+                <a:latin typeface="Consolas" panose="020B0609020204030204" pitchFamily="49" charset="0"/>
+              </a:rPr>
+              <a:t>) </a:t>
+            </a:r>
+            <a:r>
+              <a:rPr lang="en-US" altLang="ko-KR" b="0" dirty="0">
+                <a:solidFill>
+                  <a:srgbClr val="569CD6"/>
+                </a:solidFill>
+                <a:effectLst/>
+                <a:latin typeface="Consolas" panose="020B0609020204030204" pitchFamily="49" charset="0"/>
+              </a:rPr>
+              <a:t>=&gt;</a:t>
+            </a:r>
+            <a:r>
+              <a:rPr lang="en-US" altLang="ko-KR" b="0" dirty="0">
+                <a:solidFill>
+                  <a:srgbClr val="D4D4D4"/>
+                </a:solidFill>
+                <a:effectLst/>
+                <a:latin typeface="Consolas" panose="020B0609020204030204" pitchFamily="49" charset="0"/>
+              </a:rPr>
+              <a:t> {</a:t>
+            </a:r>
+          </a:p>
+          <a:p>
+            <a:r>
+              <a:rPr lang="en-US" altLang="ko-KR" b="0" dirty="0">
+                <a:solidFill>
+                  <a:srgbClr val="D4D4D4"/>
+                </a:solidFill>
+                <a:effectLst/>
+                <a:latin typeface="Consolas" panose="020B0609020204030204" pitchFamily="49" charset="0"/>
+              </a:rPr>
+              <a:t>        </a:t>
+            </a:r>
+            <a:r>
+              <a:rPr lang="en-US" altLang="ko-KR" b="0" dirty="0">
+                <a:solidFill>
+                  <a:srgbClr val="9CDCFE"/>
+                </a:solidFill>
+                <a:effectLst/>
+                <a:latin typeface="Consolas" panose="020B0609020204030204" pitchFamily="49" charset="0"/>
+              </a:rPr>
+              <a:t>console</a:t>
+            </a:r>
+            <a:r>
+              <a:rPr lang="en-US" altLang="ko-KR" b="0" dirty="0">
+                <a:solidFill>
+                  <a:srgbClr val="D4D4D4"/>
+                </a:solidFill>
+                <a:effectLst/>
+                <a:latin typeface="Consolas" panose="020B0609020204030204" pitchFamily="49" charset="0"/>
+              </a:rPr>
+              <a:t>.</a:t>
+            </a:r>
+            <a:r>
+              <a:rPr lang="en-US" altLang="ko-KR" b="0" dirty="0">
+                <a:solidFill>
+                  <a:srgbClr val="DCDCAA"/>
+                </a:solidFill>
+                <a:effectLst/>
+                <a:latin typeface="Consolas" panose="020B0609020204030204" pitchFamily="49" charset="0"/>
+              </a:rPr>
+              <a:t>log</a:t>
+            </a:r>
+            <a:r>
+              <a:rPr lang="en-US" altLang="ko-KR" b="0" dirty="0">
+                <a:solidFill>
+                  <a:srgbClr val="D4D4D4"/>
+                </a:solidFill>
+                <a:effectLst/>
+                <a:latin typeface="Consolas" panose="020B0609020204030204" pitchFamily="49" charset="0"/>
+              </a:rPr>
+              <a:t>(</a:t>
+            </a:r>
+            <a:r>
+              <a:rPr lang="en-US" altLang="ko-KR" b="0" dirty="0">
+                <a:solidFill>
+                  <a:srgbClr val="B5CEA8"/>
+                </a:solidFill>
+                <a:effectLst/>
+                <a:latin typeface="Consolas" panose="020B0609020204030204" pitchFamily="49" charset="0"/>
+              </a:rPr>
+              <a:t>2</a:t>
+            </a:r>
+            <a:r>
+              <a:rPr lang="en-US" altLang="ko-KR" b="0" dirty="0">
+                <a:solidFill>
+                  <a:srgbClr val="D4D4D4"/>
+                </a:solidFill>
+                <a:effectLst/>
+                <a:latin typeface="Consolas" panose="020B0609020204030204" pitchFamily="49" charset="0"/>
+              </a:rPr>
+              <a:t>, </a:t>
+            </a:r>
+            <a:r>
+              <a:rPr lang="en-US" altLang="ko-KR" b="0" dirty="0">
+                <a:solidFill>
+                  <a:srgbClr val="9CDCFE"/>
+                </a:solidFill>
+                <a:effectLst/>
+                <a:latin typeface="Consolas" panose="020B0609020204030204" pitchFamily="49" charset="0"/>
+              </a:rPr>
+              <a:t>result</a:t>
+            </a:r>
+            <a:r>
+              <a:rPr lang="en-US" altLang="ko-KR" b="0" dirty="0">
+                <a:solidFill>
+                  <a:srgbClr val="D4D4D4"/>
+                </a:solidFill>
+                <a:effectLst/>
+                <a:latin typeface="Consolas" panose="020B0609020204030204" pitchFamily="49" charset="0"/>
+              </a:rPr>
+              <a:t>);</a:t>
+            </a:r>
+          </a:p>
+          <a:p>
+            <a:r>
+              <a:rPr lang="en-US" altLang="ko-KR" b="0" dirty="0">
+                <a:solidFill>
+                  <a:srgbClr val="D4D4D4"/>
+                </a:solidFill>
+                <a:effectLst/>
+                <a:latin typeface="Consolas" panose="020B0609020204030204" pitchFamily="49" charset="0"/>
+              </a:rPr>
+              <a:t>        </a:t>
+            </a:r>
+            <a:r>
+              <a:rPr lang="en-US" altLang="ko-KR" b="0" dirty="0">
+                <a:solidFill>
+                  <a:srgbClr val="9CDCFE"/>
+                </a:solidFill>
+                <a:effectLst/>
+                <a:latin typeface="Consolas" panose="020B0609020204030204" pitchFamily="49" charset="0"/>
+              </a:rPr>
+              <a:t>console</a:t>
+            </a:r>
+            <a:r>
+              <a:rPr lang="en-US" altLang="ko-KR" b="0" dirty="0">
+                <a:solidFill>
+                  <a:srgbClr val="D4D4D4"/>
+                </a:solidFill>
+                <a:effectLst/>
+                <a:latin typeface="Consolas" panose="020B0609020204030204" pitchFamily="49" charset="0"/>
+              </a:rPr>
+              <a:t>.</a:t>
+            </a:r>
+            <a:r>
+              <a:rPr lang="en-US" altLang="ko-KR" b="0" dirty="0">
+                <a:solidFill>
+                  <a:srgbClr val="DCDCAA"/>
+                </a:solidFill>
+                <a:effectLst/>
+                <a:latin typeface="Consolas" panose="020B0609020204030204" pitchFamily="49" charset="0"/>
+              </a:rPr>
+              <a:t>log</a:t>
+            </a:r>
+            <a:r>
+              <a:rPr lang="en-US" altLang="ko-KR" b="0" dirty="0">
+                <a:solidFill>
+                  <a:srgbClr val="D4D4D4"/>
+                </a:solidFill>
+                <a:effectLst/>
+                <a:latin typeface="Consolas" panose="020B0609020204030204" pitchFamily="49" charset="0"/>
+              </a:rPr>
+              <a:t>(</a:t>
+            </a:r>
+            <a:r>
+              <a:rPr lang="en-US" altLang="ko-KR" b="0" dirty="0">
+                <a:solidFill>
+                  <a:srgbClr val="B5CEA8"/>
+                </a:solidFill>
+                <a:effectLst/>
+                <a:latin typeface="Consolas" panose="020B0609020204030204" pitchFamily="49" charset="0"/>
+              </a:rPr>
+              <a:t>3</a:t>
+            </a:r>
+            <a:r>
+              <a:rPr lang="en-US" altLang="ko-KR" b="0" dirty="0">
+                <a:solidFill>
+                  <a:srgbClr val="D4D4D4"/>
+                </a:solidFill>
+                <a:effectLst/>
+                <a:latin typeface="Consolas" panose="020B0609020204030204" pitchFamily="49" charset="0"/>
+              </a:rPr>
+              <a:t>);</a:t>
+            </a:r>
+          </a:p>
+          <a:p>
+            <a:r>
+              <a:rPr lang="en-US" altLang="ko-KR" b="0" dirty="0">
+                <a:solidFill>
+                  <a:srgbClr val="D4D4D4"/>
+                </a:solidFill>
+                <a:effectLst/>
+                <a:latin typeface="Consolas" panose="020B0609020204030204" pitchFamily="49" charset="0"/>
+              </a:rPr>
+              <a:t>      })</a:t>
+            </a:r>
+          </a:p>
+          <a:p>
+            <a:r>
+              <a:rPr lang="en-US" altLang="ko-KR" b="0" dirty="0">
+                <a:solidFill>
+                  <a:srgbClr val="D4D4D4"/>
+                </a:solidFill>
+                <a:effectLst/>
+                <a:latin typeface="Consolas" panose="020B0609020204030204" pitchFamily="49" charset="0"/>
+              </a:rPr>
+              <a:t>      .</a:t>
+            </a:r>
+            <a:r>
+              <a:rPr lang="en-US" altLang="ko-KR" b="0" dirty="0">
+                <a:solidFill>
+                  <a:srgbClr val="DCDCAA"/>
+                </a:solidFill>
+                <a:effectLst/>
+                <a:latin typeface="Consolas" panose="020B0609020204030204" pitchFamily="49" charset="0"/>
+              </a:rPr>
+              <a:t>catch</a:t>
+            </a:r>
+            <a:r>
+              <a:rPr lang="en-US" altLang="ko-KR" b="0" dirty="0">
+                <a:solidFill>
+                  <a:srgbClr val="D4D4D4"/>
+                </a:solidFill>
+                <a:effectLst/>
+                <a:latin typeface="Consolas" panose="020B0609020204030204" pitchFamily="49" charset="0"/>
+              </a:rPr>
+              <a:t>((</a:t>
+            </a:r>
+            <a:r>
+              <a:rPr lang="en-US" altLang="ko-KR" b="0" dirty="0">
+                <a:solidFill>
+                  <a:srgbClr val="9CDCFE"/>
+                </a:solidFill>
+                <a:effectLst/>
+                <a:latin typeface="Consolas" panose="020B0609020204030204" pitchFamily="49" charset="0"/>
+              </a:rPr>
+              <a:t>err</a:t>
+            </a:r>
+            <a:r>
+              <a:rPr lang="en-US" altLang="ko-KR" b="0" dirty="0">
+                <a:solidFill>
+                  <a:srgbClr val="D4D4D4"/>
+                </a:solidFill>
+                <a:effectLst/>
+                <a:latin typeface="Consolas" panose="020B0609020204030204" pitchFamily="49" charset="0"/>
+              </a:rPr>
+              <a:t>) </a:t>
+            </a:r>
+            <a:r>
+              <a:rPr lang="en-US" altLang="ko-KR" b="0" dirty="0">
+                <a:solidFill>
+                  <a:srgbClr val="569CD6"/>
+                </a:solidFill>
+                <a:effectLst/>
+                <a:latin typeface="Consolas" panose="020B0609020204030204" pitchFamily="49" charset="0"/>
+              </a:rPr>
+              <a:t>=&gt;</a:t>
+            </a:r>
+            <a:r>
+              <a:rPr lang="en-US" altLang="ko-KR" b="0" dirty="0">
+                <a:solidFill>
+                  <a:srgbClr val="D4D4D4"/>
+                </a:solidFill>
+                <a:effectLst/>
+                <a:latin typeface="Consolas" panose="020B0609020204030204" pitchFamily="49" charset="0"/>
+              </a:rPr>
+              <a:t> {</a:t>
+            </a:r>
+          </a:p>
+          <a:p>
+            <a:r>
+              <a:rPr lang="en-US" altLang="ko-KR" b="0" dirty="0">
+                <a:solidFill>
+                  <a:srgbClr val="D4D4D4"/>
+                </a:solidFill>
+                <a:effectLst/>
+                <a:latin typeface="Consolas" panose="020B0609020204030204" pitchFamily="49" charset="0"/>
+              </a:rPr>
+              <a:t>        </a:t>
+            </a:r>
+            <a:r>
+              <a:rPr lang="en-US" altLang="ko-KR" b="0" dirty="0">
+                <a:solidFill>
+                  <a:srgbClr val="9CDCFE"/>
+                </a:solidFill>
+                <a:effectLst/>
+                <a:latin typeface="Consolas" panose="020B0609020204030204" pitchFamily="49" charset="0"/>
+              </a:rPr>
+              <a:t>console</a:t>
+            </a:r>
+            <a:r>
+              <a:rPr lang="en-US" altLang="ko-KR" b="0" dirty="0">
+                <a:solidFill>
+                  <a:srgbClr val="D4D4D4"/>
+                </a:solidFill>
+                <a:effectLst/>
+                <a:latin typeface="Consolas" panose="020B0609020204030204" pitchFamily="49" charset="0"/>
+              </a:rPr>
+              <a:t>.</a:t>
+            </a:r>
+            <a:r>
+              <a:rPr lang="en-US" altLang="ko-KR" b="0" dirty="0">
+                <a:solidFill>
+                  <a:srgbClr val="DCDCAA"/>
+                </a:solidFill>
+                <a:effectLst/>
+                <a:latin typeface="Consolas" panose="020B0609020204030204" pitchFamily="49" charset="0"/>
+              </a:rPr>
+              <a:t>log</a:t>
+            </a:r>
+            <a:r>
+              <a:rPr lang="en-US" altLang="ko-KR" b="0" dirty="0">
+                <a:solidFill>
+                  <a:srgbClr val="D4D4D4"/>
+                </a:solidFill>
+                <a:effectLst/>
+                <a:latin typeface="Consolas" panose="020B0609020204030204" pitchFamily="49" charset="0"/>
+              </a:rPr>
+              <a:t>(</a:t>
+            </a:r>
+            <a:r>
+              <a:rPr lang="en-US" altLang="ko-KR" b="0" dirty="0">
+                <a:solidFill>
+                  <a:srgbClr val="9CDCFE"/>
+                </a:solidFill>
+                <a:effectLst/>
+                <a:latin typeface="Consolas" panose="020B0609020204030204" pitchFamily="49" charset="0"/>
+              </a:rPr>
+              <a:t>err</a:t>
+            </a:r>
+            <a:r>
+              <a:rPr lang="en-US" altLang="ko-KR" b="0" dirty="0">
+                <a:solidFill>
+                  <a:srgbClr val="D4D4D4"/>
+                </a:solidFill>
+                <a:effectLst/>
+                <a:latin typeface="Consolas" panose="020B0609020204030204" pitchFamily="49" charset="0"/>
+              </a:rPr>
+              <a:t>);</a:t>
+            </a:r>
+          </a:p>
+          <a:p>
+            <a:r>
+              <a:rPr lang="en-US" altLang="ko-KR" b="0" dirty="0">
+                <a:solidFill>
+                  <a:srgbClr val="D4D4D4"/>
+                </a:solidFill>
+                <a:effectLst/>
+                <a:latin typeface="Consolas" panose="020B0609020204030204" pitchFamily="49" charset="0"/>
+              </a:rPr>
+              <a:t>      });</a:t>
+            </a:r>
+          </a:p>
+          <a:p>
+            <a:r>
+              <a:rPr lang="en-US" altLang="ko-KR" b="0" dirty="0">
+                <a:solidFill>
+                  <a:srgbClr val="D4D4D4"/>
+                </a:solidFill>
+                <a:effectLst/>
+                <a:latin typeface="Consolas" panose="020B0609020204030204" pitchFamily="49" charset="0"/>
+              </a:rPr>
+              <a:t>  })</a:t>
+            </a:r>
+          </a:p>
+          <a:p>
+            <a:r>
+              <a:rPr lang="en-US" altLang="ko-KR" b="0" dirty="0">
+                <a:solidFill>
+                  <a:srgbClr val="D4D4D4"/>
+                </a:solidFill>
+                <a:effectLst/>
+                <a:latin typeface="Consolas" panose="020B0609020204030204" pitchFamily="49" charset="0"/>
+              </a:rPr>
+              <a:t>  .</a:t>
+            </a:r>
+            <a:r>
+              <a:rPr lang="en-US" altLang="ko-KR" b="0" dirty="0">
+                <a:solidFill>
+                  <a:srgbClr val="DCDCAA"/>
+                </a:solidFill>
+                <a:effectLst/>
+                <a:latin typeface="Consolas" panose="020B0609020204030204" pitchFamily="49" charset="0"/>
+              </a:rPr>
+              <a:t>catch</a:t>
+            </a:r>
+            <a:r>
+              <a:rPr lang="en-US" altLang="ko-KR" b="0" dirty="0">
+                <a:solidFill>
+                  <a:srgbClr val="D4D4D4"/>
+                </a:solidFill>
+                <a:effectLst/>
+                <a:latin typeface="Consolas" panose="020B0609020204030204" pitchFamily="49" charset="0"/>
+              </a:rPr>
+              <a:t>((</a:t>
+            </a:r>
+            <a:r>
+              <a:rPr lang="en-US" altLang="ko-KR" b="0" dirty="0">
+                <a:solidFill>
+                  <a:srgbClr val="9CDCFE"/>
+                </a:solidFill>
+                <a:effectLst/>
+                <a:latin typeface="Consolas" panose="020B0609020204030204" pitchFamily="49" charset="0"/>
+              </a:rPr>
+              <a:t>err</a:t>
+            </a:r>
+            <a:r>
+              <a:rPr lang="en-US" altLang="ko-KR" b="0" dirty="0">
+                <a:solidFill>
+                  <a:srgbClr val="D4D4D4"/>
+                </a:solidFill>
+                <a:effectLst/>
+                <a:latin typeface="Consolas" panose="020B0609020204030204" pitchFamily="49" charset="0"/>
+              </a:rPr>
+              <a:t>) </a:t>
+            </a:r>
+            <a:r>
+              <a:rPr lang="en-US" altLang="ko-KR" b="0" dirty="0">
+                <a:solidFill>
+                  <a:srgbClr val="569CD6"/>
+                </a:solidFill>
+                <a:effectLst/>
+                <a:latin typeface="Consolas" panose="020B0609020204030204" pitchFamily="49" charset="0"/>
+              </a:rPr>
+              <a:t>=&gt;</a:t>
+            </a:r>
+            <a:r>
+              <a:rPr lang="en-US" altLang="ko-KR" b="0" dirty="0">
+                <a:solidFill>
+                  <a:srgbClr val="D4D4D4"/>
+                </a:solidFill>
+                <a:effectLst/>
+                <a:latin typeface="Consolas" panose="020B0609020204030204" pitchFamily="49" charset="0"/>
+              </a:rPr>
+              <a:t> {</a:t>
+            </a:r>
+          </a:p>
+          <a:p>
+            <a:r>
+              <a:rPr lang="en-US" altLang="ko-KR" b="0" dirty="0">
+                <a:solidFill>
+                  <a:srgbClr val="D4D4D4"/>
+                </a:solidFill>
+                <a:effectLst/>
+                <a:latin typeface="Consolas" panose="020B0609020204030204" pitchFamily="49" charset="0"/>
+              </a:rPr>
+              <a:t>    </a:t>
+            </a:r>
+            <a:r>
+              <a:rPr lang="en-US" altLang="ko-KR" b="0" dirty="0">
+                <a:solidFill>
+                  <a:srgbClr val="9CDCFE"/>
+                </a:solidFill>
+                <a:effectLst/>
+                <a:latin typeface="Consolas" panose="020B0609020204030204" pitchFamily="49" charset="0"/>
+              </a:rPr>
+              <a:t>console</a:t>
+            </a:r>
+            <a:r>
+              <a:rPr lang="en-US" altLang="ko-KR" b="0" dirty="0">
+                <a:solidFill>
+                  <a:srgbClr val="D4D4D4"/>
+                </a:solidFill>
+                <a:effectLst/>
+                <a:latin typeface="Consolas" panose="020B0609020204030204" pitchFamily="49" charset="0"/>
+              </a:rPr>
+              <a:t>.</a:t>
+            </a:r>
+            <a:r>
+              <a:rPr lang="en-US" altLang="ko-KR" b="0" dirty="0">
+                <a:solidFill>
+                  <a:srgbClr val="DCDCAA"/>
+                </a:solidFill>
+                <a:effectLst/>
+                <a:latin typeface="Consolas" panose="020B0609020204030204" pitchFamily="49" charset="0"/>
+              </a:rPr>
+              <a:t>log</a:t>
+            </a:r>
+            <a:r>
+              <a:rPr lang="en-US" altLang="ko-KR" b="0" dirty="0">
+                <a:solidFill>
+                  <a:srgbClr val="D4D4D4"/>
+                </a:solidFill>
+                <a:effectLst/>
+                <a:latin typeface="Consolas" panose="020B0609020204030204" pitchFamily="49" charset="0"/>
+              </a:rPr>
+              <a:t>(</a:t>
+            </a:r>
+            <a:r>
+              <a:rPr lang="en-US" altLang="ko-KR" b="0" dirty="0">
+                <a:solidFill>
+                  <a:srgbClr val="9CDCFE"/>
+                </a:solidFill>
+                <a:effectLst/>
+                <a:latin typeface="Consolas" panose="020B0609020204030204" pitchFamily="49" charset="0"/>
+              </a:rPr>
+              <a:t>err</a:t>
+            </a:r>
+            <a:r>
+              <a:rPr lang="en-US" altLang="ko-KR" b="0" dirty="0">
+                <a:solidFill>
+                  <a:srgbClr val="D4D4D4"/>
+                </a:solidFill>
+                <a:effectLst/>
+                <a:latin typeface="Consolas" panose="020B0609020204030204" pitchFamily="49" charset="0"/>
+              </a:rPr>
+              <a:t>);</a:t>
+            </a:r>
+          </a:p>
+          <a:p>
+            <a:r>
+              <a:rPr lang="en-US" altLang="ko-KR" b="0" dirty="0">
+                <a:solidFill>
+                  <a:srgbClr val="D4D4D4"/>
+                </a:solidFill>
+                <a:effectLst/>
+                <a:latin typeface="Consolas" panose="020B0609020204030204" pitchFamily="49" charset="0"/>
+              </a:rPr>
+              <a:t>  });</a:t>
+            </a:r>
+          </a:p>
+          <a:p>
+            <a:br>
+              <a:rPr lang="en-US" altLang="ko-KR" b="0" dirty="0">
+                <a:solidFill>
+                  <a:srgbClr val="D4D4D4"/>
+                </a:solidFill>
+                <a:effectLst/>
+                <a:latin typeface="Consolas" panose="020B0609020204030204" pitchFamily="49" charset="0"/>
+              </a:rPr>
+            </a:br>
+            <a:endParaRPr lang="en-US" altLang="ko-KR" b="0" dirty="0">
+              <a:solidFill>
+                <a:srgbClr val="D4D4D4"/>
+              </a:solidFill>
+              <a:effectLst/>
+              <a:latin typeface="Consolas" panose="020B0609020204030204" pitchFamily="49" charset="0"/>
+            </a:endParaRPr>
+          </a:p>
+          <a:p>
             <a:endParaRPr lang="ko-KR" altLang="en-US" dirty="0"/>
           </a:p>
         </p:txBody>
@@ -3796,7 +3801,7 @@
     </p:spTree>
     <p:extLst>
       <p:ext uri="{BB962C8B-B14F-4D97-AF65-F5344CB8AC3E}">
-        <p14:creationId xmlns:p14="http://schemas.microsoft.com/office/powerpoint/2010/main" val="2787180024"/>
+        <p14:creationId xmlns:p14="http://schemas.microsoft.com/office/powerpoint/2010/main" val="59767617"/>
       </p:ext>
     </p:extLst>
   </p:cSld>
@@ -3852,53 +3857,15 @@
           <a:p>
             <a:r>
               <a:rPr lang="en-US" altLang="ko-KR" dirty="0"/>
-              <a:t>1997</a:t>
+              <a:t>MS</a:t>
             </a:r>
             <a:r>
               <a:rPr lang="ko-KR" altLang="en-US" dirty="0"/>
-              <a:t>년 </a:t>
-            </a:r>
-            <a:r>
-              <a:rPr lang="en-US" altLang="ko-KR" dirty="0" err="1"/>
-              <a:t>ECMAInternational</a:t>
-            </a:r>
-            <a:r>
-              <a:rPr lang="en-US" altLang="ko-KR" dirty="0"/>
-              <a:t> </a:t>
-            </a:r>
-            <a:r>
-              <a:rPr lang="ko-KR" altLang="en-US" dirty="0"/>
-              <a:t>정</a:t>
-            </a:r>
-            <a:r>
-              <a:rPr lang="ko-KR" altLang="en-US" b="0" i="0" dirty="0">
-                <a:solidFill>
-                  <a:srgbClr val="4D5156"/>
-                </a:solidFill>
-                <a:effectLst/>
-                <a:latin typeface="Apple SD Gothic Neo"/>
-              </a:rPr>
-              <a:t>보 통신 시스템을 위한 국제적 표준화 기구 </a:t>
-            </a:r>
-            <a:r>
-              <a:rPr lang="en-US" altLang="ko-KR" b="0" i="0" dirty="0">
-                <a:solidFill>
-                  <a:srgbClr val="4D5156"/>
-                </a:solidFill>
-                <a:effectLst/>
-                <a:latin typeface="Apple SD Gothic Neo"/>
-              </a:rPr>
-              <a:t>1~4 2000</a:t>
-            </a:r>
-            <a:r>
-              <a:rPr lang="ko-KR" altLang="en-US" b="0" i="0" dirty="0">
-                <a:solidFill>
-                  <a:srgbClr val="4D5156"/>
-                </a:solidFill>
-                <a:effectLst/>
-                <a:latin typeface="Apple SD Gothic Neo"/>
-              </a:rPr>
-              <a:t>년까지</a:t>
+              <a:t>사가 </a:t>
+            </a:r>
+            <a:r>
+              <a:rPr lang="ko-KR" altLang="en-US"/>
+              <a:t>리버스엔지니어링으로 베낌</a:t>
             </a:r>
             <a:endParaRPr lang="ko-KR" altLang="en-US" dirty="0"/>
           </a:p>
@@ -3984,6 +3951,90 @@
           <a:bodyPr/>
           <a:lstStyle/>
           <a:p>
+            <a:endParaRPr lang="ko-KR" altLang="en-US" dirty="0"/>
+          </a:p>
+        </p:txBody>
+      </p:sp>
+      <p:sp>
+        <p:nvSpPr>
+          <p:cNvPr id="4" name="슬라이드 번호 개체 틀 3"/>
+          <p:cNvSpPr>
+            <a:spLocks noGrp="1"/>
+          </p:cNvSpPr>
+          <p:nvPr>
+            <p:ph type="sldNum" sz="quarter" idx="5"/>
+          </p:nvPr>
+        </p:nvSpPr>
+        <p:spPr/>
+        <p:txBody>
+          <a:bodyPr/>
+          <a:lstStyle/>
+          <a:p>
+            <a:fld id="{12E9ADDB-0586-426C-BFD8-3BE534C7F28E}" type="slidenum">
+              <a:rPr lang="ko-KR" altLang="en-US" smtClean="0"/>
+              <a:t>44</a:t>
+            </a:fld>
+            <a:endParaRPr lang="ko-KR" altLang="en-US"/>
+          </a:p>
+        </p:txBody>
+      </p:sp>
+    </p:spTree>
+    <p:extLst>
+      <p:ext uri="{BB962C8B-B14F-4D97-AF65-F5344CB8AC3E}">
+        <p14:creationId xmlns:p14="http://schemas.microsoft.com/office/powerpoint/2010/main" val="2787180024"/>
+      </p:ext>
+    </p:extLst>
+  </p:cSld>
+  <p:clrMapOvr>
+    <a:masterClrMapping/>
+  </p:clrMapOvr>
+</p:notes>
+</file>
+
+<file path=ppt/notesSlides/notesSlide31.xml><?xml version="1.0" encoding="utf-8"?>
+<p:notes xmlns:a="http://schemas.openxmlformats.org/drawingml/2006/main" xmlns:r="http://schemas.openxmlformats.org/officeDocument/2006/relationships" xmlns:p="http://schemas.openxmlformats.org/presentationml/2006/main">
+  <p:cSld>
+    <p:spTree>
+      <p:nvGrpSpPr>
+        <p:cNvPr id="1" name=""/>
+        <p:cNvGrpSpPr/>
+        <p:nvPr/>
+      </p:nvGrpSpPr>
+      <p:grpSpPr>
+        <a:xfrm>
+          <a:off x="0" y="0"/>
+          <a:ext cx="0" cy="0"/>
+          <a:chOff x="0" y="0"/>
+          <a:chExt cx="0" cy="0"/>
+        </a:xfrm>
+      </p:grpSpPr>
+      <p:sp>
+        <p:nvSpPr>
+          <p:cNvPr id="2" name="슬라이드 이미지 개체 틀 1"/>
+          <p:cNvSpPr>
+            <a:spLocks noGrp="1" noRot="1" noChangeAspect="1"/>
+          </p:cNvSpPr>
+          <p:nvPr>
+            <p:ph type="sldImg"/>
+          </p:nvPr>
+        </p:nvSpPr>
+        <p:spPr/>
+      </p:sp>
+      <p:sp>
+        <p:nvSpPr>
+          <p:cNvPr id="3" name="슬라이드 노트 개체 틀 2"/>
+          <p:cNvSpPr>
+            <a:spLocks noGrp="1"/>
+          </p:cNvSpPr>
+          <p:nvPr>
+            <p:ph type="body" idx="1"/>
+          </p:nvPr>
+        </p:nvSpPr>
+        <p:spPr/>
+        <p:txBody>
+          <a:bodyPr/>
+          <a:lstStyle/>
+          <a:p>
             <a:r>
               <a:rPr lang="en-US" altLang="ko-KR" b="0" dirty="0">
                 <a:solidFill>
@@ -5360,7 +5411,7 @@
           <a:p>
             <a:fld id="{12E9ADDB-0586-426C-BFD8-3BE534C7F28E}" type="slidenum">
               <a:rPr lang="ko-KR" altLang="en-US" smtClean="0"/>
-              <a:t>44</a:t>
+              <a:t>45</a:t>
             </a:fld>
             <a:endParaRPr lang="ko-KR" altLang="en-US"/>
           </a:p>
@@ -5425,15 +5476,53 @@
           <a:p>
             <a:r>
               <a:rPr lang="en-US" altLang="ko-KR" dirty="0"/>
-              <a:t>2008 </a:t>
+              <a:t>1997</a:t>
             </a:r>
             <a:r>
               <a:rPr lang="ko-KR" altLang="en-US" dirty="0"/>
-              <a:t>크롬과 </a:t>
+              <a:t>년 </a:t>
+            </a:r>
+            <a:r>
+              <a:rPr lang="en-US" altLang="ko-KR" dirty="0" err="1"/>
+              <a:t>ECMAInternational</a:t>
             </a:r>
             <a:r>
               <a:rPr lang="en-US" altLang="ko-KR" dirty="0"/>
-              <a:t>V8</a:t>
+              <a:t> </a:t>
+            </a:r>
+            <a:r>
+              <a:rPr lang="ko-KR" altLang="en-US" dirty="0"/>
+              <a:t>정</a:t>
+            </a:r>
+            <a:r>
+              <a:rPr lang="ko-KR" altLang="en-US" b="0" i="0" dirty="0">
+                <a:solidFill>
+                  <a:srgbClr val="4D5156"/>
+                </a:solidFill>
+                <a:effectLst/>
+                <a:latin typeface="Apple SD Gothic Neo"/>
+              </a:rPr>
+              <a:t>보 통신 시스템을 위한 국제적 표준화 기구 </a:t>
+            </a:r>
+            <a:r>
+              <a:rPr lang="en-US" altLang="ko-KR" b="0" i="0" dirty="0">
+                <a:solidFill>
+                  <a:srgbClr val="4D5156"/>
+                </a:solidFill>
+                <a:effectLst/>
+                <a:latin typeface="Apple SD Gothic Neo"/>
+              </a:rPr>
+              <a:t>1~4 2000</a:t>
+            </a:r>
+            <a:r>
+              <a:rPr lang="ko-KR" altLang="en-US" b="0" i="0" dirty="0">
+                <a:solidFill>
+                  <a:srgbClr val="4D5156"/>
+                </a:solidFill>
+                <a:effectLst/>
+                <a:latin typeface="Apple SD Gothic Neo"/>
+              </a:rPr>
+              <a:t>년까지</a:t>
             </a:r>
             <a:endParaRPr lang="ko-KR" altLang="en-US" dirty="0"/>
           </a:p>
@@ -5456,7 +5545,7 @@
           <a:p>
             <a:fld id="{12E9ADDB-0586-426C-BFD8-3BE534C7F28E}" type="slidenum">
               <a:rPr lang="ko-KR" altLang="en-US" smtClean="0"/>
-              <a:t>7</a:t>
+              <a:t>6</a:t>
             </a:fld>
             <a:endParaRPr lang="ko-KR" altLang="en-US"/>
           </a:p>
@@ -5465,7 +5554,7 @@
     </p:spTree>
     <p:extLst>
       <p:ext uri="{BB962C8B-B14F-4D97-AF65-F5344CB8AC3E}">
-        <p14:creationId xmlns:p14="http://schemas.microsoft.com/office/powerpoint/2010/main" val="660439324"/>
+        <p14:creationId xmlns:p14="http://schemas.microsoft.com/office/powerpoint/2010/main" val="3599914224"/>
       </p:ext>
     </p:extLst>
   </p:cSld>
@@ -5561,7 +5650,7 @@
     </p:spTree>
     <p:extLst>
       <p:ext uri="{BB962C8B-B14F-4D97-AF65-F5344CB8AC3E}">
-        <p14:creationId xmlns:p14="http://schemas.microsoft.com/office/powerpoint/2010/main" val="762063199"/>
+        <p14:creationId xmlns:p14="http://schemas.microsoft.com/office/powerpoint/2010/main" val="660439324"/>
       </p:ext>
     </p:extLst>
   </p:cSld>
@@ -5657,7 +5746,7 @@
     </p:spTree>
     <p:extLst>
       <p:ext uri="{BB962C8B-B14F-4D97-AF65-F5344CB8AC3E}">
-        <p14:creationId xmlns:p14="http://schemas.microsoft.com/office/powerpoint/2010/main" val="123411217"/>
+        <p14:creationId xmlns:p14="http://schemas.microsoft.com/office/powerpoint/2010/main" val="762063199"/>
       </p:ext>
     </p:extLst>
   </p:cSld>
@@ -5712,28 +5801,16 @@
           <a:lstStyle/>
           <a:p>
             <a:r>
+              <a:rPr lang="en-US" altLang="ko-KR" dirty="0"/>
+              <a:t>2008 </a:t>
+            </a:r>
+            <a:r>
               <a:rPr lang="ko-KR" altLang="en-US" dirty="0"/>
-              <a:t>모두 </a:t>
+              <a:t>크롬과 </a:t>
             </a:r>
             <a:r>
               <a:rPr lang="en-US" altLang="ko-KR" dirty="0"/>
-              <a:t>ES6</a:t>
-            </a:r>
-            <a:r>
-              <a:rPr lang="ko-KR" altLang="en-US" dirty="0"/>
-              <a:t>의 기능 </a:t>
-            </a:r>
-            <a:r>
-              <a:rPr lang="en-US" altLang="ko-KR" dirty="0"/>
-              <a:t>(</a:t>
-            </a:r>
-            <a:r>
-              <a:rPr lang="ko-KR" altLang="en-US" dirty="0"/>
-              <a:t>실습</a:t>
-            </a:r>
-            <a:r>
-              <a:rPr lang="en-US" altLang="ko-KR" dirty="0"/>
-              <a:t>)</a:t>
+              <a:t>V8</a:t>
             </a:r>
             <a:endParaRPr lang="ko-KR" altLang="en-US" dirty="0"/>
           </a:p>
@@ -5756,7 +5833,7 @@
           <a:p>
             <a:fld id="{12E9ADDB-0586-426C-BFD8-3BE534C7F28E}" type="slidenum">
               <a:rPr lang="ko-KR" altLang="en-US" smtClean="0"/>
-              <a:t>19</a:t>
+              <a:t>10</a:t>
             </a:fld>
             <a:endParaRPr lang="ko-KR" altLang="en-US"/>
           </a:p>
@@ -5765,7 +5842,7 @@
     </p:spTree>
     <p:extLst>
       <p:ext uri="{BB962C8B-B14F-4D97-AF65-F5344CB8AC3E}">
-        <p14:creationId xmlns:p14="http://schemas.microsoft.com/office/powerpoint/2010/main" val="1320976101"/>
+        <p14:creationId xmlns:p14="http://schemas.microsoft.com/office/powerpoint/2010/main" val="123411217"/>
       </p:ext>
     </p:extLst>
   </p:cSld>
@@ -5873,7 +5950,7 @@
     </p:spTree>
     <p:extLst>
       <p:ext uri="{BB962C8B-B14F-4D97-AF65-F5344CB8AC3E}">
-        <p14:creationId xmlns:p14="http://schemas.microsoft.com/office/powerpoint/2010/main" val="100966717"/>
+        <p14:creationId xmlns:p14="http://schemas.microsoft.com/office/powerpoint/2010/main" val="1320976101"/>
       </p:ext>
     </p:extLst>
   </p:cSld>
@@ -5928,8 +6005,28 @@
           <a:lstStyle/>
           <a:p>
             <a:r>
+              <a:rPr lang="ko-KR" altLang="en-US" dirty="0"/>
+              <a:t>모두 </a:t>
+            </a:r>
+            <a:r>
               <a:rPr lang="en-US" altLang="ko-KR" dirty="0"/>
-              <a:t>ES4</a:t>
+              <a:t>ES6</a:t>
+            </a:r>
+            <a:r>
+              <a:rPr lang="ko-KR" altLang="en-US" dirty="0"/>
+              <a:t>의 기능 </a:t>
+            </a:r>
+            <a:r>
+              <a:rPr lang="en-US" altLang="ko-KR" dirty="0"/>
+              <a:t>(</a:t>
+            </a:r>
+            <a:r>
+              <a:rPr lang="ko-KR" altLang="en-US" dirty="0"/>
+              <a:t>실습</a:t>
+            </a:r>
+            <a:r>
+              <a:rPr lang="en-US" altLang="ko-KR" dirty="0"/>
+              <a:t>)</a:t>
             </a:r>
             <a:endParaRPr lang="ko-KR" altLang="en-US" dirty="0"/>
           </a:p>
@@ -5961,7 +6058,7 @@
     </p:spTree>
     <p:extLst>
       <p:ext uri="{BB962C8B-B14F-4D97-AF65-F5344CB8AC3E}">
-        <p14:creationId xmlns:p14="http://schemas.microsoft.com/office/powerpoint/2010/main" val="4091081008"/>
+        <p14:creationId xmlns:p14="http://schemas.microsoft.com/office/powerpoint/2010/main" val="100966717"/>
       </p:ext>
     </p:extLst>
   </p:cSld>
@@ -9335,10 +9432,10 @@
       </p:grpSpPr>
       <p:sp>
         <p:nvSpPr>
-          <p:cNvPr id="6" name="제목 5">
-            <a:extLst>
-              <a:ext uri="{FF2B5EF4-FFF2-40B4-BE49-F238E27FC236}">
-                <a16:creationId xmlns:a16="http://schemas.microsoft.com/office/drawing/2014/main" id="{A18F998C-9456-480F-81C3-BE2EE6692E01}"/>
+          <p:cNvPr id="2" name="제목 1">
+            <a:extLst>
+              <a:ext uri="{FF2B5EF4-FFF2-40B4-BE49-F238E27FC236}">
+                <a16:creationId xmlns:a16="http://schemas.microsoft.com/office/drawing/2014/main" id="{672A6FBF-DD5F-4EB2-9378-E626E47411B8}"/>
               </a:ext>
             </a:extLst>
           </p:cNvPr>
@@ -9356,11 +9453,7 @@
           <a:p>
             <a:r>
               <a:rPr lang="en-US" altLang="ko-KR" dirty="0"/>
-              <a:t>Basic</a:t>
-            </a:r>
-            <a:r>
-              <a:rPr lang="ko-KR" altLang="en-US" dirty="0"/>
-              <a:t> </a:t>
+              <a:t>History of </a:t>
             </a:r>
             <a:r>
               <a:rPr lang="en-US" altLang="ko-KR" dirty="0" err="1"/>
@@ -9370,46 +9463,153 @@
           </a:p>
         </p:txBody>
       </p:sp>
-      <p:sp>
-        <p:nvSpPr>
-          <p:cNvPr id="7" name="텍스트 개체 틀 6">
-            <a:extLst>
-              <a:ext uri="{FF2B5EF4-FFF2-40B4-BE49-F238E27FC236}">
-                <a16:creationId xmlns:a16="http://schemas.microsoft.com/office/drawing/2014/main" id="{053A049F-BE1A-4D6C-BCEB-65FE1C711BBC}"/>
-              </a:ext>
-            </a:extLst>
-          </p:cNvPr>
-          <p:cNvSpPr>
-            <a:spLocks noGrp="1"/>
-          </p:cNvSpPr>
-          <p:nvPr>
-            <p:ph type="body" idx="1"/>
-          </p:nvPr>
-        </p:nvSpPr>
-        <p:spPr>
+      <p:pic>
+        <p:nvPicPr>
+          <p:cNvPr id="9" name="Picture 2" descr="ES6의 변화: Var, 이젠 안녕">
+            <a:extLst>
+              <a:ext uri="{FF2B5EF4-FFF2-40B4-BE49-F238E27FC236}">
+                <a16:creationId xmlns:a16="http://schemas.microsoft.com/office/drawing/2014/main" id="{5FA7C9D0-EB83-47BA-A3D2-A32EC306F3C3}"/>
+              </a:ext>
+            </a:extLst>
+          </p:cNvPr>
+          <p:cNvPicPr>
+            <a:picLocks noChangeAspect="1" noChangeArrowheads="1"/>
+          </p:cNvPicPr>
+          <p:nvPr/>
+        </p:nvPicPr>
+        <p:blipFill>
+          <a:blip r:embed="rId3">
+            <a:extLst>
+              <a:ext uri="{28A0092B-C50C-407E-A947-70E740481C1C}">
+                <a14:useLocalDpi xmlns:a14="http://schemas.microsoft.com/office/drawing/2010/main" val="0"/>
+              </a:ext>
+            </a:extLst>
+          </a:blip>
+          <a:srcRect/>
+          <a:stretch>
+            <a:fillRect/>
+          </a:stretch>
+        </p:blipFill>
+        <p:spPr bwMode="auto">
           <a:xfrm>
-            <a:off x="838200" y="4591050"/>
-            <a:ext cx="10515600" cy="1500187"/>
+            <a:off x="1190949" y="2207565"/>
+            <a:ext cx="4201741" cy="2952575"/>
           </a:xfrm>
+          <a:prstGeom prst="rect">
+            <a:avLst/>
+          </a:prstGeom>
+          <a:noFill/>
+          <a:extLst>
+            <a:ext uri="{909E8E84-426E-40DD-AFC4-6F175D3DCCD1}">
+              <a14:hiddenFill xmlns:a14="http://schemas.microsoft.com/office/drawing/2010/main">
+                <a:solidFill>
+                  <a:srgbClr val="FFFFFF"/>
+                </a:solidFill>
+              </a14:hiddenFill>
+            </a:ext>
+          </a:extLst>
         </p:spPr>
-        <p:txBody>
-          <a:bodyPr/>
-          <a:lstStyle/>
-          <a:p>
-            <a:r>
-              <a:rPr lang="en-US" altLang="ko-KR" dirty="0"/>
-              <a:t>Variable, Hoisting, IF, Loop, Array, String, JSON</a:t>
-            </a:r>
-            <a:endParaRPr lang="ko-KR" altLang="en-US" dirty="0"/>
-          </a:p>
-        </p:txBody>
-      </p:sp>
-      <p:sp>
-        <p:nvSpPr>
-          <p:cNvPr id="2" name="슬라이드 번호 개체 틀 1">
-            <a:extLst>
-              <a:ext uri="{FF2B5EF4-FFF2-40B4-BE49-F238E27FC236}">
-                <a16:creationId xmlns:a16="http://schemas.microsoft.com/office/drawing/2014/main" id="{17071BEF-56A3-4B11-8B11-F44730F11045}"/>
+      </p:pic>
+      <p:pic>
+        <p:nvPicPr>
+          <p:cNvPr id="7170" name="Picture 2" descr="Nodejs 개념 이해하기(Nodejs 란?)">
+            <a:extLst>
+              <a:ext uri="{FF2B5EF4-FFF2-40B4-BE49-F238E27FC236}">
+                <a16:creationId xmlns:a16="http://schemas.microsoft.com/office/drawing/2014/main" id="{6935B882-530D-434B-B709-A1888065B037}"/>
+              </a:ext>
+            </a:extLst>
+          </p:cNvPr>
+          <p:cNvPicPr>
+            <a:picLocks noChangeAspect="1" noChangeArrowheads="1"/>
+          </p:cNvPicPr>
+          <p:nvPr/>
+        </p:nvPicPr>
+        <p:blipFill>
+          <a:blip r:embed="rId4">
+            <a:extLst>
+              <a:ext uri="{28A0092B-C50C-407E-A947-70E740481C1C}">
+                <a14:useLocalDpi xmlns:a14="http://schemas.microsoft.com/office/drawing/2010/main" val="0"/>
+              </a:ext>
+            </a:extLst>
+          </a:blip>
+          <a:srcRect/>
+          <a:stretch>
+            <a:fillRect/>
+          </a:stretch>
+        </p:blipFill>
+        <p:spPr bwMode="auto">
+          <a:xfrm>
+            <a:off x="6799312" y="1262698"/>
+            <a:ext cx="4655820" cy="2327910"/>
+          </a:xfrm>
+          <a:prstGeom prst="rect">
+            <a:avLst/>
+          </a:prstGeom>
+          <a:noFill/>
+          <a:extLst>
+            <a:ext uri="{909E8E84-426E-40DD-AFC4-6F175D3DCCD1}">
+              <a14:hiddenFill xmlns:a14="http://schemas.microsoft.com/office/drawing/2010/main">
+                <a:solidFill>
+                  <a:srgbClr val="FFFFFF"/>
+                </a:solidFill>
+              </a14:hiddenFill>
+            </a:ext>
+          </a:extLst>
+        </p:spPr>
+      </p:pic>
+      <p:pic>
+        <p:nvPicPr>
+          <p:cNvPr id="7172" name="Picture 4" descr="1. React, Angular, Vue">
+            <a:extLst>
+              <a:ext uri="{FF2B5EF4-FFF2-40B4-BE49-F238E27FC236}">
+                <a16:creationId xmlns:a16="http://schemas.microsoft.com/office/drawing/2014/main" id="{739C6F25-1A66-4FF5-B6E2-0B37E7782ED8}"/>
+              </a:ext>
+            </a:extLst>
+          </p:cNvPr>
+          <p:cNvPicPr>
+            <a:picLocks noChangeAspect="1" noChangeArrowheads="1"/>
+          </p:cNvPicPr>
+          <p:nvPr/>
+        </p:nvPicPr>
+        <p:blipFill>
+          <a:blip r:embed="rId5">
+            <a:extLst>
+              <a:ext uri="{28A0092B-C50C-407E-A947-70E740481C1C}">
+                <a14:useLocalDpi xmlns:a14="http://schemas.microsoft.com/office/drawing/2010/main" val="0"/>
+              </a:ext>
+            </a:extLst>
+          </a:blip>
+          <a:srcRect/>
+          <a:stretch>
+            <a:fillRect/>
+          </a:stretch>
+        </p:blipFill>
+        <p:spPr bwMode="auto">
+          <a:xfrm>
+            <a:off x="6524992" y="3590608"/>
+            <a:ext cx="4930140" cy="2410839"/>
+          </a:xfrm>
+          <a:prstGeom prst="rect">
+            <a:avLst/>
+          </a:prstGeom>
+          <a:noFill/>
+          <a:extLst>
+            <a:ext uri="{909E8E84-426E-40DD-AFC4-6F175D3DCCD1}">
+              <a14:hiddenFill xmlns:a14="http://schemas.microsoft.com/office/drawing/2010/main">
+                <a:solidFill>
+                  <a:srgbClr val="FFFFFF"/>
+                </a:solidFill>
+              </a14:hiddenFill>
+            </a:ext>
+          </a:extLst>
+        </p:spPr>
+      </p:pic>
+      <p:sp>
+        <p:nvSpPr>
+          <p:cNvPr id="3" name="슬라이드 번호 개체 틀 2">
+            <a:extLst>
+              <a:ext uri="{FF2B5EF4-FFF2-40B4-BE49-F238E27FC236}">
+                <a16:creationId xmlns:a16="http://schemas.microsoft.com/office/drawing/2014/main" id="{5D6EC09F-79F9-4C1C-8536-035C36A4FDB3}"/>
               </a:ext>
             </a:extLst>
           </p:cNvPr>
@@ -9436,7 +9636,7 @@
     </p:spTree>
     <p:extLst>
       <p:ext uri="{BB962C8B-B14F-4D97-AF65-F5344CB8AC3E}">
-        <p14:creationId xmlns:p14="http://schemas.microsoft.com/office/powerpoint/2010/main" val="3920431505"/>
+        <p14:creationId xmlns:p14="http://schemas.microsoft.com/office/powerpoint/2010/main" val="2505159188"/>
       </p:ext>
     </p:extLst>
   </p:cSld>
@@ -9465,10 +9665,10 @@
       </p:grpSpPr>
       <p:sp>
         <p:nvSpPr>
-          <p:cNvPr id="2" name="제목 1">
-            <a:extLst>
-              <a:ext uri="{FF2B5EF4-FFF2-40B4-BE49-F238E27FC236}">
-                <a16:creationId xmlns:a16="http://schemas.microsoft.com/office/drawing/2014/main" id="{F97D7234-DDB3-4477-8F63-286F1D6F0B2B}"/>
+          <p:cNvPr id="6" name="제목 5">
+            <a:extLst>
+              <a:ext uri="{FF2B5EF4-FFF2-40B4-BE49-F238E27FC236}">
+                <a16:creationId xmlns:a16="http://schemas.microsoft.com/office/drawing/2014/main" id="{A18F998C-9456-480F-81C3-BE2EE6692E01}"/>
               </a:ext>
             </a:extLst>
           </p:cNvPr>
@@ -9486,7 +9686,15 @@
           <a:p>
             <a:r>
               <a:rPr lang="en-US" altLang="ko-KR" dirty="0"/>
-              <a:t>Variable</a:t>
+              <a:t>Basic</a:t>
+            </a:r>
+            <a:r>
+              <a:rPr lang="ko-KR" altLang="en-US" dirty="0"/>
+              <a:t> </a:t>
+            </a:r>
+            <a:r>
+              <a:rPr lang="en-US" altLang="ko-KR" dirty="0" err="1"/>
+              <a:t>Javascript</a:t>
             </a:r>
             <a:endParaRPr lang="ko-KR" altLang="en-US" dirty="0"/>
           </a:p>
@@ -9494,140 +9702,33 @@
       </p:sp>
       <p:sp>
         <p:nvSpPr>
-          <p:cNvPr id="3" name="내용 개체 틀 2">
-            <a:extLst>
-              <a:ext uri="{FF2B5EF4-FFF2-40B4-BE49-F238E27FC236}">
-                <a16:creationId xmlns:a16="http://schemas.microsoft.com/office/drawing/2014/main" id="{6268D102-3920-4794-90FC-E8614595BA30}"/>
-              </a:ext>
-            </a:extLst>
-          </p:cNvPr>
-          <p:cNvSpPr>
-            <a:spLocks noGrp="1"/>
-          </p:cNvSpPr>
-          <p:nvPr>
-            <p:ph idx="1"/>
-          </p:nvPr>
-        </p:nvSpPr>
-        <p:spPr/>
+          <p:cNvPr id="7" name="텍스트 개체 틀 6">
+            <a:extLst>
+              <a:ext uri="{FF2B5EF4-FFF2-40B4-BE49-F238E27FC236}">
+                <a16:creationId xmlns:a16="http://schemas.microsoft.com/office/drawing/2014/main" id="{053A049F-BE1A-4D6C-BCEB-65FE1C711BBC}"/>
+              </a:ext>
+            </a:extLst>
+          </p:cNvPr>
+          <p:cNvSpPr>
+            <a:spLocks noGrp="1"/>
+          </p:cNvSpPr>
+          <p:nvPr>
+            <p:ph type="body" idx="1"/>
+          </p:nvPr>
+        </p:nvSpPr>
+        <p:spPr>
+          <a:xfrm>
+            <a:off x="838200" y="4591050"/>
+            <a:ext cx="10515600" cy="1500187"/>
+          </a:xfrm>
+        </p:spPr>
         <p:txBody>
           <a:bodyPr/>
           <a:lstStyle/>
           <a:p>
             <a:r>
               <a:rPr lang="en-US" altLang="ko-KR" dirty="0"/>
-              <a:t>Var (~ES5)</a:t>
-            </a:r>
-          </a:p>
-          <a:p>
-            <a:pPr lvl="1"/>
-            <a:r>
-              <a:rPr lang="en-US" altLang="ko-KR" dirty="0"/>
-              <a:t>var a = 5; var b = “hello”; var c = { name: “</a:t>
-            </a:r>
-            <a:r>
-              <a:rPr lang="en-US" altLang="ko-KR" dirty="0" err="1"/>
-              <a:t>kkc</a:t>
-            </a:r>
-            <a:r>
-              <a:rPr lang="en-US" altLang="ko-KR" dirty="0"/>
-              <a:t>”; lab: “</a:t>
-            </a:r>
-            <a:r>
-              <a:rPr lang="en-US" altLang="ko-KR" dirty="0" err="1"/>
-              <a:t>aslab</a:t>
-            </a:r>
-            <a:r>
-              <a:rPr lang="en-US" altLang="ko-KR" dirty="0"/>
-              <a:t>” }</a:t>
-            </a:r>
-          </a:p>
-          <a:p>
-            <a:pPr lvl="1"/>
-            <a:endParaRPr lang="en-US" altLang="ko-KR" dirty="0"/>
-          </a:p>
-          <a:p>
-            <a:r>
-              <a:rPr lang="en-US" altLang="ko-KR" dirty="0"/>
-              <a:t>Let, const (ES6~)</a:t>
-            </a:r>
-          </a:p>
-          <a:p>
-            <a:pPr lvl="1"/>
-            <a:r>
-              <a:rPr lang="en-US" altLang="ko-KR" dirty="0"/>
-              <a:t>let a = 5; const b = “hello”; const c = { name: “</a:t>
-            </a:r>
-            <a:r>
-              <a:rPr lang="en-US" altLang="ko-KR" dirty="0" err="1"/>
-              <a:t>kkc</a:t>
-            </a:r>
-            <a:r>
-              <a:rPr lang="en-US" altLang="ko-KR" dirty="0"/>
-              <a:t>”; lab: “</a:t>
-            </a:r>
-            <a:r>
-              <a:rPr lang="en-US" altLang="ko-KR" dirty="0" err="1"/>
-              <a:t>aslab</a:t>
-            </a:r>
-            <a:r>
-              <a:rPr lang="en-US" altLang="ko-KR" dirty="0"/>
-              <a:t>” }</a:t>
-            </a:r>
-          </a:p>
-          <a:p>
-            <a:pPr marL="457200" lvl="1" indent="0">
-              <a:buNone/>
-            </a:pPr>
-            <a:endParaRPr lang="en-US" altLang="ko-KR" dirty="0"/>
-          </a:p>
-          <a:p>
-            <a:r>
-              <a:rPr lang="en-US" altLang="ko-KR" dirty="0"/>
-              <a:t>Type</a:t>
-            </a:r>
-          </a:p>
-          <a:p>
-            <a:pPr lvl="1"/>
-            <a:r>
-              <a:rPr lang="en-US" altLang="ko-KR" dirty="0" err="1"/>
-              <a:t>Undefiend</a:t>
-            </a:r>
-            <a:r>
-              <a:rPr lang="en-US" altLang="ko-KR" dirty="0"/>
-              <a:t>, Boolean, Number, String, ..</a:t>
-            </a:r>
-          </a:p>
-          <a:p>
-            <a:pPr lvl="1"/>
-            <a:r>
-              <a:rPr lang="en-US" altLang="ko-KR" b="1" dirty="0">
-                <a:solidFill>
-                  <a:srgbClr val="1B1B1B"/>
-                </a:solidFill>
-                <a:latin typeface="arial" panose="020B0604020202020204" pitchFamily="34" charset="0"/>
-              </a:rPr>
-              <a:t>L</a:t>
-            </a:r>
-            <a:r>
-              <a:rPr lang="en-US" altLang="ko-KR" b="1" dirty="0">
-                <a:solidFill>
-                  <a:srgbClr val="1B1B1B"/>
-                </a:solidFill>
-                <a:effectLst/>
-                <a:latin typeface="arial" panose="020B0604020202020204" pitchFamily="34" charset="0"/>
-              </a:rPr>
-              <a:t>oosely typed and Dynamic</a:t>
-            </a:r>
-          </a:p>
-          <a:p>
-            <a:pPr lvl="1"/>
-            <a:r>
-              <a:rPr lang="ko-KR" altLang="en-US" dirty="0"/>
-              <a:t>타입에 크게 신경 쓰지 않아도 된다</a:t>
-            </a:r>
-            <a:r>
-              <a:rPr lang="en-US" altLang="ko-KR" dirty="0"/>
-              <a:t>.</a:t>
+              <a:t>Variable, Hoisting, IF, Loop, Array, String, JSON</a:t>
             </a:r>
             <a:endParaRPr lang="ko-KR" altLang="en-US" dirty="0"/>
           </a:p>
@@ -9635,10 +9736,10 @@
       </p:sp>
       <p:sp>
         <p:nvSpPr>
-          <p:cNvPr id="4" name="슬라이드 번호 개체 틀 3">
-            <a:extLst>
-              <a:ext uri="{FF2B5EF4-FFF2-40B4-BE49-F238E27FC236}">
-                <a16:creationId xmlns:a16="http://schemas.microsoft.com/office/drawing/2014/main" id="{465E2F6B-E157-4FFA-A273-B3D9D3FDD6D3}"/>
+          <p:cNvPr id="2" name="슬라이드 번호 개체 틀 1">
+            <a:extLst>
+              <a:ext uri="{FF2B5EF4-FFF2-40B4-BE49-F238E27FC236}">
+                <a16:creationId xmlns:a16="http://schemas.microsoft.com/office/drawing/2014/main" id="{17071BEF-56A3-4B11-8B11-F44730F11045}"/>
               </a:ext>
             </a:extLst>
           </p:cNvPr>
@@ -9665,7 +9766,7 @@
     </p:spTree>
     <p:extLst>
       <p:ext uri="{BB962C8B-B14F-4D97-AF65-F5344CB8AC3E}">
-        <p14:creationId xmlns:p14="http://schemas.microsoft.com/office/powerpoint/2010/main" val="3454866084"/>
+        <p14:creationId xmlns:p14="http://schemas.microsoft.com/office/powerpoint/2010/main" val="3920431505"/>
       </p:ext>
     </p:extLst>
   </p:cSld>
@@ -9715,7 +9816,7 @@
           <a:p>
             <a:r>
               <a:rPr lang="en-US" altLang="ko-KR" dirty="0"/>
-              <a:t>Hoisting</a:t>
+              <a:t>Variable</a:t>
             </a:r>
             <a:endParaRPr lang="ko-KR" altLang="en-US" dirty="0"/>
           </a:p>
@@ -9743,211 +9844,121 @@
           <a:lstStyle/>
           <a:p>
             <a:r>
-              <a:rPr lang="en-US" altLang="ko-KR" b="0" i="0" dirty="0">
+              <a:rPr lang="en-US" altLang="ko-KR" dirty="0"/>
+              <a:t>Var (~ES5)</a:t>
+            </a:r>
+          </a:p>
+          <a:p>
+            <a:pPr lvl="1"/>
+            <a:r>
+              <a:rPr lang="en-US" altLang="ko-KR" dirty="0"/>
+              <a:t>var a = 5; var b = “hello”; var c = { name: “</a:t>
+            </a:r>
+            <a:r>
+              <a:rPr lang="en-US" altLang="ko-KR" dirty="0" err="1"/>
+              <a:t>kkc</a:t>
+            </a:r>
+            <a:r>
+              <a:rPr lang="en-US" altLang="ko-KR" dirty="0"/>
+              <a:t>”; lab: “</a:t>
+            </a:r>
+            <a:r>
+              <a:rPr lang="en-US" altLang="ko-KR" dirty="0" err="1"/>
+              <a:t>aslab</a:t>
+            </a:r>
+            <a:r>
+              <a:rPr lang="en-US" altLang="ko-KR" dirty="0"/>
+              <a:t>” }</a:t>
+            </a:r>
+          </a:p>
+          <a:p>
+            <a:pPr lvl="1"/>
+            <a:endParaRPr lang="en-US" altLang="ko-KR" dirty="0"/>
+          </a:p>
+          <a:p>
+            <a:r>
+              <a:rPr lang="en-US" altLang="ko-KR" dirty="0"/>
+              <a:t>Let, const (ES6~)</a:t>
+            </a:r>
+          </a:p>
+          <a:p>
+            <a:pPr lvl="1"/>
+            <a:r>
+              <a:rPr lang="en-US" altLang="ko-KR" dirty="0"/>
+              <a:t>let a = 5; const b = “hello”; const c = { name: “</a:t>
+            </a:r>
+            <a:r>
+              <a:rPr lang="en-US" altLang="ko-KR" dirty="0" err="1"/>
+              <a:t>kkc</a:t>
+            </a:r>
+            <a:r>
+              <a:rPr lang="en-US" altLang="ko-KR" dirty="0"/>
+              <a:t>”; lab: “</a:t>
+            </a:r>
+            <a:r>
+              <a:rPr lang="en-US" altLang="ko-KR" dirty="0" err="1"/>
+              <a:t>aslab</a:t>
+            </a:r>
+            <a:r>
+              <a:rPr lang="en-US" altLang="ko-KR" dirty="0"/>
+              <a:t>” }</a:t>
+            </a:r>
+          </a:p>
+          <a:p>
+            <a:pPr marL="457200" lvl="1" indent="0">
+              <a:buNone/>
+            </a:pPr>
+            <a:endParaRPr lang="en-US" altLang="ko-KR" dirty="0"/>
+          </a:p>
+          <a:p>
+            <a:r>
+              <a:rPr lang="en-US" altLang="ko-KR" dirty="0"/>
+              <a:t>Type</a:t>
+            </a:r>
+          </a:p>
+          <a:p>
+            <a:pPr lvl="1"/>
+            <a:r>
+              <a:rPr lang="en-US" altLang="ko-KR" dirty="0" err="1"/>
+              <a:t>Undefiend</a:t>
+            </a:r>
+            <a:r>
+              <a:rPr lang="en-US" altLang="ko-KR" dirty="0"/>
+              <a:t>, Boolean, Number, String, ..</a:t>
+            </a:r>
+          </a:p>
+          <a:p>
+            <a:pPr lvl="1"/>
+            <a:r>
+              <a:rPr lang="en-US" altLang="ko-KR" b="1" dirty="0">
                 <a:solidFill>
                   <a:srgbClr val="1B1B1B"/>
                 </a:solidFill>
-                <a:effectLst/>
                 <a:latin typeface="arial" panose="020B0604020202020204" pitchFamily="34" charset="0"/>
               </a:rPr>
-              <a:t>JavaScript</a:t>
-            </a:r>
-            <a:r>
-              <a:rPr lang="ko-KR" altLang="en-US" b="0" i="0" dirty="0">
+              <a:t>L</a:t>
+            </a:r>
+            <a:r>
+              <a:rPr lang="en-US" altLang="ko-KR" b="1" dirty="0">
                 <a:solidFill>
                   <a:srgbClr val="1B1B1B"/>
                 </a:solidFill>
                 <a:effectLst/>
                 <a:latin typeface="arial" panose="020B0604020202020204" pitchFamily="34" charset="0"/>
               </a:rPr>
-              <a:t>에서 </a:t>
-            </a:r>
-            <a:r>
-              <a:rPr lang="ko-KR" altLang="en-US" b="1" i="0" dirty="0" err="1">
-                <a:solidFill>
-                  <a:srgbClr val="1B1B1B"/>
-                </a:solidFill>
-                <a:effectLst/>
-                <a:latin typeface="arial" panose="020B0604020202020204" pitchFamily="34" charset="0"/>
-              </a:rPr>
-              <a:t>호이스팅</a:t>
-            </a:r>
-            <a:r>
-              <a:rPr lang="en-US" altLang="ko-KR" b="0" i="0" dirty="0">
-                <a:solidFill>
-                  <a:srgbClr val="1B1B1B"/>
-                </a:solidFill>
-                <a:effectLst/>
-                <a:latin typeface="arial" panose="020B0604020202020204" pitchFamily="34" charset="0"/>
-              </a:rPr>
-              <a:t>(hoisting)</a:t>
-            </a:r>
-            <a:r>
-              <a:rPr lang="ko-KR" altLang="en-US" b="0" i="0" dirty="0">
-                <a:solidFill>
-                  <a:srgbClr val="1B1B1B"/>
-                </a:solidFill>
-                <a:effectLst/>
-                <a:latin typeface="arial" panose="020B0604020202020204" pitchFamily="34" charset="0"/>
-              </a:rPr>
-              <a:t>이란</a:t>
-            </a:r>
-            <a:r>
-              <a:rPr lang="en-US" altLang="ko-KR" b="0" i="0" dirty="0">
-                <a:solidFill>
-                  <a:srgbClr val="1B1B1B"/>
-                </a:solidFill>
-                <a:effectLst/>
-                <a:latin typeface="arial" panose="020B0604020202020204" pitchFamily="34" charset="0"/>
-              </a:rPr>
-              <a:t>, </a:t>
-            </a:r>
-            <a:r>
-              <a:rPr lang="ko-KR" altLang="en-US" b="0" i="0" dirty="0">
-                <a:solidFill>
-                  <a:srgbClr val="1B1B1B"/>
-                </a:solidFill>
-                <a:effectLst/>
-                <a:latin typeface="arial" panose="020B0604020202020204" pitchFamily="34" charset="0"/>
-              </a:rPr>
-              <a:t>인터프리터가 변수와 함수의 메모리 공간을 선언 전에 미리 할당하는 것을 의미합니다</a:t>
-            </a:r>
-            <a:r>
-              <a:rPr lang="en-US" altLang="ko-KR" b="0" i="0" dirty="0">
-                <a:solidFill>
-                  <a:srgbClr val="1B1B1B"/>
-                </a:solidFill>
-                <a:effectLst/>
-                <a:latin typeface="arial" panose="020B0604020202020204" pitchFamily="34" charset="0"/>
-              </a:rPr>
+              <a:t>oosely typed and Dynamic</a:t>
+            </a:r>
+          </a:p>
+          <a:p>
+            <a:pPr lvl="1"/>
+            <a:r>
+              <a:rPr lang="ko-KR" altLang="en-US" dirty="0"/>
+              <a:t>타입에 크게 신경 쓰지 않아도 된다</a:t>
+            </a:r>
+            <a:r>
+              <a:rPr lang="en-US" altLang="ko-KR" dirty="0"/>
               <a:t>.</a:t>
             </a:r>
-          </a:p>
-          <a:p>
-            <a:r>
-              <a:rPr lang="ko-KR" altLang="en-US" b="0" i="0" dirty="0" err="1">
-                <a:solidFill>
-                  <a:srgbClr val="1B1B1B"/>
-                </a:solidFill>
-                <a:effectLst/>
-                <a:latin typeface="arial" panose="020B0604020202020204" pitchFamily="34" charset="0"/>
-              </a:rPr>
-              <a:t>호이스팅을</a:t>
-            </a:r>
-            <a:r>
-              <a:rPr lang="ko-KR" altLang="en-US" b="0" i="0" dirty="0">
-                <a:solidFill>
-                  <a:srgbClr val="1B1B1B"/>
-                </a:solidFill>
-                <a:effectLst/>
-                <a:latin typeface="arial" panose="020B0604020202020204" pitchFamily="34" charset="0"/>
-              </a:rPr>
-              <a:t> 설명할 땐 주로 </a:t>
-            </a:r>
-            <a:r>
-              <a:rPr lang="en-US" altLang="ko-KR" b="0" i="0" dirty="0">
-                <a:solidFill>
-                  <a:srgbClr val="1B1B1B"/>
-                </a:solidFill>
-                <a:effectLst/>
-                <a:latin typeface="arial" panose="020B0604020202020204" pitchFamily="34" charset="0"/>
-              </a:rPr>
-              <a:t>"</a:t>
-            </a:r>
-            <a:r>
-              <a:rPr lang="ko-KR" altLang="en-US" b="0" i="0" dirty="0">
-                <a:solidFill>
-                  <a:srgbClr val="1B1B1B"/>
-                </a:solidFill>
-                <a:effectLst/>
-                <a:latin typeface="arial" panose="020B0604020202020204" pitchFamily="34" charset="0"/>
-              </a:rPr>
-              <a:t>변수의 선언과 초기화를 분리한 후</a:t>
-            </a:r>
-            <a:r>
-              <a:rPr lang="en-US" altLang="ko-KR" b="0" i="0" dirty="0">
-                <a:solidFill>
-                  <a:srgbClr val="1B1B1B"/>
-                </a:solidFill>
-                <a:effectLst/>
-                <a:latin typeface="arial" panose="020B0604020202020204" pitchFamily="34" charset="0"/>
-              </a:rPr>
-              <a:t>, </a:t>
-            </a:r>
-            <a:r>
-              <a:rPr lang="ko-KR" altLang="en-US" b="1" i="0" dirty="0">
-                <a:solidFill>
-                  <a:srgbClr val="1B1B1B"/>
-                </a:solidFill>
-                <a:effectLst/>
-                <a:latin typeface="arial" panose="020B0604020202020204" pitchFamily="34" charset="0"/>
-              </a:rPr>
-              <a:t>선언만 코드의 최상단으로 옮기는</a:t>
-            </a:r>
-            <a:r>
-              <a:rPr lang="en-US" altLang="ko-KR" b="0" i="0" dirty="0">
-                <a:solidFill>
-                  <a:srgbClr val="1B1B1B"/>
-                </a:solidFill>
-                <a:effectLst/>
-                <a:latin typeface="arial" panose="020B0604020202020204" pitchFamily="34" charset="0"/>
-              </a:rPr>
-              <a:t>" </a:t>
-            </a:r>
-            <a:r>
-              <a:rPr lang="ko-KR" altLang="en-US" b="0" i="0" dirty="0">
-                <a:solidFill>
-                  <a:srgbClr val="1B1B1B"/>
-                </a:solidFill>
-                <a:effectLst/>
-                <a:latin typeface="arial" panose="020B0604020202020204" pitchFamily="34" charset="0"/>
-              </a:rPr>
-              <a:t>것으로 말하곤 합니다</a:t>
-            </a:r>
-            <a:r>
-              <a:rPr lang="en-US" altLang="ko-KR" b="0" i="0" dirty="0">
-                <a:solidFill>
-                  <a:srgbClr val="1B1B1B"/>
-                </a:solidFill>
-                <a:effectLst/>
-                <a:latin typeface="arial" panose="020B0604020202020204" pitchFamily="34" charset="0"/>
-              </a:rPr>
-              <a:t>. </a:t>
-            </a:r>
-            <a:r>
-              <a:rPr lang="ko-KR" altLang="en-US" b="0" i="0" dirty="0">
-                <a:solidFill>
-                  <a:srgbClr val="1B1B1B"/>
-                </a:solidFill>
-                <a:effectLst/>
-                <a:latin typeface="arial" panose="020B0604020202020204" pitchFamily="34" charset="0"/>
-              </a:rPr>
-              <a:t>따라서 변수를 정의하는 코드보다 사용하는 코드가 앞서 등장할 수 있습니다</a:t>
-            </a:r>
-            <a:r>
-              <a:rPr lang="en-US" altLang="ko-KR" b="0" i="0" dirty="0">
-                <a:solidFill>
-                  <a:srgbClr val="1B1B1B"/>
-                </a:solidFill>
-                <a:effectLst/>
-                <a:latin typeface="arial" panose="020B0604020202020204" pitchFamily="34" charset="0"/>
-              </a:rPr>
-              <a:t>. </a:t>
-            </a:r>
-          </a:p>
-          <a:p>
-            <a:endParaRPr lang="en-US" altLang="ko-KR" dirty="0">
-              <a:solidFill>
-                <a:srgbClr val="1B1B1B"/>
-              </a:solidFill>
-              <a:latin typeface="arial" panose="020B0604020202020204" pitchFamily="34" charset="0"/>
-            </a:endParaRPr>
-          </a:p>
-          <a:p>
-            <a:r>
-              <a:rPr lang="en-US" altLang="ko-KR" dirty="0"/>
-              <a:t>https://developer.mozilla.org/ko/docs/Glossary/Hoisting</a:t>
-            </a:r>
             <a:endParaRPr lang="ko-KR" altLang="en-US" dirty="0"/>
           </a:p>
         </p:txBody>
@@ -9957,7 +9968,7 @@
           <p:cNvPr id="4" name="슬라이드 번호 개체 틀 3">
             <a:extLst>
               <a:ext uri="{FF2B5EF4-FFF2-40B4-BE49-F238E27FC236}">
-                <a16:creationId xmlns:a16="http://schemas.microsoft.com/office/drawing/2014/main" id="{A648A7F0-6B8F-4CB9-A51F-1BA8AB73A8DD}"/>
+                <a16:creationId xmlns:a16="http://schemas.microsoft.com/office/drawing/2014/main" id="{465E2F6B-E157-4FFA-A273-B3D9D3FDD6D3}"/>
               </a:ext>
             </a:extLst>
           </p:cNvPr>
@@ -9984,7 +9995,7 @@
     </p:spTree>
     <p:extLst>
       <p:ext uri="{BB962C8B-B14F-4D97-AF65-F5344CB8AC3E}">
-        <p14:creationId xmlns:p14="http://schemas.microsoft.com/office/powerpoint/2010/main" val="1433998561"/>
+        <p14:creationId xmlns:p14="http://schemas.microsoft.com/office/powerpoint/2010/main" val="3454866084"/>
       </p:ext>
     </p:extLst>
   </p:cSld>
@@ -10040,42 +10051,243 @@
           </a:p>
         </p:txBody>
       </p:sp>
-      <p:pic>
-        <p:nvPicPr>
-          <p:cNvPr id="13" name="그림 12">
-            <a:extLst>
-              <a:ext uri="{FF2B5EF4-FFF2-40B4-BE49-F238E27FC236}">
-                <a16:creationId xmlns:a16="http://schemas.microsoft.com/office/drawing/2014/main" id="{160C96F6-3791-4AD0-9E48-A1711B603395}"/>
-              </a:ext>
-            </a:extLst>
-          </p:cNvPr>
-          <p:cNvPicPr>
-            <a:picLocks noChangeAspect="1"/>
-          </p:cNvPicPr>
-          <p:nvPr/>
-        </p:nvPicPr>
-        <p:blipFill>
-          <a:blip r:embed="rId2"/>
-          <a:stretch>
-            <a:fillRect/>
-          </a:stretch>
-        </p:blipFill>
-        <p:spPr>
-          <a:xfrm>
-            <a:off x="2999943" y="2035235"/>
-            <a:ext cx="6192114" cy="3686689"/>
-          </a:xfrm>
-          <a:prstGeom prst="rect">
-            <a:avLst/>
-          </a:prstGeom>
-        </p:spPr>
-      </p:pic>
-      <p:sp>
-        <p:nvSpPr>
-          <p:cNvPr id="3" name="슬라이드 번호 개체 틀 2">
-            <a:extLst>
-              <a:ext uri="{FF2B5EF4-FFF2-40B4-BE49-F238E27FC236}">
-                <a16:creationId xmlns:a16="http://schemas.microsoft.com/office/drawing/2014/main" id="{68AD360C-75E6-4363-A34D-D86578E45FBA}"/>
+      <p:sp>
+        <p:nvSpPr>
+          <p:cNvPr id="3" name="내용 개체 틀 2">
+            <a:extLst>
+              <a:ext uri="{FF2B5EF4-FFF2-40B4-BE49-F238E27FC236}">
+                <a16:creationId xmlns:a16="http://schemas.microsoft.com/office/drawing/2014/main" id="{6268D102-3920-4794-90FC-E8614595BA30}"/>
+              </a:ext>
+            </a:extLst>
+          </p:cNvPr>
+          <p:cNvSpPr>
+            <a:spLocks noGrp="1"/>
+          </p:cNvSpPr>
+          <p:nvPr>
+            <p:ph idx="1"/>
+          </p:nvPr>
+        </p:nvSpPr>
+        <p:spPr/>
+        <p:txBody>
+          <a:bodyPr/>
+          <a:lstStyle/>
+          <a:p>
+            <a:r>
+              <a:rPr lang="en-US" altLang="ko-KR" b="0" i="0" dirty="0">
+                <a:solidFill>
+                  <a:srgbClr val="1B1B1B"/>
+                </a:solidFill>
+                <a:effectLst/>
+                <a:latin typeface="arial" panose="020B0604020202020204" pitchFamily="34" charset="0"/>
+              </a:rPr>
+              <a:t>JavaScript</a:t>
+            </a:r>
+            <a:r>
+              <a:rPr lang="ko-KR" altLang="en-US" b="0" i="0" dirty="0">
+                <a:solidFill>
+                  <a:srgbClr val="1B1B1B"/>
+                </a:solidFill>
+                <a:effectLst/>
+                <a:latin typeface="arial" panose="020B0604020202020204" pitchFamily="34" charset="0"/>
+              </a:rPr>
+              <a:t>에서 </a:t>
+            </a:r>
+            <a:r>
+              <a:rPr lang="ko-KR" altLang="en-US" b="1" i="0" dirty="0" err="1">
+                <a:solidFill>
+                  <a:srgbClr val="1B1B1B"/>
+                </a:solidFill>
+                <a:effectLst/>
+                <a:latin typeface="arial" panose="020B0604020202020204" pitchFamily="34" charset="0"/>
+              </a:rPr>
+              <a:t>호이스팅</a:t>
+            </a:r>
+            <a:r>
+              <a:rPr lang="en-US" altLang="ko-KR" b="0" i="0" dirty="0">
+                <a:solidFill>
+                  <a:srgbClr val="1B1B1B"/>
+                </a:solidFill>
+                <a:effectLst/>
+                <a:latin typeface="arial" panose="020B0604020202020204" pitchFamily="34" charset="0"/>
+              </a:rPr>
+              <a:t>(hoisting)</a:t>
+            </a:r>
+            <a:r>
+              <a:rPr lang="ko-KR" altLang="en-US" b="0" i="0" dirty="0">
+                <a:solidFill>
+                  <a:srgbClr val="1B1B1B"/>
+                </a:solidFill>
+                <a:effectLst/>
+                <a:latin typeface="arial" panose="020B0604020202020204" pitchFamily="34" charset="0"/>
+              </a:rPr>
+              <a:t>이란</a:t>
+            </a:r>
+            <a:r>
+              <a:rPr lang="en-US" altLang="ko-KR" b="0" i="0" dirty="0">
+                <a:solidFill>
+                  <a:srgbClr val="1B1B1B"/>
+                </a:solidFill>
+                <a:effectLst/>
+                <a:latin typeface="arial" panose="020B0604020202020204" pitchFamily="34" charset="0"/>
+              </a:rPr>
+              <a:t>, </a:t>
+            </a:r>
+            <a:r>
+              <a:rPr lang="ko-KR" altLang="en-US" b="0" i="0" dirty="0">
+                <a:solidFill>
+                  <a:srgbClr val="1B1B1B"/>
+                </a:solidFill>
+                <a:effectLst/>
+                <a:latin typeface="arial" panose="020B0604020202020204" pitchFamily="34" charset="0"/>
+              </a:rPr>
+              <a:t>인터프리터가 변수와 함수의 메모리 공간을 선언 전에 미리 할당하는 것을 의미합니다</a:t>
+            </a:r>
+            <a:r>
+              <a:rPr lang="en-US" altLang="ko-KR" b="0" i="0" dirty="0">
+                <a:solidFill>
+                  <a:srgbClr val="1B1B1B"/>
+                </a:solidFill>
+                <a:effectLst/>
+                <a:latin typeface="arial" panose="020B0604020202020204" pitchFamily="34" charset="0"/>
+              </a:rPr>
+              <a:t>.</a:t>
+            </a:r>
+          </a:p>
+          <a:p>
+            <a:r>
+              <a:rPr lang="ko-KR" altLang="en-US" b="0" i="0" dirty="0" err="1">
+                <a:solidFill>
+                  <a:srgbClr val="1B1B1B"/>
+                </a:solidFill>
+                <a:effectLst/>
+                <a:latin typeface="arial" panose="020B0604020202020204" pitchFamily="34" charset="0"/>
+              </a:rPr>
+              <a:t>호이스팅을</a:t>
+            </a:r>
+            <a:r>
+              <a:rPr lang="ko-KR" altLang="en-US" b="0" i="0" dirty="0">
+                <a:solidFill>
+                  <a:srgbClr val="1B1B1B"/>
+                </a:solidFill>
+                <a:effectLst/>
+                <a:latin typeface="arial" panose="020B0604020202020204" pitchFamily="34" charset="0"/>
+              </a:rPr>
+              <a:t> 설명할 땐 주로 </a:t>
+            </a:r>
+            <a:r>
+              <a:rPr lang="en-US" altLang="ko-KR" b="0" i="0" dirty="0">
+                <a:solidFill>
+                  <a:srgbClr val="1B1B1B"/>
+                </a:solidFill>
+                <a:effectLst/>
+                <a:latin typeface="arial" panose="020B0604020202020204" pitchFamily="34" charset="0"/>
+              </a:rPr>
+              <a:t>"</a:t>
+            </a:r>
+            <a:r>
+              <a:rPr lang="ko-KR" altLang="en-US" b="0" i="0" dirty="0">
+                <a:solidFill>
+                  <a:srgbClr val="1B1B1B"/>
+                </a:solidFill>
+                <a:effectLst/>
+                <a:latin typeface="arial" panose="020B0604020202020204" pitchFamily="34" charset="0"/>
+              </a:rPr>
+              <a:t>변수의 선언과 초기화를 분리한 후</a:t>
+            </a:r>
+            <a:r>
+              <a:rPr lang="en-US" altLang="ko-KR" b="0" i="0" dirty="0">
+                <a:solidFill>
+                  <a:srgbClr val="1B1B1B"/>
+                </a:solidFill>
+                <a:effectLst/>
+                <a:latin typeface="arial" panose="020B0604020202020204" pitchFamily="34" charset="0"/>
+              </a:rPr>
+              <a:t>, </a:t>
+            </a:r>
+            <a:r>
+              <a:rPr lang="ko-KR" altLang="en-US" b="1" i="0" dirty="0">
+                <a:solidFill>
+                  <a:srgbClr val="1B1B1B"/>
+                </a:solidFill>
+                <a:effectLst/>
+                <a:latin typeface="arial" panose="020B0604020202020204" pitchFamily="34" charset="0"/>
+              </a:rPr>
+              <a:t>선언만 코드의 최상단으로 옮기는</a:t>
+            </a:r>
+            <a:r>
+              <a:rPr lang="en-US" altLang="ko-KR" b="0" i="0" dirty="0">
+                <a:solidFill>
+                  <a:srgbClr val="1B1B1B"/>
+                </a:solidFill>
+                <a:effectLst/>
+                <a:latin typeface="arial" panose="020B0604020202020204" pitchFamily="34" charset="0"/>
+              </a:rPr>
+              <a:t>" </a:t>
+            </a:r>
+            <a:r>
+              <a:rPr lang="ko-KR" altLang="en-US" b="0" i="0" dirty="0">
+                <a:solidFill>
+                  <a:srgbClr val="1B1B1B"/>
+                </a:solidFill>
+                <a:effectLst/>
+                <a:latin typeface="arial" panose="020B0604020202020204" pitchFamily="34" charset="0"/>
+              </a:rPr>
+              <a:t>것으로 말하곤 합니다</a:t>
+            </a:r>
+            <a:r>
+              <a:rPr lang="en-US" altLang="ko-KR" b="0" i="0" dirty="0">
+                <a:solidFill>
+                  <a:srgbClr val="1B1B1B"/>
+                </a:solidFill>
+                <a:effectLst/>
+                <a:latin typeface="arial" panose="020B0604020202020204" pitchFamily="34" charset="0"/>
+              </a:rPr>
+              <a:t>. </a:t>
+            </a:r>
+            <a:r>
+              <a:rPr lang="ko-KR" altLang="en-US" b="0" i="0" dirty="0">
+                <a:solidFill>
+                  <a:srgbClr val="1B1B1B"/>
+                </a:solidFill>
+                <a:effectLst/>
+                <a:latin typeface="arial" panose="020B0604020202020204" pitchFamily="34" charset="0"/>
+              </a:rPr>
+              <a:t>따라서 변수를 정의하는 코드보다 사용하는 코드가 앞서 등장할 수 있습니다</a:t>
+            </a:r>
+            <a:r>
+              <a:rPr lang="en-US" altLang="ko-KR" b="0" i="0" dirty="0">
+                <a:solidFill>
+                  <a:srgbClr val="1B1B1B"/>
+                </a:solidFill>
+                <a:effectLst/>
+                <a:latin typeface="arial" panose="020B0604020202020204" pitchFamily="34" charset="0"/>
+              </a:rPr>
+              <a:t>. </a:t>
+            </a:r>
+          </a:p>
+          <a:p>
+            <a:endParaRPr lang="en-US" altLang="ko-KR" dirty="0">
+              <a:solidFill>
+                <a:srgbClr val="1B1B1B"/>
+              </a:solidFill>
+              <a:latin typeface="arial" panose="020B0604020202020204" pitchFamily="34" charset="0"/>
+            </a:endParaRPr>
+          </a:p>
+          <a:p>
+            <a:r>
+              <a:rPr lang="en-US" altLang="ko-KR" dirty="0"/>
+              <a:t>https://developer.mozilla.org/ko/docs/Glossary/Hoisting</a:t>
+            </a:r>
+            <a:endParaRPr lang="ko-KR" altLang="en-US" dirty="0"/>
+          </a:p>
+        </p:txBody>
+      </p:sp>
+      <p:sp>
+        <p:nvSpPr>
+          <p:cNvPr id="4" name="슬라이드 번호 개체 틀 3">
+            <a:extLst>
+              <a:ext uri="{FF2B5EF4-FFF2-40B4-BE49-F238E27FC236}">
+                <a16:creationId xmlns:a16="http://schemas.microsoft.com/office/drawing/2014/main" id="{A648A7F0-6B8F-4CB9-A51F-1BA8AB73A8DD}"/>
               </a:ext>
             </a:extLst>
           </p:cNvPr>
@@ -10102,7 +10314,7 @@
     </p:spTree>
     <p:extLst>
       <p:ext uri="{BB962C8B-B14F-4D97-AF65-F5344CB8AC3E}">
-        <p14:creationId xmlns:p14="http://schemas.microsoft.com/office/powerpoint/2010/main" val="1972639596"/>
+        <p14:creationId xmlns:p14="http://schemas.microsoft.com/office/powerpoint/2010/main" val="1433998561"/>
       </p:ext>
     </p:extLst>
   </p:cSld>
@@ -10180,6 +10392,124 @@
         </p:blipFill>
         <p:spPr>
           <a:xfrm>
+            <a:off x="2999943" y="2035235"/>
+            <a:ext cx="6192114" cy="3686689"/>
+          </a:xfrm>
+          <a:prstGeom prst="rect">
+            <a:avLst/>
+          </a:prstGeom>
+        </p:spPr>
+      </p:pic>
+      <p:sp>
+        <p:nvSpPr>
+          <p:cNvPr id="3" name="슬라이드 번호 개체 틀 2">
+            <a:extLst>
+              <a:ext uri="{FF2B5EF4-FFF2-40B4-BE49-F238E27FC236}">
+                <a16:creationId xmlns:a16="http://schemas.microsoft.com/office/drawing/2014/main" id="{68AD360C-75E6-4363-A34D-D86578E45FBA}"/>
+              </a:ext>
+            </a:extLst>
+          </p:cNvPr>
+          <p:cNvSpPr>
+            <a:spLocks noGrp="1"/>
+          </p:cNvSpPr>
+          <p:nvPr>
+            <p:ph type="sldNum" sz="quarter" idx="12"/>
+          </p:nvPr>
+        </p:nvSpPr>
+        <p:spPr/>
+        <p:txBody>
+          <a:bodyPr/>
+          <a:lstStyle/>
+          <a:p>
+            <a:fld id="{218E8BD7-F182-4B37-9978-F83F0E1A36DD}" type="slidenum">
+              <a:rPr lang="ko-KR" altLang="en-US" smtClean="0"/>
+              <a:t>14</a:t>
+            </a:fld>
+            <a:endParaRPr lang="ko-KR" altLang="en-US"/>
+          </a:p>
+        </p:txBody>
+      </p:sp>
+    </p:spTree>
+    <p:extLst>
+      <p:ext uri="{BB962C8B-B14F-4D97-AF65-F5344CB8AC3E}">
+        <p14:creationId xmlns:p14="http://schemas.microsoft.com/office/powerpoint/2010/main" val="1972639596"/>
+      </p:ext>
+    </p:extLst>
+  </p:cSld>
+  <p:clrMapOvr>
+    <a:masterClrMapping/>
+  </p:clrMapOvr>
+</p:sld>
+</file>
+
+<file path=ppt/slides/slide15.xml><?xml version="1.0" encoding="utf-8"?>
+<p:sld xmlns:a="http://schemas.openxmlformats.org/drawingml/2006/main" xmlns:r="http://schemas.openxmlformats.org/officeDocument/2006/relationships" xmlns:p="http://schemas.openxmlformats.org/presentationml/2006/main">
+  <p:cSld>
+    <p:spTree>
+      <p:nvGrpSpPr>
+        <p:cNvPr id="1" name=""/>
+        <p:cNvGrpSpPr/>
+        <p:nvPr/>
+      </p:nvGrpSpPr>
+      <p:grpSpPr>
+        <a:xfrm>
+          <a:off x="0" y="0"/>
+          <a:ext cx="0" cy="0"/>
+          <a:chOff x="0" y="0"/>
+          <a:chExt cx="0" cy="0"/>
+        </a:xfrm>
+      </p:grpSpPr>
+      <p:sp>
+        <p:nvSpPr>
+          <p:cNvPr id="2" name="제목 1">
+            <a:extLst>
+              <a:ext uri="{FF2B5EF4-FFF2-40B4-BE49-F238E27FC236}">
+                <a16:creationId xmlns:a16="http://schemas.microsoft.com/office/drawing/2014/main" id="{F97D7234-DDB3-4477-8F63-286F1D6F0B2B}"/>
+              </a:ext>
+            </a:extLst>
+          </p:cNvPr>
+          <p:cNvSpPr>
+            <a:spLocks noGrp="1"/>
+          </p:cNvSpPr>
+          <p:nvPr>
+            <p:ph type="title"/>
+          </p:nvPr>
+        </p:nvSpPr>
+        <p:spPr/>
+        <p:txBody>
+          <a:bodyPr/>
+          <a:lstStyle/>
+          <a:p>
+            <a:r>
+              <a:rPr lang="en-US" altLang="ko-KR" dirty="0"/>
+              <a:t>Hoisting</a:t>
+            </a:r>
+            <a:endParaRPr lang="ko-KR" altLang="en-US" dirty="0"/>
+          </a:p>
+        </p:txBody>
+      </p:sp>
+      <p:pic>
+        <p:nvPicPr>
+          <p:cNvPr id="13" name="그림 12">
+            <a:extLst>
+              <a:ext uri="{FF2B5EF4-FFF2-40B4-BE49-F238E27FC236}">
+                <a16:creationId xmlns:a16="http://schemas.microsoft.com/office/drawing/2014/main" id="{160C96F6-3791-4AD0-9E48-A1711B603395}"/>
+              </a:ext>
+            </a:extLst>
+          </p:cNvPr>
+          <p:cNvPicPr>
+            <a:picLocks noChangeAspect="1"/>
+          </p:cNvPicPr>
+          <p:nvPr/>
+        </p:nvPicPr>
+        <p:blipFill>
+          <a:blip r:embed="rId2"/>
+          <a:stretch>
+            <a:fillRect/>
+          </a:stretch>
+        </p:blipFill>
+        <p:spPr>
+          <a:xfrm>
             <a:off x="432003" y="2004755"/>
             <a:ext cx="6192114" cy="3686689"/>
           </a:xfrm>
@@ -10241,7 +10571,7 @@
           <a:p>
             <a:fld id="{218E8BD7-F182-4B37-9978-F83F0E1A36DD}" type="slidenum">
               <a:rPr lang="ko-KR" altLang="en-US" smtClean="0"/>
-              <a:t>14</a:t>
+              <a:t>15</a:t>
             </a:fld>
             <a:endParaRPr lang="ko-KR" altLang="en-US"/>
           </a:p>
@@ -10260,7 +10590,7 @@
 </p:sld>
 </file>
 
-<file path=ppt/slides/slide15.xml><?xml version="1.0" encoding="utf-8"?>
+<file path=ppt/slides/slide16.xml><?xml version="1.0" encoding="utf-8"?>
 <p:sld xmlns:a="http://schemas.openxmlformats.org/drawingml/2006/main" xmlns:r="http://schemas.openxmlformats.org/officeDocument/2006/relationships" xmlns:p="http://schemas.openxmlformats.org/presentationml/2006/main">
   <p:cSld>
     <p:spTree>
@@ -10564,7 +10894,7 @@
           <a:p>
             <a:fld id="{218E8BD7-F182-4B37-9978-F83F0E1A36DD}" type="slidenum">
               <a:rPr lang="ko-KR" altLang="en-US" smtClean="0"/>
-              <a:t>15</a:t>
+              <a:t>16</a:t>
             </a:fld>
             <a:endParaRPr lang="ko-KR" altLang="en-US"/>
           </a:p>
@@ -10583,7 +10913,7 @@
 </p:sld>
 </file>
 
-<file path=ppt/slides/slide16.xml><?xml version="1.0" encoding="utf-8"?>
+<file path=ppt/slides/slide17.xml><?xml version="1.0" encoding="utf-8"?>
 <p:sld xmlns:a="http://schemas.openxmlformats.org/drawingml/2006/main" xmlns:r="http://schemas.openxmlformats.org/officeDocument/2006/relationships" xmlns:p="http://schemas.openxmlformats.org/presentationml/2006/main">
   <p:cSld>
     <p:spTree>
@@ -10846,7 +11176,7 @@
           <a:p>
             <a:fld id="{218E8BD7-F182-4B37-9978-F83F0E1A36DD}" type="slidenum">
               <a:rPr lang="ko-KR" altLang="en-US" smtClean="0"/>
-              <a:t>16</a:t>
+              <a:t>17</a:t>
             </a:fld>
             <a:endParaRPr lang="ko-KR" altLang="en-US"/>
           </a:p>
@@ -10906,189 +11236,6 @@
 </p:sld>
 </file>
 
-<file path=ppt/slides/slide17.xml><?xml version="1.0" encoding="utf-8"?>
-<p:sld xmlns:a="http://schemas.openxmlformats.org/drawingml/2006/main" xmlns:r="http://schemas.openxmlformats.org/officeDocument/2006/relationships" xmlns:p="http://schemas.openxmlformats.org/presentationml/2006/main">
-  <p:cSld>
-    <p:spTree>
-      <p:nvGrpSpPr>
-        <p:cNvPr id="1" name=""/>
-        <p:cNvGrpSpPr/>
-        <p:nvPr/>
-      </p:nvGrpSpPr>
-      <p:grpSpPr>
-        <a:xfrm>
-          <a:off x="0" y="0"/>
-          <a:ext cx="0" cy="0"/>
-          <a:chOff x="0" y="0"/>
-          <a:chExt cx="0" cy="0"/>
-        </a:xfrm>
-      </p:grpSpPr>
-      <p:sp>
-        <p:nvSpPr>
-          <p:cNvPr id="2" name="제목 1">
-            <a:extLst>
-              <a:ext uri="{FF2B5EF4-FFF2-40B4-BE49-F238E27FC236}">
-                <a16:creationId xmlns:a16="http://schemas.microsoft.com/office/drawing/2014/main" id="{17285BFE-2111-43F6-9098-8081297CC9B8}"/>
-              </a:ext>
-            </a:extLst>
-          </p:cNvPr>
-          <p:cNvSpPr>
-            <a:spLocks noGrp="1"/>
-          </p:cNvSpPr>
-          <p:nvPr>
-            <p:ph type="title"/>
-          </p:nvPr>
-        </p:nvSpPr>
-        <p:spPr/>
-        <p:txBody>
-          <a:bodyPr/>
-          <a:lstStyle/>
-          <a:p>
-            <a:r>
-              <a:rPr lang="en-US" altLang="ko-KR" dirty="0"/>
-              <a:t>IF</a:t>
-            </a:r>
-            <a:endParaRPr lang="ko-KR" altLang="en-US" dirty="0"/>
-          </a:p>
-        </p:txBody>
-      </p:sp>
-      <p:sp>
-        <p:nvSpPr>
-          <p:cNvPr id="3" name="내용 개체 틀 2">
-            <a:extLst>
-              <a:ext uri="{FF2B5EF4-FFF2-40B4-BE49-F238E27FC236}">
-                <a16:creationId xmlns:a16="http://schemas.microsoft.com/office/drawing/2014/main" id="{48D08421-BD34-4B77-BB16-FBB72054B792}"/>
-              </a:ext>
-            </a:extLst>
-          </p:cNvPr>
-          <p:cNvSpPr>
-            <a:spLocks noGrp="1"/>
-          </p:cNvSpPr>
-          <p:nvPr>
-            <p:ph idx="1"/>
-          </p:nvPr>
-        </p:nvSpPr>
-        <p:spPr/>
-        <p:txBody>
-          <a:bodyPr/>
-          <a:lstStyle/>
-          <a:p>
-            <a:pPr marL="0" indent="0">
-              <a:buNone/>
-            </a:pPr>
-            <a:r>
-              <a:rPr lang="en-US" altLang="ko-KR" dirty="0"/>
-              <a:t>const a = 15;</a:t>
-            </a:r>
-          </a:p>
-          <a:p>
-            <a:pPr marL="0" indent="0">
-              <a:buNone/>
-            </a:pPr>
-            <a:r>
-              <a:rPr lang="en-US" altLang="ko-KR" dirty="0"/>
-              <a:t>If(a == 15){</a:t>
-            </a:r>
-          </a:p>
-          <a:p>
-            <a:pPr marL="0" indent="0">
-              <a:buNone/>
-            </a:pPr>
-            <a:r>
-              <a:rPr lang="en-US" altLang="ko-KR" dirty="0"/>
-              <a:t>	console.log(“a is 15”);</a:t>
-            </a:r>
-          </a:p>
-          <a:p>
-            <a:pPr marL="0" indent="0">
-              <a:buNone/>
-            </a:pPr>
-            <a:r>
-              <a:rPr lang="en-US" altLang="ko-KR" dirty="0"/>
-              <a:t>} else if(a&gt;15){</a:t>
-            </a:r>
-          </a:p>
-          <a:p>
-            <a:pPr marL="0" indent="0">
-              <a:buNone/>
-            </a:pPr>
-            <a:r>
-              <a:rPr lang="en-US" altLang="ko-KR" dirty="0"/>
-              <a:t>	console.log(“a is more then 15”);</a:t>
-            </a:r>
-          </a:p>
-          <a:p>
-            <a:pPr marL="0" indent="0">
-              <a:buNone/>
-            </a:pPr>
-            <a:r>
-              <a:rPr lang="en-US" altLang="ko-KR" dirty="0"/>
-              <a:t>} else {</a:t>
-            </a:r>
-          </a:p>
-          <a:p>
-            <a:pPr marL="0" indent="0">
-              <a:buNone/>
-            </a:pPr>
-            <a:r>
-              <a:rPr lang="en-US" altLang="ko-KR" dirty="0"/>
-              <a:t>	console.log(“otherwise”);</a:t>
-            </a:r>
-          </a:p>
-          <a:p>
-            <a:pPr marL="0" indent="0">
-              <a:buNone/>
-            </a:pPr>
-            <a:r>
-              <a:rPr lang="en-US" altLang="ko-KR" dirty="0"/>
-              <a:t>}</a:t>
-            </a:r>
-            <a:endParaRPr lang="ko-KR" altLang="en-US" dirty="0"/>
-          </a:p>
-        </p:txBody>
-      </p:sp>
-      <p:sp>
-        <p:nvSpPr>
-          <p:cNvPr id="4" name="슬라이드 번호 개체 틀 3">
-            <a:extLst>
-              <a:ext uri="{FF2B5EF4-FFF2-40B4-BE49-F238E27FC236}">
-                <a16:creationId xmlns:a16="http://schemas.microsoft.com/office/drawing/2014/main" id="{BE270AA6-FA10-4810-B359-B0B31309C24B}"/>
-              </a:ext>
-            </a:extLst>
-          </p:cNvPr>
-          <p:cNvSpPr>
-            <a:spLocks noGrp="1"/>
-          </p:cNvSpPr>
-          <p:nvPr>
-            <p:ph type="sldNum" sz="quarter" idx="12"/>
-          </p:nvPr>
-        </p:nvSpPr>
-        <p:spPr/>
-        <p:txBody>
-          <a:bodyPr/>
-          <a:lstStyle/>
-          <a:p>
-            <a:fld id="{218E8BD7-F182-4B37-9978-F83F0E1A36DD}" type="slidenum">
-              <a:rPr lang="ko-KR" altLang="en-US" smtClean="0"/>
-              <a:t>17</a:t>
-            </a:fld>
-            <a:endParaRPr lang="ko-KR" altLang="en-US"/>
-          </a:p>
-        </p:txBody>
-      </p:sp>
-    </p:spTree>
-    <p:extLst>
-      <p:ext uri="{BB962C8B-B14F-4D97-AF65-F5344CB8AC3E}">
-        <p14:creationId xmlns:p14="http://schemas.microsoft.com/office/powerpoint/2010/main" val="1184662852"/>
-      </p:ext>
-    </p:extLst>
-  </p:cSld>
-  <p:clrMapOvr>
-    <a:masterClrMapping/>
-  </p:clrMapOvr>
-</p:sld>
-</file>
-
 <file path=ppt/slides/slide18.xml><?xml version="1.0" encoding="utf-8"?>
 <p:sld xmlns:a="http://schemas.openxmlformats.org/drawingml/2006/main" xmlns:r="http://schemas.openxmlformats.org/officeDocument/2006/relationships" xmlns:p="http://schemas.openxmlformats.org/presentationml/2006/main">
   <p:cSld>
@@ -11129,7 +11276,7 @@
           <a:p>
             <a:r>
               <a:rPr lang="en-US" altLang="ko-KR" dirty="0"/>
-              <a:t>Loop</a:t>
+              <a:t>IF</a:t>
             </a:r>
             <a:endParaRPr lang="ko-KR" altLang="en-US" dirty="0"/>
           </a:p>
@@ -11151,12 +11298,7 @@
             <p:ph idx="1"/>
           </p:nvPr>
         </p:nvSpPr>
-        <p:spPr>
-          <a:xfrm>
-            <a:off x="838200" y="1825625"/>
-            <a:ext cx="3558540" cy="4351338"/>
-          </a:xfrm>
-        </p:spPr>
+        <p:spPr/>
         <p:txBody>
           <a:bodyPr/>
           <a:lstStyle/>
@@ -11166,7 +11308,7 @@
             </a:pPr>
             <a:r>
               <a:rPr lang="en-US" altLang="ko-KR" dirty="0"/>
-              <a:t>let a = 10;</a:t>
+              <a:t>const a = 15;</a:t>
             </a:r>
           </a:p>
           <a:p>
@@ -11175,7 +11317,7 @@
             </a:pPr>
             <a:r>
               <a:rPr lang="en-US" altLang="ko-KR" dirty="0"/>
-              <a:t>while(a&lt;20){</a:t>
+              <a:t>If(a == 15){</a:t>
             </a:r>
           </a:p>
           <a:p>
@@ -11184,7 +11326,7 @@
             </a:pPr>
             <a:r>
               <a:rPr lang="en-US" altLang="ko-KR" dirty="0"/>
-              <a:t>	a++;</a:t>
+              <a:t>	console.log(“a is 15”);</a:t>
             </a:r>
           </a:p>
           <a:p>
@@ -11193,7 +11335,7 @@
             </a:pPr>
             <a:r>
               <a:rPr lang="en-US" altLang="ko-KR" dirty="0"/>
-              <a:t>	console.log(a)</a:t>
+              <a:t>} else if(a&gt;15){</a:t>
             </a:r>
           </a:p>
           <a:p>
@@ -11202,226 +11344,29 @@
             </a:pPr>
             <a:r>
               <a:rPr lang="en-US" altLang="ko-KR" dirty="0"/>
-              <a:t>}</a:t>
-            </a:r>
-            <a:endParaRPr lang="ko-KR" altLang="en-US" dirty="0"/>
-          </a:p>
-        </p:txBody>
-      </p:sp>
-      <p:sp>
-        <p:nvSpPr>
-          <p:cNvPr id="4" name="내용 개체 틀 2">
-            <a:extLst>
-              <a:ext uri="{FF2B5EF4-FFF2-40B4-BE49-F238E27FC236}">
-                <a16:creationId xmlns:a16="http://schemas.microsoft.com/office/drawing/2014/main" id="{5817AF6A-7BC9-47BF-81CC-980E30D6B612}"/>
-              </a:ext>
-            </a:extLst>
-          </p:cNvPr>
-          <p:cNvSpPr txBox="1">
-            <a:spLocks/>
-          </p:cNvSpPr>
-          <p:nvPr/>
-        </p:nvSpPr>
-        <p:spPr>
-          <a:xfrm>
-            <a:off x="6160770" y="1757045"/>
-            <a:ext cx="5086350" cy="4351338"/>
-          </a:xfrm>
-          <a:prstGeom prst="rect">
-            <a:avLst/>
-          </a:prstGeom>
-        </p:spPr>
-        <p:txBody>
-          <a:bodyPr vert="horz" lIns="91440" tIns="45720" rIns="91440" bIns="45720" rtlCol="0">
-            <a:normAutofit/>
-          </a:bodyPr>
-          <a:lstStyle>
-            <a:lvl1pPr marL="228600" indent="-228600" algn="l" defTabSz="914400" rtl="0" eaLnBrk="1" latinLnBrk="1" hangingPunct="1">
-              <a:lnSpc>
-                <a:spcPct val="90000"/>
-              </a:lnSpc>
-              <a:spcBef>
-                <a:spcPts val="1000"/>
-              </a:spcBef>
-              <a:buFont typeface="Arial" panose="020B0604020202020204" pitchFamily="34" charset="0"/>
-              <a:buChar char="•"/>
-              <a:defRPr sz="2800" kern="1200">
-                <a:solidFill>
-                  <a:schemeClr val="tx1"/>
-                </a:solidFill>
-                <a:latin typeface="+mn-lt"/>
-                <a:ea typeface="+mn-ea"/>
-                <a:cs typeface="+mn-cs"/>
-              </a:defRPr>
-            </a:lvl1pPr>
-            <a:lvl2pPr marL="685800" indent="-228600" algn="l" defTabSz="914400" rtl="0" eaLnBrk="1" latinLnBrk="1" hangingPunct="1">
-              <a:lnSpc>
-                <a:spcPct val="90000"/>
-              </a:lnSpc>
-              <a:spcBef>
-                <a:spcPts val="500"/>
-              </a:spcBef>
-              <a:buFont typeface="Arial" panose="020B0604020202020204" pitchFamily="34" charset="0"/>
-              <a:buChar char="•"/>
-              <a:defRPr sz="2400" kern="1200">
-                <a:solidFill>
-                  <a:schemeClr val="tx1"/>
-                </a:solidFill>
-                <a:latin typeface="+mn-lt"/>
-                <a:ea typeface="+mn-ea"/>
-                <a:cs typeface="+mn-cs"/>
-              </a:defRPr>
-            </a:lvl2pPr>
-            <a:lvl3pPr marL="1143000" indent="-228600" algn="l" defTabSz="914400" rtl="0" eaLnBrk="1" latinLnBrk="1" hangingPunct="1">
-              <a:lnSpc>
-                <a:spcPct val="90000"/>
-              </a:lnSpc>
-              <a:spcBef>
-                <a:spcPts val="500"/>
-              </a:spcBef>
-              <a:buFont typeface="Arial" panose="020B0604020202020204" pitchFamily="34" charset="0"/>
-              <a:buChar char="•"/>
-              <a:defRPr sz="2000" kern="1200">
-                <a:solidFill>
-                  <a:schemeClr val="tx1"/>
-                </a:solidFill>
-                <a:latin typeface="+mn-lt"/>
-                <a:ea typeface="+mn-ea"/>
-                <a:cs typeface="+mn-cs"/>
-              </a:defRPr>
-            </a:lvl3pPr>
-            <a:lvl4pPr marL="1600200" indent="-228600" algn="l" defTabSz="914400" rtl="0" eaLnBrk="1" latinLnBrk="1" hangingPunct="1">
-              <a:lnSpc>
-                <a:spcPct val="90000"/>
-              </a:lnSpc>
-              <a:spcBef>
-                <a:spcPts val="500"/>
-              </a:spcBef>
-              <a:buFont typeface="Arial" panose="020B0604020202020204" pitchFamily="34" charset="0"/>
-              <a:buChar char="•"/>
-              <a:defRPr sz="1800" kern="1200">
-                <a:solidFill>
-                  <a:schemeClr val="tx1"/>
-                </a:solidFill>
-                <a:latin typeface="+mn-lt"/>
-                <a:ea typeface="+mn-ea"/>
-                <a:cs typeface="+mn-cs"/>
-              </a:defRPr>
-            </a:lvl4pPr>
-            <a:lvl5pPr marL="2057400" indent="-228600" algn="l" defTabSz="914400" rtl="0" eaLnBrk="1" latinLnBrk="1" hangingPunct="1">
-              <a:lnSpc>
-                <a:spcPct val="90000"/>
-              </a:lnSpc>
-              <a:spcBef>
-                <a:spcPts val="500"/>
-              </a:spcBef>
-              <a:buFont typeface="Arial" panose="020B0604020202020204" pitchFamily="34" charset="0"/>
-              <a:buChar char="•"/>
-              <a:defRPr sz="1800" kern="1200">
-                <a:solidFill>
-                  <a:schemeClr val="tx1"/>
-                </a:solidFill>
-                <a:latin typeface="+mn-lt"/>
-                <a:ea typeface="+mn-ea"/>
-                <a:cs typeface="+mn-cs"/>
-              </a:defRPr>
-            </a:lvl5pPr>
-            <a:lvl6pPr marL="2514600" indent="-228600" algn="l" defTabSz="914400" rtl="0" eaLnBrk="1" latinLnBrk="1" hangingPunct="1">
-              <a:lnSpc>
-                <a:spcPct val="90000"/>
-              </a:lnSpc>
-              <a:spcBef>
-                <a:spcPts val="500"/>
-              </a:spcBef>
-              <a:buFont typeface="Arial" panose="020B0604020202020204" pitchFamily="34" charset="0"/>
-              <a:buChar char="•"/>
-              <a:defRPr sz="1800" kern="1200">
-                <a:solidFill>
-                  <a:schemeClr val="tx1"/>
-                </a:solidFill>
-                <a:latin typeface="+mn-lt"/>
-                <a:ea typeface="+mn-ea"/>
-                <a:cs typeface="+mn-cs"/>
-              </a:defRPr>
-            </a:lvl6pPr>
-            <a:lvl7pPr marL="2971800" indent="-228600" algn="l" defTabSz="914400" rtl="0" eaLnBrk="1" latinLnBrk="1" hangingPunct="1">
-              <a:lnSpc>
-                <a:spcPct val="90000"/>
-              </a:lnSpc>
-              <a:spcBef>
-                <a:spcPts val="500"/>
-              </a:spcBef>
-              <a:buFont typeface="Arial" panose="020B0604020202020204" pitchFamily="34" charset="0"/>
-              <a:buChar char="•"/>
-              <a:defRPr sz="1800" kern="1200">
-                <a:solidFill>
-                  <a:schemeClr val="tx1"/>
-                </a:solidFill>
-                <a:latin typeface="+mn-lt"/>
-                <a:ea typeface="+mn-ea"/>
-                <a:cs typeface="+mn-cs"/>
-              </a:defRPr>
-            </a:lvl7pPr>
-            <a:lvl8pPr marL="3429000" indent="-228600" algn="l" defTabSz="914400" rtl="0" eaLnBrk="1" latinLnBrk="1" hangingPunct="1">
-              <a:lnSpc>
-                <a:spcPct val="90000"/>
-              </a:lnSpc>
-              <a:spcBef>
-                <a:spcPts val="500"/>
-              </a:spcBef>
-              <a:buFont typeface="Arial" panose="020B0604020202020204" pitchFamily="34" charset="0"/>
-              <a:buChar char="•"/>
-              <a:defRPr sz="1800" kern="1200">
-                <a:solidFill>
-                  <a:schemeClr val="tx1"/>
-                </a:solidFill>
-                <a:latin typeface="+mn-lt"/>
-                <a:ea typeface="+mn-ea"/>
-                <a:cs typeface="+mn-cs"/>
-              </a:defRPr>
-            </a:lvl8pPr>
-            <a:lvl9pPr marL="3886200" indent="-228600" algn="l" defTabSz="914400" rtl="0" eaLnBrk="1" latinLnBrk="1" hangingPunct="1">
-              <a:lnSpc>
-                <a:spcPct val="90000"/>
-              </a:lnSpc>
-              <a:spcBef>
-                <a:spcPts val="500"/>
-              </a:spcBef>
-              <a:buFont typeface="Arial" panose="020B0604020202020204" pitchFamily="34" charset="0"/>
-              <a:buChar char="•"/>
-              <a:defRPr sz="1800" kern="1200">
-                <a:solidFill>
-                  <a:schemeClr val="tx1"/>
-                </a:solidFill>
-                <a:latin typeface="+mn-lt"/>
-                <a:ea typeface="+mn-ea"/>
-                <a:cs typeface="+mn-cs"/>
-              </a:defRPr>
-            </a:lvl9pPr>
-          </a:lstStyle>
+              <a:t>	console.log(“a is more then 15”);</a:t>
+            </a:r>
+          </a:p>
           <a:p>
             <a:pPr marL="0" indent="0">
-              <a:buFont typeface="Arial" panose="020B0604020202020204" pitchFamily="34" charset="0"/>
               <a:buNone/>
             </a:pPr>
             <a:r>
               <a:rPr lang="en-US" altLang="ko-KR" dirty="0"/>
-              <a:t>for(let a = 10; a&lt;20; a++) {</a:t>
+              <a:t>} else {</a:t>
             </a:r>
           </a:p>
           <a:p>
             <a:pPr marL="0" indent="0">
-              <a:buFont typeface="Arial" panose="020B0604020202020204" pitchFamily="34" charset="0"/>
               <a:buNone/>
             </a:pPr>
             <a:r>
               <a:rPr lang="en-US" altLang="ko-KR" dirty="0"/>
-              <a:t>	console.log(a);</a:t>
+              <a:t>	console.log(“otherwise”);</a:t>
             </a:r>
           </a:p>
           <a:p>
             <a:pPr marL="0" indent="0">
-              <a:buFont typeface="Arial" panose="020B0604020202020204" pitchFamily="34" charset="0"/>
               <a:buNone/>
             </a:pPr>
             <a:r>
@@ -11434,10 +11379,10 @@
       </p:sp>
       <p:sp>
         <p:nvSpPr>
-          <p:cNvPr id="5" name="슬라이드 번호 개체 틀 4">
-            <a:extLst>
-              <a:ext uri="{FF2B5EF4-FFF2-40B4-BE49-F238E27FC236}">
-                <a16:creationId xmlns:a16="http://schemas.microsoft.com/office/drawing/2014/main" id="{3E7F391C-4331-4A5D-8C8D-DEF7368051FD}"/>
+          <p:cNvPr id="4" name="슬라이드 번호 개체 틀 3">
+            <a:extLst>
+              <a:ext uri="{FF2B5EF4-FFF2-40B4-BE49-F238E27FC236}">
+                <a16:creationId xmlns:a16="http://schemas.microsoft.com/office/drawing/2014/main" id="{BE270AA6-FA10-4810-B359-B0B31309C24B}"/>
               </a:ext>
             </a:extLst>
           </p:cNvPr>
@@ -11464,7 +11409,7 @@
     </p:spTree>
     <p:extLst>
       <p:ext uri="{BB962C8B-B14F-4D97-AF65-F5344CB8AC3E}">
-        <p14:creationId xmlns:p14="http://schemas.microsoft.com/office/powerpoint/2010/main" val="458399054"/>
+        <p14:creationId xmlns:p14="http://schemas.microsoft.com/office/powerpoint/2010/main" val="1184662852"/>
       </p:ext>
     </p:extLst>
   </p:cSld>
@@ -11514,7 +11459,7 @@
           <a:p>
             <a:r>
               <a:rPr lang="en-US" altLang="ko-KR" dirty="0"/>
-              <a:t>Array – Amazing ES6 Method 1</a:t>
+              <a:t>Loop</a:t>
             </a:r>
             <a:endParaRPr lang="ko-KR" altLang="en-US" dirty="0"/>
           </a:p>
@@ -11538,14 +11483,12 @@
         </p:nvSpPr>
         <p:spPr>
           <a:xfrm>
-            <a:off x="838199" y="1825625"/>
-            <a:ext cx="10515601" cy="4351338"/>
+            <a:off x="838200" y="1825625"/>
+            <a:ext cx="3558540" cy="4351338"/>
           </a:xfrm>
         </p:spPr>
         <p:txBody>
-          <a:bodyPr>
-            <a:normAutofit/>
-          </a:bodyPr>
+          <a:bodyPr/>
           <a:lstStyle/>
           <a:p>
             <a:pPr marL="0" indent="0">
@@ -11553,15 +11496,7 @@
             </a:pPr>
             <a:r>
               <a:rPr lang="en-US" altLang="ko-KR" dirty="0"/>
-              <a:t>const </a:t>
-            </a:r>
-            <a:r>
-              <a:rPr lang="en-US" altLang="ko-KR" dirty="0" err="1"/>
-              <a:t>arr</a:t>
-            </a:r>
-            <a:r>
-              <a:rPr lang="en-US" altLang="ko-KR" dirty="0"/>
-              <a:t> = [];</a:t>
+              <a:t>let a = 10;</a:t>
             </a:r>
           </a:p>
           <a:p>
@@ -11569,12 +11504,8 @@
               <a:buNone/>
             </a:pPr>
             <a:r>
-              <a:rPr lang="en-US" altLang="ko-KR" dirty="0" err="1"/>
-              <a:t>arr.push</a:t>
-            </a:r>
-            <a:r>
               <a:rPr lang="en-US" altLang="ko-KR" dirty="0"/>
-              <a:t>("hello1");</a:t>
+              <a:t>while(a&lt;20){</a:t>
             </a:r>
           </a:p>
           <a:p>
@@ -11582,12 +11513,8 @@
               <a:buNone/>
             </a:pPr>
             <a:r>
-              <a:rPr lang="en-US" altLang="ko-KR" dirty="0" err="1"/>
-              <a:t>arr.push</a:t>
-            </a:r>
-            <a:r>
               <a:rPr lang="en-US" altLang="ko-KR" dirty="0"/>
-              <a:t>(2);</a:t>
+              <a:t>	a++;</a:t>
             </a:r>
           </a:p>
           <a:p>
@@ -11595,12 +11522,8 @@
               <a:buNone/>
             </a:pPr>
             <a:r>
-              <a:rPr lang="en-US" altLang="ko-KR" dirty="0" err="1"/>
-              <a:t>arr</a:t>
-            </a:r>
-            <a:r>
               <a:rPr lang="en-US" altLang="ko-KR" dirty="0"/>
-              <a:t>[10] = "possible";</a:t>
+              <a:t>	console.log(a)</a:t>
             </a:r>
           </a:p>
           <a:p>
@@ -11608,51 +11531,232 @@
               <a:buNone/>
             </a:pPr>
             <a:r>
-              <a:rPr lang="en-US" altLang="ko-KR" dirty="0" err="1"/>
-              <a:t>arr.splice</a:t>
-            </a:r>
-            <a:r>
               <a:rPr lang="en-US" altLang="ko-KR" dirty="0"/>
-              <a:t>(5, 0, "mid1", "mid2");</a:t>
-            </a:r>
-          </a:p>
+              <a:t>}</a:t>
+            </a:r>
+            <a:endParaRPr lang="ko-KR" altLang="en-US" dirty="0"/>
+          </a:p>
+        </p:txBody>
+      </p:sp>
+      <p:sp>
+        <p:nvSpPr>
+          <p:cNvPr id="4" name="내용 개체 틀 2">
+            <a:extLst>
+              <a:ext uri="{FF2B5EF4-FFF2-40B4-BE49-F238E27FC236}">
+                <a16:creationId xmlns:a16="http://schemas.microsoft.com/office/drawing/2014/main" id="{5817AF6A-7BC9-47BF-81CC-980E30D6B612}"/>
+              </a:ext>
+            </a:extLst>
+          </p:cNvPr>
+          <p:cNvSpPr txBox="1">
+            <a:spLocks/>
+          </p:cNvSpPr>
+          <p:nvPr/>
+        </p:nvSpPr>
+        <p:spPr>
+          <a:xfrm>
+            <a:off x="6160770" y="1757045"/>
+            <a:ext cx="5086350" cy="4351338"/>
+          </a:xfrm>
+          <a:prstGeom prst="rect">
+            <a:avLst/>
+          </a:prstGeom>
+        </p:spPr>
+        <p:txBody>
+          <a:bodyPr vert="horz" lIns="91440" tIns="45720" rIns="91440" bIns="45720" rtlCol="0">
+            <a:normAutofit/>
+          </a:bodyPr>
+          <a:lstStyle>
+            <a:lvl1pPr marL="228600" indent="-228600" algn="l" defTabSz="914400" rtl="0" eaLnBrk="1" latinLnBrk="1" hangingPunct="1">
+              <a:lnSpc>
+                <a:spcPct val="90000"/>
+              </a:lnSpc>
+              <a:spcBef>
+                <a:spcPts val="1000"/>
+              </a:spcBef>
+              <a:buFont typeface="Arial" panose="020B0604020202020204" pitchFamily="34" charset="0"/>
+              <a:buChar char="•"/>
+              <a:defRPr sz="2800" kern="1200">
+                <a:solidFill>
+                  <a:schemeClr val="tx1"/>
+                </a:solidFill>
+                <a:latin typeface="+mn-lt"/>
+                <a:ea typeface="+mn-ea"/>
+                <a:cs typeface="+mn-cs"/>
+              </a:defRPr>
+            </a:lvl1pPr>
+            <a:lvl2pPr marL="685800" indent="-228600" algn="l" defTabSz="914400" rtl="0" eaLnBrk="1" latinLnBrk="1" hangingPunct="1">
+              <a:lnSpc>
+                <a:spcPct val="90000"/>
+              </a:lnSpc>
+              <a:spcBef>
+                <a:spcPts val="500"/>
+              </a:spcBef>
+              <a:buFont typeface="Arial" panose="020B0604020202020204" pitchFamily="34" charset="0"/>
+              <a:buChar char="•"/>
+              <a:defRPr sz="2400" kern="1200">
+                <a:solidFill>
+                  <a:schemeClr val="tx1"/>
+                </a:solidFill>
+                <a:latin typeface="+mn-lt"/>
+                <a:ea typeface="+mn-ea"/>
+                <a:cs typeface="+mn-cs"/>
+              </a:defRPr>
+            </a:lvl2pPr>
+            <a:lvl3pPr marL="1143000" indent="-228600" algn="l" defTabSz="914400" rtl="0" eaLnBrk="1" latinLnBrk="1" hangingPunct="1">
+              <a:lnSpc>
+                <a:spcPct val="90000"/>
+              </a:lnSpc>
+              <a:spcBef>
+                <a:spcPts val="500"/>
+              </a:spcBef>
+              <a:buFont typeface="Arial" panose="020B0604020202020204" pitchFamily="34" charset="0"/>
+              <a:buChar char="•"/>
+              <a:defRPr sz="2000" kern="1200">
+                <a:solidFill>
+                  <a:schemeClr val="tx1"/>
+                </a:solidFill>
+                <a:latin typeface="+mn-lt"/>
+                <a:ea typeface="+mn-ea"/>
+                <a:cs typeface="+mn-cs"/>
+              </a:defRPr>
+            </a:lvl3pPr>
+            <a:lvl4pPr marL="1600200" indent="-228600" algn="l" defTabSz="914400" rtl="0" eaLnBrk="1" latinLnBrk="1" hangingPunct="1">
+              <a:lnSpc>
+                <a:spcPct val="90000"/>
+              </a:lnSpc>
+              <a:spcBef>
+                <a:spcPts val="500"/>
+              </a:spcBef>
+              <a:buFont typeface="Arial" panose="020B0604020202020204" pitchFamily="34" charset="0"/>
+              <a:buChar char="•"/>
+              <a:defRPr sz="1800" kern="1200">
+                <a:solidFill>
+                  <a:schemeClr val="tx1"/>
+                </a:solidFill>
+                <a:latin typeface="+mn-lt"/>
+                <a:ea typeface="+mn-ea"/>
+                <a:cs typeface="+mn-cs"/>
+              </a:defRPr>
+            </a:lvl4pPr>
+            <a:lvl5pPr marL="2057400" indent="-228600" algn="l" defTabSz="914400" rtl="0" eaLnBrk="1" latinLnBrk="1" hangingPunct="1">
+              <a:lnSpc>
+                <a:spcPct val="90000"/>
+              </a:lnSpc>
+              <a:spcBef>
+                <a:spcPts val="500"/>
+              </a:spcBef>
+              <a:buFont typeface="Arial" panose="020B0604020202020204" pitchFamily="34" charset="0"/>
+              <a:buChar char="•"/>
+              <a:defRPr sz="1800" kern="1200">
+                <a:solidFill>
+                  <a:schemeClr val="tx1"/>
+                </a:solidFill>
+                <a:latin typeface="+mn-lt"/>
+                <a:ea typeface="+mn-ea"/>
+                <a:cs typeface="+mn-cs"/>
+              </a:defRPr>
+            </a:lvl5pPr>
+            <a:lvl6pPr marL="2514600" indent="-228600" algn="l" defTabSz="914400" rtl="0" eaLnBrk="1" latinLnBrk="1" hangingPunct="1">
+              <a:lnSpc>
+                <a:spcPct val="90000"/>
+              </a:lnSpc>
+              <a:spcBef>
+                <a:spcPts val="500"/>
+              </a:spcBef>
+              <a:buFont typeface="Arial" panose="020B0604020202020204" pitchFamily="34" charset="0"/>
+              <a:buChar char="•"/>
+              <a:defRPr sz="1800" kern="1200">
+                <a:solidFill>
+                  <a:schemeClr val="tx1"/>
+                </a:solidFill>
+                <a:latin typeface="+mn-lt"/>
+                <a:ea typeface="+mn-ea"/>
+                <a:cs typeface="+mn-cs"/>
+              </a:defRPr>
+            </a:lvl6pPr>
+            <a:lvl7pPr marL="2971800" indent="-228600" algn="l" defTabSz="914400" rtl="0" eaLnBrk="1" latinLnBrk="1" hangingPunct="1">
+              <a:lnSpc>
+                <a:spcPct val="90000"/>
+              </a:lnSpc>
+              <a:spcBef>
+                <a:spcPts val="500"/>
+              </a:spcBef>
+              <a:buFont typeface="Arial" panose="020B0604020202020204" pitchFamily="34" charset="0"/>
+              <a:buChar char="•"/>
+              <a:defRPr sz="1800" kern="1200">
+                <a:solidFill>
+                  <a:schemeClr val="tx1"/>
+                </a:solidFill>
+                <a:latin typeface="+mn-lt"/>
+                <a:ea typeface="+mn-ea"/>
+                <a:cs typeface="+mn-cs"/>
+              </a:defRPr>
+            </a:lvl7pPr>
+            <a:lvl8pPr marL="3429000" indent="-228600" algn="l" defTabSz="914400" rtl="0" eaLnBrk="1" latinLnBrk="1" hangingPunct="1">
+              <a:lnSpc>
+                <a:spcPct val="90000"/>
+              </a:lnSpc>
+              <a:spcBef>
+                <a:spcPts val="500"/>
+              </a:spcBef>
+              <a:buFont typeface="Arial" panose="020B0604020202020204" pitchFamily="34" charset="0"/>
+              <a:buChar char="•"/>
+              <a:defRPr sz="1800" kern="1200">
+                <a:solidFill>
+                  <a:schemeClr val="tx1"/>
+                </a:solidFill>
+                <a:latin typeface="+mn-lt"/>
+                <a:ea typeface="+mn-ea"/>
+                <a:cs typeface="+mn-cs"/>
+              </a:defRPr>
+            </a:lvl8pPr>
+            <a:lvl9pPr marL="3886200" indent="-228600" algn="l" defTabSz="914400" rtl="0" eaLnBrk="1" latinLnBrk="1" hangingPunct="1">
+              <a:lnSpc>
+                <a:spcPct val="90000"/>
+              </a:lnSpc>
+              <a:spcBef>
+                <a:spcPts val="500"/>
+              </a:spcBef>
+              <a:buFont typeface="Arial" panose="020B0604020202020204" pitchFamily="34" charset="0"/>
+              <a:buChar char="•"/>
+              <a:defRPr sz="1800" kern="1200">
+                <a:solidFill>
+                  <a:schemeClr val="tx1"/>
+                </a:solidFill>
+                <a:latin typeface="+mn-lt"/>
+                <a:ea typeface="+mn-ea"/>
+                <a:cs typeface="+mn-cs"/>
+              </a:defRPr>
+            </a:lvl9pPr>
+          </a:lstStyle>
           <a:p>
             <a:pPr marL="0" indent="0">
+              <a:buFont typeface="Arial" panose="020B0604020202020204" pitchFamily="34" charset="0"/>
               <a:buNone/>
             </a:pPr>
             <a:r>
-              <a:rPr lang="en-US" altLang="ko-KR" dirty="0" err="1"/>
-              <a:t>arr.splice</a:t>
-            </a:r>
-            <a:r>
               <a:rPr lang="en-US" altLang="ko-KR" dirty="0"/>
-              <a:t>(5, 1);</a:t>
+              <a:t>for(let a = 10; a&lt;20; a++) {</a:t>
             </a:r>
           </a:p>
           <a:p>
             <a:pPr marL="0" indent="0">
+              <a:buFont typeface="Arial" panose="020B0604020202020204" pitchFamily="34" charset="0"/>
               <a:buNone/>
             </a:pPr>
             <a:r>
-              <a:rPr lang="en-US" altLang="ko-KR" dirty="0" err="1"/>
-              <a:t>arr.shift</a:t>
-            </a:r>
-            <a:r>
               <a:rPr lang="en-US" altLang="ko-KR" dirty="0"/>
-              <a:t>(10)</a:t>
+              <a:t>	console.log(a);</a:t>
             </a:r>
           </a:p>
           <a:p>
             <a:pPr marL="0" indent="0">
+              <a:buFont typeface="Arial" panose="020B0604020202020204" pitchFamily="34" charset="0"/>
               <a:buNone/>
             </a:pPr>
             <a:r>
-              <a:rPr lang="en-US" altLang="ko-KR" dirty="0" err="1"/>
-              <a:t>arr.unshift</a:t>
-            </a:r>
-            <a:r>
               <a:rPr lang="en-US" altLang="ko-KR" dirty="0"/>
-              <a:t>(10)</a:t>
+              <a:t>}</a:t>
             </a:r>
             <a:endParaRPr lang="ko-KR" altLang="en-US" dirty="0"/>
           </a:p>
@@ -11660,10 +11764,10 @@
       </p:sp>
       <p:sp>
         <p:nvSpPr>
-          <p:cNvPr id="4" name="슬라이드 번호 개체 틀 3">
-            <a:extLst>
-              <a:ext uri="{FF2B5EF4-FFF2-40B4-BE49-F238E27FC236}">
-                <a16:creationId xmlns:a16="http://schemas.microsoft.com/office/drawing/2014/main" id="{1BDAAC99-15DF-4175-AB5E-7964EEA6359D}"/>
+          <p:cNvPr id="5" name="슬라이드 번호 개체 틀 4">
+            <a:extLst>
+              <a:ext uri="{FF2B5EF4-FFF2-40B4-BE49-F238E27FC236}">
+                <a16:creationId xmlns:a16="http://schemas.microsoft.com/office/drawing/2014/main" id="{3E7F391C-4331-4A5D-8C8D-DEF7368051FD}"/>
               </a:ext>
             </a:extLst>
           </p:cNvPr>
@@ -11690,7 +11794,7 @@
     </p:spTree>
     <p:extLst>
       <p:ext uri="{BB962C8B-B14F-4D97-AF65-F5344CB8AC3E}">
-        <p14:creationId xmlns:p14="http://schemas.microsoft.com/office/powerpoint/2010/main" val="3965028661"/>
+        <p14:creationId xmlns:p14="http://schemas.microsoft.com/office/powerpoint/2010/main" val="458399054"/>
       </p:ext>
     </p:extLst>
   </p:cSld>
@@ -11857,7 +11961,7 @@
           <a:p>
             <a:r>
               <a:rPr lang="en-US" altLang="ko-KR" dirty="0"/>
-              <a:t>Array – Amazing ES6 Method 2</a:t>
+              <a:t>Array – Amazing ES6 Method 1</a:t>
             </a:r>
             <a:endParaRPr lang="ko-KR" altLang="en-US" dirty="0"/>
           </a:p>
@@ -11896,7 +12000,15 @@
             </a:pPr>
             <a:r>
               <a:rPr lang="en-US" altLang="ko-KR" dirty="0"/>
-              <a:t>const arr1 = [“a”, “b”, “c”];</a:t>
+              <a:t>const </a:t>
+            </a:r>
+            <a:r>
+              <a:rPr lang="en-US" altLang="ko-KR" dirty="0" err="1"/>
+              <a:t>arr</a:t>
+            </a:r>
+            <a:r>
+              <a:rPr lang="en-US" altLang="ko-KR" dirty="0"/>
+              <a:t> = [];</a:t>
             </a:r>
           </a:p>
           <a:p>
@@ -11904,8 +12016,12 @@
               <a:buNone/>
             </a:pPr>
             <a:r>
+              <a:rPr lang="en-US" altLang="ko-KR" dirty="0" err="1"/>
+              <a:t>arr.push</a:t>
+            </a:r>
+            <a:r>
               <a:rPr lang="en-US" altLang="ko-KR" dirty="0"/>
-              <a:t>const arr2 = [arr1, “d”, “e”];</a:t>
+              <a:t>("hello1");</a:t>
             </a:r>
           </a:p>
           <a:p>
@@ -11913,8 +12029,12 @@
               <a:buNone/>
             </a:pPr>
             <a:r>
+              <a:rPr lang="en-US" altLang="ko-KR" dirty="0" err="1"/>
+              <a:t>arr.push</a:t>
+            </a:r>
+            <a:r>
               <a:rPr lang="en-US" altLang="ko-KR" dirty="0"/>
-              <a:t>console.log(arr2.length);</a:t>
+              <a:t>(2);</a:t>
             </a:r>
           </a:p>
           <a:p>
@@ -11922,8 +12042,12 @@
               <a:buNone/>
             </a:pPr>
             <a:r>
+              <a:rPr lang="en-US" altLang="ko-KR" dirty="0" err="1"/>
+              <a:t>arr</a:t>
+            </a:r>
+            <a:r>
               <a:rPr lang="en-US" altLang="ko-KR" dirty="0"/>
-              <a:t>const arr3 = […arr1, “d”, “e”];</a:t>
+              <a:t>[10] = "possible";</a:t>
             </a:r>
           </a:p>
           <a:p>
@@ -11931,20 +12055,52 @@
               <a:buNone/>
             </a:pPr>
             <a:r>
+              <a:rPr lang="en-US" altLang="ko-KR" dirty="0" err="1"/>
+              <a:t>arr.splice</a:t>
+            </a:r>
+            <a:r>
               <a:rPr lang="en-US" altLang="ko-KR" dirty="0"/>
-              <a:t>console.log(arr3.length);</a:t>
+              <a:t>(5, 0, "mid1", "mid2");</a:t>
             </a:r>
           </a:p>
           <a:p>
             <a:pPr marL="0" indent="0">
               <a:buNone/>
             </a:pPr>
-            <a:endParaRPr lang="en-US" altLang="ko-KR" dirty="0"/>
+            <a:r>
+              <a:rPr lang="en-US" altLang="ko-KR" dirty="0" err="1"/>
+              <a:t>arr.splice</a:t>
+            </a:r>
+            <a:r>
+              <a:rPr lang="en-US" altLang="ko-KR" dirty="0"/>
+              <a:t>(5, 1);</a:t>
+            </a:r>
           </a:p>
           <a:p>
             <a:pPr marL="0" indent="0">
               <a:buNone/>
             </a:pPr>
+            <a:r>
+              <a:rPr lang="en-US" altLang="ko-KR" dirty="0" err="1"/>
+              <a:t>arr.shift</a:t>
+            </a:r>
+            <a:r>
+              <a:rPr lang="en-US" altLang="ko-KR" dirty="0"/>
+              <a:t>(10)</a:t>
+            </a:r>
+          </a:p>
+          <a:p>
+            <a:pPr marL="0" indent="0">
+              <a:buNone/>
+            </a:pPr>
+            <a:r>
+              <a:rPr lang="en-US" altLang="ko-KR" dirty="0" err="1"/>
+              <a:t>arr.unshift</a:t>
+            </a:r>
+            <a:r>
+              <a:rPr lang="en-US" altLang="ko-KR" dirty="0"/>
+              <a:t>(10)</a:t>
+            </a:r>
             <a:endParaRPr lang="ko-KR" altLang="en-US" dirty="0"/>
           </a:p>
         </p:txBody>
@@ -11954,7 +12110,7 @@
           <p:cNvPr id="4" name="슬라이드 번호 개체 틀 3">
             <a:extLst>
               <a:ext uri="{FF2B5EF4-FFF2-40B4-BE49-F238E27FC236}">
-                <a16:creationId xmlns:a16="http://schemas.microsoft.com/office/drawing/2014/main" id="{D817DF7A-AF92-4698-8DA2-02ED12BF3ADE}"/>
+                <a16:creationId xmlns:a16="http://schemas.microsoft.com/office/drawing/2014/main" id="{1BDAAC99-15DF-4175-AB5E-7964EEA6359D}"/>
               </a:ext>
             </a:extLst>
           </p:cNvPr>
@@ -11981,7 +12137,7 @@
     </p:spTree>
     <p:extLst>
       <p:ext uri="{BB962C8B-B14F-4D97-AF65-F5344CB8AC3E}">
-        <p14:creationId xmlns:p14="http://schemas.microsoft.com/office/powerpoint/2010/main" val="3317682253"/>
+        <p14:creationId xmlns:p14="http://schemas.microsoft.com/office/powerpoint/2010/main" val="3965028661"/>
       </p:ext>
     </p:extLst>
   </p:cSld>
@@ -12031,7 +12187,7 @@
           <a:p>
             <a:r>
               <a:rPr lang="en-US" altLang="ko-KR" dirty="0"/>
-              <a:t>String - quote, double quote 1</a:t>
+              <a:t>Array – Amazing ES6 Method 2</a:t>
             </a:r>
             <a:endParaRPr lang="ko-KR" altLang="en-US" dirty="0"/>
           </a:p>
@@ -12070,15 +12226,7 @@
             </a:pPr>
             <a:r>
               <a:rPr lang="en-US" altLang="ko-KR" dirty="0"/>
-              <a:t>let a = ‘</a:t>
-            </a:r>
-            <a:r>
-              <a:rPr lang="en-US" altLang="ko-KR" dirty="0" err="1"/>
-              <a:t>abc</a:t>
-            </a:r>
-            <a:r>
-              <a:rPr lang="en-US" altLang="ko-KR" dirty="0"/>
-              <a:t>’;</a:t>
+              <a:t>const arr1 = [“a”, “b”, “c”];</a:t>
             </a:r>
           </a:p>
           <a:p>
@@ -12087,15 +12235,34 @@
             </a:pPr>
             <a:r>
               <a:rPr lang="en-US" altLang="ko-KR" dirty="0"/>
-              <a:t>let b = “</a:t>
-            </a:r>
-            <a:r>
-              <a:rPr lang="en-US" altLang="ko-KR" dirty="0" err="1"/>
-              <a:t>abc</a:t>
-            </a:r>
+              <a:t>const arr2 = [arr1, “d”, “e”];</a:t>
+            </a:r>
+          </a:p>
+          <a:p>
+            <a:pPr marL="0" indent="0">
+              <a:buNone/>
+            </a:pPr>
             <a:r>
               <a:rPr lang="en-US" altLang="ko-KR" dirty="0"/>
-              <a:t>”</a:t>
+              <a:t>console.log(arr2.length);</a:t>
+            </a:r>
+          </a:p>
+          <a:p>
+            <a:pPr marL="0" indent="0">
+              <a:buNone/>
+            </a:pPr>
+            <a:r>
+              <a:rPr lang="en-US" altLang="ko-KR" dirty="0"/>
+              <a:t>const arr3 = […arr1, “d”, “e”];</a:t>
+            </a:r>
+          </a:p>
+          <a:p>
+            <a:pPr marL="0" indent="0">
+              <a:buNone/>
+            </a:pPr>
+            <a:r>
+              <a:rPr lang="en-US" altLang="ko-KR" dirty="0"/>
+              <a:t>console.log(arr3.length);</a:t>
             </a:r>
           </a:p>
           <a:p>
@@ -12104,6 +12271,12 @@
             </a:pPr>
             <a:endParaRPr lang="en-US" altLang="ko-KR" dirty="0"/>
           </a:p>
+          <a:p>
+            <a:pPr marL="0" indent="0">
+              <a:buNone/>
+            </a:pPr>
+            <a:endParaRPr lang="ko-KR" altLang="en-US" dirty="0"/>
+          </a:p>
         </p:txBody>
       </p:sp>
       <p:sp>
@@ -12111,7 +12284,7 @@
           <p:cNvPr id="4" name="슬라이드 번호 개체 틀 3">
             <a:extLst>
               <a:ext uri="{FF2B5EF4-FFF2-40B4-BE49-F238E27FC236}">
-                <a16:creationId xmlns:a16="http://schemas.microsoft.com/office/drawing/2014/main" id="{70FC22C5-D462-4B83-81E5-D267B19FFDF5}"/>
+                <a16:creationId xmlns:a16="http://schemas.microsoft.com/office/drawing/2014/main" id="{D817DF7A-AF92-4698-8DA2-02ED12BF3ADE}"/>
               </a:ext>
             </a:extLst>
           </p:cNvPr>
@@ -12138,7 +12311,7 @@
     </p:spTree>
     <p:extLst>
       <p:ext uri="{BB962C8B-B14F-4D97-AF65-F5344CB8AC3E}">
-        <p14:creationId xmlns:p14="http://schemas.microsoft.com/office/powerpoint/2010/main" val="2690207340"/>
+        <p14:creationId xmlns:p14="http://schemas.microsoft.com/office/powerpoint/2010/main" val="3317682253"/>
       </p:ext>
     </p:extLst>
   </p:cSld>
@@ -12188,7 +12361,7 @@
           <a:p>
             <a:r>
               <a:rPr lang="en-US" altLang="ko-KR" dirty="0"/>
-              <a:t>String - quote, double quote 2</a:t>
+              <a:t>String - quote, double quote 1</a:t>
             </a:r>
             <a:endParaRPr lang="ko-KR" altLang="en-US" dirty="0"/>
           </a:p>
@@ -12227,15 +12400,15 @@
             </a:pPr>
             <a:r>
               <a:rPr lang="en-US" altLang="ko-KR" dirty="0"/>
-              <a:t>let a = “</a:t>
+              <a:t>let a = ‘</a:t>
             </a:r>
             <a:r>
               <a:rPr lang="en-US" altLang="ko-KR" dirty="0" err="1"/>
-              <a:t>kkc</a:t>
+              <a:t>abc</a:t>
             </a:r>
             <a:r>
               <a:rPr lang="en-US" altLang="ko-KR" dirty="0"/>
-              <a:t>: “hello””; // error</a:t>
+              <a:t>’;</a:t>
             </a:r>
           </a:p>
           <a:p>
@@ -12244,32 +12417,15 @@
             </a:pPr>
             <a:r>
               <a:rPr lang="en-US" altLang="ko-KR" dirty="0"/>
-              <a:t>let b = ‘</a:t>
+              <a:t>let b = “</a:t>
             </a:r>
             <a:r>
               <a:rPr lang="en-US" altLang="ko-KR" dirty="0" err="1"/>
-              <a:t>kkc</a:t>
+              <a:t>abc</a:t>
             </a:r>
             <a:r>
               <a:rPr lang="en-US" altLang="ko-KR" dirty="0"/>
-              <a:t>: “hello”’;</a:t>
-            </a:r>
-          </a:p>
-          <a:p>
-            <a:pPr marL="0" indent="0">
-              <a:buNone/>
-            </a:pPr>
-            <a:r>
-              <a:rPr lang="en-US" altLang="ko-KR" dirty="0"/>
-              <a:t>let c = “</a:t>
-            </a:r>
-            <a:r>
-              <a:rPr lang="en-US" altLang="ko-KR" dirty="0" err="1"/>
-              <a:t>kkc</a:t>
-            </a:r>
-            <a:r>
-              <a:rPr lang="en-US" altLang="ko-KR" dirty="0"/>
-              <a:t>: ‘hello’”;</a:t>
+              <a:t>”</a:t>
             </a:r>
           </a:p>
           <a:p>
@@ -12285,7 +12441,7 @@
           <p:cNvPr id="4" name="슬라이드 번호 개체 틀 3">
             <a:extLst>
               <a:ext uri="{FF2B5EF4-FFF2-40B4-BE49-F238E27FC236}">
-                <a16:creationId xmlns:a16="http://schemas.microsoft.com/office/drawing/2014/main" id="{254F49A1-2D04-4E4A-9155-196B330D9915}"/>
+                <a16:creationId xmlns:a16="http://schemas.microsoft.com/office/drawing/2014/main" id="{70FC22C5-D462-4B83-81E5-D267B19FFDF5}"/>
               </a:ext>
             </a:extLst>
           </p:cNvPr>
@@ -12312,7 +12468,7 @@
     </p:spTree>
     <p:extLst>
       <p:ext uri="{BB962C8B-B14F-4D97-AF65-F5344CB8AC3E}">
-        <p14:creationId xmlns:p14="http://schemas.microsoft.com/office/powerpoint/2010/main" val="3536100761"/>
+        <p14:creationId xmlns:p14="http://schemas.microsoft.com/office/powerpoint/2010/main" val="2690207340"/>
       </p:ext>
     </p:extLst>
   </p:cSld>
@@ -12362,7 +12518,7 @@
           <a:p>
             <a:r>
               <a:rPr lang="en-US" altLang="ko-KR" dirty="0"/>
-              <a:t>String - backtick</a:t>
+              <a:t>String - quote, double quote 2</a:t>
             </a:r>
             <a:endParaRPr lang="ko-KR" altLang="en-US" dirty="0"/>
           </a:p>
@@ -12401,7 +12557,7 @@
             </a:pPr>
             <a:r>
               <a:rPr lang="en-US" altLang="ko-KR" dirty="0"/>
-              <a:t>let name = “</a:t>
+              <a:t>let a = “</a:t>
             </a:r>
             <a:r>
               <a:rPr lang="en-US" altLang="ko-KR" dirty="0" err="1"/>
@@ -12409,7 +12565,7 @@
             </a:r>
             <a:r>
               <a:rPr lang="en-US" altLang="ko-KR" dirty="0"/>
-              <a:t>”;</a:t>
+              <a:t>: “hello””; // error</a:t>
             </a:r>
           </a:p>
           <a:p>
@@ -12418,30 +12574,32 @@
             </a:pPr>
             <a:r>
               <a:rPr lang="en-US" altLang="ko-KR" dirty="0"/>
-              <a:t>let group = “</a:t>
+              <a:t>let b = ‘</a:t>
             </a:r>
             <a:r>
               <a:rPr lang="en-US" altLang="ko-KR" dirty="0" err="1"/>
-              <a:t>aslab</a:t>
+              <a:t>kkc</a:t>
             </a:r>
             <a:r>
               <a:rPr lang="en-US" altLang="ko-KR" dirty="0"/>
-              <a:t>”;</a:t>
+              <a:t>: “hello”’;</a:t>
             </a:r>
           </a:p>
           <a:p>
             <a:pPr marL="0" indent="0">
               <a:buNone/>
             </a:pPr>
-            <a:endParaRPr lang="en-US" altLang="ko-KR" dirty="0"/>
-          </a:p>
-          <a:p>
-            <a:pPr marL="0" indent="0">
-              <a:buNone/>
-            </a:pPr>
             <a:r>
               <a:rPr lang="en-US" altLang="ko-KR" dirty="0"/>
-              <a:t>let msg = “Hi. I’m “ + name + “ from “ + group + “!”;</a:t>
+              <a:t>let c = “</a:t>
+            </a:r>
+            <a:r>
+              <a:rPr lang="en-US" altLang="ko-KR" dirty="0" err="1"/>
+              <a:t>kkc</a:t>
+            </a:r>
+            <a:r>
+              <a:rPr lang="en-US" altLang="ko-KR" dirty="0"/>
+              <a:t>: ‘hello’”;</a:t>
             </a:r>
           </a:p>
           <a:p>
@@ -12484,7 +12642,7 @@
     </p:spTree>
     <p:extLst>
       <p:ext uri="{BB962C8B-B14F-4D97-AF65-F5344CB8AC3E}">
-        <p14:creationId xmlns:p14="http://schemas.microsoft.com/office/powerpoint/2010/main" val="3274701957"/>
+        <p14:creationId xmlns:p14="http://schemas.microsoft.com/office/powerpoint/2010/main" val="3536100761"/>
       </p:ext>
     </p:extLst>
   </p:cSld>
@@ -12613,14 +12771,8 @@
             </a:pPr>
             <a:r>
               <a:rPr lang="en-US" altLang="ko-KR" dirty="0"/>
-              <a:t>let msg = `Hi. I’m ${name} from ${group}`;</a:t>
-            </a:r>
-          </a:p>
-          <a:p>
-            <a:pPr marL="0" indent="0">
-              <a:buNone/>
-            </a:pPr>
-            <a:endParaRPr lang="en-US" altLang="ko-KR" dirty="0"/>
+              <a:t>let msg = “Hi. I’m “ + name + “ from “ + group + “!”;</a:t>
+            </a:r>
           </a:p>
           <a:p>
             <a:pPr marL="0" indent="0">
@@ -12662,7 +12814,7 @@
     </p:spTree>
     <p:extLst>
       <p:ext uri="{BB962C8B-B14F-4D97-AF65-F5344CB8AC3E}">
-        <p14:creationId xmlns:p14="http://schemas.microsoft.com/office/powerpoint/2010/main" val="3010498359"/>
+        <p14:creationId xmlns:p14="http://schemas.microsoft.com/office/powerpoint/2010/main" val="3274701957"/>
       </p:ext>
     </p:extLst>
   </p:cSld>
@@ -12712,7 +12864,7 @@
           <a:p>
             <a:r>
               <a:rPr lang="en-US" altLang="ko-KR" dirty="0"/>
-              <a:t>JSON (JavaScript Object Notation) 1</a:t>
+              <a:t>String - backtick</a:t>
             </a:r>
             <a:endParaRPr lang="ko-KR" altLang="en-US" dirty="0"/>
           </a:p>
@@ -12742,7 +12894,7 @@
         </p:spPr>
         <p:txBody>
           <a:bodyPr>
-            <a:normAutofit fontScale="77500" lnSpcReduction="20000"/>
+            <a:normAutofit/>
           </a:bodyPr>
           <a:lstStyle/>
           <a:p>
@@ -12751,7 +12903,7 @@
             </a:pPr>
             <a:r>
               <a:rPr lang="en-US" altLang="ko-KR" dirty="0"/>
-              <a:t>const </a:t>
+              <a:t>let name = “</a:t>
             </a:r>
             <a:r>
               <a:rPr lang="en-US" altLang="ko-KR" dirty="0" err="1"/>
@@ -12759,23 +12911,24 @@
             </a:r>
             <a:r>
               <a:rPr lang="en-US" altLang="ko-KR" dirty="0"/>
-              <a:t> = { name: “</a:t>
+              <a:t>”;</a:t>
+            </a:r>
+          </a:p>
+          <a:p>
+            <a:pPr marL="0" indent="0">
+              <a:buNone/>
+            </a:pPr>
+            <a:r>
+              <a:rPr lang="en-US" altLang="ko-KR" dirty="0"/>
+              <a:t>let group = “</a:t>
             </a:r>
             <a:r>
               <a:rPr lang="en-US" altLang="ko-KR" dirty="0" err="1"/>
-              <a:t>kkc</a:t>
+              <a:t>aslab</a:t>
             </a:r>
             <a:r>
               <a:rPr lang="en-US" altLang="ko-KR" dirty="0"/>
-              <a:t>”, group: “</a:t>
-            </a:r>
-            <a:r>
-              <a:rPr lang="en-US" altLang="ko-KR" dirty="0" err="1"/>
-              <a:t>mju</a:t>
-            </a:r>
-            <a:r>
-              <a:rPr lang="en-US" altLang="ko-KR" dirty="0"/>
-              <a:t>“ };</a:t>
+              <a:t>”;</a:t>
             </a:r>
           </a:p>
           <a:p>
@@ -12789,98 +12942,8 @@
               <a:buNone/>
             </a:pPr>
             <a:r>
-              <a:rPr lang="en-US" altLang="ko-KR" dirty="0" err="1"/>
-              <a:t>kkc.group</a:t>
-            </a:r>
-            <a:r>
               <a:rPr lang="en-US" altLang="ko-KR" dirty="0"/>
-              <a:t> = 5734;</a:t>
-            </a:r>
-          </a:p>
-          <a:p>
-            <a:pPr marL="0" indent="0">
-              <a:buNone/>
-            </a:pPr>
-            <a:r>
-              <a:rPr lang="en-US" altLang="ko-KR" dirty="0" err="1"/>
-              <a:t>kkc.group</a:t>
-            </a:r>
-            <a:r>
-              <a:rPr lang="en-US" altLang="ko-KR" dirty="0"/>
-              <a:t> = “</a:t>
-            </a:r>
-            <a:r>
-              <a:rPr lang="en-US" altLang="ko-KR" dirty="0" err="1"/>
-              <a:t>aslab</a:t>
-            </a:r>
-            <a:r>
-              <a:rPr lang="en-US" altLang="ko-KR" dirty="0"/>
-              <a:t>”;</a:t>
-            </a:r>
-          </a:p>
-          <a:p>
-            <a:pPr marL="0" indent="0">
-              <a:buNone/>
-            </a:pPr>
-            <a:r>
-              <a:rPr lang="en-US" altLang="ko-KR" dirty="0" err="1"/>
-              <a:t>kkc.age</a:t>
-            </a:r>
-            <a:r>
-              <a:rPr lang="en-US" altLang="ko-KR" dirty="0"/>
-              <a:t> = 28;</a:t>
-            </a:r>
-          </a:p>
-          <a:p>
-            <a:pPr marL="0" indent="0">
-              <a:buNone/>
-            </a:pPr>
-            <a:r>
-              <a:rPr lang="en-US" altLang="ko-KR" dirty="0" err="1"/>
-              <a:t>kkc</a:t>
-            </a:r>
-            <a:r>
-              <a:rPr lang="en-US" altLang="ko-KR" dirty="0"/>
-              <a:t>[“My name”] = “</a:t>
-            </a:r>
-            <a:r>
-              <a:rPr lang="en-US" altLang="ko-KR" dirty="0" err="1"/>
-              <a:t>kkc</a:t>
-            </a:r>
-            <a:r>
-              <a:rPr lang="en-US" altLang="ko-KR" dirty="0"/>
-              <a:t>”;</a:t>
-            </a:r>
-          </a:p>
-          <a:p>
-            <a:pPr marL="0" indent="0">
-              <a:buNone/>
-            </a:pPr>
-            <a:r>
-              <a:rPr lang="en-US" altLang="ko-KR" dirty="0" err="1"/>
-              <a:t>kkc.func</a:t>
-            </a:r>
-            <a:r>
-              <a:rPr lang="en-US" altLang="ko-KR" dirty="0"/>
-              <a:t> = function (){</a:t>
-            </a:r>
-          </a:p>
-          <a:p>
-            <a:pPr marL="0" indent="0">
-              <a:buNone/>
-            </a:pPr>
-            <a:r>
-              <a:rPr lang="en-US" altLang="ko-KR" dirty="0"/>
-              <a:t>		  console.log(“hello”);</a:t>
-            </a:r>
-          </a:p>
-          <a:p>
-            <a:pPr marL="0" indent="0">
-              <a:buNone/>
-            </a:pPr>
-            <a:r>
-              <a:rPr lang="en-US" altLang="ko-KR" dirty="0"/>
-              <a:t>	     }</a:t>
+              <a:t>let msg = `Hi. I’m ${name} from ${group}`;</a:t>
             </a:r>
           </a:p>
           <a:p>
@@ -12893,32 +12956,7 @@
             <a:pPr marL="0" indent="0">
               <a:buNone/>
             </a:pPr>
-            <a:r>
-              <a:rPr lang="en-US" altLang="ko-KR" dirty="0"/>
-              <a:t>delete </a:t>
-            </a:r>
-            <a:r>
-              <a:rPr lang="en-US" altLang="ko-KR" dirty="0" err="1"/>
-              <a:t>kkc.age</a:t>
-            </a:r>
             <a:endParaRPr lang="en-US" altLang="ko-KR" dirty="0"/>
-          </a:p>
-          <a:p>
-            <a:pPr marL="0" indent="0">
-              <a:buNone/>
-            </a:pPr>
-            <a:r>
-              <a:rPr lang="en-US" altLang="ko-KR" dirty="0"/>
-              <a:t>delete </a:t>
-            </a:r>
-            <a:r>
-              <a:rPr lang="en-US" altLang="ko-KR" dirty="0" err="1"/>
-              <a:t>kkc</a:t>
-            </a:r>
-            <a:r>
-              <a:rPr lang="en-US" altLang="ko-KR" dirty="0"/>
-              <a:t>[“My name”]</a:t>
-            </a:r>
           </a:p>
         </p:txBody>
       </p:sp>
@@ -12954,7 +12992,7 @@
     </p:spTree>
     <p:extLst>
       <p:ext uri="{BB962C8B-B14F-4D97-AF65-F5344CB8AC3E}">
-        <p14:creationId xmlns:p14="http://schemas.microsoft.com/office/powerpoint/2010/main" val="3689405829"/>
+        <p14:creationId xmlns:p14="http://schemas.microsoft.com/office/powerpoint/2010/main" val="3010498359"/>
       </p:ext>
     </p:extLst>
   </p:cSld>
@@ -13004,7 +13042,7 @@
           <a:p>
             <a:r>
               <a:rPr lang="en-US" altLang="ko-KR" dirty="0"/>
-              <a:t>JSON (JavaScript Object Notation) 2</a:t>
+              <a:t>JSON (JavaScript Object Notation) 1</a:t>
             </a:r>
             <a:endParaRPr lang="ko-KR" altLang="en-US" dirty="0"/>
           </a:p>
@@ -13034,7 +13072,7 @@
         </p:spPr>
         <p:txBody>
           <a:bodyPr>
-            <a:normAutofit/>
+            <a:normAutofit fontScale="77500" lnSpcReduction="20000"/>
           </a:bodyPr>
           <a:lstStyle/>
           <a:p>
@@ -13042,12 +13080,8 @@
               <a:buNone/>
             </a:pPr>
             <a:r>
-              <a:rPr lang="en-US" altLang="ko-KR" dirty="0" err="1"/>
-              <a:t>JSON.stringify</a:t>
-            </a:r>
-            <a:r>
               <a:rPr lang="en-US" altLang="ko-KR" dirty="0"/>
-              <a:t>(</a:t>
+              <a:t>const </a:t>
             </a:r>
             <a:r>
               <a:rPr lang="en-US" altLang="ko-KR" dirty="0" err="1"/>
@@ -13055,7 +13089,23 @@
             </a:r>
             <a:r>
               <a:rPr lang="en-US" altLang="ko-KR" dirty="0"/>
-              <a:t>);</a:t>
+              <a:t> = { name: “</a:t>
+            </a:r>
+            <a:r>
+              <a:rPr lang="en-US" altLang="ko-KR" dirty="0" err="1"/>
+              <a:t>kkc</a:t>
+            </a:r>
+            <a:r>
+              <a:rPr lang="en-US" altLang="ko-KR" dirty="0"/>
+              <a:t>”, group: “</a:t>
+            </a:r>
+            <a:r>
+              <a:rPr lang="en-US" altLang="ko-KR" dirty="0" err="1"/>
+              <a:t>mju</a:t>
+            </a:r>
+            <a:r>
+              <a:rPr lang="en-US" altLang="ko-KR" dirty="0"/>
+              <a:t>“ };</a:t>
             </a:r>
           </a:p>
           <a:p>
@@ -13069,32 +13119,135 @@
               <a:buNone/>
             </a:pPr>
             <a:r>
+              <a:rPr lang="en-US" altLang="ko-KR" dirty="0" err="1"/>
+              <a:t>kkc.group</a:t>
+            </a:r>
+            <a:r>
               <a:rPr lang="en-US" altLang="ko-KR" dirty="0"/>
-              <a:t>const test = </a:t>
-            </a:r>
+              <a:t> = 5734;</a:t>
+            </a:r>
+          </a:p>
+          <a:p>
+            <a:pPr marL="0" indent="0">
+              <a:buNone/>
+            </a:pPr>
             <a:r>
               <a:rPr lang="en-US" altLang="ko-KR" dirty="0" err="1"/>
-              <a:t>JSON.parse</a:t>
+              <a:t>kkc.group</a:t>
             </a:r>
             <a:r>
               <a:rPr lang="en-US" altLang="ko-KR" dirty="0"/>
-              <a:t>(‘{ “name”: “</a:t>
-            </a:r>
+              <a:t> = “</a:t>
+            </a:r>
+            <a:r>
+              <a:rPr lang="en-US" altLang="ko-KR" dirty="0" err="1"/>
+              <a:t>aslab</a:t>
+            </a:r>
+            <a:r>
+              <a:rPr lang="en-US" altLang="ko-KR" dirty="0"/>
+              <a:t>”;</a:t>
+            </a:r>
+          </a:p>
+          <a:p>
+            <a:pPr marL="0" indent="0">
+              <a:buNone/>
+            </a:pPr>
+            <a:r>
+              <a:rPr lang="en-US" altLang="ko-KR" dirty="0" err="1"/>
+              <a:t>kkc.age</a:t>
+            </a:r>
+            <a:r>
+              <a:rPr lang="en-US" altLang="ko-KR" dirty="0"/>
+              <a:t> = 28;</a:t>
+            </a:r>
+          </a:p>
+          <a:p>
+            <a:pPr marL="0" indent="0">
+              <a:buNone/>
+            </a:pPr>
             <a:r>
               <a:rPr lang="en-US" altLang="ko-KR" dirty="0" err="1"/>
               <a:t>kkc</a:t>
             </a:r>
             <a:r>
               <a:rPr lang="en-US" altLang="ko-KR" dirty="0"/>
-              <a:t>”, “group”: “</a:t>
+              <a:t>[“My name”] = “</a:t>
             </a:r>
             <a:r>
               <a:rPr lang="en-US" altLang="ko-KR" dirty="0" err="1"/>
-              <a:t>mju</a:t>
+              <a:t>kkc</a:t>
             </a:r>
             <a:r>
               <a:rPr lang="en-US" altLang="ko-KR" dirty="0"/>
-              <a:t>“ }’)</a:t>
+              <a:t>”;</a:t>
+            </a:r>
+          </a:p>
+          <a:p>
+            <a:pPr marL="0" indent="0">
+              <a:buNone/>
+            </a:pPr>
+            <a:r>
+              <a:rPr lang="en-US" altLang="ko-KR" dirty="0" err="1"/>
+              <a:t>kkc.func</a:t>
+            </a:r>
+            <a:r>
+              <a:rPr lang="en-US" altLang="ko-KR" dirty="0"/>
+              <a:t> = function (){</a:t>
+            </a:r>
+          </a:p>
+          <a:p>
+            <a:pPr marL="0" indent="0">
+              <a:buNone/>
+            </a:pPr>
+            <a:r>
+              <a:rPr lang="en-US" altLang="ko-KR" dirty="0"/>
+              <a:t>		  console.log(“hello”);</a:t>
+            </a:r>
+          </a:p>
+          <a:p>
+            <a:pPr marL="0" indent="0">
+              <a:buNone/>
+            </a:pPr>
+            <a:r>
+              <a:rPr lang="en-US" altLang="ko-KR" dirty="0"/>
+              <a:t>	     }</a:t>
+            </a:r>
+          </a:p>
+          <a:p>
+            <a:pPr marL="0" indent="0">
+              <a:buNone/>
+            </a:pPr>
+            <a:endParaRPr lang="en-US" altLang="ko-KR" dirty="0"/>
+          </a:p>
+          <a:p>
+            <a:pPr marL="0" indent="0">
+              <a:buNone/>
+            </a:pPr>
+            <a:r>
+              <a:rPr lang="en-US" altLang="ko-KR" dirty="0"/>
+              <a:t>delete </a:t>
+            </a:r>
+            <a:r>
+              <a:rPr lang="en-US" altLang="ko-KR" dirty="0" err="1"/>
+              <a:t>kkc.age</a:t>
+            </a:r>
+            <a:endParaRPr lang="en-US" altLang="ko-KR" dirty="0"/>
+          </a:p>
+          <a:p>
+            <a:pPr marL="0" indent="0">
+              <a:buNone/>
+            </a:pPr>
+            <a:r>
+              <a:rPr lang="en-US" altLang="ko-KR" dirty="0"/>
+              <a:t>delete </a:t>
+            </a:r>
+            <a:r>
+              <a:rPr lang="en-US" altLang="ko-KR" dirty="0" err="1"/>
+              <a:t>kkc</a:t>
+            </a:r>
+            <a:r>
+              <a:rPr lang="en-US" altLang="ko-KR" dirty="0"/>
+              <a:t>[“My name”]</a:t>
             </a:r>
           </a:p>
         </p:txBody>
@@ -13131,7 +13284,7 @@
     </p:spTree>
     <p:extLst>
       <p:ext uri="{BB962C8B-B14F-4D97-AF65-F5344CB8AC3E}">
-        <p14:creationId xmlns:p14="http://schemas.microsoft.com/office/powerpoint/2010/main" val="92077419"/>
+        <p14:creationId xmlns:p14="http://schemas.microsoft.com/office/powerpoint/2010/main" val="3689405829"/>
       </p:ext>
     </p:extLst>
   </p:cSld>
@@ -13160,10 +13313,10 @@
       </p:grpSpPr>
       <p:sp>
         <p:nvSpPr>
-          <p:cNvPr id="6" name="제목 5">
-            <a:extLst>
-              <a:ext uri="{FF2B5EF4-FFF2-40B4-BE49-F238E27FC236}">
-                <a16:creationId xmlns:a16="http://schemas.microsoft.com/office/drawing/2014/main" id="{A18F998C-9456-480F-81C3-BE2EE6692E01}"/>
+          <p:cNvPr id="2" name="제목 1">
+            <a:extLst>
+              <a:ext uri="{FF2B5EF4-FFF2-40B4-BE49-F238E27FC236}">
+                <a16:creationId xmlns:a16="http://schemas.microsoft.com/office/drawing/2014/main" id="{17285BFE-2111-43F6-9098-8081297CC9B8}"/>
               </a:ext>
             </a:extLst>
           </p:cNvPr>
@@ -13181,55 +13334,107 @@
           <a:p>
             <a:r>
               <a:rPr lang="en-US" altLang="ko-KR" dirty="0"/>
-              <a:t>Advanced</a:t>
-            </a:r>
-            <a:r>
-              <a:rPr lang="ko-KR" altLang="en-US" dirty="0"/>
-              <a:t> </a:t>
-            </a:r>
+              <a:t>JSON (JavaScript Object Notation) 2</a:t>
+            </a:r>
+            <a:endParaRPr lang="ko-KR" altLang="en-US" dirty="0"/>
+          </a:p>
+        </p:txBody>
+      </p:sp>
+      <p:sp>
+        <p:nvSpPr>
+          <p:cNvPr id="3" name="내용 개체 틀 2">
+            <a:extLst>
+              <a:ext uri="{FF2B5EF4-FFF2-40B4-BE49-F238E27FC236}">
+                <a16:creationId xmlns:a16="http://schemas.microsoft.com/office/drawing/2014/main" id="{48D08421-BD34-4B77-BB16-FBB72054B792}"/>
+              </a:ext>
+            </a:extLst>
+          </p:cNvPr>
+          <p:cNvSpPr>
+            <a:spLocks noGrp="1"/>
+          </p:cNvSpPr>
+          <p:nvPr>
+            <p:ph idx="1"/>
+          </p:nvPr>
+        </p:nvSpPr>
+        <p:spPr>
+          <a:xfrm>
+            <a:off x="838199" y="1825625"/>
+            <a:ext cx="10515601" cy="4351338"/>
+          </a:xfrm>
+        </p:spPr>
+        <p:txBody>
+          <a:bodyPr>
+            <a:normAutofit/>
+          </a:bodyPr>
+          <a:lstStyle/>
+          <a:p>
+            <a:pPr marL="0" indent="0">
+              <a:buNone/>
+            </a:pPr>
             <a:r>
               <a:rPr lang="en-US" altLang="ko-KR" dirty="0" err="1"/>
-              <a:t>Javascript</a:t>
-            </a:r>
-            <a:endParaRPr lang="ko-KR" altLang="en-US" dirty="0"/>
-          </a:p>
-        </p:txBody>
-      </p:sp>
-      <p:sp>
-        <p:nvSpPr>
-          <p:cNvPr id="7" name="텍스트 개체 틀 6">
-            <a:extLst>
-              <a:ext uri="{FF2B5EF4-FFF2-40B4-BE49-F238E27FC236}">
-                <a16:creationId xmlns:a16="http://schemas.microsoft.com/office/drawing/2014/main" id="{053A049F-BE1A-4D6C-BCEB-65FE1C711BBC}"/>
-              </a:ext>
-            </a:extLst>
-          </p:cNvPr>
-          <p:cNvSpPr>
-            <a:spLocks noGrp="1"/>
-          </p:cNvSpPr>
-          <p:nvPr>
-            <p:ph type="body" idx="1"/>
-          </p:nvPr>
-        </p:nvSpPr>
-        <p:spPr/>
-        <p:txBody>
-          <a:bodyPr/>
-          <a:lstStyle/>
-          <a:p>
+              <a:t>JSON.stringify</a:t>
+            </a:r>
             <a:r>
               <a:rPr lang="en-US" altLang="ko-KR" dirty="0"/>
-              <a:t>Arrow Function, Higher-order function, Asynchronous</a:t>
-            </a:r>
-            <a:endParaRPr lang="ko-KR" altLang="en-US" dirty="0"/>
-          </a:p>
-        </p:txBody>
-      </p:sp>
-      <p:sp>
-        <p:nvSpPr>
-          <p:cNvPr id="2" name="슬라이드 번호 개체 틀 1">
-            <a:extLst>
-              <a:ext uri="{FF2B5EF4-FFF2-40B4-BE49-F238E27FC236}">
-                <a16:creationId xmlns:a16="http://schemas.microsoft.com/office/drawing/2014/main" id="{DB90420C-77A9-455A-B1AC-3A66950375A2}"/>
+              <a:t>(</a:t>
+            </a:r>
+            <a:r>
+              <a:rPr lang="en-US" altLang="ko-KR" dirty="0" err="1"/>
+              <a:t>kkc</a:t>
+            </a:r>
+            <a:r>
+              <a:rPr lang="en-US" altLang="ko-KR" dirty="0"/>
+              <a:t>);</a:t>
+            </a:r>
+          </a:p>
+          <a:p>
+            <a:pPr marL="0" indent="0">
+              <a:buNone/>
+            </a:pPr>
+            <a:endParaRPr lang="en-US" altLang="ko-KR" dirty="0"/>
+          </a:p>
+          <a:p>
+            <a:pPr marL="0" indent="0">
+              <a:buNone/>
+            </a:pPr>
+            <a:r>
+              <a:rPr lang="en-US" altLang="ko-KR" dirty="0"/>
+              <a:t>const test = </a:t>
+            </a:r>
+            <a:r>
+              <a:rPr lang="en-US" altLang="ko-KR" dirty="0" err="1"/>
+              <a:t>JSON.parse</a:t>
+            </a:r>
+            <a:r>
+              <a:rPr lang="en-US" altLang="ko-KR" dirty="0"/>
+              <a:t>(‘{ “name”: “</a:t>
+            </a:r>
+            <a:r>
+              <a:rPr lang="en-US" altLang="ko-KR" dirty="0" err="1"/>
+              <a:t>kkc</a:t>
+            </a:r>
+            <a:r>
+              <a:rPr lang="en-US" altLang="ko-KR" dirty="0"/>
+              <a:t>”, “group”: “</a:t>
+            </a:r>
+            <a:r>
+              <a:rPr lang="en-US" altLang="ko-KR" dirty="0" err="1"/>
+              <a:t>mju</a:t>
+            </a:r>
+            <a:r>
+              <a:rPr lang="en-US" altLang="ko-KR" dirty="0"/>
+              <a:t>“ }’)</a:t>
+            </a:r>
+          </a:p>
+        </p:txBody>
+      </p:sp>
+      <p:sp>
+        <p:nvSpPr>
+          <p:cNvPr id="4" name="슬라이드 번호 개체 틀 3">
+            <a:extLst>
+              <a:ext uri="{FF2B5EF4-FFF2-40B4-BE49-F238E27FC236}">
+                <a16:creationId xmlns:a16="http://schemas.microsoft.com/office/drawing/2014/main" id="{254F49A1-2D04-4E4A-9155-196B330D9915}"/>
               </a:ext>
             </a:extLst>
           </p:cNvPr>
@@ -13256,7 +13461,7 @@
     </p:spTree>
     <p:extLst>
       <p:ext uri="{BB962C8B-B14F-4D97-AF65-F5344CB8AC3E}">
-        <p14:creationId xmlns:p14="http://schemas.microsoft.com/office/powerpoint/2010/main" val="698135812"/>
+        <p14:creationId xmlns:p14="http://schemas.microsoft.com/office/powerpoint/2010/main" val="92077419"/>
       </p:ext>
     </p:extLst>
   </p:cSld>
@@ -13285,10 +13490,10 @@
       </p:grpSpPr>
       <p:sp>
         <p:nvSpPr>
-          <p:cNvPr id="2" name="제목 1">
-            <a:extLst>
-              <a:ext uri="{FF2B5EF4-FFF2-40B4-BE49-F238E27FC236}">
-                <a16:creationId xmlns:a16="http://schemas.microsoft.com/office/drawing/2014/main" id="{17285BFE-2111-43F6-9098-8081297CC9B8}"/>
+          <p:cNvPr id="6" name="제목 5">
+            <a:extLst>
+              <a:ext uri="{FF2B5EF4-FFF2-40B4-BE49-F238E27FC236}">
+                <a16:creationId xmlns:a16="http://schemas.microsoft.com/office/drawing/2014/main" id="{A18F998C-9456-480F-81C3-BE2EE6692E01}"/>
               </a:ext>
             </a:extLst>
           </p:cNvPr>
@@ -13306,7 +13511,15 @@
           <a:p>
             <a:r>
               <a:rPr lang="en-US" altLang="ko-KR" dirty="0"/>
-              <a:t>Arrow Function (lambda) - 1</a:t>
+              <a:t>Advanced</a:t>
+            </a:r>
+            <a:r>
+              <a:rPr lang="ko-KR" altLang="en-US" dirty="0"/>
+              <a:t> </a:t>
+            </a:r>
+            <a:r>
+              <a:rPr lang="en-US" altLang="ko-KR" dirty="0" err="1"/>
+              <a:t>Javascript</a:t>
             </a:r>
             <a:endParaRPr lang="ko-KR" altLang="en-US" dirty="0"/>
           </a:p>
@@ -13314,10 +13527,39 @@
       </p:sp>
       <p:sp>
         <p:nvSpPr>
-          <p:cNvPr id="4" name="슬라이드 번호 개체 틀 3">
-            <a:extLst>
-              <a:ext uri="{FF2B5EF4-FFF2-40B4-BE49-F238E27FC236}">
-                <a16:creationId xmlns:a16="http://schemas.microsoft.com/office/drawing/2014/main" id="{254F49A1-2D04-4E4A-9155-196B330D9915}"/>
+          <p:cNvPr id="7" name="텍스트 개체 틀 6">
+            <a:extLst>
+              <a:ext uri="{FF2B5EF4-FFF2-40B4-BE49-F238E27FC236}">
+                <a16:creationId xmlns:a16="http://schemas.microsoft.com/office/drawing/2014/main" id="{053A049F-BE1A-4D6C-BCEB-65FE1C711BBC}"/>
+              </a:ext>
+            </a:extLst>
+          </p:cNvPr>
+          <p:cNvSpPr>
+            <a:spLocks noGrp="1"/>
+          </p:cNvSpPr>
+          <p:nvPr>
+            <p:ph type="body" idx="1"/>
+          </p:nvPr>
+        </p:nvSpPr>
+        <p:spPr/>
+        <p:txBody>
+          <a:bodyPr/>
+          <a:lstStyle/>
+          <a:p>
+            <a:r>
+              <a:rPr lang="en-US" altLang="ko-KR" dirty="0"/>
+              <a:t>Arrow Function, Higher-order function, Asynchronous</a:t>
+            </a:r>
+            <a:endParaRPr lang="ko-KR" altLang="en-US" dirty="0"/>
+          </a:p>
+        </p:txBody>
+      </p:sp>
+      <p:sp>
+        <p:nvSpPr>
+          <p:cNvPr id="2" name="슬라이드 번호 개체 틀 1">
+            <a:extLst>
+              <a:ext uri="{FF2B5EF4-FFF2-40B4-BE49-F238E27FC236}">
+                <a16:creationId xmlns:a16="http://schemas.microsoft.com/office/drawing/2014/main" id="{DB90420C-77A9-455A-B1AC-3A66950375A2}"/>
               </a:ext>
             </a:extLst>
           </p:cNvPr>
@@ -13336,6 +13578,94 @@
             <a:fld id="{218E8BD7-F182-4B37-9978-F83F0E1A36DD}" type="slidenum">
               <a:rPr lang="ko-KR" altLang="en-US" smtClean="0"/>
               <a:t>28</a:t>
+            </a:fld>
+            <a:endParaRPr lang="ko-KR" altLang="en-US"/>
+          </a:p>
+        </p:txBody>
+      </p:sp>
+    </p:spTree>
+    <p:extLst>
+      <p:ext uri="{BB962C8B-B14F-4D97-AF65-F5344CB8AC3E}">
+        <p14:creationId xmlns:p14="http://schemas.microsoft.com/office/powerpoint/2010/main" val="698135812"/>
+      </p:ext>
+    </p:extLst>
+  </p:cSld>
+  <p:clrMapOvr>
+    <a:masterClrMapping/>
+  </p:clrMapOvr>
+</p:sld>
+</file>
+
+<file path=ppt/slides/slide29.xml><?xml version="1.0" encoding="utf-8"?>
+<p:sld xmlns:a="http://schemas.openxmlformats.org/drawingml/2006/main" xmlns:r="http://schemas.openxmlformats.org/officeDocument/2006/relationships" xmlns:p="http://schemas.openxmlformats.org/presentationml/2006/main">
+  <p:cSld>
+    <p:spTree>
+      <p:nvGrpSpPr>
+        <p:cNvPr id="1" name=""/>
+        <p:cNvGrpSpPr/>
+        <p:nvPr/>
+      </p:nvGrpSpPr>
+      <p:grpSpPr>
+        <a:xfrm>
+          <a:off x="0" y="0"/>
+          <a:ext cx="0" cy="0"/>
+          <a:chOff x="0" y="0"/>
+          <a:chExt cx="0" cy="0"/>
+        </a:xfrm>
+      </p:grpSpPr>
+      <p:sp>
+        <p:nvSpPr>
+          <p:cNvPr id="2" name="제목 1">
+            <a:extLst>
+              <a:ext uri="{FF2B5EF4-FFF2-40B4-BE49-F238E27FC236}">
+                <a16:creationId xmlns:a16="http://schemas.microsoft.com/office/drawing/2014/main" id="{17285BFE-2111-43F6-9098-8081297CC9B8}"/>
+              </a:ext>
+            </a:extLst>
+          </p:cNvPr>
+          <p:cNvSpPr>
+            <a:spLocks noGrp="1"/>
+          </p:cNvSpPr>
+          <p:nvPr>
+            <p:ph type="title"/>
+          </p:nvPr>
+        </p:nvSpPr>
+        <p:spPr/>
+        <p:txBody>
+          <a:bodyPr/>
+          <a:lstStyle/>
+          <a:p>
+            <a:r>
+              <a:rPr lang="en-US" altLang="ko-KR" dirty="0"/>
+              <a:t>Arrow Function (lambda) - 1</a:t>
+            </a:r>
+            <a:endParaRPr lang="ko-KR" altLang="en-US" dirty="0"/>
+          </a:p>
+        </p:txBody>
+      </p:sp>
+      <p:sp>
+        <p:nvSpPr>
+          <p:cNvPr id="4" name="슬라이드 번호 개체 틀 3">
+            <a:extLst>
+              <a:ext uri="{FF2B5EF4-FFF2-40B4-BE49-F238E27FC236}">
+                <a16:creationId xmlns:a16="http://schemas.microsoft.com/office/drawing/2014/main" id="{254F49A1-2D04-4E4A-9155-196B330D9915}"/>
+              </a:ext>
+            </a:extLst>
+          </p:cNvPr>
+          <p:cNvSpPr>
+            <a:spLocks noGrp="1"/>
+          </p:cNvSpPr>
+          <p:nvPr>
+            <p:ph type="sldNum" sz="quarter" idx="12"/>
+          </p:nvPr>
+        </p:nvSpPr>
+        <p:spPr/>
+        <p:txBody>
+          <a:bodyPr/>
+          <a:lstStyle/>
+          <a:p>
+            <a:fld id="{218E8BD7-F182-4B37-9978-F83F0E1A36DD}" type="slidenum">
+              <a:rPr lang="ko-KR" altLang="en-US" smtClean="0"/>
+              <a:t>29</a:t>
             </a:fld>
             <a:endParaRPr lang="ko-KR" altLang="en-US"/>
           </a:p>
@@ -13414,7 +13744,7 @@
 </p:sld>
 </file>
 
-<file path=ppt/slides/slide29.xml><?xml version="1.0" encoding="utf-8"?>
+<file path=ppt/slides/slide3.xml><?xml version="1.0" encoding="utf-8"?>
 <p:sld xmlns:a="http://schemas.openxmlformats.org/drawingml/2006/main" xmlns:r="http://schemas.openxmlformats.org/officeDocument/2006/relationships" xmlns:p="http://schemas.openxmlformats.org/presentationml/2006/main">
   <p:cSld>
     <p:spTree>
@@ -13436,6 +13766,303 @@
           <p:cNvPr id="2" name="제목 1">
             <a:extLst>
               <a:ext uri="{FF2B5EF4-FFF2-40B4-BE49-F238E27FC236}">
+                <a16:creationId xmlns:a16="http://schemas.microsoft.com/office/drawing/2014/main" id="{672A6FBF-DD5F-4EB2-9378-E626E47411B8}"/>
+              </a:ext>
+            </a:extLst>
+          </p:cNvPr>
+          <p:cNvSpPr>
+            <a:spLocks noGrp="1"/>
+          </p:cNvSpPr>
+          <p:nvPr>
+            <p:ph type="title"/>
+          </p:nvPr>
+        </p:nvSpPr>
+        <p:spPr/>
+        <p:txBody>
+          <a:bodyPr/>
+          <a:lstStyle/>
+          <a:p>
+            <a:r>
+              <a:rPr lang="en-US" altLang="ko-KR" dirty="0"/>
+              <a:t>History of </a:t>
+            </a:r>
+            <a:r>
+              <a:rPr lang="en-US" altLang="ko-KR" dirty="0" err="1"/>
+              <a:t>Javascript</a:t>
+            </a:r>
+            <a:endParaRPr lang="ko-KR" altLang="en-US" dirty="0"/>
+          </a:p>
+        </p:txBody>
+      </p:sp>
+      <p:pic>
+        <p:nvPicPr>
+          <p:cNvPr id="1026" name="Picture 2" descr="NCSA Mosaic Internet Web Browser">
+            <a:extLst>
+              <a:ext uri="{FF2B5EF4-FFF2-40B4-BE49-F238E27FC236}">
+                <a16:creationId xmlns:a16="http://schemas.microsoft.com/office/drawing/2014/main" id="{43C3F600-7E10-4C60-B1B0-0ACA5FA9CE2A}"/>
+              </a:ext>
+            </a:extLst>
+          </p:cNvPr>
+          <p:cNvPicPr>
+            <a:picLocks noGrp="1" noChangeAspect="1" noChangeArrowheads="1"/>
+          </p:cNvPicPr>
+          <p:nvPr>
+            <p:ph idx="1"/>
+          </p:nvPr>
+        </p:nvPicPr>
+        <p:blipFill>
+          <a:blip r:embed="rId3">
+            <a:extLst>
+              <a:ext uri="{28A0092B-C50C-407E-A947-70E740481C1C}">
+                <a14:useLocalDpi xmlns:a14="http://schemas.microsoft.com/office/drawing/2010/main" val="0"/>
+              </a:ext>
+            </a:extLst>
+          </a:blip>
+          <a:srcRect/>
+          <a:stretch>
+            <a:fillRect/>
+          </a:stretch>
+        </p:blipFill>
+        <p:spPr bwMode="auto">
+          <a:xfrm>
+            <a:off x="1739097" y="1458770"/>
+            <a:ext cx="3865798" cy="3581199"/>
+          </a:xfrm>
+          <a:prstGeom prst="rect">
+            <a:avLst/>
+          </a:prstGeom>
+          <a:noFill/>
+          <a:extLst>
+            <a:ext uri="{909E8E84-426E-40DD-AFC4-6F175D3DCCD1}">
+              <a14:hiddenFill xmlns:a14="http://schemas.microsoft.com/office/drawing/2010/main">
+                <a:solidFill>
+                  <a:srgbClr val="FFFFFF"/>
+                </a:solidFill>
+              </a14:hiddenFill>
+            </a:ext>
+          </a:extLst>
+        </p:spPr>
+      </p:pic>
+      <p:pic>
+        <p:nvPicPr>
+          <p:cNvPr id="1028" name="Picture 4">
+            <a:extLst>
+              <a:ext uri="{FF2B5EF4-FFF2-40B4-BE49-F238E27FC236}">
+                <a16:creationId xmlns:a16="http://schemas.microsoft.com/office/drawing/2014/main" id="{78C0E17C-1711-46C1-8939-7EE73C33BFEC}"/>
+              </a:ext>
+            </a:extLst>
+          </p:cNvPr>
+          <p:cNvPicPr>
+            <a:picLocks noChangeAspect="1" noChangeArrowheads="1"/>
+          </p:cNvPicPr>
+          <p:nvPr/>
+        </p:nvPicPr>
+        <p:blipFill>
+          <a:blip r:embed="rId4">
+            <a:extLst>
+              <a:ext uri="{28A0092B-C50C-407E-A947-70E740481C1C}">
+                <a14:useLocalDpi xmlns:a14="http://schemas.microsoft.com/office/drawing/2010/main" val="0"/>
+              </a:ext>
+            </a:extLst>
+          </a:blip>
+          <a:srcRect/>
+          <a:stretch>
+            <a:fillRect/>
+          </a:stretch>
+        </p:blipFill>
+        <p:spPr bwMode="auto">
+          <a:xfrm>
+            <a:off x="7230465" y="1430351"/>
+            <a:ext cx="3865798" cy="3604786"/>
+          </a:xfrm>
+          <a:prstGeom prst="rect">
+            <a:avLst/>
+          </a:prstGeom>
+          <a:noFill/>
+          <a:extLst>
+            <a:ext uri="{909E8E84-426E-40DD-AFC4-6F175D3DCCD1}">
+              <a14:hiddenFill xmlns:a14="http://schemas.microsoft.com/office/drawing/2010/main">
+                <a:solidFill>
+                  <a:srgbClr val="FFFFFF"/>
+                </a:solidFill>
+              </a14:hiddenFill>
+            </a:ext>
+          </a:extLst>
+        </p:spPr>
+      </p:pic>
+      <p:sp>
+        <p:nvSpPr>
+          <p:cNvPr id="4" name="TextBox 3">
+            <a:extLst>
+              <a:ext uri="{FF2B5EF4-FFF2-40B4-BE49-F238E27FC236}">
+                <a16:creationId xmlns:a16="http://schemas.microsoft.com/office/drawing/2014/main" id="{A5E9B0BA-82EA-453C-AE21-3A0A1255A49E}"/>
+              </a:ext>
+            </a:extLst>
+          </p:cNvPr>
+          <p:cNvSpPr txBox="1"/>
+          <p:nvPr/>
+        </p:nvSpPr>
+        <p:spPr>
+          <a:xfrm>
+            <a:off x="3212575" y="5214564"/>
+            <a:ext cx="918841" cy="369332"/>
+          </a:xfrm>
+          <a:prstGeom prst="rect">
+            <a:avLst/>
+          </a:prstGeom>
+          <a:noFill/>
+        </p:spPr>
+        <p:txBody>
+          <a:bodyPr wrap="none" rtlCol="0">
+            <a:spAutoFit/>
+          </a:bodyPr>
+          <a:lstStyle/>
+          <a:p>
+            <a:r>
+              <a:rPr lang="en-US" altLang="ko-KR" dirty="0"/>
+              <a:t>Mosaic</a:t>
+            </a:r>
+            <a:endParaRPr lang="ko-KR" altLang="en-US" dirty="0"/>
+          </a:p>
+        </p:txBody>
+      </p:sp>
+      <p:sp>
+        <p:nvSpPr>
+          <p:cNvPr id="7" name="TextBox 6">
+            <a:extLst>
+              <a:ext uri="{FF2B5EF4-FFF2-40B4-BE49-F238E27FC236}">
+                <a16:creationId xmlns:a16="http://schemas.microsoft.com/office/drawing/2014/main" id="{27A1C2C0-B135-42CA-AF9E-55ED64DD42B9}"/>
+              </a:ext>
+            </a:extLst>
+          </p:cNvPr>
+          <p:cNvSpPr txBox="1"/>
+          <p:nvPr/>
+        </p:nvSpPr>
+        <p:spPr>
+          <a:xfrm>
+            <a:off x="8034048" y="5242983"/>
+            <a:ext cx="2258632" cy="369332"/>
+          </a:xfrm>
+          <a:prstGeom prst="rect">
+            <a:avLst/>
+          </a:prstGeom>
+          <a:noFill/>
+        </p:spPr>
+        <p:txBody>
+          <a:bodyPr wrap="none" rtlCol="0">
+            <a:spAutoFit/>
+          </a:bodyPr>
+          <a:lstStyle/>
+          <a:p>
+            <a:pPr algn="ctr"/>
+            <a:r>
+              <a:rPr lang="en-US" altLang="ko-KR" dirty="0"/>
+              <a:t>Netscape Navigator</a:t>
+            </a:r>
+            <a:endParaRPr lang="ko-KR" altLang="en-US" dirty="0"/>
+          </a:p>
+        </p:txBody>
+      </p:sp>
+      <p:sp>
+        <p:nvSpPr>
+          <p:cNvPr id="5" name="TextBox 4">
+            <a:extLst>
+              <a:ext uri="{FF2B5EF4-FFF2-40B4-BE49-F238E27FC236}">
+                <a16:creationId xmlns:a16="http://schemas.microsoft.com/office/drawing/2014/main" id="{3AFC68E4-E80F-48BE-97E1-BF5E5A30DA33}"/>
+              </a:ext>
+            </a:extLst>
+          </p:cNvPr>
+          <p:cNvSpPr txBox="1"/>
+          <p:nvPr/>
+        </p:nvSpPr>
+        <p:spPr>
+          <a:xfrm>
+            <a:off x="4131416" y="5902478"/>
+            <a:ext cx="4207242" cy="523220"/>
+          </a:xfrm>
+          <a:prstGeom prst="rect">
+            <a:avLst/>
+          </a:prstGeom>
+          <a:noFill/>
+        </p:spPr>
+        <p:txBody>
+          <a:bodyPr wrap="none" rtlCol="0">
+            <a:spAutoFit/>
+          </a:bodyPr>
+          <a:lstStyle/>
+          <a:p>
+            <a:r>
+              <a:rPr lang="en-US" altLang="ko-KR" sz="2800" dirty="0"/>
+              <a:t>It's too static and boring</a:t>
+            </a:r>
+            <a:endParaRPr lang="ko-KR" altLang="en-US" sz="2800" dirty="0"/>
+          </a:p>
+        </p:txBody>
+      </p:sp>
+      <p:sp>
+        <p:nvSpPr>
+          <p:cNvPr id="3" name="슬라이드 번호 개체 틀 2">
+            <a:extLst>
+              <a:ext uri="{FF2B5EF4-FFF2-40B4-BE49-F238E27FC236}">
+                <a16:creationId xmlns:a16="http://schemas.microsoft.com/office/drawing/2014/main" id="{F7C8F756-9A95-469E-B5B4-3CA36430C290}"/>
+              </a:ext>
+            </a:extLst>
+          </p:cNvPr>
+          <p:cNvSpPr>
+            <a:spLocks noGrp="1"/>
+          </p:cNvSpPr>
+          <p:nvPr>
+            <p:ph type="sldNum" sz="quarter" idx="12"/>
+          </p:nvPr>
+        </p:nvSpPr>
+        <p:spPr/>
+        <p:txBody>
+          <a:bodyPr/>
+          <a:lstStyle/>
+          <a:p>
+            <a:fld id="{218E8BD7-F182-4B37-9978-F83F0E1A36DD}" type="slidenum">
+              <a:rPr lang="ko-KR" altLang="en-US" smtClean="0"/>
+              <a:t>3</a:t>
+            </a:fld>
+            <a:endParaRPr lang="ko-KR" altLang="en-US"/>
+          </a:p>
+        </p:txBody>
+      </p:sp>
+    </p:spTree>
+    <p:extLst>
+      <p:ext uri="{BB962C8B-B14F-4D97-AF65-F5344CB8AC3E}">
+        <p14:creationId xmlns:p14="http://schemas.microsoft.com/office/powerpoint/2010/main" val="1423496037"/>
+      </p:ext>
+    </p:extLst>
+  </p:cSld>
+  <p:clrMapOvr>
+    <a:masterClrMapping/>
+  </p:clrMapOvr>
+</p:sld>
+</file>
+
+<file path=ppt/slides/slide30.xml><?xml version="1.0" encoding="utf-8"?>
+<p:sld xmlns:a="http://schemas.openxmlformats.org/drawingml/2006/main" xmlns:r="http://schemas.openxmlformats.org/officeDocument/2006/relationships" xmlns:p="http://schemas.openxmlformats.org/presentationml/2006/main">
+  <p:cSld>
+    <p:spTree>
+      <p:nvGrpSpPr>
+        <p:cNvPr id="1" name=""/>
+        <p:cNvGrpSpPr/>
+        <p:nvPr/>
+      </p:nvGrpSpPr>
+      <p:grpSpPr>
+        <a:xfrm>
+          <a:off x="0" y="0"/>
+          <a:ext cx="0" cy="0"/>
+          <a:chOff x="0" y="0"/>
+          <a:chExt cx="0" cy="0"/>
+        </a:xfrm>
+      </p:grpSpPr>
+      <p:sp>
+        <p:nvSpPr>
+          <p:cNvPr id="2" name="제목 1">
+            <a:extLst>
+              <a:ext uri="{FF2B5EF4-FFF2-40B4-BE49-F238E27FC236}">
                 <a16:creationId xmlns:a16="http://schemas.microsoft.com/office/drawing/2014/main" id="{17285BFE-2111-43F6-9098-8081297CC9B8}"/>
               </a:ext>
             </a:extLst>
@@ -13486,7 +14113,7 @@
           <a:p>
             <a:fld id="{218E8BD7-F182-4B37-9978-F83F0E1A36DD}" type="slidenum">
               <a:rPr lang="ko-KR" altLang="en-US" smtClean="0"/>
-              <a:t>29</a:t>
+              <a:t>30</a:t>
             </a:fld>
             <a:endParaRPr lang="ko-KR" altLang="en-US"/>
           </a:p>
@@ -13535,451 +14162,6 @@
 </p:sld>
 </file>
 
-<file path=ppt/slides/slide3.xml><?xml version="1.0" encoding="utf-8"?>
-<p:sld xmlns:a="http://schemas.openxmlformats.org/drawingml/2006/main" xmlns:r="http://schemas.openxmlformats.org/officeDocument/2006/relationships" xmlns:p="http://schemas.openxmlformats.org/presentationml/2006/main">
-  <p:cSld>
-    <p:spTree>
-      <p:nvGrpSpPr>
-        <p:cNvPr id="1" name=""/>
-        <p:cNvGrpSpPr/>
-        <p:nvPr/>
-      </p:nvGrpSpPr>
-      <p:grpSpPr>
-        <a:xfrm>
-          <a:off x="0" y="0"/>
-          <a:ext cx="0" cy="0"/>
-          <a:chOff x="0" y="0"/>
-          <a:chExt cx="0" cy="0"/>
-        </a:xfrm>
-      </p:grpSpPr>
-      <p:sp>
-        <p:nvSpPr>
-          <p:cNvPr id="2" name="제목 1">
-            <a:extLst>
-              <a:ext uri="{FF2B5EF4-FFF2-40B4-BE49-F238E27FC236}">
-                <a16:creationId xmlns:a16="http://schemas.microsoft.com/office/drawing/2014/main" id="{672A6FBF-DD5F-4EB2-9378-E626E47411B8}"/>
-              </a:ext>
-            </a:extLst>
-          </p:cNvPr>
-          <p:cNvSpPr>
-            <a:spLocks noGrp="1"/>
-          </p:cNvSpPr>
-          <p:nvPr>
-            <p:ph type="title"/>
-          </p:nvPr>
-        </p:nvSpPr>
-        <p:spPr/>
-        <p:txBody>
-          <a:bodyPr/>
-          <a:lstStyle/>
-          <a:p>
-            <a:r>
-              <a:rPr lang="en-US" altLang="ko-KR" dirty="0"/>
-              <a:t>History of </a:t>
-            </a:r>
-            <a:r>
-              <a:rPr lang="en-US" altLang="ko-KR" dirty="0" err="1"/>
-              <a:t>Javascript</a:t>
-            </a:r>
-            <a:endParaRPr lang="ko-KR" altLang="en-US" dirty="0"/>
-          </a:p>
-        </p:txBody>
-      </p:sp>
-      <p:pic>
-        <p:nvPicPr>
-          <p:cNvPr id="1026" name="Picture 2" descr="NCSA Mosaic Internet Web Browser">
-            <a:extLst>
-              <a:ext uri="{FF2B5EF4-FFF2-40B4-BE49-F238E27FC236}">
-                <a16:creationId xmlns:a16="http://schemas.microsoft.com/office/drawing/2014/main" id="{43C3F600-7E10-4C60-B1B0-0ACA5FA9CE2A}"/>
-              </a:ext>
-            </a:extLst>
-          </p:cNvPr>
-          <p:cNvPicPr>
-            <a:picLocks noGrp="1" noChangeAspect="1" noChangeArrowheads="1"/>
-          </p:cNvPicPr>
-          <p:nvPr>
-            <p:ph idx="1"/>
-          </p:nvPr>
-        </p:nvPicPr>
-        <p:blipFill>
-          <a:blip r:embed="rId3">
-            <a:extLst>
-              <a:ext uri="{28A0092B-C50C-407E-A947-70E740481C1C}">
-                <a14:useLocalDpi xmlns:a14="http://schemas.microsoft.com/office/drawing/2010/main" val="0"/>
-              </a:ext>
-            </a:extLst>
-          </a:blip>
-          <a:srcRect/>
-          <a:stretch>
-            <a:fillRect/>
-          </a:stretch>
-        </p:blipFill>
-        <p:spPr bwMode="auto">
-          <a:xfrm>
-            <a:off x="1739097" y="1458770"/>
-            <a:ext cx="3865798" cy="3581199"/>
-          </a:xfrm>
-          <a:prstGeom prst="rect">
-            <a:avLst/>
-          </a:prstGeom>
-          <a:noFill/>
-          <a:extLst>
-            <a:ext uri="{909E8E84-426E-40DD-AFC4-6F175D3DCCD1}">
-              <a14:hiddenFill xmlns:a14="http://schemas.microsoft.com/office/drawing/2010/main">
-                <a:solidFill>
-                  <a:srgbClr val="FFFFFF"/>
-                </a:solidFill>
-              </a14:hiddenFill>
-            </a:ext>
-          </a:extLst>
-        </p:spPr>
-      </p:pic>
-      <p:pic>
-        <p:nvPicPr>
-          <p:cNvPr id="1028" name="Picture 4">
-            <a:extLst>
-              <a:ext uri="{FF2B5EF4-FFF2-40B4-BE49-F238E27FC236}">
-                <a16:creationId xmlns:a16="http://schemas.microsoft.com/office/drawing/2014/main" id="{78C0E17C-1711-46C1-8939-7EE73C33BFEC}"/>
-              </a:ext>
-            </a:extLst>
-          </p:cNvPr>
-          <p:cNvPicPr>
-            <a:picLocks noChangeAspect="1" noChangeArrowheads="1"/>
-          </p:cNvPicPr>
-          <p:nvPr/>
-        </p:nvPicPr>
-        <p:blipFill>
-          <a:blip r:embed="rId4">
-            <a:extLst>
-              <a:ext uri="{28A0092B-C50C-407E-A947-70E740481C1C}">
-                <a14:useLocalDpi xmlns:a14="http://schemas.microsoft.com/office/drawing/2010/main" val="0"/>
-              </a:ext>
-            </a:extLst>
-          </a:blip>
-          <a:srcRect/>
-          <a:stretch>
-            <a:fillRect/>
-          </a:stretch>
-        </p:blipFill>
-        <p:spPr bwMode="auto">
-          <a:xfrm>
-            <a:off x="7230465" y="1430351"/>
-            <a:ext cx="3865798" cy="3604786"/>
-          </a:xfrm>
-          <a:prstGeom prst="rect">
-            <a:avLst/>
-          </a:prstGeom>
-          <a:noFill/>
-          <a:extLst>
-            <a:ext uri="{909E8E84-426E-40DD-AFC4-6F175D3DCCD1}">
-              <a14:hiddenFill xmlns:a14="http://schemas.microsoft.com/office/drawing/2010/main">
-                <a:solidFill>
-                  <a:srgbClr val="FFFFFF"/>
-                </a:solidFill>
-              </a14:hiddenFill>
-            </a:ext>
-          </a:extLst>
-        </p:spPr>
-      </p:pic>
-      <p:sp>
-        <p:nvSpPr>
-          <p:cNvPr id="4" name="TextBox 3">
-            <a:extLst>
-              <a:ext uri="{FF2B5EF4-FFF2-40B4-BE49-F238E27FC236}">
-                <a16:creationId xmlns:a16="http://schemas.microsoft.com/office/drawing/2014/main" id="{A5E9B0BA-82EA-453C-AE21-3A0A1255A49E}"/>
-              </a:ext>
-            </a:extLst>
-          </p:cNvPr>
-          <p:cNvSpPr txBox="1"/>
-          <p:nvPr/>
-        </p:nvSpPr>
-        <p:spPr>
-          <a:xfrm>
-            <a:off x="3212575" y="5214564"/>
-            <a:ext cx="918841" cy="369332"/>
-          </a:xfrm>
-          <a:prstGeom prst="rect">
-            <a:avLst/>
-          </a:prstGeom>
-          <a:noFill/>
-        </p:spPr>
-        <p:txBody>
-          <a:bodyPr wrap="none" rtlCol="0">
-            <a:spAutoFit/>
-          </a:bodyPr>
-          <a:lstStyle/>
-          <a:p>
-            <a:r>
-              <a:rPr lang="en-US" altLang="ko-KR" dirty="0"/>
-              <a:t>Mosaic</a:t>
-            </a:r>
-            <a:endParaRPr lang="ko-KR" altLang="en-US" dirty="0"/>
-          </a:p>
-        </p:txBody>
-      </p:sp>
-      <p:sp>
-        <p:nvSpPr>
-          <p:cNvPr id="7" name="TextBox 6">
-            <a:extLst>
-              <a:ext uri="{FF2B5EF4-FFF2-40B4-BE49-F238E27FC236}">
-                <a16:creationId xmlns:a16="http://schemas.microsoft.com/office/drawing/2014/main" id="{27A1C2C0-B135-42CA-AF9E-55ED64DD42B9}"/>
-              </a:ext>
-            </a:extLst>
-          </p:cNvPr>
-          <p:cNvSpPr txBox="1"/>
-          <p:nvPr/>
-        </p:nvSpPr>
-        <p:spPr>
-          <a:xfrm>
-            <a:off x="8034048" y="5242983"/>
-            <a:ext cx="2258632" cy="369332"/>
-          </a:xfrm>
-          <a:prstGeom prst="rect">
-            <a:avLst/>
-          </a:prstGeom>
-          <a:noFill/>
-        </p:spPr>
-        <p:txBody>
-          <a:bodyPr wrap="none" rtlCol="0">
-            <a:spAutoFit/>
-          </a:bodyPr>
-          <a:lstStyle/>
-          <a:p>
-            <a:pPr algn="ctr"/>
-            <a:r>
-              <a:rPr lang="en-US" altLang="ko-KR" dirty="0"/>
-              <a:t>Netscape Navigator</a:t>
-            </a:r>
-            <a:endParaRPr lang="ko-KR" altLang="en-US" dirty="0"/>
-          </a:p>
-        </p:txBody>
-      </p:sp>
-      <p:sp>
-        <p:nvSpPr>
-          <p:cNvPr id="5" name="TextBox 4">
-            <a:extLst>
-              <a:ext uri="{FF2B5EF4-FFF2-40B4-BE49-F238E27FC236}">
-                <a16:creationId xmlns:a16="http://schemas.microsoft.com/office/drawing/2014/main" id="{3AFC68E4-E80F-48BE-97E1-BF5E5A30DA33}"/>
-              </a:ext>
-            </a:extLst>
-          </p:cNvPr>
-          <p:cNvSpPr txBox="1"/>
-          <p:nvPr/>
-        </p:nvSpPr>
-        <p:spPr>
-          <a:xfrm>
-            <a:off x="4131416" y="5902478"/>
-            <a:ext cx="4207242" cy="523220"/>
-          </a:xfrm>
-          <a:prstGeom prst="rect">
-            <a:avLst/>
-          </a:prstGeom>
-          <a:noFill/>
-        </p:spPr>
-        <p:txBody>
-          <a:bodyPr wrap="none" rtlCol="0">
-            <a:spAutoFit/>
-          </a:bodyPr>
-          <a:lstStyle/>
-          <a:p>
-            <a:r>
-              <a:rPr lang="en-US" altLang="ko-KR" sz="2800" dirty="0"/>
-              <a:t>It's too static and boring</a:t>
-            </a:r>
-            <a:endParaRPr lang="ko-KR" altLang="en-US" sz="2800" dirty="0"/>
-          </a:p>
-        </p:txBody>
-      </p:sp>
-      <p:sp>
-        <p:nvSpPr>
-          <p:cNvPr id="3" name="슬라이드 번호 개체 틀 2">
-            <a:extLst>
-              <a:ext uri="{FF2B5EF4-FFF2-40B4-BE49-F238E27FC236}">
-                <a16:creationId xmlns:a16="http://schemas.microsoft.com/office/drawing/2014/main" id="{F7C8F756-9A95-469E-B5B4-3CA36430C290}"/>
-              </a:ext>
-            </a:extLst>
-          </p:cNvPr>
-          <p:cNvSpPr>
-            <a:spLocks noGrp="1"/>
-          </p:cNvSpPr>
-          <p:nvPr>
-            <p:ph type="sldNum" sz="quarter" idx="12"/>
-          </p:nvPr>
-        </p:nvSpPr>
-        <p:spPr/>
-        <p:txBody>
-          <a:bodyPr/>
-          <a:lstStyle/>
-          <a:p>
-            <a:fld id="{218E8BD7-F182-4B37-9978-F83F0E1A36DD}" type="slidenum">
-              <a:rPr lang="ko-KR" altLang="en-US" smtClean="0"/>
-              <a:t>3</a:t>
-            </a:fld>
-            <a:endParaRPr lang="ko-KR" altLang="en-US"/>
-          </a:p>
-        </p:txBody>
-      </p:sp>
-    </p:spTree>
-    <p:extLst>
-      <p:ext uri="{BB962C8B-B14F-4D97-AF65-F5344CB8AC3E}">
-        <p14:creationId xmlns:p14="http://schemas.microsoft.com/office/powerpoint/2010/main" val="1423496037"/>
-      </p:ext>
-    </p:extLst>
-  </p:cSld>
-  <p:clrMapOvr>
-    <a:masterClrMapping/>
-  </p:clrMapOvr>
-</p:sld>
-</file>
-
-<file path=ppt/slides/slide30.xml><?xml version="1.0" encoding="utf-8"?>
-<p:sld xmlns:a="http://schemas.openxmlformats.org/drawingml/2006/main" xmlns:r="http://schemas.openxmlformats.org/officeDocument/2006/relationships" xmlns:p="http://schemas.openxmlformats.org/presentationml/2006/main">
-  <p:cSld>
-    <p:spTree>
-      <p:nvGrpSpPr>
-        <p:cNvPr id="1" name=""/>
-        <p:cNvGrpSpPr/>
-        <p:nvPr/>
-      </p:nvGrpSpPr>
-      <p:grpSpPr>
-        <a:xfrm>
-          <a:off x="0" y="0"/>
-          <a:ext cx="0" cy="0"/>
-          <a:chOff x="0" y="0"/>
-          <a:chExt cx="0" cy="0"/>
-        </a:xfrm>
-      </p:grpSpPr>
-      <p:sp>
-        <p:nvSpPr>
-          <p:cNvPr id="2" name="제목 1">
-            <a:extLst>
-              <a:ext uri="{FF2B5EF4-FFF2-40B4-BE49-F238E27FC236}">
-                <a16:creationId xmlns:a16="http://schemas.microsoft.com/office/drawing/2014/main" id="{17285BFE-2111-43F6-9098-8081297CC9B8}"/>
-              </a:ext>
-            </a:extLst>
-          </p:cNvPr>
-          <p:cNvSpPr>
-            <a:spLocks noGrp="1"/>
-          </p:cNvSpPr>
-          <p:nvPr>
-            <p:ph type="title"/>
-          </p:nvPr>
-        </p:nvSpPr>
-        <p:spPr/>
-        <p:txBody>
-          <a:bodyPr/>
-          <a:lstStyle/>
-          <a:p>
-            <a:r>
-              <a:rPr lang="en-US" altLang="ko-KR" dirty="0"/>
-              <a:t>Higher-order function</a:t>
-            </a:r>
-            <a:endParaRPr lang="ko-KR" altLang="en-US" dirty="0"/>
-          </a:p>
-        </p:txBody>
-      </p:sp>
-      <p:sp>
-        <p:nvSpPr>
-          <p:cNvPr id="4" name="슬라이드 번호 개체 틀 3">
-            <a:extLst>
-              <a:ext uri="{FF2B5EF4-FFF2-40B4-BE49-F238E27FC236}">
-                <a16:creationId xmlns:a16="http://schemas.microsoft.com/office/drawing/2014/main" id="{254F49A1-2D04-4E4A-9155-196B330D9915}"/>
-              </a:ext>
-            </a:extLst>
-          </p:cNvPr>
-          <p:cNvSpPr>
-            <a:spLocks noGrp="1"/>
-          </p:cNvSpPr>
-          <p:nvPr>
-            <p:ph type="sldNum" sz="quarter" idx="12"/>
-          </p:nvPr>
-        </p:nvSpPr>
-        <p:spPr/>
-        <p:txBody>
-          <a:bodyPr/>
-          <a:lstStyle/>
-          <a:p>
-            <a:fld id="{218E8BD7-F182-4B37-9978-F83F0E1A36DD}" type="slidenum">
-              <a:rPr lang="ko-KR" altLang="en-US" smtClean="0"/>
-              <a:t>30</a:t>
-            </a:fld>
-            <a:endParaRPr lang="ko-KR" altLang="en-US"/>
-          </a:p>
-        </p:txBody>
-      </p:sp>
-      <p:sp>
-        <p:nvSpPr>
-          <p:cNvPr id="6" name="내용 개체 틀 2">
-            <a:extLst>
-              <a:ext uri="{FF2B5EF4-FFF2-40B4-BE49-F238E27FC236}">
-                <a16:creationId xmlns:a16="http://schemas.microsoft.com/office/drawing/2014/main" id="{4FD6B2F1-423C-464C-A90F-3FF0F9E99EB6}"/>
-              </a:ext>
-            </a:extLst>
-          </p:cNvPr>
-          <p:cNvSpPr>
-            <a:spLocks noGrp="1"/>
-          </p:cNvSpPr>
-          <p:nvPr>
-            <p:ph idx="1"/>
-          </p:nvPr>
-        </p:nvSpPr>
-        <p:spPr>
-          <a:xfrm>
-            <a:off x="838199" y="1825625"/>
-            <a:ext cx="10515601" cy="4351338"/>
-          </a:xfrm>
-        </p:spPr>
-        <p:txBody>
-          <a:bodyPr>
-            <a:normAutofit/>
-          </a:bodyPr>
-          <a:lstStyle/>
-          <a:p>
-            <a:r>
-              <a:rPr lang="ko-KR" altLang="en-US" dirty="0"/>
-              <a:t>고차함수</a:t>
-            </a:r>
-            <a:endParaRPr lang="en-US" altLang="ko-KR" dirty="0"/>
-          </a:p>
-          <a:p>
-            <a:r>
-              <a:rPr lang="ko-KR" altLang="en-US" dirty="0"/>
-              <a:t>함수를 인자로 받는다</a:t>
-            </a:r>
-            <a:r>
-              <a:rPr lang="en-US" altLang="ko-KR" dirty="0"/>
-              <a:t>.</a:t>
-            </a:r>
-          </a:p>
-          <a:p>
-            <a:r>
-              <a:rPr lang="ko-KR" altLang="en-US" dirty="0"/>
-              <a:t>함수를 </a:t>
-            </a:r>
-            <a:r>
-              <a:rPr lang="ko-KR" altLang="en-US" dirty="0" err="1"/>
-              <a:t>리턴한다</a:t>
-            </a:r>
-            <a:r>
-              <a:rPr lang="en-US" altLang="ko-KR" dirty="0"/>
-              <a:t>.</a:t>
-            </a:r>
-          </a:p>
-        </p:txBody>
-      </p:sp>
-    </p:spTree>
-    <p:extLst>
-      <p:ext uri="{BB962C8B-B14F-4D97-AF65-F5344CB8AC3E}">
-        <p14:creationId xmlns:p14="http://schemas.microsoft.com/office/powerpoint/2010/main" val="3800087944"/>
-      </p:ext>
-    </p:extLst>
-  </p:cSld>
-  <p:clrMapOvr>
-    <a:masterClrMapping/>
-  </p:clrMapOvr>
-</p:sld>
-</file>
-
 <file path=ppt/slides/slide31.xml><?xml version="1.0" encoding="utf-8"?>
 <p:sld xmlns:a="http://schemas.openxmlformats.org/drawingml/2006/main" xmlns:r="http://schemas.openxmlformats.org/officeDocument/2006/relationships" xmlns:p="http://schemas.openxmlformats.org/presentationml/2006/main">
   <p:cSld>
@@ -14020,7 +14202,7 @@
           <a:p>
             <a:r>
               <a:rPr lang="en-US" altLang="ko-KR" dirty="0"/>
-              <a:t>Higher-order function - filter</a:t>
+              <a:t>Higher-order function</a:t>
             </a:r>
             <a:endParaRPr lang="ko-KR" altLang="en-US" dirty="0"/>
           </a:p>
@@ -14050,6 +14232,154 @@
             <a:fld id="{218E8BD7-F182-4B37-9978-F83F0E1A36DD}" type="slidenum">
               <a:rPr lang="ko-KR" altLang="en-US" smtClean="0"/>
               <a:t>31</a:t>
+            </a:fld>
+            <a:endParaRPr lang="ko-KR" altLang="en-US"/>
+          </a:p>
+        </p:txBody>
+      </p:sp>
+      <p:sp>
+        <p:nvSpPr>
+          <p:cNvPr id="6" name="내용 개체 틀 2">
+            <a:extLst>
+              <a:ext uri="{FF2B5EF4-FFF2-40B4-BE49-F238E27FC236}">
+                <a16:creationId xmlns:a16="http://schemas.microsoft.com/office/drawing/2014/main" id="{4FD6B2F1-423C-464C-A90F-3FF0F9E99EB6}"/>
+              </a:ext>
+            </a:extLst>
+          </p:cNvPr>
+          <p:cNvSpPr>
+            <a:spLocks noGrp="1"/>
+          </p:cNvSpPr>
+          <p:nvPr>
+            <p:ph idx="1"/>
+          </p:nvPr>
+        </p:nvSpPr>
+        <p:spPr>
+          <a:xfrm>
+            <a:off x="838199" y="1825625"/>
+            <a:ext cx="10515601" cy="4351338"/>
+          </a:xfrm>
+        </p:spPr>
+        <p:txBody>
+          <a:bodyPr>
+            <a:normAutofit/>
+          </a:bodyPr>
+          <a:lstStyle/>
+          <a:p>
+            <a:r>
+              <a:rPr lang="ko-KR" altLang="en-US" dirty="0"/>
+              <a:t>고차함수</a:t>
+            </a:r>
+            <a:endParaRPr lang="en-US" altLang="ko-KR" dirty="0"/>
+          </a:p>
+          <a:p>
+            <a:r>
+              <a:rPr lang="ko-KR" altLang="en-US" dirty="0"/>
+              <a:t>함수를 인자로 받는다</a:t>
+            </a:r>
+            <a:r>
+              <a:rPr lang="en-US" altLang="ko-KR" dirty="0"/>
+              <a:t>.</a:t>
+            </a:r>
+          </a:p>
+          <a:p>
+            <a:r>
+              <a:rPr lang="ko-KR" altLang="en-US" dirty="0"/>
+              <a:t>함수를 </a:t>
+            </a:r>
+            <a:r>
+              <a:rPr lang="ko-KR" altLang="en-US" dirty="0" err="1"/>
+              <a:t>리턴한다</a:t>
+            </a:r>
+            <a:r>
+              <a:rPr lang="en-US" altLang="ko-KR" dirty="0"/>
+              <a:t>.</a:t>
+            </a:r>
+          </a:p>
+        </p:txBody>
+      </p:sp>
+    </p:spTree>
+    <p:extLst>
+      <p:ext uri="{BB962C8B-B14F-4D97-AF65-F5344CB8AC3E}">
+        <p14:creationId xmlns:p14="http://schemas.microsoft.com/office/powerpoint/2010/main" val="3800087944"/>
+      </p:ext>
+    </p:extLst>
+  </p:cSld>
+  <p:clrMapOvr>
+    <a:masterClrMapping/>
+  </p:clrMapOvr>
+</p:sld>
+</file>
+
+<file path=ppt/slides/slide32.xml><?xml version="1.0" encoding="utf-8"?>
+<p:sld xmlns:a="http://schemas.openxmlformats.org/drawingml/2006/main" xmlns:r="http://schemas.openxmlformats.org/officeDocument/2006/relationships" xmlns:p="http://schemas.openxmlformats.org/presentationml/2006/main">
+  <p:cSld>
+    <p:spTree>
+      <p:nvGrpSpPr>
+        <p:cNvPr id="1" name=""/>
+        <p:cNvGrpSpPr/>
+        <p:nvPr/>
+      </p:nvGrpSpPr>
+      <p:grpSpPr>
+        <a:xfrm>
+          <a:off x="0" y="0"/>
+          <a:ext cx="0" cy="0"/>
+          <a:chOff x="0" y="0"/>
+          <a:chExt cx="0" cy="0"/>
+        </a:xfrm>
+      </p:grpSpPr>
+      <p:sp>
+        <p:nvSpPr>
+          <p:cNvPr id="2" name="제목 1">
+            <a:extLst>
+              <a:ext uri="{FF2B5EF4-FFF2-40B4-BE49-F238E27FC236}">
+                <a16:creationId xmlns:a16="http://schemas.microsoft.com/office/drawing/2014/main" id="{17285BFE-2111-43F6-9098-8081297CC9B8}"/>
+              </a:ext>
+            </a:extLst>
+          </p:cNvPr>
+          <p:cNvSpPr>
+            <a:spLocks noGrp="1"/>
+          </p:cNvSpPr>
+          <p:nvPr>
+            <p:ph type="title"/>
+          </p:nvPr>
+        </p:nvSpPr>
+        <p:spPr/>
+        <p:txBody>
+          <a:bodyPr/>
+          <a:lstStyle/>
+          <a:p>
+            <a:r>
+              <a:rPr lang="en-US" altLang="ko-KR" dirty="0"/>
+              <a:t>Higher-order function - filter</a:t>
+            </a:r>
+            <a:endParaRPr lang="ko-KR" altLang="en-US" dirty="0"/>
+          </a:p>
+        </p:txBody>
+      </p:sp>
+      <p:sp>
+        <p:nvSpPr>
+          <p:cNvPr id="4" name="슬라이드 번호 개체 틀 3">
+            <a:extLst>
+              <a:ext uri="{FF2B5EF4-FFF2-40B4-BE49-F238E27FC236}">
+                <a16:creationId xmlns:a16="http://schemas.microsoft.com/office/drawing/2014/main" id="{254F49A1-2D04-4E4A-9155-196B330D9915}"/>
+              </a:ext>
+            </a:extLst>
+          </p:cNvPr>
+          <p:cNvSpPr>
+            <a:spLocks noGrp="1"/>
+          </p:cNvSpPr>
+          <p:nvPr>
+            <p:ph type="sldNum" sz="quarter" idx="12"/>
+          </p:nvPr>
+        </p:nvSpPr>
+        <p:spPr/>
+        <p:txBody>
+          <a:bodyPr/>
+          <a:lstStyle/>
+          <a:p>
+            <a:fld id="{218E8BD7-F182-4B37-9978-F83F0E1A36DD}" type="slidenum">
+              <a:rPr lang="ko-KR" altLang="en-US" smtClean="0"/>
+              <a:t>32</a:t>
             </a:fld>
             <a:endParaRPr lang="ko-KR" altLang="en-US"/>
           </a:p>
@@ -14154,7 +14484,7 @@
 </p:sld>
 </file>
 
-<file path=ppt/slides/slide32.xml><?xml version="1.0" encoding="utf-8"?>
+<file path=ppt/slides/slide33.xml><?xml version="1.0" encoding="utf-8"?>
 <p:sld xmlns:a="http://schemas.openxmlformats.org/drawingml/2006/main" xmlns:r="http://schemas.openxmlformats.org/officeDocument/2006/relationships" xmlns:p="http://schemas.openxmlformats.org/presentationml/2006/main">
   <p:cSld>
     <p:spTree>
@@ -14227,7 +14557,7 @@
           <a:p>
             <a:fld id="{218E8BD7-F182-4B37-9978-F83F0E1A36DD}" type="slidenum">
               <a:rPr lang="ko-KR" altLang="en-US" smtClean="0"/>
-              <a:t>32</a:t>
+              <a:t>33</a:t>
             </a:fld>
             <a:endParaRPr lang="ko-KR" altLang="en-US"/>
           </a:p>
@@ -14354,7 +14684,7 @@
 </p:sld>
 </file>
 
-<file path=ppt/slides/slide33.xml><?xml version="1.0" encoding="utf-8"?>
+<file path=ppt/slides/slide34.xml><?xml version="1.0" encoding="utf-8"?>
 <p:sld xmlns:a="http://schemas.openxmlformats.org/drawingml/2006/main" xmlns:r="http://schemas.openxmlformats.org/officeDocument/2006/relationships" xmlns:p="http://schemas.openxmlformats.org/presentationml/2006/main">
   <p:cSld>
     <p:spTree>
@@ -14423,7 +14753,7 @@
           <a:p>
             <a:fld id="{218E8BD7-F182-4B37-9978-F83F0E1A36DD}" type="slidenum">
               <a:rPr lang="ko-KR" altLang="en-US" smtClean="0"/>
-              <a:t>33</a:t>
+              <a:t>34</a:t>
             </a:fld>
             <a:endParaRPr lang="ko-KR" altLang="en-US"/>
           </a:p>
@@ -14560,7 +14890,7 @@
 </p:sld>
 </file>
 
-<file path=ppt/slides/slide34.xml><?xml version="1.0" encoding="utf-8"?>
+<file path=ppt/slides/slide35.xml><?xml version="1.0" encoding="utf-8"?>
 <p:sld xmlns:a="http://schemas.openxmlformats.org/drawingml/2006/main" xmlns:r="http://schemas.openxmlformats.org/officeDocument/2006/relationships" xmlns:p="http://schemas.openxmlformats.org/presentationml/2006/main">
   <p:cSld>
     <p:spTree>
@@ -14629,7 +14959,7 @@
           <a:p>
             <a:fld id="{218E8BD7-F182-4B37-9978-F83F0E1A36DD}" type="slidenum">
               <a:rPr lang="ko-KR" altLang="en-US" smtClean="0"/>
-              <a:t>34</a:t>
+              <a:t>35</a:t>
             </a:fld>
             <a:endParaRPr lang="ko-KR" altLang="en-US"/>
           </a:p>
@@ -14725,7 +15055,7 @@
 </p:sld>
 </file>
 
-<file path=ppt/slides/slide35.xml><?xml version="1.0" encoding="utf-8"?>
+<file path=ppt/slides/slide36.xml><?xml version="1.0" encoding="utf-8"?>
 <p:sld xmlns:a="http://schemas.openxmlformats.org/drawingml/2006/main" xmlns:r="http://schemas.openxmlformats.org/officeDocument/2006/relationships" xmlns:p="http://schemas.openxmlformats.org/presentationml/2006/main">
   <p:cSld>
     <p:spTree>
@@ -14794,7 +15124,7 @@
           <a:p>
             <a:fld id="{218E8BD7-F182-4B37-9978-F83F0E1A36DD}" type="slidenum">
               <a:rPr lang="ko-KR" altLang="en-US" smtClean="0"/>
-              <a:t>35</a:t>
+              <a:t>36</a:t>
             </a:fld>
             <a:endParaRPr lang="ko-KR" altLang="en-US"/>
           </a:p>
@@ -14913,7 +15243,7 @@
 </p:sld>
 </file>
 
-<file path=ppt/slides/slide36.xml><?xml version="1.0" encoding="utf-8"?>
+<file path=ppt/slides/slide37.xml><?xml version="1.0" encoding="utf-8"?>
 <p:sld xmlns:a="http://schemas.openxmlformats.org/drawingml/2006/main" xmlns:r="http://schemas.openxmlformats.org/officeDocument/2006/relationships" xmlns:p="http://schemas.openxmlformats.org/presentationml/2006/main">
   <p:cSld>
     <p:spTree>
@@ -14982,7 +15312,7 @@
           <a:p>
             <a:fld id="{218E8BD7-F182-4B37-9978-F83F0E1A36DD}" type="slidenum">
               <a:rPr lang="ko-KR" altLang="en-US" smtClean="0"/>
-              <a:t>36</a:t>
+              <a:t>37</a:t>
             </a:fld>
             <a:endParaRPr lang="ko-KR" altLang="en-US"/>
           </a:p>
@@ -15075,7 +15405,7 @@
 </p:sld>
 </file>
 
-<file path=ppt/slides/slide37.xml><?xml version="1.0" encoding="utf-8"?>
+<file path=ppt/slides/slide38.xml><?xml version="1.0" encoding="utf-8"?>
 <p:sld xmlns:a="http://schemas.openxmlformats.org/drawingml/2006/main" xmlns:r="http://schemas.openxmlformats.org/officeDocument/2006/relationships" xmlns:p="http://schemas.openxmlformats.org/presentationml/2006/main">
   <p:cSld>
     <p:spTree>
@@ -15144,7 +15474,7 @@
           <a:p>
             <a:fld id="{218E8BD7-F182-4B37-9978-F83F0E1A36DD}" type="slidenum">
               <a:rPr lang="ko-KR" altLang="en-US" smtClean="0"/>
-              <a:t>37</a:t>
+              <a:t>38</a:t>
             </a:fld>
             <a:endParaRPr lang="ko-KR" altLang="en-US"/>
           </a:p>
@@ -15281,146 +15611,6 @@
 </p:sld>
 </file>
 
-<file path=ppt/slides/slide38.xml><?xml version="1.0" encoding="utf-8"?>
-<p:sld xmlns:a="http://schemas.openxmlformats.org/drawingml/2006/main" xmlns:r="http://schemas.openxmlformats.org/officeDocument/2006/relationships" xmlns:p="http://schemas.openxmlformats.org/presentationml/2006/main">
-  <p:cSld>
-    <p:spTree>
-      <p:nvGrpSpPr>
-        <p:cNvPr id="1" name=""/>
-        <p:cNvGrpSpPr/>
-        <p:nvPr/>
-      </p:nvGrpSpPr>
-      <p:grpSpPr>
-        <a:xfrm>
-          <a:off x="0" y="0"/>
-          <a:ext cx="0" cy="0"/>
-          <a:chOff x="0" y="0"/>
-          <a:chExt cx="0" cy="0"/>
-        </a:xfrm>
-      </p:grpSpPr>
-      <p:sp>
-        <p:nvSpPr>
-          <p:cNvPr id="2" name="제목 1">
-            <a:extLst>
-              <a:ext uri="{FF2B5EF4-FFF2-40B4-BE49-F238E27FC236}">
-                <a16:creationId xmlns:a16="http://schemas.microsoft.com/office/drawing/2014/main" id="{17285BFE-2111-43F6-9098-8081297CC9B8}"/>
-              </a:ext>
-            </a:extLst>
-          </p:cNvPr>
-          <p:cNvSpPr>
-            <a:spLocks noGrp="1"/>
-          </p:cNvSpPr>
-          <p:nvPr>
-            <p:ph type="title"/>
-          </p:nvPr>
-        </p:nvSpPr>
-        <p:spPr/>
-        <p:txBody>
-          <a:bodyPr/>
-          <a:lstStyle/>
-          <a:p>
-            <a:r>
-              <a:rPr lang="en-US" altLang="ko-KR" dirty="0"/>
-              <a:t>Higher-order function – method chaining (</a:t>
-            </a:r>
-            <a:r>
-              <a:rPr lang="ko-KR" altLang="en-US" dirty="0"/>
-              <a:t>실습</a:t>
-            </a:r>
-            <a:r>
-              <a:rPr lang="en-US" altLang="ko-KR" dirty="0"/>
-              <a:t>)</a:t>
-            </a:r>
-            <a:endParaRPr lang="ko-KR" altLang="en-US" dirty="0"/>
-          </a:p>
-        </p:txBody>
-      </p:sp>
-      <p:sp>
-        <p:nvSpPr>
-          <p:cNvPr id="4" name="슬라이드 번호 개체 틀 3">
-            <a:extLst>
-              <a:ext uri="{FF2B5EF4-FFF2-40B4-BE49-F238E27FC236}">
-                <a16:creationId xmlns:a16="http://schemas.microsoft.com/office/drawing/2014/main" id="{254F49A1-2D04-4E4A-9155-196B330D9915}"/>
-              </a:ext>
-            </a:extLst>
-          </p:cNvPr>
-          <p:cNvSpPr>
-            <a:spLocks noGrp="1"/>
-          </p:cNvSpPr>
-          <p:nvPr>
-            <p:ph type="sldNum" sz="quarter" idx="12"/>
-          </p:nvPr>
-        </p:nvSpPr>
-        <p:spPr/>
-        <p:txBody>
-          <a:bodyPr/>
-          <a:lstStyle/>
-          <a:p>
-            <a:fld id="{218E8BD7-F182-4B37-9978-F83F0E1A36DD}" type="slidenum">
-              <a:rPr lang="ko-KR" altLang="en-US" smtClean="0"/>
-              <a:t>38</a:t>
-            </a:fld>
-            <a:endParaRPr lang="ko-KR" altLang="en-US"/>
-          </a:p>
-        </p:txBody>
-      </p:sp>
-      <p:sp>
-        <p:nvSpPr>
-          <p:cNvPr id="6" name="내용 개체 틀 2">
-            <a:extLst>
-              <a:ext uri="{FF2B5EF4-FFF2-40B4-BE49-F238E27FC236}">
-                <a16:creationId xmlns:a16="http://schemas.microsoft.com/office/drawing/2014/main" id="{4FD6B2F1-423C-464C-A90F-3FF0F9E99EB6}"/>
-              </a:ext>
-            </a:extLst>
-          </p:cNvPr>
-          <p:cNvSpPr>
-            <a:spLocks noGrp="1"/>
-          </p:cNvSpPr>
-          <p:nvPr>
-            <p:ph idx="1"/>
-          </p:nvPr>
-        </p:nvSpPr>
-        <p:spPr>
-          <a:xfrm>
-            <a:off x="838199" y="1825625"/>
-            <a:ext cx="10515601" cy="4351338"/>
-          </a:xfrm>
-        </p:spPr>
-        <p:txBody>
-          <a:bodyPr>
-            <a:normAutofit/>
-          </a:bodyPr>
-          <a:lstStyle/>
-          <a:p>
-            <a:r>
-              <a:rPr lang="ko-KR" altLang="en-US" dirty="0"/>
-              <a:t>배열에서 홀수만 남겨서 </a:t>
-            </a:r>
-            <a:r>
-              <a:rPr lang="en-US" altLang="ko-KR" dirty="0"/>
-              <a:t>2</a:t>
-            </a:r>
-            <a:r>
-              <a:rPr lang="ko-KR" altLang="en-US" dirty="0"/>
-              <a:t>곱하고 그 값 다 더하기 </a:t>
-            </a:r>
-            <a:endParaRPr lang="en-US" altLang="ko-KR" dirty="0"/>
-          </a:p>
-        </p:txBody>
-      </p:sp>
-    </p:spTree>
-    <p:extLst>
-      <p:ext uri="{BB962C8B-B14F-4D97-AF65-F5344CB8AC3E}">
-        <p14:creationId xmlns:p14="http://schemas.microsoft.com/office/powerpoint/2010/main" val="1056545322"/>
-      </p:ext>
-    </p:extLst>
-  </p:cSld>
-  <p:clrMapOvr>
-    <a:masterClrMapping/>
-  </p:clrMapOvr>
-</p:sld>
-</file>
-
 <file path=ppt/slides/slide39.xml><?xml version="1.0" encoding="utf-8"?>
 <p:sld xmlns:a="http://schemas.openxmlformats.org/drawingml/2006/main" xmlns:r="http://schemas.openxmlformats.org/officeDocument/2006/relationships" xmlns:p="http://schemas.openxmlformats.org/presentationml/2006/main">
   <p:cSld>
@@ -15440,7 +15630,13 @@
       </p:grpSpPr>
       <p:sp>
         <p:nvSpPr>
-          <p:cNvPr id="2" name="제목 1"/>
+          <p:cNvPr id="2" name="제목 1">
+            <a:extLst>
+              <a:ext uri="{FF2B5EF4-FFF2-40B4-BE49-F238E27FC236}">
+                <a16:creationId xmlns:a16="http://schemas.microsoft.com/office/drawing/2014/main" id="{17285BFE-2111-43F6-9098-8081297CC9B8}"/>
+              </a:ext>
+            </a:extLst>
+          </p:cNvPr>
           <p:cNvSpPr>
             <a:spLocks noGrp="1"/>
           </p:cNvSpPr>
@@ -15453,12 +15649,17 @@
           <a:bodyPr/>
           <a:lstStyle/>
           <a:p>
-            <a:pPr>
-              <a:defRPr/>
-            </a:pPr>
             <a:r>
               <a:rPr lang="en-US" altLang="ko-KR" dirty="0"/>
-              <a:t>Asynchronous</a:t>
+              <a:t>Higher-order function – method chaining (</a:t>
+            </a:r>
+            <a:r>
+              <a:rPr lang="ko-KR" altLang="en-US" dirty="0"/>
+              <a:t>실습</a:t>
+            </a:r>
+            <a:r>
+              <a:rPr lang="en-US" altLang="ko-KR" dirty="0"/>
+              <a:t>)</a:t>
             </a:r>
             <a:endParaRPr lang="ko-KR" altLang="en-US" dirty="0"/>
           </a:p>
@@ -15466,99 +15667,10 @@
       </p:sp>
       <p:sp>
         <p:nvSpPr>
-          <p:cNvPr id="3" name="내용 개체 틀 2"/>
-          <p:cNvSpPr>
-            <a:spLocks noGrp="1"/>
-          </p:cNvSpPr>
-          <p:nvPr>
-            <p:ph idx="1"/>
-          </p:nvPr>
-        </p:nvSpPr>
-        <p:spPr/>
-        <p:txBody>
-          <a:bodyPr/>
-          <a:lstStyle/>
-          <a:p>
-            <a:pPr>
-              <a:defRPr/>
-            </a:pPr>
-            <a:r>
-              <a:rPr lang="ko-KR" altLang="en-US" dirty="0"/>
-              <a:t>순차적으로 코드가 실행되지 않는 프로그램</a:t>
-            </a:r>
-          </a:p>
-          <a:p>
-            <a:pPr>
-              <a:defRPr/>
-            </a:pPr>
-            <a:r>
-              <a:rPr lang="en-US" altLang="ko-KR" dirty="0"/>
-              <a:t>=</a:t>
-            </a:r>
-            <a:r>
-              <a:rPr lang="ko-KR" altLang="en-US" dirty="0"/>
-              <a:t> 동시에 여러 코드가 실행 되는 것처럼 보임</a:t>
-            </a:r>
-          </a:p>
-          <a:p>
-            <a:pPr>
-              <a:defRPr/>
-            </a:pPr>
-            <a:r>
-              <a:rPr lang="en-US" altLang="ko-KR" dirty="0"/>
-              <a:t>= multi</a:t>
-            </a:r>
-            <a:r>
-              <a:rPr lang="ko-KR" altLang="en-US" dirty="0"/>
-              <a:t> </a:t>
-            </a:r>
-            <a:r>
-              <a:rPr lang="en-US" altLang="ko-KR" dirty="0"/>
-              <a:t>thread ...</a:t>
-            </a:r>
-          </a:p>
-          <a:p>
-            <a:pPr>
-              <a:defRPr/>
-            </a:pPr>
-            <a:endParaRPr lang="en-US" altLang="ko-KR" dirty="0"/>
-          </a:p>
-          <a:p>
-            <a:pPr>
-              <a:defRPr/>
-            </a:pPr>
-            <a:r>
-              <a:rPr lang="en-US" altLang="ko-KR" dirty="0"/>
-              <a:t>JavaScript</a:t>
-            </a:r>
-            <a:r>
-              <a:rPr lang="ko-KR" altLang="en-US" dirty="0"/>
-              <a:t> 역시 비동기 프로그래밍 언어</a:t>
-            </a:r>
-            <a:endParaRPr lang="en-US" altLang="ko-KR" dirty="0"/>
-          </a:p>
-          <a:p>
-            <a:pPr lvl="1">
-              <a:defRPr/>
-            </a:pPr>
-            <a:r>
-              <a:rPr lang="en-US" altLang="ko-KR" dirty="0"/>
-              <a:t>JavaScript</a:t>
-            </a:r>
-            <a:r>
-              <a:rPr lang="ko-KR" altLang="en-US" dirty="0"/>
-              <a:t>가 실행되는 동안 웹 브라우저를 멈출 수 없음</a:t>
-            </a:r>
-            <a:endParaRPr lang="en-US" altLang="ko-KR" dirty="0"/>
-          </a:p>
-        </p:txBody>
-      </p:sp>
-      <p:sp>
-        <p:nvSpPr>
           <p:cNvPr id="4" name="슬라이드 번호 개체 틀 3">
             <a:extLst>
               <a:ext uri="{FF2B5EF4-FFF2-40B4-BE49-F238E27FC236}">
-                <a16:creationId xmlns:a16="http://schemas.microsoft.com/office/drawing/2014/main" id="{27D2E002-687C-4D55-8A3A-6B5070422249}"/>
+                <a16:creationId xmlns:a16="http://schemas.microsoft.com/office/drawing/2014/main" id="{254F49A1-2D04-4E4A-9155-196B330D9915}"/>
               </a:ext>
             </a:extLst>
           </p:cNvPr>
@@ -15582,19 +15694,60 @@
           </a:p>
         </p:txBody>
       </p:sp>
+      <p:sp>
+        <p:nvSpPr>
+          <p:cNvPr id="6" name="내용 개체 틀 2">
+            <a:extLst>
+              <a:ext uri="{FF2B5EF4-FFF2-40B4-BE49-F238E27FC236}">
+                <a16:creationId xmlns:a16="http://schemas.microsoft.com/office/drawing/2014/main" id="{4FD6B2F1-423C-464C-A90F-3FF0F9E99EB6}"/>
+              </a:ext>
+            </a:extLst>
+          </p:cNvPr>
+          <p:cNvSpPr>
+            <a:spLocks noGrp="1"/>
+          </p:cNvSpPr>
+          <p:nvPr>
+            <p:ph idx="1"/>
+          </p:nvPr>
+        </p:nvSpPr>
+        <p:spPr>
+          <a:xfrm>
+            <a:off x="838199" y="1825625"/>
+            <a:ext cx="10515601" cy="4351338"/>
+          </a:xfrm>
+        </p:spPr>
+        <p:txBody>
+          <a:bodyPr>
+            <a:normAutofit/>
+          </a:bodyPr>
+          <a:lstStyle/>
+          <a:p>
+            <a:r>
+              <a:rPr lang="ko-KR" altLang="en-US" dirty="0"/>
+              <a:t>배열에서 홀수만 남겨서 </a:t>
+            </a:r>
+            <a:r>
+              <a:rPr lang="en-US" altLang="ko-KR" dirty="0"/>
+              <a:t>2</a:t>
+            </a:r>
+            <a:r>
+              <a:rPr lang="ko-KR" altLang="en-US" dirty="0"/>
+              <a:t>곱하고 그 값 다 더하기 </a:t>
+            </a:r>
+            <a:endParaRPr lang="en-US" altLang="ko-KR" dirty="0"/>
+          </a:p>
+        </p:txBody>
+      </p:sp>
     </p:spTree>
+    <p:extLst>
+      <p:ext uri="{BB962C8B-B14F-4D97-AF65-F5344CB8AC3E}">
+        <p14:creationId xmlns:p14="http://schemas.microsoft.com/office/powerpoint/2010/main" val="1056545322"/>
+      </p:ext>
+    </p:extLst>
   </p:cSld>
   <p:clrMapOvr>
     <a:masterClrMapping/>
   </p:clrMapOvr>
-  <mc:AlternateContent xmlns:mc="http://schemas.openxmlformats.org/markup-compatibility/2006" xmlns:p14="http://schemas.microsoft.com/office/powerpoint/2010/main">
-    <mc:Choice Requires="p14">
-      <p:transition/>
-    </mc:Choice>
-    <mc:Fallback xmlns:dsp="http://schemas.microsoft.com/office/drawing/2008/diagram" xmlns:dgm="http://schemas.openxmlformats.org/drawingml/2006/diagram" xmlns:c="http://schemas.openxmlformats.org/drawingml/2006/chart" xmlns="">
-      <p:transition/>
-    </mc:Fallback>
-  </mc:AlternateContent>
 </p:sld>
 </file>
 
@@ -15916,6 +16069,183 @@
               <a:rPr lang="en-US" altLang="ko-KR" dirty="0"/>
               <a:t>Asynchronous</a:t>
             </a:r>
+            <a:endParaRPr lang="ko-KR" altLang="en-US" dirty="0"/>
+          </a:p>
+        </p:txBody>
+      </p:sp>
+      <p:sp>
+        <p:nvSpPr>
+          <p:cNvPr id="3" name="내용 개체 틀 2"/>
+          <p:cNvSpPr>
+            <a:spLocks noGrp="1"/>
+          </p:cNvSpPr>
+          <p:nvPr>
+            <p:ph idx="1"/>
+          </p:nvPr>
+        </p:nvSpPr>
+        <p:spPr/>
+        <p:txBody>
+          <a:bodyPr/>
+          <a:lstStyle/>
+          <a:p>
+            <a:pPr>
+              <a:defRPr/>
+            </a:pPr>
+            <a:r>
+              <a:rPr lang="ko-KR" altLang="en-US" dirty="0"/>
+              <a:t>순차적으로 코드가 실행되지 않는 프로그램</a:t>
+            </a:r>
+          </a:p>
+          <a:p>
+            <a:pPr>
+              <a:defRPr/>
+            </a:pPr>
+            <a:r>
+              <a:rPr lang="en-US" altLang="ko-KR" dirty="0"/>
+              <a:t>=</a:t>
+            </a:r>
+            <a:r>
+              <a:rPr lang="ko-KR" altLang="en-US" dirty="0"/>
+              <a:t> 동시에 여러 코드가 실행 되는 것처럼 보임</a:t>
+            </a:r>
+          </a:p>
+          <a:p>
+            <a:pPr>
+              <a:defRPr/>
+            </a:pPr>
+            <a:r>
+              <a:rPr lang="en-US" altLang="ko-KR" dirty="0"/>
+              <a:t>= multi</a:t>
+            </a:r>
+            <a:r>
+              <a:rPr lang="ko-KR" altLang="en-US" dirty="0"/>
+              <a:t> </a:t>
+            </a:r>
+            <a:r>
+              <a:rPr lang="en-US" altLang="ko-KR" dirty="0"/>
+              <a:t>thread ...</a:t>
+            </a:r>
+          </a:p>
+          <a:p>
+            <a:pPr>
+              <a:defRPr/>
+            </a:pPr>
+            <a:endParaRPr lang="en-US" altLang="ko-KR" dirty="0"/>
+          </a:p>
+          <a:p>
+            <a:pPr>
+              <a:defRPr/>
+            </a:pPr>
+            <a:r>
+              <a:rPr lang="en-US" altLang="ko-KR" dirty="0"/>
+              <a:t>JavaScript</a:t>
+            </a:r>
+            <a:r>
+              <a:rPr lang="ko-KR" altLang="en-US" dirty="0"/>
+              <a:t> 역시 비동기 프로그래밍 언어</a:t>
+            </a:r>
+            <a:endParaRPr lang="en-US" altLang="ko-KR" dirty="0"/>
+          </a:p>
+          <a:p>
+            <a:pPr lvl="1">
+              <a:defRPr/>
+            </a:pPr>
+            <a:r>
+              <a:rPr lang="en-US" altLang="ko-KR" dirty="0"/>
+              <a:t>JavaScript</a:t>
+            </a:r>
+            <a:r>
+              <a:rPr lang="ko-KR" altLang="en-US" dirty="0"/>
+              <a:t>가 실행되는 동안 웹 브라우저를 멈출 수 없음</a:t>
+            </a:r>
+            <a:endParaRPr lang="en-US" altLang="ko-KR" dirty="0"/>
+          </a:p>
+        </p:txBody>
+      </p:sp>
+      <p:sp>
+        <p:nvSpPr>
+          <p:cNvPr id="4" name="슬라이드 번호 개체 틀 3">
+            <a:extLst>
+              <a:ext uri="{FF2B5EF4-FFF2-40B4-BE49-F238E27FC236}">
+                <a16:creationId xmlns:a16="http://schemas.microsoft.com/office/drawing/2014/main" id="{27D2E002-687C-4D55-8A3A-6B5070422249}"/>
+              </a:ext>
+            </a:extLst>
+          </p:cNvPr>
+          <p:cNvSpPr>
+            <a:spLocks noGrp="1"/>
+          </p:cNvSpPr>
+          <p:nvPr>
+            <p:ph type="sldNum" sz="quarter" idx="12"/>
+          </p:nvPr>
+        </p:nvSpPr>
+        <p:spPr/>
+        <p:txBody>
+          <a:bodyPr/>
+          <a:lstStyle/>
+          <a:p>
+            <a:fld id="{218E8BD7-F182-4B37-9978-F83F0E1A36DD}" type="slidenum">
+              <a:rPr lang="ko-KR" altLang="en-US" smtClean="0"/>
+              <a:t>40</a:t>
+            </a:fld>
+            <a:endParaRPr lang="ko-KR" altLang="en-US"/>
+          </a:p>
+        </p:txBody>
+      </p:sp>
+    </p:spTree>
+  </p:cSld>
+  <p:clrMapOvr>
+    <a:masterClrMapping/>
+  </p:clrMapOvr>
+  <mc:AlternateContent xmlns:mc="http://schemas.openxmlformats.org/markup-compatibility/2006" xmlns:p14="http://schemas.microsoft.com/office/powerpoint/2010/main">
+    <mc:Choice Requires="p14">
+      <p:transition/>
+    </mc:Choice>
+    <mc:Fallback xmlns="" xmlns:c="http://schemas.openxmlformats.org/drawingml/2006/chart" xmlns:dgm="http://schemas.openxmlformats.org/drawingml/2006/diagram" xmlns:dsp="http://schemas.microsoft.com/office/drawing/2008/diagram">
+      <p:transition/>
+    </mc:Fallback>
+  </mc:AlternateContent>
+</p:sld>
+</file>
+
+<file path=ppt/slides/slide41.xml><?xml version="1.0" encoding="utf-8"?>
+<p:sld xmlns:a="http://schemas.openxmlformats.org/drawingml/2006/main" xmlns:r="http://schemas.openxmlformats.org/officeDocument/2006/relationships" xmlns:p="http://schemas.openxmlformats.org/presentationml/2006/main">
+  <p:cSld>
+    <p:spTree>
+      <p:nvGrpSpPr>
+        <p:cNvPr id="1" name=""/>
+        <p:cNvGrpSpPr/>
+        <p:nvPr/>
+      </p:nvGrpSpPr>
+      <p:grpSpPr>
+        <a:xfrm>
+          <a:off x="0" y="0"/>
+          <a:ext cx="0" cy="0"/>
+          <a:chOff x="0" y="0"/>
+          <a:chExt cx="0" cy="0"/>
+        </a:xfrm>
+      </p:grpSpPr>
+      <p:sp>
+        <p:nvSpPr>
+          <p:cNvPr id="2" name="제목 1"/>
+          <p:cNvSpPr>
+            <a:spLocks noGrp="1"/>
+          </p:cNvSpPr>
+          <p:nvPr>
+            <p:ph type="title"/>
+          </p:nvPr>
+        </p:nvSpPr>
+        <p:spPr/>
+        <p:txBody>
+          <a:bodyPr/>
+          <a:lstStyle/>
+          <a:p>
+            <a:pPr>
+              <a:defRPr/>
+            </a:pPr>
+            <a:r>
+              <a:rPr lang="en-US" altLang="ko-KR" dirty="0"/>
+              <a:t>Asynchronous</a:t>
+            </a:r>
           </a:p>
         </p:txBody>
       </p:sp>
@@ -16044,7 +16374,7 @@
           <a:p>
             <a:fld id="{218E8BD7-F182-4B37-9978-F83F0E1A36DD}" type="slidenum">
               <a:rPr lang="ko-KR" altLang="en-US" smtClean="0"/>
-              <a:t>40</a:t>
+              <a:t>41</a:t>
             </a:fld>
             <a:endParaRPr lang="ko-KR" altLang="en-US"/>
           </a:p>
@@ -16059,14 +16389,14 @@
     <mc:Choice Requires="p14">
       <p:transition/>
     </mc:Choice>
-    <mc:Fallback xmlns:dsp="http://schemas.microsoft.com/office/drawing/2008/diagram" xmlns:dgm="http://schemas.openxmlformats.org/drawingml/2006/diagram" xmlns:c="http://schemas.openxmlformats.org/drawingml/2006/chart" xmlns="">
+    <mc:Fallback xmlns="" xmlns:c="http://schemas.openxmlformats.org/drawingml/2006/chart" xmlns:dgm="http://schemas.openxmlformats.org/drawingml/2006/diagram" xmlns:dsp="http://schemas.microsoft.com/office/drawing/2008/diagram">
       <p:transition/>
     </mc:Fallback>
   </mc:AlternateContent>
 </p:sld>
 </file>
 
-<file path=ppt/slides/slide41.xml><?xml version="1.0" encoding="utf-8"?>
+<file path=ppt/slides/slide42.xml><?xml version="1.0" encoding="utf-8"?>
 <p:sld xmlns:a="http://schemas.openxmlformats.org/drawingml/2006/main" xmlns:r="http://schemas.openxmlformats.org/officeDocument/2006/relationships" xmlns:p="http://schemas.openxmlformats.org/presentationml/2006/main">
   <p:cSld>
     <p:spTree>
@@ -16480,7 +16810,7 @@
           <a:p>
             <a:fld id="{218E8BD7-F182-4B37-9978-F83F0E1A36DD}" type="slidenum">
               <a:rPr lang="ko-KR" altLang="en-US" smtClean="0"/>
-              <a:t>41</a:t>
+              <a:t>42</a:t>
             </a:fld>
             <a:endParaRPr lang="ko-KR" altLang="en-US"/>
           </a:p>
@@ -16495,14 +16825,14 @@
     <mc:Choice Requires="p14">
       <p:transition/>
     </mc:Choice>
-    <mc:Fallback xmlns:dsp="http://schemas.microsoft.com/office/drawing/2008/diagram" xmlns:dgm="http://schemas.openxmlformats.org/drawingml/2006/diagram" xmlns:c="http://schemas.openxmlformats.org/drawingml/2006/chart" xmlns="">
+    <mc:Fallback xmlns="" xmlns:c="http://schemas.openxmlformats.org/drawingml/2006/chart" xmlns:dgm="http://schemas.openxmlformats.org/drawingml/2006/diagram" xmlns:dsp="http://schemas.microsoft.com/office/drawing/2008/diagram">
       <p:transition/>
     </mc:Fallback>
   </mc:AlternateContent>
 </p:sld>
 </file>
 
-<file path=ppt/slides/slide42.xml><?xml version="1.0" encoding="utf-8"?>
+<file path=ppt/slides/slide43.xml><?xml version="1.0" encoding="utf-8"?>
 <p:sld xmlns:a="http://schemas.openxmlformats.org/drawingml/2006/main" xmlns:r="http://schemas.openxmlformats.org/officeDocument/2006/relationships" xmlns:p="http://schemas.openxmlformats.org/presentationml/2006/main">
   <p:cSld>
     <p:spTree>
@@ -16602,7 +16932,7 @@
           <a:p>
             <a:fld id="{218E8BD7-F182-4B37-9978-F83F0E1A36DD}" type="slidenum">
               <a:rPr lang="ko-KR" altLang="en-US" smtClean="0"/>
-              <a:t>42</a:t>
+              <a:t>43</a:t>
             </a:fld>
             <a:endParaRPr lang="ko-KR" altLang="en-US"/>
           </a:p>
@@ -16622,7 +16952,7 @@
 </p:sld>
 </file>
 
-<file path=ppt/slides/slide43.xml><?xml version="1.0" encoding="utf-8"?>
+<file path=ppt/slides/slide44.xml><?xml version="1.0" encoding="utf-8"?>
 <p:sld xmlns:a="http://schemas.openxmlformats.org/drawingml/2006/main" xmlns:r="http://schemas.openxmlformats.org/officeDocument/2006/relationships" xmlns:p="http://schemas.openxmlformats.org/presentationml/2006/main">
   <p:cSld>
     <p:spTree>
@@ -17066,7 +17396,7 @@
           <a:p>
             <a:fld id="{218E8BD7-F182-4B37-9978-F83F0E1A36DD}" type="slidenum">
               <a:rPr lang="ko-KR" altLang="en-US" smtClean="0"/>
-              <a:t>43</a:t>
+              <a:t>44</a:t>
             </a:fld>
             <a:endParaRPr lang="ko-KR" altLang="en-US"/>
           </a:p>
@@ -17086,7 +17416,7 @@
 </p:sld>
 </file>
 
-<file path=ppt/slides/slide44.xml><?xml version="1.0" encoding="utf-8"?>
+<file path=ppt/slides/slide45.xml><?xml version="1.0" encoding="utf-8"?>
 <p:sld xmlns:a="http://schemas.openxmlformats.org/drawingml/2006/main" xmlns:r="http://schemas.openxmlformats.org/officeDocument/2006/relationships" xmlns:p="http://schemas.openxmlformats.org/presentationml/2006/main">
   <p:cSld>
     <p:spTree>
@@ -17156,7 +17486,7 @@
           <a:p>
             <a:fld id="{218E8BD7-F182-4B37-9978-F83F0E1A36DD}" type="slidenum">
               <a:rPr lang="ko-KR" altLang="en-US" smtClean="0"/>
-              <a:t>44</a:t>
+              <a:t>45</a:t>
             </a:fld>
             <a:endParaRPr lang="ko-KR" altLang="en-US"/>
           </a:p>
@@ -17256,12 +17586,41 @@
           </a:p>
         </p:txBody>
       </p:sp>
+      <p:sp>
+        <p:nvSpPr>
+          <p:cNvPr id="3" name="슬라이드 번호 개체 틀 2">
+            <a:extLst>
+              <a:ext uri="{FF2B5EF4-FFF2-40B4-BE49-F238E27FC236}">
+                <a16:creationId xmlns:a16="http://schemas.microsoft.com/office/drawing/2014/main" id="{03837179-CD6E-4CAB-BD23-4F4D091DFDB6}"/>
+              </a:ext>
+            </a:extLst>
+          </p:cNvPr>
+          <p:cNvSpPr>
+            <a:spLocks noGrp="1"/>
+          </p:cNvSpPr>
+          <p:nvPr>
+            <p:ph type="sldNum" sz="quarter" idx="12"/>
+          </p:nvPr>
+        </p:nvSpPr>
+        <p:spPr/>
+        <p:txBody>
+          <a:bodyPr/>
+          <a:lstStyle/>
+          <a:p>
+            <a:fld id="{218E8BD7-F182-4B37-9978-F83F0E1A36DD}" type="slidenum">
+              <a:rPr lang="ko-KR" altLang="en-US" smtClean="0"/>
+              <a:t>5</a:t>
+            </a:fld>
+            <a:endParaRPr lang="ko-KR" altLang="en-US"/>
+          </a:p>
+        </p:txBody>
+      </p:sp>
       <p:pic>
         <p:nvPicPr>
-          <p:cNvPr id="2054" name="Picture 6" descr="JavaScript의 정의,개념 : 네이버 블로그">
-            <a:extLst>
-              <a:ext uri="{FF2B5EF4-FFF2-40B4-BE49-F238E27FC236}">
-                <a16:creationId xmlns:a16="http://schemas.microsoft.com/office/drawing/2014/main" id="{8A385C07-CE5F-4CF3-AF48-92FAB20DB525}"/>
+          <p:cNvPr id="8" name="Picture 4">
+            <a:extLst>
+              <a:ext uri="{FF2B5EF4-FFF2-40B4-BE49-F238E27FC236}">
+                <a16:creationId xmlns:a16="http://schemas.microsoft.com/office/drawing/2014/main" id="{30B9B475-4ABF-4CE0-B1E1-C65EEA7010DA}"/>
               </a:ext>
             </a:extLst>
           </p:cNvPr>
@@ -17285,7 +17644,54 @@
         </p:blipFill>
         <p:spPr bwMode="auto">
           <a:xfrm>
-            <a:off x="2190360" y="2152080"/>
+            <a:off x="7159800" y="1012934"/>
+            <a:ext cx="3165000" cy="3108868"/>
+          </a:xfrm>
+          <a:prstGeom prst="rect">
+            <a:avLst/>
+          </a:prstGeom>
+          <a:noFill/>
+          <a:extLst>
+            <a:ext uri="{909E8E84-426E-40DD-AFC4-6F175D3DCCD1}">
+              <a14:hiddenFill xmlns:a14="http://schemas.microsoft.com/office/drawing/2010/main">
+                <a:solidFill>
+                  <a:srgbClr val="FFFFFF"/>
+                </a:solidFill>
+              </a14:hiddenFill>
+            </a:ext>
+          </a:extLst>
+        </p:spPr>
+      </p:pic>
+      <p:pic>
+        <p:nvPicPr>
+          <p:cNvPr id="9" name="Picture 6" descr="JavaScript의 정의,개념 : 네이버 블로그">
+            <a:extLst>
+              <a:ext uri="{FF2B5EF4-FFF2-40B4-BE49-F238E27FC236}">
+                <a16:creationId xmlns:a16="http://schemas.microsoft.com/office/drawing/2014/main" id="{A53A913C-8024-4483-BDF7-65A3AF6F2016}"/>
+              </a:ext>
+            </a:extLst>
+          </p:cNvPr>
+          <p:cNvPicPr>
+            <a:picLocks noChangeAspect="1" noChangeArrowheads="1"/>
+          </p:cNvPicPr>
+          <p:nvPr/>
+        </p:nvPicPr>
+        <p:blipFill>
+          <a:blip r:embed="rId4">
+            <a:extLst>
+              <a:ext uri="{28A0092B-C50C-407E-A947-70E740481C1C}">
+                <a14:useLocalDpi xmlns:a14="http://schemas.microsoft.com/office/drawing/2010/main" val="0"/>
+              </a:ext>
+            </a:extLst>
+          </a:blip>
+          <a:srcRect/>
+          <a:stretch>
+            <a:fillRect/>
+          </a:stretch>
+        </p:blipFill>
+        <p:spPr bwMode="auto">
+          <a:xfrm>
+            <a:off x="1723352" y="2316417"/>
             <a:ext cx="3179249" cy="2602369"/>
           </a:xfrm>
           <a:prstGeom prst="rect">
@@ -17303,106 +17709,12 @@
           </a:extLst>
         </p:spPr>
       </p:pic>
-      <p:pic>
-        <p:nvPicPr>
-          <p:cNvPr id="5122" name="Picture 2" descr="JS] ECMAScript 버전별 명칭 정리. 혼란스러운 ECMAScript의 버전 | by sundev | Medium">
-            <a:extLst>
-              <a:ext uri="{FF2B5EF4-FFF2-40B4-BE49-F238E27FC236}">
-                <a16:creationId xmlns:a16="http://schemas.microsoft.com/office/drawing/2014/main" id="{035D31A4-89CB-4B76-AA5B-6DF35A046117}"/>
-              </a:ext>
-            </a:extLst>
-          </p:cNvPr>
-          <p:cNvPicPr>
-            <a:picLocks noChangeAspect="1" noChangeArrowheads="1"/>
-          </p:cNvPicPr>
-          <p:nvPr/>
-        </p:nvPicPr>
-        <p:blipFill>
-          <a:blip r:embed="rId4">
-            <a:extLst>
-              <a:ext uri="{28A0092B-C50C-407E-A947-70E740481C1C}">
-                <a14:useLocalDpi xmlns:a14="http://schemas.microsoft.com/office/drawing/2010/main" val="0"/>
-              </a:ext>
-            </a:extLst>
-          </a:blip>
-          <a:srcRect/>
-          <a:stretch>
-            <a:fillRect/>
-          </a:stretch>
-        </p:blipFill>
-        <p:spPr bwMode="auto">
-          <a:xfrm>
-            <a:off x="7120972" y="2459364"/>
-            <a:ext cx="3304398" cy="1987802"/>
-          </a:xfrm>
-          <a:prstGeom prst="rect">
-            <a:avLst/>
-          </a:prstGeom>
-          <a:noFill/>
-          <a:extLst>
-            <a:ext uri="{909E8E84-426E-40DD-AFC4-6F175D3DCCD1}">
-              <a14:hiddenFill xmlns:a14="http://schemas.microsoft.com/office/drawing/2010/main">
-                <a:solidFill>
-                  <a:srgbClr val="FFFFFF"/>
-                </a:solidFill>
-              </a14:hiddenFill>
-            </a:ext>
-          </a:extLst>
-        </p:spPr>
-      </p:pic>
-      <p:pic>
-        <p:nvPicPr>
-          <p:cNvPr id="7" name="Picture 10">
-            <a:extLst>
-              <a:ext uri="{FF2B5EF4-FFF2-40B4-BE49-F238E27FC236}">
-                <a16:creationId xmlns:a16="http://schemas.microsoft.com/office/drawing/2014/main" id="{CD1717DE-8B9A-43FC-AFDA-A940E3AA2F1D}"/>
-              </a:ext>
-            </a:extLst>
-          </p:cNvPr>
-          <p:cNvPicPr>
-            <a:picLocks noChangeAspect="1" noChangeArrowheads="1"/>
-          </p:cNvPicPr>
-          <p:nvPr/>
-        </p:nvPicPr>
-        <p:blipFill>
-          <a:blip r:embed="rId5">
-            <a:extLst>
-              <a:ext uri="{28A0092B-C50C-407E-A947-70E740481C1C}">
-                <a14:useLocalDpi xmlns:a14="http://schemas.microsoft.com/office/drawing/2010/main" val="0"/>
-              </a:ext>
-            </a:extLst>
-          </a:blip>
-          <a:srcRect/>
-          <a:stretch>
-            <a:fillRect/>
-          </a:stretch>
-        </p:blipFill>
-        <p:spPr bwMode="auto">
-          <a:xfrm>
-            <a:off x="4349621" y="5257431"/>
-            <a:ext cx="3954625" cy="1074340"/>
-          </a:xfrm>
-          <a:prstGeom prst="rect">
-            <a:avLst/>
-          </a:prstGeom>
-          <a:noFill/>
-          <a:extLst>
-            <a:ext uri="{909E8E84-426E-40DD-AFC4-6F175D3DCCD1}">
-              <a14:hiddenFill xmlns:a14="http://schemas.microsoft.com/office/drawing/2010/main">
-                <a:solidFill>
-                  <a:srgbClr val="FFFFFF"/>
-                </a:solidFill>
-              </a14:hiddenFill>
-            </a:ext>
-          </a:extLst>
-        </p:spPr>
-      </p:pic>
-      <p:sp>
-        <p:nvSpPr>
-          <p:cNvPr id="10" name="화살표: 오른쪽 9">
-            <a:extLst>
-              <a:ext uri="{FF2B5EF4-FFF2-40B4-BE49-F238E27FC236}">
-                <a16:creationId xmlns:a16="http://schemas.microsoft.com/office/drawing/2014/main" id="{B3BF09E3-3004-40A6-AC0F-FF2BD3924B69}"/>
+      <p:sp>
+        <p:nvSpPr>
+          <p:cNvPr id="11" name="화살표: 오른쪽 10">
+            <a:extLst>
+              <a:ext uri="{FF2B5EF4-FFF2-40B4-BE49-F238E27FC236}">
+                <a16:creationId xmlns:a16="http://schemas.microsoft.com/office/drawing/2014/main" id="{97EA0007-ED95-4883-81CA-C4E1B2CB4F63}"/>
               </a:ext>
             </a:extLst>
           </p:cNvPr>
@@ -17411,7 +17723,7 @@
         </p:nvSpPr>
         <p:spPr>
           <a:xfrm>
-            <a:off x="5517502" y="3279710"/>
+            <a:off x="5050494" y="3444047"/>
             <a:ext cx="1455576" cy="751114"/>
           </a:xfrm>
           <a:prstGeom prst="rightArrow">
@@ -17443,35 +17755,36 @@
           </a:p>
         </p:txBody>
       </p:sp>
-      <p:sp>
-        <p:nvSpPr>
-          <p:cNvPr id="3" name="슬라이드 번호 개체 틀 2">
-            <a:extLst>
-              <a:ext uri="{FF2B5EF4-FFF2-40B4-BE49-F238E27FC236}">
-                <a16:creationId xmlns:a16="http://schemas.microsoft.com/office/drawing/2014/main" id="{03837179-CD6E-4CAB-BD23-4F4D091DFDB6}"/>
-              </a:ext>
-            </a:extLst>
-          </p:cNvPr>
-          <p:cNvSpPr>
-            <a:spLocks noGrp="1"/>
-          </p:cNvSpPr>
-          <p:nvPr>
-            <p:ph type="sldNum" sz="quarter" idx="12"/>
-          </p:nvPr>
-        </p:nvSpPr>
-        <p:spPr/>
-        <p:txBody>
-          <a:bodyPr/>
-          <a:lstStyle/>
-          <a:p>
-            <a:fld id="{218E8BD7-F182-4B37-9978-F83F0E1A36DD}" type="slidenum">
-              <a:rPr lang="ko-KR" altLang="en-US" smtClean="0"/>
-              <a:t>5</a:t>
-            </a:fld>
-            <a:endParaRPr lang="ko-KR" altLang="en-US"/>
-          </a:p>
-        </p:txBody>
-      </p:sp>
+      <p:pic>
+        <p:nvPicPr>
+          <p:cNvPr id="12" name="그림 11">
+            <a:extLst>
+              <a:ext uri="{FF2B5EF4-FFF2-40B4-BE49-F238E27FC236}">
+                <a16:creationId xmlns:a16="http://schemas.microsoft.com/office/drawing/2014/main" id="{BE7067A6-6368-48AB-A89E-1C5002BBB6BA}"/>
+              </a:ext>
+            </a:extLst>
+          </p:cNvPr>
+          <p:cNvPicPr>
+            <a:picLocks noChangeAspect="1"/>
+          </p:cNvPicPr>
+          <p:nvPr/>
+        </p:nvPicPr>
+        <p:blipFill>
+          <a:blip r:embed="rId5"/>
+          <a:stretch>
+            <a:fillRect/>
+          </a:stretch>
+        </p:blipFill>
+        <p:spPr>
+          <a:xfrm>
+            <a:off x="7600270" y="4443374"/>
+            <a:ext cx="2724530" cy="1695687"/>
+          </a:xfrm>
+          <a:prstGeom prst="rect">
+            <a:avLst/>
+          </a:prstGeom>
+        </p:spPr>
+      </p:pic>
     </p:spTree>
     <p:extLst>
       <p:ext uri="{BB962C8B-B14F-4D97-AF65-F5344CB8AC3E}">
@@ -17537,10 +17850,10 @@
       </p:sp>
       <p:pic>
         <p:nvPicPr>
-          <p:cNvPr id="3074" name="Picture 2" descr="Best Viewed with Internet Explorer&amp;quot; Kids T-Shirt by ijko | Redbubble">
-            <a:extLst>
-              <a:ext uri="{FF2B5EF4-FFF2-40B4-BE49-F238E27FC236}">
-                <a16:creationId xmlns:a16="http://schemas.microsoft.com/office/drawing/2014/main" id="{115A5227-F805-4C35-8D1F-C8FE17EB9FE5}"/>
+          <p:cNvPr id="2054" name="Picture 6" descr="JavaScript의 정의,개념 : 네이버 블로그">
+            <a:extLst>
+              <a:ext uri="{FF2B5EF4-FFF2-40B4-BE49-F238E27FC236}">
+                <a16:creationId xmlns:a16="http://schemas.microsoft.com/office/drawing/2014/main" id="{8A385C07-CE5F-4CF3-AF48-92FAB20DB525}"/>
               </a:ext>
             </a:extLst>
           </p:cNvPr>
@@ -17549,21 +17862,23 @@
           </p:cNvPicPr>
           <p:nvPr/>
         </p:nvPicPr>
-        <p:blipFill rotWithShape="1">
-          <a:blip r:embed="rId2">
+        <p:blipFill>
+          <a:blip r:embed="rId3">
             <a:extLst>
               <a:ext uri="{28A0092B-C50C-407E-A947-70E740481C1C}">
                 <a14:useLocalDpi xmlns:a14="http://schemas.microsoft.com/office/drawing/2010/main" val="0"/>
               </a:ext>
             </a:extLst>
           </a:blip>
-          <a:srcRect t="17483" b="46599"/>
-          <a:stretch/>
+          <a:srcRect/>
+          <a:stretch>
+            <a:fillRect/>
+          </a:stretch>
         </p:blipFill>
         <p:spPr bwMode="auto">
           <a:xfrm>
-            <a:off x="838200" y="4603426"/>
-            <a:ext cx="3945299" cy="1889449"/>
+            <a:off x="2190360" y="2152080"/>
+            <a:ext cx="3179249" cy="2602369"/>
           </a:xfrm>
           <a:prstGeom prst="rect">
             <a:avLst/>
@@ -17582,40 +17897,10 @@
       </p:pic>
       <p:pic>
         <p:nvPicPr>
-          <p:cNvPr id="4" name="그림 3">
-            <a:extLst>
-              <a:ext uri="{FF2B5EF4-FFF2-40B4-BE49-F238E27FC236}">
-                <a16:creationId xmlns:a16="http://schemas.microsoft.com/office/drawing/2014/main" id="{1EC85794-97B5-4BAE-8FAD-C99A59FB886B}"/>
-              </a:ext>
-            </a:extLst>
-          </p:cNvPr>
-          <p:cNvPicPr>
-            <a:picLocks noChangeAspect="1"/>
-          </p:cNvPicPr>
-          <p:nvPr/>
-        </p:nvPicPr>
-        <p:blipFill>
-          <a:blip r:embed="rId3"/>
-          <a:stretch>
-            <a:fillRect/>
-          </a:stretch>
-        </p:blipFill>
-        <p:spPr>
-          <a:xfrm>
-            <a:off x="1293850" y="2254574"/>
-            <a:ext cx="2724530" cy="1695687"/>
-          </a:xfrm>
-          <a:prstGeom prst="rect">
-            <a:avLst/>
-          </a:prstGeom>
-        </p:spPr>
-      </p:pic>
-      <p:pic>
-        <p:nvPicPr>
-          <p:cNvPr id="3076" name="Picture 4" descr="ActionScript 3.0 for Adobe Flash - Digiscape Gallery">
-            <a:extLst>
-              <a:ext uri="{FF2B5EF4-FFF2-40B4-BE49-F238E27FC236}">
-                <a16:creationId xmlns:a16="http://schemas.microsoft.com/office/drawing/2014/main" id="{5B8709FF-8B2A-4AF6-9374-EC13C7A10DFE}"/>
+          <p:cNvPr id="5122" name="Picture 2" descr="JS] ECMAScript 버전별 명칭 정리. 혼란스러운 ECMAScript의 버전 | by sundev | Medium">
+            <a:extLst>
+              <a:ext uri="{FF2B5EF4-FFF2-40B4-BE49-F238E27FC236}">
+                <a16:creationId xmlns:a16="http://schemas.microsoft.com/office/drawing/2014/main" id="{035D31A4-89CB-4B76-AA5B-6DF35A046117}"/>
               </a:ext>
             </a:extLst>
           </p:cNvPr>
@@ -17639,8 +17924,8 @@
         </p:blipFill>
         <p:spPr bwMode="auto">
           <a:xfrm>
-            <a:off x="5175166" y="1898157"/>
-            <a:ext cx="2408519" cy="2408519"/>
+            <a:off x="7120972" y="2459364"/>
+            <a:ext cx="3304398" cy="1987802"/>
           </a:xfrm>
           <a:prstGeom prst="rect">
             <a:avLst/>
@@ -17659,10 +17944,10 @@
       </p:pic>
       <p:pic>
         <p:nvPicPr>
-          <p:cNvPr id="3078" name="Picture 6" descr="Gallery">
-            <a:extLst>
-              <a:ext uri="{FF2B5EF4-FFF2-40B4-BE49-F238E27FC236}">
-                <a16:creationId xmlns:a16="http://schemas.microsoft.com/office/drawing/2014/main" id="{A08C0135-7623-4C85-9EC3-8016152E5D7A}"/>
+          <p:cNvPr id="7" name="Picture 10">
+            <a:extLst>
+              <a:ext uri="{FF2B5EF4-FFF2-40B4-BE49-F238E27FC236}">
+                <a16:creationId xmlns:a16="http://schemas.microsoft.com/office/drawing/2014/main" id="{CD1717DE-8B9A-43FC-AFDA-A940E3AA2F1D}"/>
               </a:ext>
             </a:extLst>
           </p:cNvPr>
@@ -17686,8 +17971,8 @@
         </p:blipFill>
         <p:spPr bwMode="auto">
           <a:xfrm>
-            <a:off x="5450737" y="4558785"/>
-            <a:ext cx="1857375" cy="2076450"/>
+            <a:off x="4349621" y="5257431"/>
+            <a:ext cx="3954625" cy="1074340"/>
           </a:xfrm>
           <a:prstGeom prst="rect">
             <a:avLst/>
@@ -17704,89 +17989,58 @@
           </a:extLst>
         </p:spPr>
       </p:pic>
-      <p:pic>
-        <p:nvPicPr>
-          <p:cNvPr id="6" name="그림 5">
-            <a:extLst>
-              <a:ext uri="{FF2B5EF4-FFF2-40B4-BE49-F238E27FC236}">
-                <a16:creationId xmlns:a16="http://schemas.microsoft.com/office/drawing/2014/main" id="{E6BA0A72-0830-4BCA-B1AD-A6CF06EE2240}"/>
-              </a:ext>
-            </a:extLst>
-          </p:cNvPr>
-          <p:cNvPicPr>
-            <a:picLocks noChangeAspect="1"/>
-          </p:cNvPicPr>
+      <p:sp>
+        <p:nvSpPr>
+          <p:cNvPr id="10" name="화살표: 오른쪽 9">
+            <a:extLst>
+              <a:ext uri="{FF2B5EF4-FFF2-40B4-BE49-F238E27FC236}">
+                <a16:creationId xmlns:a16="http://schemas.microsoft.com/office/drawing/2014/main" id="{B3BF09E3-3004-40A6-AC0F-FF2BD3924B69}"/>
+              </a:ext>
+            </a:extLst>
+          </p:cNvPr>
+          <p:cNvSpPr/>
           <p:nvPr/>
-        </p:nvPicPr>
-        <p:blipFill>
-          <a:blip r:embed="rId6"/>
-          <a:stretch>
-            <a:fillRect/>
-          </a:stretch>
-        </p:blipFill>
+        </p:nvSpPr>
         <p:spPr>
           <a:xfrm>
-            <a:off x="8659485" y="5099611"/>
-            <a:ext cx="2524175" cy="1133854"/>
+            <a:off x="5517502" y="3279710"/>
+            <a:ext cx="1455576" cy="751114"/>
           </a:xfrm>
-          <a:prstGeom prst="rect">
+          <a:prstGeom prst="rightArrow">
             <a:avLst/>
           </a:prstGeom>
         </p:spPr>
-      </p:pic>
-      <p:pic>
-        <p:nvPicPr>
-          <p:cNvPr id="15" name="Picture 6" descr="JavaScript의 정의,개념 : 네이버 블로그">
-            <a:extLst>
-              <a:ext uri="{FF2B5EF4-FFF2-40B4-BE49-F238E27FC236}">
-                <a16:creationId xmlns:a16="http://schemas.microsoft.com/office/drawing/2014/main" id="{CACC95F2-3246-4F3E-8E64-CB2BD9862B4A}"/>
-              </a:ext>
-            </a:extLst>
-          </p:cNvPr>
-          <p:cNvPicPr>
-            <a:picLocks noChangeAspect="1" noChangeArrowheads="1"/>
-          </p:cNvPicPr>
-          <p:nvPr/>
-        </p:nvPicPr>
-        <p:blipFill>
-          <a:blip r:embed="rId7">
-            <a:extLst>
-              <a:ext uri="{28A0092B-C50C-407E-A947-70E740481C1C}">
-                <a14:useLocalDpi xmlns:a14="http://schemas.microsoft.com/office/drawing/2010/main" val="0"/>
-              </a:ext>
-            </a:extLst>
-          </a:blip>
-          <a:srcRect/>
-          <a:stretch>
-            <a:fillRect/>
-          </a:stretch>
-        </p:blipFill>
-        <p:spPr bwMode="auto">
-          <a:xfrm>
-            <a:off x="8740472" y="2287231"/>
-            <a:ext cx="2362200" cy="1933575"/>
-          </a:xfrm>
-          <a:prstGeom prst="rect">
-            <a:avLst/>
-          </a:prstGeom>
-          <a:noFill/>
-          <a:extLst>
-            <a:ext uri="{909E8E84-426E-40DD-AFC4-6F175D3DCCD1}">
-              <a14:hiddenFill xmlns:a14="http://schemas.microsoft.com/office/drawing/2010/main">
-                <a:solidFill>
-                  <a:srgbClr val="FFFFFF"/>
-                </a:solidFill>
-              </a14:hiddenFill>
-            </a:ext>
-          </a:extLst>
-        </p:spPr>
-      </p:pic>
+        <p:style>
+          <a:lnRef idx="2">
+            <a:schemeClr val="accent1">
+              <a:shade val="50000"/>
+            </a:schemeClr>
+          </a:lnRef>
+          <a:fillRef idx="1">
+            <a:schemeClr val="accent1"/>
+          </a:fillRef>
+          <a:effectRef idx="0">
+            <a:schemeClr val="accent1"/>
+          </a:effectRef>
+          <a:fontRef idx="minor">
+            <a:schemeClr val="lt1"/>
+          </a:fontRef>
+        </p:style>
+        <p:txBody>
+          <a:bodyPr rtlCol="0" anchor="ctr"/>
+          <a:lstStyle/>
+          <a:p>
+            <a:pPr algn="ctr"/>
+            <a:endParaRPr lang="ko-KR" altLang="en-US"/>
+          </a:p>
+        </p:txBody>
+      </p:sp>
       <p:sp>
         <p:nvSpPr>
           <p:cNvPr id="3" name="슬라이드 번호 개체 틀 2">
             <a:extLst>
               <a:ext uri="{FF2B5EF4-FFF2-40B4-BE49-F238E27FC236}">
-                <a16:creationId xmlns:a16="http://schemas.microsoft.com/office/drawing/2014/main" id="{762B8DD4-EC49-4603-B853-386BD374506E}"/>
+                <a16:creationId xmlns:a16="http://schemas.microsoft.com/office/drawing/2014/main" id="{03837179-CD6E-4CAB-BD23-4F4D091DFDB6}"/>
               </a:ext>
             </a:extLst>
           </p:cNvPr>
@@ -17813,7 +18067,7 @@
     </p:spTree>
     <p:extLst>
       <p:ext uri="{BB962C8B-B14F-4D97-AF65-F5344CB8AC3E}">
-        <p14:creationId xmlns:p14="http://schemas.microsoft.com/office/powerpoint/2010/main" val="291270022"/>
+        <p14:creationId xmlns:p14="http://schemas.microsoft.com/office/powerpoint/2010/main" val="573289912"/>
       </p:ext>
     </p:extLst>
   </p:cSld>
@@ -17875,10 +18129,85 @@
       </p:sp>
       <p:pic>
         <p:nvPicPr>
-          <p:cNvPr id="4100" name="Picture 4" descr="Level 63: Google | Rolling Sky Fan Wiki | Fandom">
-            <a:extLst>
-              <a:ext uri="{FF2B5EF4-FFF2-40B4-BE49-F238E27FC236}">
-                <a16:creationId xmlns:a16="http://schemas.microsoft.com/office/drawing/2014/main" id="{E1EBACA5-7F78-4D18-8F93-2B74F2AB27C4}"/>
+          <p:cNvPr id="3074" name="Picture 2" descr="Best Viewed with Internet Explorer&amp;quot; Kids T-Shirt by ijko | Redbubble">
+            <a:extLst>
+              <a:ext uri="{FF2B5EF4-FFF2-40B4-BE49-F238E27FC236}">
+                <a16:creationId xmlns:a16="http://schemas.microsoft.com/office/drawing/2014/main" id="{115A5227-F805-4C35-8D1F-C8FE17EB9FE5}"/>
+              </a:ext>
+            </a:extLst>
+          </p:cNvPr>
+          <p:cNvPicPr>
+            <a:picLocks noChangeAspect="1" noChangeArrowheads="1"/>
+          </p:cNvPicPr>
+          <p:nvPr/>
+        </p:nvPicPr>
+        <p:blipFill rotWithShape="1">
+          <a:blip r:embed="rId2">
+            <a:extLst>
+              <a:ext uri="{28A0092B-C50C-407E-A947-70E740481C1C}">
+                <a14:useLocalDpi xmlns:a14="http://schemas.microsoft.com/office/drawing/2010/main" val="0"/>
+              </a:ext>
+            </a:extLst>
+          </a:blip>
+          <a:srcRect t="17483" b="46599"/>
+          <a:stretch/>
+        </p:blipFill>
+        <p:spPr bwMode="auto">
+          <a:xfrm>
+            <a:off x="838200" y="4603426"/>
+            <a:ext cx="3945299" cy="1889449"/>
+          </a:xfrm>
+          <a:prstGeom prst="rect">
+            <a:avLst/>
+          </a:prstGeom>
+          <a:noFill/>
+          <a:extLst>
+            <a:ext uri="{909E8E84-426E-40DD-AFC4-6F175D3DCCD1}">
+              <a14:hiddenFill xmlns:a14="http://schemas.microsoft.com/office/drawing/2010/main">
+                <a:solidFill>
+                  <a:srgbClr val="FFFFFF"/>
+                </a:solidFill>
+              </a14:hiddenFill>
+            </a:ext>
+          </a:extLst>
+        </p:spPr>
+      </p:pic>
+      <p:pic>
+        <p:nvPicPr>
+          <p:cNvPr id="4" name="그림 3">
+            <a:extLst>
+              <a:ext uri="{FF2B5EF4-FFF2-40B4-BE49-F238E27FC236}">
+                <a16:creationId xmlns:a16="http://schemas.microsoft.com/office/drawing/2014/main" id="{1EC85794-97B5-4BAE-8FAD-C99A59FB886B}"/>
+              </a:ext>
+            </a:extLst>
+          </p:cNvPr>
+          <p:cNvPicPr>
+            <a:picLocks noChangeAspect="1"/>
+          </p:cNvPicPr>
+          <p:nvPr/>
+        </p:nvPicPr>
+        <p:blipFill>
+          <a:blip r:embed="rId3"/>
+          <a:stretch>
+            <a:fillRect/>
+          </a:stretch>
+        </p:blipFill>
+        <p:spPr>
+          <a:xfrm>
+            <a:off x="1293850" y="2254574"/>
+            <a:ext cx="2724530" cy="1695687"/>
+          </a:xfrm>
+          <a:prstGeom prst="rect">
+            <a:avLst/>
+          </a:prstGeom>
+        </p:spPr>
+      </p:pic>
+      <p:pic>
+        <p:nvPicPr>
+          <p:cNvPr id="3076" name="Picture 4" descr="ActionScript 3.0 for Adobe Flash - Digiscape Gallery">
+            <a:extLst>
+              <a:ext uri="{FF2B5EF4-FFF2-40B4-BE49-F238E27FC236}">
+                <a16:creationId xmlns:a16="http://schemas.microsoft.com/office/drawing/2014/main" id="{5B8709FF-8B2A-4AF6-9374-EC13C7A10DFE}"/>
               </a:ext>
             </a:extLst>
           </p:cNvPr>
@@ -17888,7 +18217,7 @@
           <p:nvPr/>
         </p:nvPicPr>
         <p:blipFill>
-          <a:blip r:embed="rId3">
+          <a:blip r:embed="rId4">
             <a:extLst>
               <a:ext uri="{28A0092B-C50C-407E-A947-70E740481C1C}">
                 <a14:useLocalDpi xmlns:a14="http://schemas.microsoft.com/office/drawing/2010/main" val="0"/>
@@ -17902,8 +18231,8 @@
         </p:blipFill>
         <p:spPr bwMode="auto">
           <a:xfrm>
-            <a:off x="2051568" y="1985866"/>
-            <a:ext cx="3460880" cy="3460880"/>
+            <a:off x="5175166" y="1898157"/>
+            <a:ext cx="2408519" cy="2408519"/>
           </a:xfrm>
           <a:prstGeom prst="rect">
             <a:avLst/>
@@ -17922,10 +18251,10 @@
       </p:pic>
       <p:pic>
         <p:nvPicPr>
-          <p:cNvPr id="4102" name="Picture 6">
-            <a:extLst>
-              <a:ext uri="{FF2B5EF4-FFF2-40B4-BE49-F238E27FC236}">
-                <a16:creationId xmlns:a16="http://schemas.microsoft.com/office/drawing/2014/main" id="{E643400D-FDA5-4158-B3E1-9D44007641E3}"/>
+          <p:cNvPr id="3078" name="Picture 6" descr="Gallery">
+            <a:extLst>
+              <a:ext uri="{FF2B5EF4-FFF2-40B4-BE49-F238E27FC236}">
+                <a16:creationId xmlns:a16="http://schemas.microsoft.com/office/drawing/2014/main" id="{A08C0135-7623-4C85-9EC3-8016152E5D7A}"/>
               </a:ext>
             </a:extLst>
           </p:cNvPr>
@@ -17935,7 +18264,7 @@
           <p:nvPr/>
         </p:nvPicPr>
         <p:blipFill>
-          <a:blip r:embed="rId4">
+          <a:blip r:embed="rId5">
             <a:extLst>
               <a:ext uri="{28A0092B-C50C-407E-A947-70E740481C1C}">
                 <a14:useLocalDpi xmlns:a14="http://schemas.microsoft.com/office/drawing/2010/main" val="0"/>
@@ -17949,8 +18278,8 @@
         </p:blipFill>
         <p:spPr bwMode="auto">
           <a:xfrm>
-            <a:off x="7287597" y="1940930"/>
-            <a:ext cx="3460880" cy="3460880"/>
+            <a:off x="5450737" y="4558785"/>
+            <a:ext cx="1857375" cy="2076450"/>
           </a:xfrm>
           <a:prstGeom prst="rect">
             <a:avLst/>
@@ -17967,12 +18296,89 @@
           </a:extLst>
         </p:spPr>
       </p:pic>
+      <p:pic>
+        <p:nvPicPr>
+          <p:cNvPr id="6" name="그림 5">
+            <a:extLst>
+              <a:ext uri="{FF2B5EF4-FFF2-40B4-BE49-F238E27FC236}">
+                <a16:creationId xmlns:a16="http://schemas.microsoft.com/office/drawing/2014/main" id="{E6BA0A72-0830-4BCA-B1AD-A6CF06EE2240}"/>
+              </a:ext>
+            </a:extLst>
+          </p:cNvPr>
+          <p:cNvPicPr>
+            <a:picLocks noChangeAspect="1"/>
+          </p:cNvPicPr>
+          <p:nvPr/>
+        </p:nvPicPr>
+        <p:blipFill>
+          <a:blip r:embed="rId6"/>
+          <a:stretch>
+            <a:fillRect/>
+          </a:stretch>
+        </p:blipFill>
+        <p:spPr>
+          <a:xfrm>
+            <a:off x="8659485" y="5099611"/>
+            <a:ext cx="2524175" cy="1133854"/>
+          </a:xfrm>
+          <a:prstGeom prst="rect">
+            <a:avLst/>
+          </a:prstGeom>
+        </p:spPr>
+      </p:pic>
+      <p:pic>
+        <p:nvPicPr>
+          <p:cNvPr id="15" name="Picture 6" descr="JavaScript의 정의,개념 : 네이버 블로그">
+            <a:extLst>
+              <a:ext uri="{FF2B5EF4-FFF2-40B4-BE49-F238E27FC236}">
+                <a16:creationId xmlns:a16="http://schemas.microsoft.com/office/drawing/2014/main" id="{CACC95F2-3246-4F3E-8E64-CB2BD9862B4A}"/>
+              </a:ext>
+            </a:extLst>
+          </p:cNvPr>
+          <p:cNvPicPr>
+            <a:picLocks noChangeAspect="1" noChangeArrowheads="1"/>
+          </p:cNvPicPr>
+          <p:nvPr/>
+        </p:nvPicPr>
+        <p:blipFill>
+          <a:blip r:embed="rId7">
+            <a:extLst>
+              <a:ext uri="{28A0092B-C50C-407E-A947-70E740481C1C}">
+                <a14:useLocalDpi xmlns:a14="http://schemas.microsoft.com/office/drawing/2010/main" val="0"/>
+              </a:ext>
+            </a:extLst>
+          </a:blip>
+          <a:srcRect/>
+          <a:stretch>
+            <a:fillRect/>
+          </a:stretch>
+        </p:blipFill>
+        <p:spPr bwMode="auto">
+          <a:xfrm>
+            <a:off x="8740472" y="2287231"/>
+            <a:ext cx="2362200" cy="1933575"/>
+          </a:xfrm>
+          <a:prstGeom prst="rect">
+            <a:avLst/>
+          </a:prstGeom>
+          <a:noFill/>
+          <a:extLst>
+            <a:ext uri="{909E8E84-426E-40DD-AFC4-6F175D3DCCD1}">
+              <a14:hiddenFill xmlns:a14="http://schemas.microsoft.com/office/drawing/2010/main">
+                <a:solidFill>
+                  <a:srgbClr val="FFFFFF"/>
+                </a:solidFill>
+              </a14:hiddenFill>
+            </a:ext>
+          </a:extLst>
+        </p:spPr>
+      </p:pic>
       <p:sp>
         <p:nvSpPr>
           <p:cNvPr id="3" name="슬라이드 번호 개체 틀 2">
             <a:extLst>
               <a:ext uri="{FF2B5EF4-FFF2-40B4-BE49-F238E27FC236}">
-                <a16:creationId xmlns:a16="http://schemas.microsoft.com/office/drawing/2014/main" id="{15BC700F-A2DF-4541-9D77-7F515BC15FBB}"/>
+                <a16:creationId xmlns:a16="http://schemas.microsoft.com/office/drawing/2014/main" id="{762B8DD4-EC49-4603-B853-386BD374506E}"/>
               </a:ext>
             </a:extLst>
           </p:cNvPr>
@@ -17999,7 +18405,7 @@
     </p:spTree>
     <p:extLst>
       <p:ext uri="{BB962C8B-B14F-4D97-AF65-F5344CB8AC3E}">
-        <p14:creationId xmlns:p14="http://schemas.microsoft.com/office/powerpoint/2010/main" val="1099797954"/>
+        <p14:creationId xmlns:p14="http://schemas.microsoft.com/office/powerpoint/2010/main" val="291270022"/>
       </p:ext>
     </p:extLst>
   </p:cSld>
@@ -18088,8 +18494,8 @@
         </p:blipFill>
         <p:spPr bwMode="auto">
           <a:xfrm>
-            <a:off x="838200" y="1825083"/>
-            <a:ext cx="1774369" cy="1774369"/>
+            <a:off x="2051568" y="1985866"/>
+            <a:ext cx="3460880" cy="3460880"/>
           </a:xfrm>
           <a:prstGeom prst="rect">
             <a:avLst/>
@@ -18108,10 +18514,10 @@
       </p:pic>
       <p:pic>
         <p:nvPicPr>
-          <p:cNvPr id="5" name="Picture 10">
-            <a:extLst>
-              <a:ext uri="{FF2B5EF4-FFF2-40B4-BE49-F238E27FC236}">
-                <a16:creationId xmlns:a16="http://schemas.microsoft.com/office/drawing/2014/main" id="{38F6A252-78DD-417D-9DDF-F39B68A5D093}"/>
+          <p:cNvPr id="4102" name="Picture 6">
+            <a:extLst>
+              <a:ext uri="{FF2B5EF4-FFF2-40B4-BE49-F238E27FC236}">
+                <a16:creationId xmlns:a16="http://schemas.microsoft.com/office/drawing/2014/main" id="{E643400D-FDA5-4158-B3E1-9D44007641E3}"/>
               </a:ext>
             </a:extLst>
           </p:cNvPr>
@@ -18120,7 +18526,7 @@
           </p:cNvPicPr>
           <p:nvPr/>
         </p:nvPicPr>
-        <p:blipFill rotWithShape="1">
+        <p:blipFill>
           <a:blip r:embed="rId4">
             <a:extLst>
               <a:ext uri="{28A0092B-C50C-407E-A947-70E740481C1C}">
@@ -18128,13 +18534,15 @@
               </a:ext>
             </a:extLst>
           </a:blip>
-          <a:srcRect r="71726"/>
-          <a:stretch/>
+          <a:srcRect/>
+          <a:stretch>
+            <a:fillRect/>
+          </a:stretch>
         </p:blipFill>
         <p:spPr bwMode="auto">
           <a:xfrm>
-            <a:off x="3323667" y="1825083"/>
-            <a:ext cx="1938411" cy="1862516"/>
+            <a:off x="7287597" y="1940930"/>
+            <a:ext cx="3460880" cy="3460880"/>
           </a:xfrm>
           <a:prstGeom prst="rect">
             <a:avLst/>
@@ -18151,197 +18559,12 @@
           </a:extLst>
         </p:spPr>
       </p:pic>
-      <p:pic>
-        <p:nvPicPr>
-          <p:cNvPr id="6146" name="Picture 2">
-            <a:extLst>
-              <a:ext uri="{FF2B5EF4-FFF2-40B4-BE49-F238E27FC236}">
-                <a16:creationId xmlns:a16="http://schemas.microsoft.com/office/drawing/2014/main" id="{2401D1FF-92E2-41C6-B50D-76D154B605D3}"/>
-              </a:ext>
-            </a:extLst>
-          </p:cNvPr>
-          <p:cNvPicPr>
-            <a:picLocks noChangeAspect="1" noChangeArrowheads="1"/>
-          </p:cNvPicPr>
-          <p:nvPr/>
-        </p:nvPicPr>
-        <p:blipFill>
-          <a:blip r:embed="rId5">
-            <a:extLst>
-              <a:ext uri="{28A0092B-C50C-407E-A947-70E740481C1C}">
-                <a14:useLocalDpi xmlns:a14="http://schemas.microsoft.com/office/drawing/2010/main" val="0"/>
-              </a:ext>
-            </a:extLst>
-          </a:blip>
-          <a:srcRect/>
-          <a:stretch>
-            <a:fillRect/>
-          </a:stretch>
-        </p:blipFill>
-        <p:spPr bwMode="auto">
-          <a:xfrm>
-            <a:off x="3486673" y="4319237"/>
-            <a:ext cx="1768877" cy="1875226"/>
-          </a:xfrm>
-          <a:prstGeom prst="rect">
-            <a:avLst/>
-          </a:prstGeom>
-          <a:noFill/>
-          <a:extLst>
-            <a:ext uri="{909E8E84-426E-40DD-AFC4-6F175D3DCCD1}">
-              <a14:hiddenFill xmlns:a14="http://schemas.microsoft.com/office/drawing/2010/main">
-                <a:solidFill>
-                  <a:srgbClr val="FFFFFF"/>
-                </a:solidFill>
-              </a14:hiddenFill>
-            </a:ext>
-          </a:extLst>
-        </p:spPr>
-      </p:pic>
-      <p:pic>
-        <p:nvPicPr>
-          <p:cNvPr id="6148" name="Picture 4">
-            <a:extLst>
-              <a:ext uri="{FF2B5EF4-FFF2-40B4-BE49-F238E27FC236}">
-                <a16:creationId xmlns:a16="http://schemas.microsoft.com/office/drawing/2014/main" id="{874BE629-877C-414D-A92C-DEB4926CD7F7}"/>
-              </a:ext>
-            </a:extLst>
-          </p:cNvPr>
-          <p:cNvPicPr>
-            <a:picLocks noChangeAspect="1" noChangeArrowheads="1"/>
-          </p:cNvPicPr>
-          <p:nvPr/>
-        </p:nvPicPr>
-        <p:blipFill>
-          <a:blip r:embed="rId6">
-            <a:extLst>
-              <a:ext uri="{28A0092B-C50C-407E-A947-70E740481C1C}">
-                <a14:useLocalDpi xmlns:a14="http://schemas.microsoft.com/office/drawing/2010/main" val="0"/>
-              </a:ext>
-            </a:extLst>
-          </a:blip>
-          <a:srcRect/>
-          <a:stretch>
-            <a:fillRect/>
-          </a:stretch>
-        </p:blipFill>
-        <p:spPr bwMode="auto">
-          <a:xfrm>
-            <a:off x="838200" y="4369666"/>
-            <a:ext cx="1806406" cy="1774369"/>
-          </a:xfrm>
-          <a:prstGeom prst="rect">
-            <a:avLst/>
-          </a:prstGeom>
-          <a:noFill/>
-          <a:extLst>
-            <a:ext uri="{909E8E84-426E-40DD-AFC4-6F175D3DCCD1}">
-              <a14:hiddenFill xmlns:a14="http://schemas.microsoft.com/office/drawing/2010/main">
-                <a:solidFill>
-                  <a:srgbClr val="FFFFFF"/>
-                </a:solidFill>
-              </a14:hiddenFill>
-            </a:ext>
-          </a:extLst>
-        </p:spPr>
-      </p:pic>
-      <p:sp>
-        <p:nvSpPr>
-          <p:cNvPr id="8" name="화살표: 오른쪽 7">
-            <a:extLst>
-              <a:ext uri="{FF2B5EF4-FFF2-40B4-BE49-F238E27FC236}">
-                <a16:creationId xmlns:a16="http://schemas.microsoft.com/office/drawing/2014/main" id="{5BD3A707-8D18-43E7-B121-C6514450D6E3}"/>
-              </a:ext>
-            </a:extLst>
-          </p:cNvPr>
-          <p:cNvSpPr/>
-          <p:nvPr/>
-        </p:nvSpPr>
-        <p:spPr>
-          <a:xfrm>
-            <a:off x="5394228" y="3391677"/>
-            <a:ext cx="1455576" cy="751114"/>
-          </a:xfrm>
-          <a:prstGeom prst="rightArrow">
-            <a:avLst/>
-          </a:prstGeom>
-        </p:spPr>
-        <p:style>
-          <a:lnRef idx="2">
-            <a:schemeClr val="accent1">
-              <a:shade val="50000"/>
-            </a:schemeClr>
-          </a:lnRef>
-          <a:fillRef idx="1">
-            <a:schemeClr val="accent1"/>
-          </a:fillRef>
-          <a:effectRef idx="0">
-            <a:schemeClr val="accent1"/>
-          </a:effectRef>
-          <a:fontRef idx="minor">
-            <a:schemeClr val="lt1"/>
-          </a:fontRef>
-        </p:style>
-        <p:txBody>
-          <a:bodyPr rtlCol="0" anchor="ctr"/>
-          <a:lstStyle/>
-          <a:p>
-            <a:pPr algn="ctr"/>
-            <a:endParaRPr lang="ko-KR" altLang="en-US"/>
-          </a:p>
-        </p:txBody>
-      </p:sp>
-      <p:pic>
-        <p:nvPicPr>
-          <p:cNvPr id="6150" name="Picture 6" descr="Web programming with JavaScript (ECMA-5) | BITM Training">
-            <a:extLst>
-              <a:ext uri="{FF2B5EF4-FFF2-40B4-BE49-F238E27FC236}">
-                <a16:creationId xmlns:a16="http://schemas.microsoft.com/office/drawing/2014/main" id="{A48B9363-8E0E-4E79-9944-F7DC84256D5C}"/>
-              </a:ext>
-            </a:extLst>
-          </p:cNvPr>
-          <p:cNvPicPr>
-            <a:picLocks noChangeAspect="1" noChangeArrowheads="1"/>
-          </p:cNvPicPr>
-          <p:nvPr/>
-        </p:nvPicPr>
-        <p:blipFill rotWithShape="1">
-          <a:blip r:embed="rId7">
-            <a:extLst>
-              <a:ext uri="{28A0092B-C50C-407E-A947-70E740481C1C}">
-                <a14:useLocalDpi xmlns:a14="http://schemas.microsoft.com/office/drawing/2010/main" val="0"/>
-              </a:ext>
-            </a:extLst>
-          </a:blip>
-          <a:srcRect l="12634" t="21251" r="12015" b="33136"/>
-          <a:stretch/>
-        </p:blipFill>
-        <p:spPr bwMode="auto">
-          <a:xfrm>
-            <a:off x="6981954" y="2749986"/>
-            <a:ext cx="4646645" cy="1875226"/>
-          </a:xfrm>
-          <a:prstGeom prst="rect">
-            <a:avLst/>
-          </a:prstGeom>
-          <a:noFill/>
-          <a:extLst>
-            <a:ext uri="{909E8E84-426E-40DD-AFC4-6F175D3DCCD1}">
-              <a14:hiddenFill xmlns:a14="http://schemas.microsoft.com/office/drawing/2010/main">
-                <a:solidFill>
-                  <a:srgbClr val="FFFFFF"/>
-                </a:solidFill>
-              </a14:hiddenFill>
-            </a:ext>
-          </a:extLst>
-        </p:spPr>
-      </p:pic>
       <p:sp>
         <p:nvSpPr>
           <p:cNvPr id="3" name="슬라이드 번호 개체 틀 2">
             <a:extLst>
               <a:ext uri="{FF2B5EF4-FFF2-40B4-BE49-F238E27FC236}">
-                <a16:creationId xmlns:a16="http://schemas.microsoft.com/office/drawing/2014/main" id="{8F6F8978-A34B-4240-9F2A-F5A809997E05}"/>
+                <a16:creationId xmlns:a16="http://schemas.microsoft.com/office/drawing/2014/main" id="{15BC700F-A2DF-4541-9D77-7F515BC15FBB}"/>
               </a:ext>
             </a:extLst>
           </p:cNvPr>
@@ -18368,7 +18591,7 @@
     </p:spTree>
     <p:extLst>
       <p:ext uri="{BB962C8B-B14F-4D97-AF65-F5344CB8AC3E}">
-        <p14:creationId xmlns:p14="http://schemas.microsoft.com/office/powerpoint/2010/main" val="4026413539"/>
+        <p14:creationId xmlns:p14="http://schemas.microsoft.com/office/powerpoint/2010/main" val="1099797954"/>
       </p:ext>
     </p:extLst>
   </p:cSld>
@@ -18430,10 +18653,10 @@
       </p:sp>
       <p:pic>
         <p:nvPicPr>
-          <p:cNvPr id="9" name="Picture 2" descr="ES6의 변화: Var, 이젠 안녕">
-            <a:extLst>
-              <a:ext uri="{FF2B5EF4-FFF2-40B4-BE49-F238E27FC236}">
-                <a16:creationId xmlns:a16="http://schemas.microsoft.com/office/drawing/2014/main" id="{5FA7C9D0-EB83-47BA-A3D2-A32EC306F3C3}"/>
+          <p:cNvPr id="4100" name="Picture 4" descr="Level 63: Google | Rolling Sky Fan Wiki | Fandom">
+            <a:extLst>
+              <a:ext uri="{FF2B5EF4-FFF2-40B4-BE49-F238E27FC236}">
+                <a16:creationId xmlns:a16="http://schemas.microsoft.com/office/drawing/2014/main" id="{E1EBACA5-7F78-4D18-8F93-2B74F2AB27C4}"/>
               </a:ext>
             </a:extLst>
           </p:cNvPr>
@@ -18457,8 +18680,8 @@
         </p:blipFill>
         <p:spPr bwMode="auto">
           <a:xfrm>
-            <a:off x="1190949" y="2207565"/>
-            <a:ext cx="4201741" cy="2952575"/>
+            <a:off x="838200" y="1825083"/>
+            <a:ext cx="1774369" cy="1774369"/>
           </a:xfrm>
           <a:prstGeom prst="rect">
             <a:avLst/>
@@ -18477,10 +18700,55 @@
       </p:pic>
       <p:pic>
         <p:nvPicPr>
-          <p:cNvPr id="7170" name="Picture 2" descr="Nodejs 개념 이해하기(Nodejs 란?)">
-            <a:extLst>
-              <a:ext uri="{FF2B5EF4-FFF2-40B4-BE49-F238E27FC236}">
-                <a16:creationId xmlns:a16="http://schemas.microsoft.com/office/drawing/2014/main" id="{6935B882-530D-434B-B709-A1888065B037}"/>
+          <p:cNvPr id="5" name="Picture 10">
+            <a:extLst>
+              <a:ext uri="{FF2B5EF4-FFF2-40B4-BE49-F238E27FC236}">
+                <a16:creationId xmlns:a16="http://schemas.microsoft.com/office/drawing/2014/main" id="{38F6A252-78DD-417D-9DDF-F39B68A5D093}"/>
+              </a:ext>
+            </a:extLst>
+          </p:cNvPr>
+          <p:cNvPicPr>
+            <a:picLocks noChangeAspect="1" noChangeArrowheads="1"/>
+          </p:cNvPicPr>
+          <p:nvPr/>
+        </p:nvPicPr>
+        <p:blipFill rotWithShape="1">
+          <a:blip r:embed="rId4">
+            <a:extLst>
+              <a:ext uri="{28A0092B-C50C-407E-A947-70E740481C1C}">
+                <a14:useLocalDpi xmlns:a14="http://schemas.microsoft.com/office/drawing/2010/main" val="0"/>
+              </a:ext>
+            </a:extLst>
+          </a:blip>
+          <a:srcRect r="71726"/>
+          <a:stretch/>
+        </p:blipFill>
+        <p:spPr bwMode="auto">
+          <a:xfrm>
+            <a:off x="3323667" y="1825083"/>
+            <a:ext cx="1938411" cy="1862516"/>
+          </a:xfrm>
+          <a:prstGeom prst="rect">
+            <a:avLst/>
+          </a:prstGeom>
+          <a:noFill/>
+          <a:extLst>
+            <a:ext uri="{909E8E84-426E-40DD-AFC4-6F175D3DCCD1}">
+              <a14:hiddenFill xmlns:a14="http://schemas.microsoft.com/office/drawing/2010/main">
+                <a:solidFill>
+                  <a:srgbClr val="FFFFFF"/>
+                </a:solidFill>
+              </a14:hiddenFill>
+            </a:ext>
+          </a:extLst>
+        </p:spPr>
+      </p:pic>
+      <p:pic>
+        <p:nvPicPr>
+          <p:cNvPr id="6146" name="Picture 2">
+            <a:extLst>
+              <a:ext uri="{FF2B5EF4-FFF2-40B4-BE49-F238E27FC236}">
+                <a16:creationId xmlns:a16="http://schemas.microsoft.com/office/drawing/2014/main" id="{2401D1FF-92E2-41C6-B50D-76D154B605D3}"/>
               </a:ext>
             </a:extLst>
           </p:cNvPr>
@@ -18490,7 +18758,7 @@
           <p:nvPr/>
         </p:nvPicPr>
         <p:blipFill>
-          <a:blip r:embed="rId4">
+          <a:blip r:embed="rId5">
             <a:extLst>
               <a:ext uri="{28A0092B-C50C-407E-A947-70E740481C1C}">
                 <a14:useLocalDpi xmlns:a14="http://schemas.microsoft.com/office/drawing/2010/main" val="0"/>
@@ -18504,8 +18772,8 @@
         </p:blipFill>
         <p:spPr bwMode="auto">
           <a:xfrm>
-            <a:off x="6799312" y="1262698"/>
-            <a:ext cx="4655820" cy="2327910"/>
+            <a:off x="3486673" y="4319237"/>
+            <a:ext cx="1768877" cy="1875226"/>
           </a:xfrm>
           <a:prstGeom prst="rect">
             <a:avLst/>
@@ -18524,10 +18792,10 @@
       </p:pic>
       <p:pic>
         <p:nvPicPr>
-          <p:cNvPr id="7172" name="Picture 4" descr="1. React, Angular, Vue">
-            <a:extLst>
-              <a:ext uri="{FF2B5EF4-FFF2-40B4-BE49-F238E27FC236}">
-                <a16:creationId xmlns:a16="http://schemas.microsoft.com/office/drawing/2014/main" id="{739C6F25-1A66-4FF5-B6E2-0B37E7782ED8}"/>
+          <p:cNvPr id="6148" name="Picture 4">
+            <a:extLst>
+              <a:ext uri="{FF2B5EF4-FFF2-40B4-BE49-F238E27FC236}">
+                <a16:creationId xmlns:a16="http://schemas.microsoft.com/office/drawing/2014/main" id="{874BE629-877C-414D-A92C-DEB4926CD7F7}"/>
               </a:ext>
             </a:extLst>
           </p:cNvPr>
@@ -18537,7 +18805,7 @@
           <p:nvPr/>
         </p:nvPicPr>
         <p:blipFill>
-          <a:blip r:embed="rId5">
+          <a:blip r:embed="rId6">
             <a:extLst>
               <a:ext uri="{28A0092B-C50C-407E-A947-70E740481C1C}">
                 <a14:useLocalDpi xmlns:a14="http://schemas.microsoft.com/office/drawing/2010/main" val="0"/>
@@ -18551,8 +18819,8 @@
         </p:blipFill>
         <p:spPr bwMode="auto">
           <a:xfrm>
-            <a:off x="6524992" y="3590608"/>
-            <a:ext cx="4930140" cy="2410839"/>
+            <a:off x="838200" y="4369666"/>
+            <a:ext cx="1806406" cy="1774369"/>
           </a:xfrm>
           <a:prstGeom prst="rect">
             <a:avLst/>
@@ -18571,10 +18839,101 @@
       </p:pic>
       <p:sp>
         <p:nvSpPr>
+          <p:cNvPr id="8" name="화살표: 오른쪽 7">
+            <a:extLst>
+              <a:ext uri="{FF2B5EF4-FFF2-40B4-BE49-F238E27FC236}">
+                <a16:creationId xmlns:a16="http://schemas.microsoft.com/office/drawing/2014/main" id="{5BD3A707-8D18-43E7-B121-C6514450D6E3}"/>
+              </a:ext>
+            </a:extLst>
+          </p:cNvPr>
+          <p:cNvSpPr/>
+          <p:nvPr/>
+        </p:nvSpPr>
+        <p:spPr>
+          <a:xfrm>
+            <a:off x="5394228" y="3391677"/>
+            <a:ext cx="1455576" cy="751114"/>
+          </a:xfrm>
+          <a:prstGeom prst="rightArrow">
+            <a:avLst/>
+          </a:prstGeom>
+        </p:spPr>
+        <p:style>
+          <a:lnRef idx="2">
+            <a:schemeClr val="accent1">
+              <a:shade val="50000"/>
+            </a:schemeClr>
+          </a:lnRef>
+          <a:fillRef idx="1">
+            <a:schemeClr val="accent1"/>
+          </a:fillRef>
+          <a:effectRef idx="0">
+            <a:schemeClr val="accent1"/>
+          </a:effectRef>
+          <a:fontRef idx="minor">
+            <a:schemeClr val="lt1"/>
+          </a:fontRef>
+        </p:style>
+        <p:txBody>
+          <a:bodyPr rtlCol="0" anchor="ctr"/>
+          <a:lstStyle/>
+          <a:p>
+            <a:pPr algn="ctr"/>
+            <a:endParaRPr lang="ko-KR" altLang="en-US"/>
+          </a:p>
+        </p:txBody>
+      </p:sp>
+      <p:pic>
+        <p:nvPicPr>
+          <p:cNvPr id="6150" name="Picture 6" descr="Web programming with JavaScript (ECMA-5) | BITM Training">
+            <a:extLst>
+              <a:ext uri="{FF2B5EF4-FFF2-40B4-BE49-F238E27FC236}">
+                <a16:creationId xmlns:a16="http://schemas.microsoft.com/office/drawing/2014/main" id="{A48B9363-8E0E-4E79-9944-F7DC84256D5C}"/>
+              </a:ext>
+            </a:extLst>
+          </p:cNvPr>
+          <p:cNvPicPr>
+            <a:picLocks noChangeAspect="1" noChangeArrowheads="1"/>
+          </p:cNvPicPr>
+          <p:nvPr/>
+        </p:nvPicPr>
+        <p:blipFill rotWithShape="1">
+          <a:blip r:embed="rId7">
+            <a:extLst>
+              <a:ext uri="{28A0092B-C50C-407E-A947-70E740481C1C}">
+                <a14:useLocalDpi xmlns:a14="http://schemas.microsoft.com/office/drawing/2010/main" val="0"/>
+              </a:ext>
+            </a:extLst>
+          </a:blip>
+          <a:srcRect l="12634" t="21251" r="12015" b="33136"/>
+          <a:stretch/>
+        </p:blipFill>
+        <p:spPr bwMode="auto">
+          <a:xfrm>
+            <a:off x="6981954" y="2749986"/>
+            <a:ext cx="4646645" cy="1875226"/>
+          </a:xfrm>
+          <a:prstGeom prst="rect">
+            <a:avLst/>
+          </a:prstGeom>
+          <a:noFill/>
+          <a:extLst>
+            <a:ext uri="{909E8E84-426E-40DD-AFC4-6F175D3DCCD1}">
+              <a14:hiddenFill xmlns:a14="http://schemas.microsoft.com/office/drawing/2010/main">
+                <a:solidFill>
+                  <a:srgbClr val="FFFFFF"/>
+                </a:solidFill>
+              </a14:hiddenFill>
+            </a:ext>
+          </a:extLst>
+        </p:spPr>
+      </p:pic>
+      <p:sp>
+        <p:nvSpPr>
           <p:cNvPr id="3" name="슬라이드 번호 개체 틀 2">
             <a:extLst>
               <a:ext uri="{FF2B5EF4-FFF2-40B4-BE49-F238E27FC236}">
-                <a16:creationId xmlns:a16="http://schemas.microsoft.com/office/drawing/2014/main" id="{5D6EC09F-79F9-4C1C-8536-035C36A4FDB3}"/>
+                <a16:creationId xmlns:a16="http://schemas.microsoft.com/office/drawing/2014/main" id="{8F6F8978-A34B-4240-9F2A-F5A809997E05}"/>
               </a:ext>
             </a:extLst>
           </p:cNvPr>
@@ -18601,7 +18960,7 @@
     </p:spTree>
     <p:extLst>
       <p:ext uri="{BB962C8B-B14F-4D97-AF65-F5344CB8AC3E}">
-        <p14:creationId xmlns:p14="http://schemas.microsoft.com/office/powerpoint/2010/main" val="2505159188"/>
+        <p14:creationId xmlns:p14="http://schemas.microsoft.com/office/powerpoint/2010/main" val="4026413539"/>
       </p:ext>
     </p:extLst>
   </p:cSld>
